--- a/FinalPresentation_Template_authors.pptx
+++ b/FinalPresentation_Template_authors.pptx
@@ -11,6 +11,7 @@
     <p:sldId id="258" r:id="rId6"/>
     <p:sldId id="259" r:id="rId7"/>
     <p:sldId id="260" r:id="rId8"/>
+    <p:sldId id="261" r:id="rId9"/>
   </p:sldIdLst>
   <p:sldSz cx="9144000" cy="6858000"/>
   <p:notesSz cx="7559675" cy="10691812"/>
@@ -2800,7 +2801,7 @@
         <p:spPr>
           <a:xfrm>
             <a:off x="6372360" y="135000"/>
-            <a:ext cx="2591640" cy="700920"/>
+            <a:ext cx="2591280" cy="700560"/>
           </a:xfrm>
           <a:prstGeom prst="rect">
             <a:avLst/>
@@ -2822,8 +2823,8 @@
         </p:nvSpPr>
         <p:spPr>
           <a:xfrm>
-            <a:off x="288000" y="1143000"/>
-            <a:ext cx="8567280" cy="456480"/>
+            <a:off x="457200" y="273600"/>
+            <a:ext cx="8228880" cy="1144440"/>
           </a:xfrm>
           <a:prstGeom prst="rect">
             <a:avLst/>
@@ -2883,7 +2884,7 @@
         <p:spPr>
           <a:xfrm>
             <a:off x="457200" y="1604520"/>
-            <a:ext cx="8229240" cy="3977280"/>
+            <a:ext cx="8228880" cy="3976920"/>
           </a:xfrm>
           <a:prstGeom prst="rect">
             <a:avLst/>
@@ -2906,12 +2907,12 @@
               <a:buChar char=""/>
             </a:pPr>
             <a:r>
-              <a:rPr b="0" lang="es-ES" sz="3200" spc="-1" strike="noStrike">
+              <a:rPr b="0" lang="es-ES" sz="1800" spc="-1" strike="noStrike">
                 <a:latin typeface="Arial"/>
               </a:rPr>
               <a:t>Pulse para editar el formato de texto del esquema</a:t>
             </a:r>
-            <a:endParaRPr b="0" lang="es-ES" sz="3200" spc="-1" strike="noStrike">
+            <a:endParaRPr b="0" lang="es-ES" sz="1800" spc="-1" strike="noStrike">
               <a:latin typeface="Arial"/>
             </a:endParaRPr>
           </a:p>
@@ -2928,12 +2929,12 @@
               <a:buChar char=""/>
             </a:pPr>
             <a:r>
-              <a:rPr b="0" lang="es-ES" sz="2800" spc="-1" strike="noStrike">
+              <a:rPr b="0" lang="es-ES" sz="1800" spc="-1" strike="noStrike">
                 <a:latin typeface="Arial"/>
               </a:rPr>
               <a:t>Segundo nivel del esquema</a:t>
             </a:r>
-            <a:endParaRPr b="0" lang="es-ES" sz="2800" spc="-1" strike="noStrike">
+            <a:endParaRPr b="0" lang="es-ES" sz="1800" spc="-1" strike="noStrike">
               <a:latin typeface="Arial"/>
             </a:endParaRPr>
           </a:p>
@@ -2950,12 +2951,12 @@
               <a:buChar char=""/>
             </a:pPr>
             <a:r>
-              <a:rPr b="0" lang="es-ES" sz="2400" spc="-1" strike="noStrike">
+              <a:rPr b="0" lang="es-ES" sz="1800" spc="-1" strike="noStrike">
                 <a:latin typeface="Arial"/>
               </a:rPr>
               <a:t>Tercer nivel del esquema</a:t>
             </a:r>
-            <a:endParaRPr b="0" lang="es-ES" sz="2400" spc="-1" strike="noStrike">
+            <a:endParaRPr b="0" lang="es-ES" sz="1800" spc="-1" strike="noStrike">
               <a:latin typeface="Arial"/>
             </a:endParaRPr>
           </a:p>
@@ -2972,12 +2973,12 @@
               <a:buChar char=""/>
             </a:pPr>
             <a:r>
-              <a:rPr b="0" lang="es-ES" sz="2000" spc="-1" strike="noStrike">
+              <a:rPr b="0" lang="es-ES" sz="1800" spc="-1" strike="noStrike">
                 <a:latin typeface="Arial"/>
               </a:rPr>
               <a:t>Cuarto nivel del esquema</a:t>
             </a:r>
-            <a:endParaRPr b="0" lang="es-ES" sz="2000" spc="-1" strike="noStrike">
+            <a:endParaRPr b="0" lang="es-ES" sz="1800" spc="-1" strike="noStrike">
               <a:latin typeface="Arial"/>
             </a:endParaRPr>
           </a:p>
@@ -2994,12 +2995,12 @@
               <a:buChar char=""/>
             </a:pPr>
             <a:r>
-              <a:rPr b="0" lang="es-ES" sz="2000" spc="-1" strike="noStrike">
+              <a:rPr b="0" lang="es-ES" sz="1800" spc="-1" strike="noStrike">
                 <a:latin typeface="Arial"/>
               </a:rPr>
               <a:t>Quinto nivel del esquema</a:t>
             </a:r>
-            <a:endParaRPr b="0" lang="es-ES" sz="2000" spc="-1" strike="noStrike">
+            <a:endParaRPr b="0" lang="es-ES" sz="1800" spc="-1" strike="noStrike">
               <a:latin typeface="Arial"/>
             </a:endParaRPr>
           </a:p>
@@ -3016,12 +3017,12 @@
               <a:buChar char=""/>
             </a:pPr>
             <a:r>
-              <a:rPr b="0" lang="es-ES" sz="2000" spc="-1" strike="noStrike">
+              <a:rPr b="0" lang="es-ES" sz="1800" spc="-1" strike="noStrike">
                 <a:latin typeface="Arial"/>
               </a:rPr>
               <a:t>Sexto nivel del esquema</a:t>
             </a:r>
-            <a:endParaRPr b="0" lang="es-ES" sz="2000" spc="-1" strike="noStrike">
+            <a:endParaRPr b="0" lang="es-ES" sz="1800" spc="-1" strike="noStrike">
               <a:latin typeface="Arial"/>
             </a:endParaRPr>
           </a:p>
@@ -3038,12 +3039,12 @@
               <a:buChar char=""/>
             </a:pPr>
             <a:r>
-              <a:rPr b="0" lang="es-ES" sz="2000" spc="-1" strike="noStrike">
+              <a:rPr b="0" lang="es-ES" sz="1800" spc="-1" strike="noStrike">
                 <a:latin typeface="Arial"/>
               </a:rPr>
               <a:t>Séptimo nivel del esquema</a:t>
             </a:r>
-            <a:endParaRPr b="0" lang="es-ES" sz="2000" spc="-1" strike="noStrike">
+            <a:endParaRPr b="0" lang="es-ES" sz="1800" spc="-1" strike="noStrike">
               <a:latin typeface="Arial"/>
             </a:endParaRPr>
           </a:p>
@@ -3140,7 +3141,7 @@
         <p:spPr>
           <a:xfrm>
             <a:off x="6372360" y="135000"/>
-            <a:ext cx="2591640" cy="700920"/>
+            <a:ext cx="2591280" cy="700560"/>
           </a:xfrm>
           <a:prstGeom prst="rect">
             <a:avLst/>
@@ -3163,7 +3164,7 @@
         <p:spPr>
           <a:xfrm>
             <a:off x="5724360" y="1700280"/>
-            <a:ext cx="3437640" cy="5157000"/>
+            <a:ext cx="3437280" cy="5156640"/>
           </a:xfrm>
           <a:prstGeom prst="rect">
             <a:avLst/>
@@ -3513,7 +3514,7 @@
         <p:spPr>
           <a:xfrm>
             <a:off x="0" y="2130480"/>
-            <a:ext cx="9143280" cy="1469160"/>
+            <a:ext cx="9142920" cy="1468800"/>
           </a:xfrm>
           <a:prstGeom prst="rect">
             <a:avLst/>
@@ -3564,7 +3565,7 @@
         <p:spPr>
           <a:xfrm>
             <a:off x="0" y="4365000"/>
-            <a:ext cx="9143280" cy="1751760"/>
+            <a:ext cx="9142920" cy="1751400"/>
           </a:xfrm>
           <a:prstGeom prst="rect">
             <a:avLst/>
@@ -3673,7 +3674,7 @@
         <p:spPr>
           <a:xfrm>
             <a:off x="6553080" y="6356520"/>
-            <a:ext cx="2133000" cy="364320"/>
+            <a:ext cx="2132640" cy="363960"/>
           </a:xfrm>
           <a:prstGeom prst="rect">
             <a:avLst/>
@@ -3699,7 +3700,7 @@
                 <a:spcPct val="100000"/>
               </a:lnSpc>
             </a:pPr>
-            <a:fld id="{86D4DDAF-3989-4A4A-8A3C-C5AE69D29E9B}" type="slidenum">
+            <a:fld id="{EDB6C9A9-AECA-48B7-A4A9-EABD36337AF0}" type="slidenum">
               <a:rPr b="0" lang="es-ES_tradnl" sz="1200" spc="-1" strike="noStrike">
                 <a:solidFill>
                   <a:srgbClr val="898989"/>
@@ -3754,7 +3755,7 @@
         <p:spPr>
           <a:xfrm>
             <a:off x="288000" y="1143000"/>
-            <a:ext cx="8567280" cy="456480"/>
+            <a:ext cx="8566920" cy="456120"/>
           </a:xfrm>
           <a:prstGeom prst="rect">
             <a:avLst/>
@@ -3805,7 +3806,7 @@
         <p:spPr>
           <a:xfrm>
             <a:off x="288000" y="417600"/>
-            <a:ext cx="5197680" cy="115200"/>
+            <a:ext cx="5197320" cy="114840"/>
           </a:xfrm>
           <a:prstGeom prst="rect">
             <a:avLst/>
@@ -3826,7 +3827,7 @@
             <a:noAutofit/>
           </a:bodyPr>
           <a:p>
-            <a:pPr marL="343080" indent="-342360">
+            <a:pPr marL="343080" indent="-342000">
               <a:lnSpc>
                 <a:spcPts val="1001"/>
               </a:lnSpc>
@@ -3849,7 +3850,7 @@
             </a:endParaRPr>
           </a:p>
           <a:p>
-            <a:pPr marL="343080" indent="-342360">
+            <a:pPr marL="343080" indent="-342000">
               <a:lnSpc>
                 <a:spcPts val="1001"/>
               </a:lnSpc>
@@ -3872,7 +3873,7 @@
         <p:spPr>
           <a:xfrm>
             <a:off x="288000" y="536400"/>
-            <a:ext cx="5197680" cy="227880"/>
+            <a:ext cx="5197320" cy="227520"/>
           </a:xfrm>
           <a:prstGeom prst="rect">
             <a:avLst/>
@@ -3893,7 +3894,7 @@
             <a:noAutofit/>
           </a:bodyPr>
           <a:p>
-            <a:pPr marL="343080" indent="-342360">
+            <a:pPr marL="343080" indent="-342000">
               <a:lnSpc>
                 <a:spcPct val="100000"/>
               </a:lnSpc>
@@ -3942,7 +3943,7 @@
         <p:spPr>
           <a:xfrm>
             <a:off x="288000" y="1800000"/>
-            <a:ext cx="8567280" cy="922680"/>
+            <a:ext cx="8566920" cy="922320"/>
           </a:xfrm>
           <a:prstGeom prst="rect">
             <a:avLst/>
@@ -4022,7 +4023,7 @@
         <p:spPr>
           <a:xfrm>
             <a:off x="8610480" y="6356520"/>
-            <a:ext cx="245520" cy="364320"/>
+            <a:ext cx="245160" cy="363960"/>
           </a:xfrm>
           <a:prstGeom prst="rect">
             <a:avLst/>
@@ -4048,7 +4049,7 @@
                 <a:spcPct val="100000"/>
               </a:lnSpc>
             </a:pPr>
-            <a:fld id="{9CB9CB9D-600A-45AF-95D5-ED1E90E85F58}" type="slidenum">
+            <a:fld id="{0A6E001D-4D98-482C-B866-DCC3CE278C81}" type="slidenum">
               <a:rPr b="0" lang="es-ES_tradnl" sz="800" spc="-1" strike="noStrike">
                 <a:solidFill>
                   <a:srgbClr val="000000"/>
@@ -4103,7 +4104,7 @@
         <p:spPr>
           <a:xfrm>
             <a:off x="288000" y="1143000"/>
-            <a:ext cx="8567280" cy="456480"/>
+            <a:ext cx="8566920" cy="456120"/>
           </a:xfrm>
           <a:prstGeom prst="rect">
             <a:avLst/>
@@ -4154,7 +4155,7 @@
         <p:spPr>
           <a:xfrm>
             <a:off x="288000" y="417600"/>
-            <a:ext cx="5197680" cy="115200"/>
+            <a:ext cx="5197320" cy="114840"/>
           </a:xfrm>
           <a:prstGeom prst="rect">
             <a:avLst/>
@@ -4175,7 +4176,7 @@
             <a:noAutofit/>
           </a:bodyPr>
           <a:p>
-            <a:pPr marL="343080" indent="-342360">
+            <a:pPr marL="343080" indent="-342000">
               <a:lnSpc>
                 <a:spcPts val="1001"/>
               </a:lnSpc>
@@ -4198,7 +4199,7 @@
             </a:endParaRPr>
           </a:p>
           <a:p>
-            <a:pPr marL="343080" indent="-342360">
+            <a:pPr marL="343080" indent="-342000">
               <a:lnSpc>
                 <a:spcPts val="1001"/>
               </a:lnSpc>
@@ -4221,7 +4222,7 @@
         <p:spPr>
           <a:xfrm>
             <a:off x="288000" y="536400"/>
-            <a:ext cx="5197680" cy="227880"/>
+            <a:ext cx="5197320" cy="227520"/>
           </a:xfrm>
           <a:prstGeom prst="rect">
             <a:avLst/>
@@ -4242,7 +4243,7 @@
             <a:noAutofit/>
           </a:bodyPr>
           <a:p>
-            <a:pPr marL="343080" indent="-342360">
+            <a:pPr marL="343080" indent="-342000">
               <a:lnSpc>
                 <a:spcPct val="100000"/>
               </a:lnSpc>
@@ -4291,7 +4292,7 @@
         <p:spPr>
           <a:xfrm>
             <a:off x="287280" y="1575360"/>
-            <a:ext cx="8567280" cy="4923720"/>
+            <a:ext cx="8566920" cy="4923360"/>
           </a:xfrm>
           <a:prstGeom prst="rect">
             <a:avLst/>
@@ -4897,7 +4898,7 @@
         <p:spPr>
           <a:xfrm>
             <a:off x="8610480" y="6356520"/>
-            <a:ext cx="245520" cy="364320"/>
+            <a:ext cx="245160" cy="363960"/>
           </a:xfrm>
           <a:prstGeom prst="rect">
             <a:avLst/>
@@ -4923,7 +4924,7 @@
                 <a:spcPct val="100000"/>
               </a:lnSpc>
             </a:pPr>
-            <a:fld id="{814EA86B-1FC5-4CD8-8FBA-C935F75141CF}" type="slidenum">
+            <a:fld id="{60CD0AF4-21C8-40AE-BC8C-DA25486A9849}" type="slidenum">
               <a:rPr b="0" lang="es-ES_tradnl" sz="800" spc="-1" strike="noStrike">
                 <a:solidFill>
                   <a:srgbClr val="000000"/>
@@ -4977,8 +4978,8 @@
         </p:nvSpPr>
         <p:spPr>
           <a:xfrm>
-            <a:off x="288000" y="1099440"/>
-            <a:ext cx="8567280" cy="456480"/>
+            <a:off x="286920" y="424440"/>
+            <a:ext cx="5197320" cy="114840"/>
           </a:xfrm>
           <a:prstGeom prst="rect">
             <a:avLst/>
@@ -4999,22 +5000,38 @@
             <a:noAutofit/>
           </a:bodyPr>
           <a:p>
-            <a:pPr>
+            <a:pPr marL="343080" indent="-342000">
               <a:lnSpc>
-                <a:spcPct val="100000"/>
+                <a:spcPts val="1001"/>
               </a:lnSpc>
+              <a:tabLst>
+                <a:tab algn="l" pos="0"/>
+              </a:tabLst>
             </a:pPr>
             <a:r>
-              <a:rPr b="1" lang="es-ES" sz="2000" spc="-1" strike="noStrike">
+              <a:rPr b="1" lang="es-ES" sz="800" spc="-1" strike="noStrike">
                 <a:solidFill>
-                  <a:srgbClr val="0059a2"/>
+                  <a:srgbClr val="000000"/>
                 </a:solidFill>
                 <a:latin typeface="Arial"/>
                 <a:ea typeface="ＭＳ Ｐゴシック"/>
               </a:rPr>
-              <a:t>Author contributions - CRediT Contributor Roles Taxonomy </a:t>
-            </a:r>
-            <a:endParaRPr b="0" lang="es-ES" sz="2000" spc="-1" strike="noStrike">
+              <a:t>MSc Physics of Complex Systems and Biophysics</a:t>
+            </a:r>
+            <a:endParaRPr b="0" lang="es-ES" sz="800" spc="-1" strike="noStrike">
+              <a:latin typeface="Arial"/>
+            </a:endParaRPr>
+          </a:p>
+          <a:p>
+            <a:pPr marL="343080" indent="-342000">
+              <a:lnSpc>
+                <a:spcPts val="1001"/>
+              </a:lnSpc>
+              <a:tabLst>
+                <a:tab algn="l" pos="0"/>
+              </a:tabLst>
+            </a:pPr>
+            <a:endParaRPr b="0" lang="es-ES" sz="800" spc="-1" strike="noStrike">
               <a:latin typeface="Arial"/>
             </a:endParaRPr>
           </a:p>
@@ -5028,8 +5045,8 @@
         </p:nvSpPr>
         <p:spPr>
           <a:xfrm>
-            <a:off x="8610480" y="6356520"/>
-            <a:ext cx="245520" cy="364320"/>
+            <a:off x="286920" y="536400"/>
+            <a:ext cx="5197320" cy="227520"/>
           </a:xfrm>
           <a:prstGeom prst="rect">
             <a:avLst/>
@@ -5050,21 +5067,40 @@
             <a:noAutofit/>
           </a:bodyPr>
           <a:p>
-            <a:pPr algn="r">
+            <a:pPr marL="343080" indent="-342000">
               <a:lnSpc>
                 <a:spcPct val="100000"/>
               </a:lnSpc>
+              <a:spcBef>
+                <a:spcPts val="159"/>
+              </a:spcBef>
+              <a:tabLst>
+                <a:tab algn="l" pos="0"/>
+              </a:tabLst>
             </a:pPr>
-            <a:fld id="{D58C4B2F-0C6A-4985-9A1E-53A2066A7048}" type="slidenum">
-              <a:rPr b="0" lang="es-ES_tradnl" sz="800" spc="-1" strike="noStrike">
+            <a:r>
+              <a:rPr b="0" lang="es-ES" sz="800" spc="-1" strike="noStrike">
                 <a:solidFill>
                   <a:srgbClr val="000000"/>
                 </a:solidFill>
                 <a:latin typeface="Arial"/>
                 <a:ea typeface="ＭＳ Ｐゴシック"/>
               </a:rPr>
-              <a:t>&lt;número&gt;</a:t>
-            </a:fld>
+              <a:t>Analysis and Visualization of Big Data – Final Presentation - </a:t>
+            </a:r>
+            <a:r>
+              <a:rPr b="0" lang="es-ES" sz="800" spc="-1" strike="noStrike">
+                <a:solidFill>
+                  <a:srgbClr val="000000"/>
+                </a:solidFill>
+                <a:highlight>
+                  <a:srgbClr val="ffff00"/>
+                </a:highlight>
+                <a:latin typeface="Arial"/>
+                <a:ea typeface="ＭＳ Ｐゴシック"/>
+              </a:rPr>
+              <a:t>Title</a:t>
+            </a:r>
             <a:endParaRPr b="0" lang="es-ES" sz="800" spc="-1" strike="noStrike">
               <a:latin typeface="Arial"/>
             </a:endParaRPr>
@@ -5079,8 +5115,8 @@
         </p:nvSpPr>
         <p:spPr>
           <a:xfrm>
-            <a:off x="288000" y="417600"/>
-            <a:ext cx="5197680" cy="115200"/>
+            <a:off x="283320" y="1143000"/>
+            <a:ext cx="8566920" cy="456120"/>
           </a:xfrm>
           <a:prstGeom prst="rect">
             <a:avLst/>
@@ -5101,25 +5137,22 @@
             <a:noAutofit/>
           </a:bodyPr>
           <a:p>
-            <a:pPr marL="343080" indent="-342360">
+            <a:pPr>
               <a:lnSpc>
-                <a:spcPts val="1001"/>
+                <a:spcPct val="100000"/>
               </a:lnSpc>
-              <a:tabLst>
-                <a:tab algn="l" pos="0"/>
-              </a:tabLst>
             </a:pPr>
             <a:r>
-              <a:rPr b="1" lang="es-ES" sz="800" spc="-1" strike="noStrike">
+              <a:rPr b="1" lang="es-ES" sz="2400" spc="-1" strike="noStrike">
                 <a:solidFill>
-                  <a:srgbClr val="000000"/>
+                  <a:srgbClr val="0059a2"/>
                 </a:solidFill>
                 <a:latin typeface="Arial"/>
                 <a:ea typeface="ＭＳ Ｐゴシック"/>
               </a:rPr>
-              <a:t>MSc Physics of Complex Systems and Biophysics</a:t>
-            </a:r>
-            <a:endParaRPr b="0" lang="es-ES" sz="800" spc="-1" strike="noStrike">
+              <a:t>Geographic distribution of migrants</a:t>
+            </a:r>
+            <a:endParaRPr b="0" lang="es-ES" sz="2400" spc="-1" strike="noStrike">
               <a:latin typeface="Arial"/>
             </a:endParaRPr>
           </a:p>
@@ -5127,14 +5160,464 @@
       </p:sp>
       <p:sp>
         <p:nvSpPr>
-          <p:cNvPr id="97" name="CustomShape 4"/>
+          <p:cNvPr id="97" name="TextShape 4"/>
+          <p:cNvSpPr txBox="1"/>
+          <p:nvPr/>
+        </p:nvSpPr>
+        <p:spPr>
+          <a:xfrm>
+            <a:off x="531360" y="1981800"/>
+            <a:ext cx="3284640" cy="3490200"/>
+          </a:xfrm>
+          <a:prstGeom prst="rect">
+            <a:avLst/>
+          </a:prstGeom>
+          <a:noFill/>
+          <a:ln>
+            <a:noFill/>
+          </a:ln>
+        </p:spPr>
+        <p:txBody>
+          <a:bodyPr lIns="90000" rIns="90000" tIns="45000" bIns="45000">
+            <a:noAutofit/>
+          </a:bodyPr>
+          <a:p>
+            <a:r>
+              <a:rPr b="0" lang="ca-ES" sz="2000" spc="-1" strike="noStrike">
+                <a:solidFill>
+                  <a:srgbClr val="0059a2"/>
+                </a:solidFill>
+                <a:latin typeface="Arial"/>
+                <a:ea typeface="ＭＳ Ｐゴシック"/>
+              </a:rPr>
+              <a:t>- Unusual </a:t>
+            </a:r>
+            <a:r>
+              <a:rPr b="0" lang="ca-ES" sz="2000" spc="-1" strike="noStrike">
+                <a:solidFill>
+                  <a:srgbClr val="0059a2"/>
+                </a:solidFill>
+                <a:latin typeface="Arial"/>
+                <a:ea typeface="ＭＳ Ｐゴシック"/>
+              </a:rPr>
+              <a:t>territorial </a:t>
+            </a:r>
+            <a:r>
+              <a:rPr b="0" lang="ca-ES" sz="2000" spc="-1" strike="noStrike">
+                <a:solidFill>
+                  <a:srgbClr val="0059a2"/>
+                </a:solidFill>
+                <a:latin typeface="Arial"/>
+                <a:ea typeface="ＭＳ Ｐゴシック"/>
+              </a:rPr>
+              <a:t>division</a:t>
+            </a:r>
+            <a:endParaRPr b="0" lang="es-ES" sz="2000" spc="-1" strike="noStrike">
+              <a:latin typeface="Arial"/>
+            </a:endParaRPr>
+          </a:p>
+          <a:p>
+            <a:r>
+              <a:rPr b="0" lang="ca-ES" sz="2000" spc="-1" strike="noStrike">
+                <a:solidFill>
+                  <a:srgbClr val="0059a2"/>
+                </a:solidFill>
+                <a:latin typeface="Arial"/>
+                <a:ea typeface="ＭＳ Ｐゴシック"/>
+              </a:rPr>
+              <a:t>	</a:t>
+            </a:r>
+            <a:r>
+              <a:rPr b="0" lang="ca-ES" sz="2000" spc="-1" strike="noStrike">
+                <a:solidFill>
+                  <a:srgbClr val="0059a2"/>
+                </a:solidFill>
+                <a:latin typeface="Arial"/>
+                <a:ea typeface="ＭＳ Ｐゴシック"/>
+              </a:rPr>
+              <a:t>&gt; </a:t>
+            </a:r>
+            <a:r>
+              <a:rPr b="0" lang="ca-ES" sz="2000" spc="-1" strike="noStrike">
+                <a:solidFill>
+                  <a:srgbClr val="0059a2"/>
+                </a:solidFill>
+                <a:latin typeface="Arial"/>
+                <a:ea typeface="ＭＳ Ｐゴシック"/>
+              </a:rPr>
+              <a:t>Mismatch</a:t>
+            </a:r>
+            <a:r>
+              <a:rPr b="0" lang="ca-ES" sz="2000" spc="-1" strike="noStrike">
+                <a:solidFill>
+                  <a:srgbClr val="0059a2"/>
+                </a:solidFill>
+                <a:latin typeface="Arial"/>
+                <a:ea typeface="ＭＳ Ｐゴシック"/>
+              </a:rPr>
+              <a:t>ed </a:t>
+            </a:r>
+            <a:r>
+              <a:rPr b="0" lang="ca-ES" sz="2000" spc="-1" strike="noStrike">
+                <a:solidFill>
+                  <a:srgbClr val="0059a2"/>
+                </a:solidFill>
+                <a:latin typeface="Arial"/>
+                <a:ea typeface="ＭＳ Ｐゴシック"/>
+              </a:rPr>
+              <a:t>regions</a:t>
+            </a:r>
+            <a:endParaRPr b="0" lang="es-ES" sz="2000" spc="-1" strike="noStrike">
+              <a:latin typeface="Arial"/>
+            </a:endParaRPr>
+          </a:p>
+          <a:p>
+            <a:endParaRPr b="0" lang="es-ES" sz="2000" spc="-1" strike="noStrike">
+              <a:latin typeface="Arial"/>
+            </a:endParaRPr>
+          </a:p>
+          <a:p>
+            <a:r>
+              <a:rPr b="0" lang="ca-ES" sz="2000" spc="-1" strike="noStrike">
+                <a:solidFill>
+                  <a:srgbClr val="0059a2"/>
+                </a:solidFill>
+                <a:latin typeface="Arial"/>
+                <a:ea typeface="ＭＳ Ｐゴシック"/>
+              </a:rPr>
+              <a:t>- Great </a:t>
+            </a:r>
+            <a:r>
+              <a:rPr b="0" lang="ca-ES" sz="2000" spc="-1" strike="noStrike">
+                <a:solidFill>
+                  <a:srgbClr val="0059a2"/>
+                </a:solidFill>
+                <a:latin typeface="Arial"/>
+                <a:ea typeface="ＭＳ Ｐゴシック"/>
+              </a:rPr>
+              <a:t>influx to </a:t>
+            </a:r>
+            <a:r>
+              <a:rPr b="0" lang="ca-ES" sz="2000" spc="-1" strike="noStrike">
+                <a:solidFill>
+                  <a:srgbClr val="0059a2"/>
+                </a:solidFill>
+                <a:latin typeface="Arial"/>
+                <a:ea typeface="ＭＳ Ｐゴシック"/>
+              </a:rPr>
+              <a:t>regions </a:t>
+            </a:r>
+            <a:r>
+              <a:rPr b="0" lang="ca-ES" sz="2000" spc="-1" strike="noStrike">
+                <a:solidFill>
+                  <a:srgbClr val="0059a2"/>
+                </a:solidFill>
+                <a:latin typeface="Arial"/>
+                <a:ea typeface="ＭＳ Ｐゴシック"/>
+              </a:rPr>
+              <a:t>with </a:t>
+            </a:r>
+            <a:r>
+              <a:rPr b="0" lang="ca-ES" sz="2000" spc="-1" strike="noStrike">
+                <a:solidFill>
+                  <a:srgbClr val="0059a2"/>
+                </a:solidFill>
+                <a:latin typeface="Arial"/>
+                <a:ea typeface="ＭＳ Ｐゴシック"/>
+              </a:rPr>
+              <a:t>Capital </a:t>
+            </a:r>
+            <a:r>
+              <a:rPr b="0" lang="ca-ES" sz="2000" spc="-1" strike="noStrike">
+                <a:solidFill>
+                  <a:srgbClr val="0059a2"/>
+                </a:solidFill>
+                <a:latin typeface="Arial"/>
+                <a:ea typeface="ＭＳ Ｐゴシック"/>
+              </a:rPr>
+              <a:t>cities</a:t>
+            </a:r>
+            <a:endParaRPr b="0" lang="es-ES" sz="2000" spc="-1" strike="noStrike">
+              <a:latin typeface="Arial"/>
+            </a:endParaRPr>
+          </a:p>
+          <a:p>
+            <a:endParaRPr b="0" lang="es-ES" sz="2000" spc="-1" strike="noStrike">
+              <a:latin typeface="Arial"/>
+            </a:endParaRPr>
+          </a:p>
+          <a:p>
+            <a:r>
+              <a:rPr b="0" lang="ca-ES" sz="2000" spc="-1" strike="noStrike">
+                <a:solidFill>
+                  <a:srgbClr val="0059a2"/>
+                </a:solidFill>
+                <a:latin typeface="Arial"/>
+                <a:ea typeface="ＭＳ Ｐゴシック"/>
+              </a:rPr>
+              <a:t>- </a:t>
+            </a:r>
+            <a:r>
+              <a:rPr b="0" lang="ca-ES" sz="2000" spc="-1" strike="noStrike">
+                <a:solidFill>
+                  <a:srgbClr val="0059a2"/>
+                </a:solidFill>
+                <a:latin typeface="Arial"/>
+                <a:ea typeface="ＭＳ Ｐゴシック"/>
+              </a:rPr>
+              <a:t>Connecti</a:t>
+            </a:r>
+            <a:r>
+              <a:rPr b="0" lang="ca-ES" sz="2000" spc="-1" strike="noStrike">
+                <a:solidFill>
+                  <a:srgbClr val="0059a2"/>
+                </a:solidFill>
+                <a:latin typeface="Arial"/>
+                <a:ea typeface="ＭＳ Ｐゴシック"/>
+              </a:rPr>
+              <a:t>ng </a:t>
+            </a:r>
+            <a:r>
+              <a:rPr b="0" lang="ca-ES" sz="2000" spc="-1" strike="noStrike">
+                <a:solidFill>
+                  <a:srgbClr val="0059a2"/>
+                </a:solidFill>
+                <a:latin typeface="Arial"/>
+                <a:ea typeface="ＭＳ Ｐゴシック"/>
+              </a:rPr>
+              <a:t>regions </a:t>
+            </a:r>
+            <a:r>
+              <a:rPr b="0" lang="ca-ES" sz="2000" spc="-1" strike="noStrike">
+                <a:solidFill>
+                  <a:srgbClr val="0059a2"/>
+                </a:solidFill>
+                <a:latin typeface="Arial"/>
+                <a:ea typeface="ＭＳ Ｐゴシック"/>
+              </a:rPr>
+              <a:t>with more </a:t>
+            </a:r>
+            <a:r>
+              <a:rPr b="0" lang="ca-ES" sz="2000" spc="-1" strike="noStrike">
+                <a:solidFill>
+                  <a:srgbClr val="0059a2"/>
+                </a:solidFill>
+                <a:latin typeface="Arial"/>
+                <a:ea typeface="ＭＳ Ｐゴシック"/>
+              </a:rPr>
+              <a:t>migrants</a:t>
+            </a:r>
+            <a:endParaRPr b="0" lang="es-ES" sz="2000" spc="-1" strike="noStrike">
+              <a:latin typeface="Arial"/>
+            </a:endParaRPr>
+          </a:p>
+          <a:p>
+            <a:endParaRPr b="0" lang="es-ES" sz="2000" spc="-1" strike="noStrike">
+              <a:latin typeface="Arial"/>
+            </a:endParaRPr>
+          </a:p>
+          <a:p>
+            <a:r>
+              <a:rPr b="0" lang="ca-ES" sz="2000" spc="-1" strike="noStrike">
+                <a:solidFill>
+                  <a:srgbClr val="0059a2"/>
+                </a:solidFill>
+                <a:latin typeface="Arial"/>
+                <a:ea typeface="ＭＳ Ｐゴシック"/>
+              </a:rPr>
+              <a:t>- Rural </a:t>
+            </a:r>
+            <a:r>
+              <a:rPr b="0" lang="ca-ES" sz="2000" spc="-1" strike="noStrike">
+                <a:solidFill>
+                  <a:srgbClr val="0059a2"/>
+                </a:solidFill>
+                <a:latin typeface="Arial"/>
+                <a:ea typeface="ＭＳ Ｐゴシック"/>
+              </a:rPr>
+              <a:t>areas </a:t>
+            </a:r>
+            <a:r>
+              <a:rPr b="0" lang="ca-ES" sz="2000" spc="-1" strike="noStrike">
+                <a:solidFill>
+                  <a:srgbClr val="0059a2"/>
+                </a:solidFill>
+                <a:latin typeface="Arial"/>
+                <a:ea typeface="ＭＳ Ｐゴシック"/>
+              </a:rPr>
+              <a:t>with less </a:t>
+            </a:r>
+            <a:r>
+              <a:rPr b="0" lang="ca-ES" sz="2000" spc="-1" strike="noStrike">
+                <a:solidFill>
+                  <a:srgbClr val="0059a2"/>
+                </a:solidFill>
+                <a:latin typeface="Arial"/>
+                <a:ea typeface="ＭＳ Ｐゴシック"/>
+              </a:rPr>
+              <a:t>influx</a:t>
+            </a:r>
+            <a:endParaRPr b="0" lang="es-ES" sz="2000" spc="-1" strike="noStrike">
+              <a:latin typeface="Arial"/>
+            </a:endParaRPr>
+          </a:p>
+          <a:p>
+            <a:endParaRPr b="0" lang="es-ES" sz="2000" spc="-1" strike="noStrike">
+              <a:latin typeface="Arial"/>
+            </a:endParaRPr>
+          </a:p>
+        </p:txBody>
+      </p:sp>
+      <p:grpSp>
+        <p:nvGrpSpPr>
+          <p:cNvPr id="98" name="Group 5"/>
+          <p:cNvGrpSpPr/>
+          <p:nvPr/>
+        </p:nvGrpSpPr>
+        <p:grpSpPr>
+          <a:xfrm>
+            <a:off x="3888000" y="1733760"/>
+            <a:ext cx="5034960" cy="3985560"/>
+            <a:chOff x="3888000" y="1733760"/>
+            <a:chExt cx="5034960" cy="3985560"/>
+          </a:xfrm>
+        </p:grpSpPr>
+        <p:pic>
+          <p:nvPicPr>
+            <p:cNvPr id="99" name="" descr=""/>
+            <p:cNvPicPr/>
+            <p:nvPr/>
+          </p:nvPicPr>
+          <p:blipFill>
+            <a:blip r:embed="rId1"/>
+            <a:stretch/>
+          </p:blipFill>
+          <p:spPr>
+            <a:xfrm>
+              <a:off x="3888000" y="1733760"/>
+              <a:ext cx="5034960" cy="3666240"/>
+            </a:xfrm>
+            <a:prstGeom prst="rect">
+              <a:avLst/>
+            </a:prstGeom>
+            <a:ln>
+              <a:noFill/>
+            </a:ln>
+          </p:spPr>
+        </p:pic>
+        <p:sp>
+          <p:nvSpPr>
+            <p:cNvPr id="100" name="TextShape 6"/>
+            <p:cNvSpPr txBox="1"/>
+            <p:nvPr/>
+          </p:nvSpPr>
+          <p:spPr>
+            <a:xfrm>
+              <a:off x="4223520" y="5400000"/>
+              <a:ext cx="4575600" cy="319320"/>
+            </a:xfrm>
+            <a:prstGeom prst="rect">
+              <a:avLst/>
+            </a:prstGeom>
+            <a:noFill/>
+            <a:ln>
+              <a:noFill/>
+            </a:ln>
+          </p:spPr>
+          <p:txBody>
+            <a:bodyPr lIns="90000" rIns="90000" tIns="45000" bIns="45000">
+              <a:noAutofit/>
+            </a:bodyPr>
+            <a:p>
+              <a:r>
+                <a:rPr b="0" lang="en-US" sz="800" spc="-1" strike="noStrike">
+                  <a:latin typeface="Arial"/>
+                </a:rPr>
+                <a:t>Figure: Catalunya’s </a:t>
+              </a:r>
+              <a:r>
+                <a:rPr b="0" lang="en-US" sz="800" spc="-1" strike="noStrike">
+                  <a:latin typeface="Arial"/>
+                </a:rPr>
+                <a:t>map according to </a:t>
+              </a:r>
+              <a:r>
+                <a:rPr b="0" lang="en-US" sz="800" spc="-1" strike="noStrike">
+                  <a:latin typeface="Arial"/>
+                </a:rPr>
+                <a:t>Vaguerie’s territorial </a:t>
+              </a:r>
+              <a:r>
+                <a:rPr b="0" lang="en-US" sz="800" spc="-1" strike="noStrike">
+                  <a:latin typeface="Arial"/>
+                </a:rPr>
+                <a:t>division. The color code </a:t>
+              </a:r>
+              <a:r>
+                <a:rPr b="0" lang="en-US" sz="800" spc="-1" strike="noStrike">
+                  <a:latin typeface="Arial"/>
+                </a:rPr>
+                <a:t>shows the influx amiunt </a:t>
+              </a:r>
+              <a:r>
+                <a:rPr b="0" lang="en-US" sz="800" spc="-1" strike="noStrike">
+                  <a:latin typeface="Arial"/>
+                </a:rPr>
+                <a:t>of migrants received </a:t>
+              </a:r>
+              <a:r>
+                <a:rPr b="0" lang="en-US" sz="800" spc="-1" strike="noStrike">
+                  <a:latin typeface="Arial"/>
+                </a:rPr>
+                <a:t>since 2015.</a:t>
+              </a:r>
+              <a:endParaRPr b="0" lang="es-ES" sz="800" spc="-1" strike="noStrike">
+                <a:latin typeface="Arial"/>
+              </a:endParaRPr>
+            </a:p>
+          </p:txBody>
+        </p:sp>
+      </p:grpSp>
+    </p:spTree>
+  </p:cSld>
+  <mc:AlternateContent>
+    <mc:Choice Requires="p14">
+      <p:transition spd="slow" p14:dur="2000"/>
+    </mc:Choice>
+    <mc:Fallback>
+      <p:transition spd="slow"/>
+    </mc:Fallback>
+  </mc:AlternateContent>
+</p:sld>
+</file>
+
+<file path=ppt/slides/slide5.xml><?xml version="1.0" encoding="utf-8"?>
+<p:sld xmlns:a="http://schemas.openxmlformats.org/drawingml/2006/main" xmlns:p="http://schemas.openxmlformats.org/presentationml/2006/main" xmlns:r="http://schemas.openxmlformats.org/officeDocument/2006/relationships" xmlns:p14="http://schemas.microsoft.com/office/powerpoint/2010/main" xmlns:p15="http://schemas.microsoft.com/office/powerpoint/2012/main" xmlns:mc="http://schemas.openxmlformats.org/markup-compatibility/2006">
+  <p:cSld>
+    <p:spTree>
+      <p:nvGrpSpPr>
+        <p:cNvPr id="1" name=""/>
+        <p:cNvGrpSpPr/>
+        <p:nvPr/>
+      </p:nvGrpSpPr>
+      <p:grpSpPr>
+        <a:xfrm>
+          <a:off x="0" y="0"/>
+          <a:ext cx="0" cy="0"/>
+          <a:chOff x="0" y="0"/>
+          <a:chExt cx="0" cy="0"/>
+        </a:xfrm>
+      </p:grpSpPr>
+      <p:sp>
+        <p:nvSpPr>
+          <p:cNvPr id="101" name="CustomShape 1"/>
           <p:cNvSpPr/>
           <p:nvPr/>
         </p:nvSpPr>
         <p:spPr>
           <a:xfrm>
-            <a:off x="288000" y="536400"/>
-            <a:ext cx="5197680" cy="227880"/>
+            <a:off x="288000" y="1099440"/>
+            <a:ext cx="8566920" cy="456120"/>
           </a:xfrm>
           <a:prstGeom prst="rect">
             <a:avLst/>
@@ -5155,7 +5638,163 @@
             <a:noAutofit/>
           </a:bodyPr>
           <a:p>
-            <a:pPr marL="343080" indent="-342360">
+            <a:pPr>
+              <a:lnSpc>
+                <a:spcPct val="100000"/>
+              </a:lnSpc>
+            </a:pPr>
+            <a:r>
+              <a:rPr b="1" lang="es-ES" sz="2000" spc="-1" strike="noStrike">
+                <a:solidFill>
+                  <a:srgbClr val="0059a2"/>
+                </a:solidFill>
+                <a:latin typeface="Arial"/>
+                <a:ea typeface="ＭＳ Ｐゴシック"/>
+              </a:rPr>
+              <a:t>Author contributions - CRediT Contributor Roles Taxonomy </a:t>
+            </a:r>
+            <a:endParaRPr b="0" lang="es-ES" sz="2000" spc="-1" strike="noStrike">
+              <a:latin typeface="Arial"/>
+            </a:endParaRPr>
+          </a:p>
+        </p:txBody>
+      </p:sp>
+      <p:sp>
+        <p:nvSpPr>
+          <p:cNvPr id="102" name="CustomShape 2"/>
+          <p:cNvSpPr/>
+          <p:nvPr/>
+        </p:nvSpPr>
+        <p:spPr>
+          <a:xfrm>
+            <a:off x="8610480" y="6356520"/>
+            <a:ext cx="245160" cy="363960"/>
+          </a:xfrm>
+          <a:prstGeom prst="rect">
+            <a:avLst/>
+          </a:prstGeom>
+          <a:noFill/>
+          <a:ln>
+            <a:noFill/>
+          </a:ln>
+        </p:spPr>
+        <p:style>
+          <a:lnRef idx="0"/>
+          <a:fillRef idx="0"/>
+          <a:effectRef idx="0"/>
+          <a:fontRef idx="minor"/>
+        </p:style>
+        <p:txBody>
+          <a:bodyPr lIns="0" rIns="0" tIns="0" bIns="0">
+            <a:noAutofit/>
+          </a:bodyPr>
+          <a:p>
+            <a:pPr algn="r">
+              <a:lnSpc>
+                <a:spcPct val="100000"/>
+              </a:lnSpc>
+            </a:pPr>
+            <a:fld id="{430282C7-DFC7-44D6-B57E-D3EF3FE1E39F}" type="slidenum">
+              <a:rPr b="0" lang="es-ES_tradnl" sz="800" spc="-1" strike="noStrike">
+                <a:solidFill>
+                  <a:srgbClr val="000000"/>
+                </a:solidFill>
+                <a:latin typeface="Arial"/>
+                <a:ea typeface="ＭＳ Ｐゴシック"/>
+              </a:rPr>
+              <a:t>&lt;número&gt;</a:t>
+            </a:fld>
+            <a:endParaRPr b="0" lang="es-ES" sz="800" spc="-1" strike="noStrike">
+              <a:latin typeface="Arial"/>
+            </a:endParaRPr>
+          </a:p>
+        </p:txBody>
+      </p:sp>
+      <p:sp>
+        <p:nvSpPr>
+          <p:cNvPr id="103" name="CustomShape 3"/>
+          <p:cNvSpPr/>
+          <p:nvPr/>
+        </p:nvSpPr>
+        <p:spPr>
+          <a:xfrm>
+            <a:off x="288000" y="417600"/>
+            <a:ext cx="5197320" cy="114840"/>
+          </a:xfrm>
+          <a:prstGeom prst="rect">
+            <a:avLst/>
+          </a:prstGeom>
+          <a:noFill/>
+          <a:ln>
+            <a:noFill/>
+          </a:ln>
+        </p:spPr>
+        <p:style>
+          <a:lnRef idx="0"/>
+          <a:fillRef idx="0"/>
+          <a:effectRef idx="0"/>
+          <a:fontRef idx="minor"/>
+        </p:style>
+        <p:txBody>
+          <a:bodyPr lIns="0" rIns="0" tIns="0" bIns="0">
+            <a:noAutofit/>
+          </a:bodyPr>
+          <a:p>
+            <a:pPr marL="343080" indent="-342000">
+              <a:lnSpc>
+                <a:spcPts val="1001"/>
+              </a:lnSpc>
+              <a:tabLst>
+                <a:tab algn="l" pos="0"/>
+              </a:tabLst>
+            </a:pPr>
+            <a:r>
+              <a:rPr b="1" lang="es-ES" sz="800" spc="-1" strike="noStrike">
+                <a:solidFill>
+                  <a:srgbClr val="000000"/>
+                </a:solidFill>
+                <a:latin typeface="Arial"/>
+                <a:ea typeface="ＭＳ Ｐゴシック"/>
+              </a:rPr>
+              <a:t>MSc Physics of Complex Systems and Biophysics</a:t>
+            </a:r>
+            <a:endParaRPr b="0" lang="es-ES" sz="800" spc="-1" strike="noStrike">
+              <a:latin typeface="Arial"/>
+            </a:endParaRPr>
+          </a:p>
+        </p:txBody>
+      </p:sp>
+      <p:sp>
+        <p:nvSpPr>
+          <p:cNvPr id="104" name="CustomShape 4"/>
+          <p:cNvSpPr/>
+          <p:nvPr/>
+        </p:nvSpPr>
+        <p:spPr>
+          <a:xfrm>
+            <a:off x="288000" y="536400"/>
+            <a:ext cx="5197320" cy="227520"/>
+          </a:xfrm>
+          <a:prstGeom prst="rect">
+            <a:avLst/>
+          </a:prstGeom>
+          <a:noFill/>
+          <a:ln>
+            <a:noFill/>
+          </a:ln>
+        </p:spPr>
+        <p:style>
+          <a:lnRef idx="0"/>
+          <a:fillRef idx="0"/>
+          <a:effectRef idx="0"/>
+          <a:fontRef idx="minor"/>
+        </p:style>
+        <p:txBody>
+          <a:bodyPr lIns="0" rIns="0" tIns="0" bIns="0">
+            <a:noAutofit/>
+          </a:bodyPr>
+          <a:p>
+            <a:pPr marL="343080" indent="-342000">
               <a:lnSpc>
                 <a:spcPct val="100000"/>
               </a:lnSpc>
@@ -5197,14 +5836,14 @@
       </p:sp>
       <p:sp>
         <p:nvSpPr>
-          <p:cNvPr id="98" name="CustomShape 5"/>
+          <p:cNvPr id="105" name="CustomShape 5"/>
           <p:cNvSpPr/>
           <p:nvPr/>
         </p:nvSpPr>
         <p:spPr>
           <a:xfrm>
             <a:off x="201240" y="1535760"/>
-            <a:ext cx="8567280" cy="272520"/>
+            <a:ext cx="8566920" cy="272160"/>
           </a:xfrm>
           <a:prstGeom prst="rect">
             <a:avLst/>
@@ -5260,7 +5899,7 @@
       </p:sp>
       <p:graphicFrame>
         <p:nvGraphicFramePr>
-          <p:cNvPr id="99" name="Table 6"/>
+          <p:cNvPr id="106" name="Table 6"/>
           <p:cNvGraphicFramePr/>
           <p:nvPr/>
         </p:nvGraphicFramePr>
@@ -6645,7 +7284,7 @@
 </p:sld>
 </file>
 
-<file path=ppt/slides/slide5.xml><?xml version="1.0" encoding="utf-8"?>
+<file path=ppt/slides/slide6.xml><?xml version="1.0" encoding="utf-8"?>
 <p:sld xmlns:a="http://schemas.openxmlformats.org/drawingml/2006/main" xmlns:p="http://schemas.openxmlformats.org/presentationml/2006/main" xmlns:r="http://schemas.openxmlformats.org/officeDocument/2006/relationships" xmlns:p14="http://schemas.microsoft.com/office/powerpoint/2010/main" xmlns:p15="http://schemas.microsoft.com/office/powerpoint/2012/main" xmlns:mc="http://schemas.openxmlformats.org/markup-compatibility/2006">
   <p:cSld>
     <p:spTree>
@@ -6664,14 +7303,14 @@
       </p:grpSpPr>
       <p:sp>
         <p:nvSpPr>
-          <p:cNvPr id="100" name="CustomShape 1"/>
+          <p:cNvPr id="107" name="CustomShape 1"/>
           <p:cNvSpPr/>
           <p:nvPr/>
         </p:nvSpPr>
         <p:spPr>
           <a:xfrm>
             <a:off x="288000" y="1099440"/>
-            <a:ext cx="8567280" cy="456480"/>
+            <a:ext cx="8566920" cy="456120"/>
           </a:xfrm>
           <a:prstGeom prst="rect">
             <a:avLst/>
@@ -6715,14 +7354,14 @@
       </p:sp>
       <p:sp>
         <p:nvSpPr>
-          <p:cNvPr id="101" name="CustomShape 2"/>
+          <p:cNvPr id="108" name="CustomShape 2"/>
           <p:cNvSpPr/>
           <p:nvPr/>
         </p:nvSpPr>
         <p:spPr>
           <a:xfrm>
             <a:off x="8610480" y="6356520"/>
-            <a:ext cx="245520" cy="364320"/>
+            <a:ext cx="245160" cy="363960"/>
           </a:xfrm>
           <a:prstGeom prst="rect">
             <a:avLst/>
@@ -6748,7 +7387,7 @@
                 <a:spcPct val="100000"/>
               </a:lnSpc>
             </a:pPr>
-            <a:fld id="{7E6E9ABC-7420-4C7B-92C1-68925B9DDA81}" type="slidenum">
+            <a:fld id="{9F2A9FF6-B8D9-4D0E-8179-FDADFF6DF73C}" type="slidenum">
               <a:rPr b="0" lang="es-ES_tradnl" sz="800" spc="-1" strike="noStrike">
                 <a:solidFill>
                   <a:srgbClr val="000000"/>
@@ -6766,14 +7405,14 @@
       </p:sp>
       <p:sp>
         <p:nvSpPr>
-          <p:cNvPr id="102" name="CustomShape 3"/>
+          <p:cNvPr id="109" name="CustomShape 3"/>
           <p:cNvSpPr/>
           <p:nvPr/>
         </p:nvSpPr>
         <p:spPr>
           <a:xfrm>
             <a:off x="288000" y="417600"/>
-            <a:ext cx="5197680" cy="115200"/>
+            <a:ext cx="5197320" cy="114840"/>
           </a:xfrm>
           <a:prstGeom prst="rect">
             <a:avLst/>
@@ -6794,7 +7433,7 @@
             <a:noAutofit/>
           </a:bodyPr>
           <a:p>
-            <a:pPr marL="343080" indent="-342360">
+            <a:pPr marL="343080" indent="-342000">
               <a:lnSpc>
                 <a:spcPts val="1001"/>
               </a:lnSpc>
@@ -6820,14 +7459,14 @@
       </p:sp>
       <p:sp>
         <p:nvSpPr>
-          <p:cNvPr id="103" name="CustomShape 4"/>
+          <p:cNvPr id="110" name="CustomShape 4"/>
           <p:cNvSpPr/>
           <p:nvPr/>
         </p:nvSpPr>
         <p:spPr>
           <a:xfrm>
             <a:off x="288000" y="536400"/>
-            <a:ext cx="5197680" cy="227880"/>
+            <a:ext cx="5197320" cy="227520"/>
           </a:xfrm>
           <a:prstGeom prst="rect">
             <a:avLst/>
@@ -6848,7 +7487,7 @@
             <a:noAutofit/>
           </a:bodyPr>
           <a:p>
-            <a:pPr marL="343080" indent="-342360">
+            <a:pPr marL="343080" indent="-342000">
               <a:lnSpc>
                 <a:spcPct val="100000"/>
               </a:lnSpc>
@@ -6890,13 +7529,13 @@
       </p:sp>
       <p:graphicFrame>
         <p:nvGraphicFramePr>
-          <p:cNvPr id="104" name="Table 5"/>
+          <p:cNvPr id="111" name="Table 5"/>
           <p:cNvGraphicFramePr/>
           <p:nvPr/>
         </p:nvGraphicFramePr>
         <p:xfrm>
           <a:off x="229320" y="1815120"/>
-          <a:ext cx="8496360" cy="4723560"/>
+          <a:ext cx="8496360" cy="4723200"/>
         </p:xfrm>
         <a:graphic>
           <a:graphicData uri="http://schemas.openxmlformats.org/drawingml/2006/table">
@@ -9513,7 +10152,7 @@
                   </a:tcPr>
                 </a:tc>
               </a:tr>
-              <a:tr h="403560">
+              <a:tr h="403200">
                 <a:tc>
                   <a:txBody>
                     <a:bodyPr>

--- a/FinalPresentation_Template_authors.pptx
+++ b/FinalPresentation_Template_authors.pptx
@@ -12,6 +12,13 @@
     <p:sldId id="259" r:id="rId7"/>
     <p:sldId id="260" r:id="rId8"/>
     <p:sldId id="261" r:id="rId9"/>
+    <p:sldId id="262" r:id="rId10"/>
+    <p:sldId id="263" r:id="rId11"/>
+    <p:sldId id="264" r:id="rId12"/>
+    <p:sldId id="265" r:id="rId13"/>
+    <p:sldId id="266" r:id="rId14"/>
+    <p:sldId id="267" r:id="rId15"/>
+    <p:sldId id="268" r:id="rId16"/>
   </p:sldIdLst>
   <p:sldSz cx="9144000" cy="6858000"/>
   <p:notesSz cx="7559675" cy="10691812"/>
@@ -2801,7 +2808,7 @@
         <p:spPr>
           <a:xfrm>
             <a:off x="6372360" y="135000"/>
-            <a:ext cx="2591280" cy="700560"/>
+            <a:ext cx="2590920" cy="700200"/>
           </a:xfrm>
           <a:prstGeom prst="rect">
             <a:avLst/>
@@ -2824,7 +2831,7 @@
         <p:spPr>
           <a:xfrm>
             <a:off x="457200" y="273600"/>
-            <a:ext cx="8228880" cy="1144440"/>
+            <a:ext cx="8229240" cy="1144800"/>
           </a:xfrm>
           <a:prstGeom prst="rect">
             <a:avLst/>
@@ -2835,37 +2842,62 @@
             <a:noAutofit/>
           </a:bodyPr>
           <a:p>
-            <a:r>
-              <a:rPr b="0" lang="es-ES" sz="1800" spc="-1" strike="noStrike">
-                <a:latin typeface="Arial"/>
-              </a:rPr>
-              <a:t>Pulse para </a:t>
-            </a:r>
-            <a:r>
-              <a:rPr b="0" lang="es-ES" sz="1800" spc="-1" strike="noStrike">
-                <a:latin typeface="Arial"/>
-              </a:rPr>
-              <a:t>editar el </a:t>
-            </a:r>
-            <a:r>
-              <a:rPr b="0" lang="es-ES" sz="1800" spc="-1" strike="noStrike">
-                <a:latin typeface="Arial"/>
-              </a:rPr>
-              <a:t>formato </a:t>
-            </a:r>
-            <a:r>
-              <a:rPr b="0" lang="es-ES" sz="1800" spc="-1" strike="noStrike">
-                <a:latin typeface="Arial"/>
-              </a:rPr>
-              <a:t>del texto </a:t>
-            </a:r>
-            <a:r>
-              <a:rPr b="0" lang="es-ES" sz="1800" spc="-1" strike="noStrike">
-                <a:latin typeface="Arial"/>
-              </a:rPr>
-              <a:t>de título</a:t>
-            </a:r>
-            <a:endParaRPr b="0" lang="es-ES" sz="1800" spc="-1" strike="noStrike">
+            <a:pPr algn="ctr"/>
+            <a:r>
+              <a:rPr b="0" lang="es-ES" sz="4400" spc="-1" strike="noStrike">
+                <a:latin typeface="Arial"/>
+              </a:rPr>
+              <a:t>Pulse </a:t>
+            </a:r>
+            <a:r>
+              <a:rPr b="0" lang="es-ES" sz="4400" spc="-1" strike="noStrike">
+                <a:latin typeface="Arial"/>
+              </a:rPr>
+              <a:t>para </a:t>
+            </a:r>
+            <a:r>
+              <a:rPr b="0" lang="es-ES" sz="4400" spc="-1" strike="noStrike">
+                <a:latin typeface="Arial"/>
+              </a:rPr>
+              <a:t>editar </a:t>
+            </a:r>
+            <a:r>
+              <a:rPr b="0" lang="es-ES" sz="4400" spc="-1" strike="noStrike">
+                <a:latin typeface="Arial"/>
+              </a:rPr>
+              <a:t>el </a:t>
+            </a:r>
+            <a:r>
+              <a:rPr b="0" lang="es-ES" sz="4400" spc="-1" strike="noStrike">
+                <a:latin typeface="Arial"/>
+              </a:rPr>
+              <a:t>format</a:t>
+            </a:r>
+            <a:r>
+              <a:rPr b="0" lang="es-ES" sz="4400" spc="-1" strike="noStrike">
+                <a:latin typeface="Arial"/>
+              </a:rPr>
+              <a:t>o del </a:t>
+            </a:r>
+            <a:r>
+              <a:rPr b="0" lang="es-ES" sz="4400" spc="-1" strike="noStrike">
+                <a:latin typeface="Arial"/>
+              </a:rPr>
+              <a:t>texto </a:t>
+            </a:r>
+            <a:r>
+              <a:rPr b="0" lang="es-ES" sz="4400" spc="-1" strike="noStrike">
+                <a:latin typeface="Arial"/>
+              </a:rPr>
+              <a:t>de </a:t>
+            </a:r>
+            <a:r>
+              <a:rPr b="0" lang="es-ES" sz="4400" spc="-1" strike="noStrike">
+                <a:latin typeface="Arial"/>
+              </a:rPr>
+              <a:t>título</a:t>
+            </a:r>
+            <a:endParaRPr b="0" lang="es-ES" sz="4400" spc="-1" strike="noStrike">
               <a:latin typeface="Arial"/>
             </a:endParaRPr>
           </a:p>
@@ -2884,7 +2916,7 @@
         <p:spPr>
           <a:xfrm>
             <a:off x="457200" y="1604520"/>
-            <a:ext cx="8228880" cy="3976920"/>
+            <a:ext cx="8229240" cy="3977280"/>
           </a:xfrm>
           <a:prstGeom prst="rect">
             <a:avLst/>
@@ -2907,12 +2939,12 @@
               <a:buChar char=""/>
             </a:pPr>
             <a:r>
-              <a:rPr b="0" lang="es-ES" sz="1800" spc="-1" strike="noStrike">
+              <a:rPr b="0" lang="es-ES" sz="3200" spc="-1" strike="noStrike">
                 <a:latin typeface="Arial"/>
               </a:rPr>
               <a:t>Pulse para editar el formato de texto del esquema</a:t>
             </a:r>
-            <a:endParaRPr b="0" lang="es-ES" sz="1800" spc="-1" strike="noStrike">
+            <a:endParaRPr b="0" lang="es-ES" sz="3200" spc="-1" strike="noStrike">
               <a:latin typeface="Arial"/>
             </a:endParaRPr>
           </a:p>
@@ -2929,12 +2961,12 @@
               <a:buChar char=""/>
             </a:pPr>
             <a:r>
-              <a:rPr b="0" lang="es-ES" sz="1800" spc="-1" strike="noStrike">
+              <a:rPr b="0" lang="es-ES" sz="2800" spc="-1" strike="noStrike">
                 <a:latin typeface="Arial"/>
               </a:rPr>
               <a:t>Segundo nivel del esquema</a:t>
             </a:r>
-            <a:endParaRPr b="0" lang="es-ES" sz="1800" spc="-1" strike="noStrike">
+            <a:endParaRPr b="0" lang="es-ES" sz="2800" spc="-1" strike="noStrike">
               <a:latin typeface="Arial"/>
             </a:endParaRPr>
           </a:p>
@@ -2951,12 +2983,12 @@
               <a:buChar char=""/>
             </a:pPr>
             <a:r>
-              <a:rPr b="0" lang="es-ES" sz="1800" spc="-1" strike="noStrike">
+              <a:rPr b="0" lang="es-ES" sz="2400" spc="-1" strike="noStrike">
                 <a:latin typeface="Arial"/>
               </a:rPr>
               <a:t>Tercer nivel del esquema</a:t>
             </a:r>
-            <a:endParaRPr b="0" lang="es-ES" sz="1800" spc="-1" strike="noStrike">
+            <a:endParaRPr b="0" lang="es-ES" sz="2400" spc="-1" strike="noStrike">
               <a:latin typeface="Arial"/>
             </a:endParaRPr>
           </a:p>
@@ -2973,12 +3005,12 @@
               <a:buChar char=""/>
             </a:pPr>
             <a:r>
-              <a:rPr b="0" lang="es-ES" sz="1800" spc="-1" strike="noStrike">
+              <a:rPr b="0" lang="es-ES" sz="2000" spc="-1" strike="noStrike">
                 <a:latin typeface="Arial"/>
               </a:rPr>
               <a:t>Cuarto nivel del esquema</a:t>
             </a:r>
-            <a:endParaRPr b="0" lang="es-ES" sz="1800" spc="-1" strike="noStrike">
+            <a:endParaRPr b="0" lang="es-ES" sz="2000" spc="-1" strike="noStrike">
               <a:latin typeface="Arial"/>
             </a:endParaRPr>
           </a:p>
@@ -2995,12 +3027,12 @@
               <a:buChar char=""/>
             </a:pPr>
             <a:r>
-              <a:rPr b="0" lang="es-ES" sz="1800" spc="-1" strike="noStrike">
+              <a:rPr b="0" lang="es-ES" sz="2000" spc="-1" strike="noStrike">
                 <a:latin typeface="Arial"/>
               </a:rPr>
               <a:t>Quinto nivel del esquema</a:t>
             </a:r>
-            <a:endParaRPr b="0" lang="es-ES" sz="1800" spc="-1" strike="noStrike">
+            <a:endParaRPr b="0" lang="es-ES" sz="2000" spc="-1" strike="noStrike">
               <a:latin typeface="Arial"/>
             </a:endParaRPr>
           </a:p>
@@ -3017,12 +3049,12 @@
               <a:buChar char=""/>
             </a:pPr>
             <a:r>
-              <a:rPr b="0" lang="es-ES" sz="1800" spc="-1" strike="noStrike">
+              <a:rPr b="0" lang="es-ES" sz="2000" spc="-1" strike="noStrike">
                 <a:latin typeface="Arial"/>
               </a:rPr>
               <a:t>Sexto nivel del esquema</a:t>
             </a:r>
-            <a:endParaRPr b="0" lang="es-ES" sz="1800" spc="-1" strike="noStrike">
+            <a:endParaRPr b="0" lang="es-ES" sz="2000" spc="-1" strike="noStrike">
               <a:latin typeface="Arial"/>
             </a:endParaRPr>
           </a:p>
@@ -3039,12 +3071,12 @@
               <a:buChar char=""/>
             </a:pPr>
             <a:r>
-              <a:rPr b="0" lang="es-ES" sz="1800" spc="-1" strike="noStrike">
+              <a:rPr b="0" lang="es-ES" sz="2000" spc="-1" strike="noStrike">
                 <a:latin typeface="Arial"/>
               </a:rPr>
               <a:t>Séptimo nivel del esquema</a:t>
             </a:r>
-            <a:endParaRPr b="0" lang="es-ES" sz="1800" spc="-1" strike="noStrike">
+            <a:endParaRPr b="0" lang="es-ES" sz="2000" spc="-1" strike="noStrike">
               <a:latin typeface="Arial"/>
             </a:endParaRPr>
           </a:p>
@@ -3141,7 +3173,7 @@
         <p:spPr>
           <a:xfrm>
             <a:off x="6372360" y="135000"/>
-            <a:ext cx="2591280" cy="700560"/>
+            <a:ext cx="2590920" cy="700200"/>
           </a:xfrm>
           <a:prstGeom prst="rect">
             <a:avLst/>
@@ -3164,7 +3196,7 @@
         <p:spPr>
           <a:xfrm>
             <a:off x="5724360" y="1700280"/>
-            <a:ext cx="3437280" cy="5156640"/>
+            <a:ext cx="3436920" cy="5156280"/>
           </a:xfrm>
           <a:prstGeom prst="rect">
             <a:avLst/>
@@ -3203,85 +3235,55 @@
               <a:rPr b="0" lang="es-ES" sz="4400" spc="-1" strike="noStrike">
                 <a:latin typeface="Arial"/>
               </a:rPr>
-              <a:t>Puls</a:t>
+              <a:t>Pulse </a:t>
             </a:r>
             <a:r>
               <a:rPr b="0" lang="es-ES" sz="4400" spc="-1" strike="noStrike">
                 <a:latin typeface="Arial"/>
               </a:rPr>
-              <a:t>e </a:t>
+              <a:t>para </a:t>
             </a:r>
             <a:r>
               <a:rPr b="0" lang="es-ES" sz="4400" spc="-1" strike="noStrike">
                 <a:latin typeface="Arial"/>
               </a:rPr>
-              <a:t>par</a:t>
+              <a:t>editar </a:t>
             </a:r>
             <a:r>
               <a:rPr b="0" lang="es-ES" sz="4400" spc="-1" strike="noStrike">
                 <a:latin typeface="Arial"/>
               </a:rPr>
-              <a:t>a </a:t>
+              <a:t>el </a:t>
             </a:r>
             <a:r>
               <a:rPr b="0" lang="es-ES" sz="4400" spc="-1" strike="noStrike">
                 <a:latin typeface="Arial"/>
               </a:rPr>
-              <a:t>edit</a:t>
+              <a:t>format</a:t>
             </a:r>
             <a:r>
               <a:rPr b="0" lang="es-ES" sz="4400" spc="-1" strike="noStrike">
                 <a:latin typeface="Arial"/>
               </a:rPr>
-              <a:t>ar el </a:t>
+              <a:t>o del </a:t>
             </a:r>
             <a:r>
               <a:rPr b="0" lang="es-ES" sz="4400" spc="-1" strike="noStrike">
                 <a:latin typeface="Arial"/>
               </a:rPr>
-              <a:t>for</a:t>
+              <a:t>texto </a:t>
             </a:r>
             <a:r>
               <a:rPr b="0" lang="es-ES" sz="4400" spc="-1" strike="noStrike">
                 <a:latin typeface="Arial"/>
               </a:rPr>
-              <a:t>mat</a:t>
+              <a:t>de </a:t>
             </a:r>
             <a:r>
               <a:rPr b="0" lang="es-ES" sz="4400" spc="-1" strike="noStrike">
                 <a:latin typeface="Arial"/>
               </a:rPr>
-              <a:t>o </a:t>
-            </a:r>
-            <a:r>
-              <a:rPr b="0" lang="es-ES" sz="4400" spc="-1" strike="noStrike">
-                <a:latin typeface="Arial"/>
-              </a:rPr>
-              <a:t>del </a:t>
-            </a:r>
-            <a:r>
-              <a:rPr b="0" lang="es-ES" sz="4400" spc="-1" strike="noStrike">
-                <a:latin typeface="Arial"/>
-              </a:rPr>
-              <a:t>text</a:t>
-            </a:r>
-            <a:r>
-              <a:rPr b="0" lang="es-ES" sz="4400" spc="-1" strike="noStrike">
-                <a:latin typeface="Arial"/>
-              </a:rPr>
-              <a:t>o de </a:t>
-            </a:r>
-            <a:r>
-              <a:rPr b="0" lang="es-ES" sz="4400" spc="-1" strike="noStrike">
-                <a:latin typeface="Arial"/>
-              </a:rPr>
-              <a:t>títul</a:t>
-            </a:r>
-            <a:r>
-              <a:rPr b="0" lang="es-ES" sz="4400" spc="-1" strike="noStrike">
-                <a:latin typeface="Arial"/>
-              </a:rPr>
-              <a:t>o</a:t>
+              <a:t>título</a:t>
             </a:r>
             <a:endParaRPr b="0" lang="es-ES" sz="4400" spc="-1" strike="noStrike">
               <a:latin typeface="Arial"/>
@@ -3514,7 +3516,7 @@
         <p:spPr>
           <a:xfrm>
             <a:off x="0" y="2130480"/>
-            <a:ext cx="9142920" cy="1468800"/>
+            <a:ext cx="9142560" cy="1468440"/>
           </a:xfrm>
           <a:prstGeom prst="rect">
             <a:avLst/>
@@ -3565,7 +3567,7 @@
         <p:spPr>
           <a:xfrm>
             <a:off x="0" y="4365000"/>
-            <a:ext cx="9142920" cy="1751400"/>
+            <a:ext cx="9142560" cy="1751040"/>
           </a:xfrm>
           <a:prstGeom prst="rect">
             <a:avLst/>
@@ -3674,7 +3676,7 @@
         <p:spPr>
           <a:xfrm>
             <a:off x="6553080" y="6356520"/>
-            <a:ext cx="2132640" cy="363960"/>
+            <a:ext cx="2132280" cy="363600"/>
           </a:xfrm>
           <a:prstGeom prst="rect">
             <a:avLst/>
@@ -3700,7 +3702,7 @@
                 <a:spcPct val="100000"/>
               </a:lnSpc>
             </a:pPr>
-            <a:fld id="{EDB6C9A9-AECA-48B7-A4A9-EABD36337AF0}" type="slidenum">
+            <a:fld id="{C5637D26-450B-4477-8FE6-531B33D5CC4F}" type="slidenum">
               <a:rPr b="0" lang="es-ES_tradnl" sz="1200" spc="-1" strike="noStrike">
                 <a:solidFill>
                   <a:srgbClr val="898989"/>
@@ -3729,7 +3731,7 @@
 </p:sld>
 </file>
 
-<file path=ppt/slides/slide2.xml><?xml version="1.0" encoding="utf-8"?>
+<file path=ppt/slides/slide10.xml><?xml version="1.0" encoding="utf-8"?>
 <p:sld xmlns:a="http://schemas.openxmlformats.org/drawingml/2006/main" xmlns:p="http://schemas.openxmlformats.org/presentationml/2006/main" xmlns:r="http://schemas.openxmlformats.org/officeDocument/2006/relationships" xmlns:p14="http://schemas.microsoft.com/office/powerpoint/2010/main" xmlns:p15="http://schemas.microsoft.com/office/powerpoint/2012/main" xmlns:mc="http://schemas.openxmlformats.org/markup-compatibility/2006">
   <p:cSld>
     <p:spTree>
@@ -3748,14 +3750,14 @@
       </p:grpSpPr>
       <p:sp>
         <p:nvSpPr>
-          <p:cNvPr id="84" name="CustomShape 1"/>
+          <p:cNvPr id="120" name="CustomShape 1"/>
           <p:cNvSpPr/>
           <p:nvPr/>
         </p:nvSpPr>
         <p:spPr>
           <a:xfrm>
-            <a:off x="288000" y="1143000"/>
-            <a:ext cx="8566920" cy="456120"/>
+            <a:off x="286920" y="424440"/>
+            <a:ext cx="5196960" cy="114480"/>
           </a:xfrm>
           <a:prstGeom prst="rect">
             <a:avLst/>
@@ -3776,22 +3778,38 @@
             <a:noAutofit/>
           </a:bodyPr>
           <a:p>
-            <a:pPr>
+            <a:pPr marL="343080" indent="-341640">
               <a:lnSpc>
-                <a:spcPct val="100000"/>
+                <a:spcPts val="1001"/>
               </a:lnSpc>
+              <a:tabLst>
+                <a:tab algn="l" pos="0"/>
+              </a:tabLst>
             </a:pPr>
             <a:r>
-              <a:rPr b="1" lang="es-ES" sz="2400" spc="-1" strike="noStrike">
-                <a:solidFill>
-                  <a:srgbClr val="0059a2"/>
-                </a:solidFill>
-                <a:latin typeface="Arial"/>
-                <a:ea typeface="ＭＳ Ｐゴシック"/>
-              </a:rPr>
-              <a:t>Abstract</a:t>
-            </a:r>
-            <a:endParaRPr b="0" lang="es-ES" sz="2400" spc="-1" strike="noStrike">
+              <a:rPr b="1" lang="es-ES" sz="800" spc="-1" strike="noStrike">
+                <a:solidFill>
+                  <a:srgbClr val="000000"/>
+                </a:solidFill>
+                <a:latin typeface="Arial"/>
+                <a:ea typeface="ＭＳ Ｐゴシック"/>
+              </a:rPr>
+              <a:t>MSc Physics of Complex Systems and Biophysics</a:t>
+            </a:r>
+            <a:endParaRPr b="0" lang="es-ES" sz="800" spc="-1" strike="noStrike">
+              <a:latin typeface="Arial"/>
+            </a:endParaRPr>
+          </a:p>
+          <a:p>
+            <a:pPr marL="343080" indent="-341640">
+              <a:lnSpc>
+                <a:spcPts val="1001"/>
+              </a:lnSpc>
+              <a:tabLst>
+                <a:tab algn="l" pos="0"/>
+              </a:tabLst>
+            </a:pPr>
+            <a:endParaRPr b="0" lang="es-ES" sz="800" spc="-1" strike="noStrike">
               <a:latin typeface="Arial"/>
             </a:endParaRPr>
           </a:p>
@@ -3799,14 +3817,14 @@
       </p:sp>
       <p:sp>
         <p:nvSpPr>
-          <p:cNvPr id="85" name="CustomShape 2"/>
+          <p:cNvPr id="121" name="CustomShape 2"/>
           <p:cNvSpPr/>
           <p:nvPr/>
         </p:nvSpPr>
         <p:spPr>
           <a:xfrm>
-            <a:off x="288000" y="417600"/>
-            <a:ext cx="5197320" cy="114840"/>
+            <a:off x="286920" y="536400"/>
+            <a:ext cx="5196960" cy="227160"/>
           </a:xfrm>
           <a:prstGeom prst="rect">
             <a:avLst/>
@@ -3827,37 +3845,40 @@
             <a:noAutofit/>
           </a:bodyPr>
           <a:p>
-            <a:pPr marL="343080" indent="-342000">
+            <a:pPr marL="343080" indent="-341640">
               <a:lnSpc>
-                <a:spcPts val="1001"/>
+                <a:spcPct val="100000"/>
               </a:lnSpc>
+              <a:spcBef>
+                <a:spcPts val="159"/>
+              </a:spcBef>
               <a:tabLst>
                 <a:tab algn="l" pos="0"/>
               </a:tabLst>
             </a:pPr>
             <a:r>
-              <a:rPr b="1" lang="es-ES" sz="800" spc="-1" strike="noStrike">
+              <a:rPr b="0" lang="es-ES" sz="800" spc="-1" strike="noStrike">
                 <a:solidFill>
                   <a:srgbClr val="000000"/>
                 </a:solidFill>
                 <a:latin typeface="Arial"/>
                 <a:ea typeface="ＭＳ Ｐゴシック"/>
               </a:rPr>
-              <a:t>MSc Physics of Complex Systems and Biophysics</a:t>
-            </a:r>
-            <a:endParaRPr b="0" lang="es-ES" sz="800" spc="-1" strike="noStrike">
-              <a:latin typeface="Arial"/>
-            </a:endParaRPr>
-          </a:p>
-          <a:p>
-            <a:pPr marL="343080" indent="-342000">
-              <a:lnSpc>
-                <a:spcPts val="1001"/>
-              </a:lnSpc>
-              <a:tabLst>
-                <a:tab algn="l" pos="0"/>
-              </a:tabLst>
-            </a:pPr>
+              <a:t>Analysis and Visualization of Big Data – Final Presentation - </a:t>
+            </a:r>
+            <a:r>
+              <a:rPr b="0" lang="es-ES" sz="800" spc="-1" strike="noStrike">
+                <a:solidFill>
+                  <a:srgbClr val="000000"/>
+                </a:solidFill>
+                <a:highlight>
+                  <a:srgbClr val="ffff00"/>
+                </a:highlight>
+                <a:latin typeface="Arial"/>
+                <a:ea typeface="ＭＳ Ｐゴシック"/>
+              </a:rPr>
+              <a:t>Title</a:t>
+            </a:r>
             <a:endParaRPr b="0" lang="es-ES" sz="800" spc="-1" strike="noStrike">
               <a:latin typeface="Arial"/>
             </a:endParaRPr>
@@ -3866,14 +3887,14 @@
       </p:sp>
       <p:sp>
         <p:nvSpPr>
-          <p:cNvPr id="86" name="CustomShape 3"/>
+          <p:cNvPr id="122" name="CustomShape 3"/>
           <p:cNvSpPr/>
           <p:nvPr/>
         </p:nvSpPr>
         <p:spPr>
           <a:xfrm>
-            <a:off x="288000" y="536400"/>
-            <a:ext cx="5197320" cy="227520"/>
+            <a:off x="283320" y="1143000"/>
+            <a:ext cx="8566560" cy="455760"/>
           </a:xfrm>
           <a:prstGeom prst="rect">
             <a:avLst/>
@@ -3894,41 +3915,22 @@
             <a:noAutofit/>
           </a:bodyPr>
           <a:p>
-            <a:pPr marL="343080" indent="-342000">
+            <a:pPr>
               <a:lnSpc>
                 <a:spcPct val="100000"/>
               </a:lnSpc>
-              <a:spcBef>
-                <a:spcPts val="159"/>
-              </a:spcBef>
-              <a:tabLst>
-                <a:tab algn="l" pos="0"/>
-              </a:tabLst>
             </a:pPr>
             <a:r>
-              <a:rPr b="0" lang="es-ES" sz="800" spc="-1" strike="noStrike">
-                <a:solidFill>
-                  <a:srgbClr val="000000"/>
-                </a:solidFill>
-                <a:latin typeface="Arial"/>
-                <a:ea typeface="ＭＳ Ｐゴシック"/>
-              </a:rPr>
-              <a:t>Analysis and Visualization of Big Data – Final Presentation - </a:t>
-            </a:r>
-            <a:r>
-              <a:rPr b="0" lang="es-ES" sz="800" spc="-1" strike="noStrike">
-                <a:solidFill>
-                  <a:srgbClr val="000000"/>
-                </a:solidFill>
-                <a:highlight>
-                  <a:srgbClr val="ffff00"/>
-                </a:highlight>
-                <a:latin typeface="Arial"/>
-                <a:ea typeface="ＭＳ Ｐゴシック"/>
-              </a:rPr>
-              <a:t>Title</a:t>
-            </a:r>
-            <a:endParaRPr b="0" lang="es-ES" sz="800" spc="-1" strike="noStrike">
+              <a:rPr b="1" lang="es-ES" sz="2400" spc="-1" strike="noStrike">
+                <a:solidFill>
+                  <a:srgbClr val="0059a2"/>
+                </a:solidFill>
+                <a:latin typeface="Arial"/>
+                <a:ea typeface="ＭＳ Ｐゴシック"/>
+              </a:rPr>
+              <a:t>Geographic distribution of migrants</a:t>
+            </a:r>
+            <a:endParaRPr b="0" lang="es-ES" sz="2400" spc="-1" strike="noStrike">
               <a:latin typeface="Arial"/>
             </a:endParaRPr>
           </a:p>
@@ -3936,14 +3938,14 @@
       </p:sp>
       <p:sp>
         <p:nvSpPr>
-          <p:cNvPr id="87" name="CustomShape 4"/>
+          <p:cNvPr id="123" name="CustomShape 4"/>
           <p:cNvSpPr/>
           <p:nvPr/>
         </p:nvSpPr>
         <p:spPr>
           <a:xfrm>
-            <a:off x="288000" y="1800000"/>
-            <a:ext cx="8566920" cy="922320"/>
+            <a:off x="531360" y="1981800"/>
+            <a:ext cx="3284280" cy="3489840"/>
           </a:xfrm>
           <a:prstGeom prst="rect">
             <a:avLst/>
@@ -3960,7 +3962,7 @@
           <a:fontRef idx="minor"/>
         </p:style>
         <p:txBody>
-          <a:bodyPr lIns="360000" rIns="360000" tIns="0" bIns="0">
+          <a:bodyPr lIns="90000" rIns="90000" tIns="45000" bIns="45000">
             <a:noAutofit/>
           </a:bodyPr>
           <a:p>
@@ -3968,9 +3970,6 @@
               <a:lnSpc>
                 <a:spcPct val="100000"/>
               </a:lnSpc>
-              <a:tabLst>
-                <a:tab algn="l" pos="0"/>
-              </a:tabLst>
             </a:pPr>
             <a:r>
               <a:rPr b="0" lang="ca-ES" sz="2000" spc="-1" strike="noStrike">
@@ -3980,7 +3979,7 @@
                 <a:latin typeface="Arial"/>
                 <a:ea typeface="ＭＳ Ｐゴシック"/>
               </a:rPr>
-              <a:t>Add a list of topics presented</a:t>
+              <a:t>- Unusual territorial division</a:t>
             </a:r>
             <a:endParaRPr b="0" lang="es-ES" sz="2000" spc="-1" strike="noStrike">
               <a:latin typeface="Arial"/>
@@ -3991,10 +3990,27 @@
               <a:lnSpc>
                 <a:spcPct val="100000"/>
               </a:lnSpc>
-              <a:tabLst>
-                <a:tab algn="l" pos="0"/>
-              </a:tabLst>
             </a:pPr>
+            <a:r>
+              <a:rPr b="0" lang="ca-ES" sz="2000" spc="-1" strike="noStrike">
+                <a:solidFill>
+                  <a:srgbClr val="0059a2"/>
+                </a:solidFill>
+                <a:latin typeface="Arial"/>
+                <a:ea typeface="ＭＳ Ｐゴシック"/>
+              </a:rPr>
+              <a:t>	</a:t>
+            </a:r>
+            <a:r>
+              <a:rPr b="0" lang="ca-ES" sz="2000" spc="-1" strike="noStrike">
+                <a:solidFill>
+                  <a:srgbClr val="0059a2"/>
+                </a:solidFill>
+                <a:latin typeface="Arial"/>
+                <a:ea typeface="ＭＳ Ｐゴシック"/>
+              </a:rPr>
+              <a:t>&gt; Mismatched regions</a:t>
+            </a:r>
             <a:endParaRPr b="0" lang="es-ES" sz="2000" spc="-1" strike="noStrike">
               <a:latin typeface="Arial"/>
             </a:endParaRPr>
@@ -4004,26 +4020,228 @@
               <a:lnSpc>
                 <a:spcPct val="100000"/>
               </a:lnSpc>
-              <a:tabLst>
-                <a:tab algn="l" pos="0"/>
-              </a:tabLst>
             </a:pPr>
             <a:endParaRPr b="0" lang="es-ES" sz="2000" spc="-1" strike="noStrike">
               <a:latin typeface="Arial"/>
             </a:endParaRPr>
           </a:p>
+          <a:p>
+            <a:pPr>
+              <a:lnSpc>
+                <a:spcPct val="100000"/>
+              </a:lnSpc>
+            </a:pPr>
+            <a:r>
+              <a:rPr b="0" lang="ca-ES" sz="2000" spc="-1" strike="noStrike">
+                <a:solidFill>
+                  <a:srgbClr val="0059a2"/>
+                </a:solidFill>
+                <a:latin typeface="Arial"/>
+                <a:ea typeface="ＭＳ Ｐゴシック"/>
+              </a:rPr>
+              <a:t>- Great influx to regions with Capital cities</a:t>
+            </a:r>
+            <a:endParaRPr b="0" lang="es-ES" sz="2000" spc="-1" strike="noStrike">
+              <a:latin typeface="Arial"/>
+            </a:endParaRPr>
+          </a:p>
+          <a:p>
+            <a:pPr>
+              <a:lnSpc>
+                <a:spcPct val="100000"/>
+              </a:lnSpc>
+            </a:pPr>
+            <a:endParaRPr b="0" lang="es-ES" sz="2000" spc="-1" strike="noStrike">
+              <a:latin typeface="Arial"/>
+            </a:endParaRPr>
+          </a:p>
+          <a:p>
+            <a:pPr>
+              <a:lnSpc>
+                <a:spcPct val="100000"/>
+              </a:lnSpc>
+            </a:pPr>
+            <a:r>
+              <a:rPr b="0" lang="ca-ES" sz="2000" spc="-1" strike="noStrike">
+                <a:solidFill>
+                  <a:srgbClr val="0059a2"/>
+                </a:solidFill>
+                <a:latin typeface="Arial"/>
+                <a:ea typeface="ＭＳ Ｐゴシック"/>
+              </a:rPr>
+              <a:t>- Connecting regions with more migrants</a:t>
+            </a:r>
+            <a:endParaRPr b="0" lang="es-ES" sz="2000" spc="-1" strike="noStrike">
+              <a:latin typeface="Arial"/>
+            </a:endParaRPr>
+          </a:p>
+          <a:p>
+            <a:pPr>
+              <a:lnSpc>
+                <a:spcPct val="100000"/>
+              </a:lnSpc>
+            </a:pPr>
+            <a:endParaRPr b="0" lang="es-ES" sz="2000" spc="-1" strike="noStrike">
+              <a:latin typeface="Arial"/>
+            </a:endParaRPr>
+          </a:p>
+          <a:p>
+            <a:pPr>
+              <a:lnSpc>
+                <a:spcPct val="100000"/>
+              </a:lnSpc>
+            </a:pPr>
+            <a:r>
+              <a:rPr b="0" lang="ca-ES" sz="2000" spc="-1" strike="noStrike">
+                <a:solidFill>
+                  <a:srgbClr val="0059a2"/>
+                </a:solidFill>
+                <a:latin typeface="Arial"/>
+                <a:ea typeface="ＭＳ Ｐゴシック"/>
+              </a:rPr>
+              <a:t>- Rural areas with less influx</a:t>
+            </a:r>
+            <a:endParaRPr b="0" lang="es-ES" sz="2000" spc="-1" strike="noStrike">
+              <a:latin typeface="Arial"/>
+            </a:endParaRPr>
+          </a:p>
+          <a:p>
+            <a:pPr>
+              <a:lnSpc>
+                <a:spcPct val="100000"/>
+              </a:lnSpc>
+            </a:pPr>
+            <a:endParaRPr b="0" lang="es-ES" sz="2000" spc="-1" strike="noStrike">
+              <a:latin typeface="Arial"/>
+            </a:endParaRPr>
+          </a:p>
         </p:txBody>
       </p:sp>
+      <p:grpSp>
+        <p:nvGrpSpPr>
+          <p:cNvPr id="124" name="Group 5"/>
+          <p:cNvGrpSpPr/>
+          <p:nvPr/>
+        </p:nvGrpSpPr>
+        <p:grpSpPr>
+          <a:xfrm>
+            <a:off x="3888000" y="1733760"/>
+            <a:ext cx="5034600" cy="3985200"/>
+            <a:chOff x="3888000" y="1733760"/>
+            <a:chExt cx="5034600" cy="3985200"/>
+          </a:xfrm>
+        </p:grpSpPr>
+        <p:pic>
+          <p:nvPicPr>
+            <p:cNvPr id="125" name="" descr=""/>
+            <p:cNvPicPr/>
+            <p:nvPr/>
+          </p:nvPicPr>
+          <p:blipFill>
+            <a:blip r:embed="rId1"/>
+            <a:stretch/>
+          </p:blipFill>
+          <p:spPr>
+            <a:xfrm>
+              <a:off x="3888000" y="1733760"/>
+              <a:ext cx="5034600" cy="3665880"/>
+            </a:xfrm>
+            <a:prstGeom prst="rect">
+              <a:avLst/>
+            </a:prstGeom>
+            <a:ln>
+              <a:noFill/>
+            </a:ln>
+          </p:spPr>
+        </p:pic>
+        <p:sp>
+          <p:nvSpPr>
+            <p:cNvPr id="126" name="CustomShape 6"/>
+            <p:cNvSpPr/>
+            <p:nvPr/>
+          </p:nvSpPr>
+          <p:spPr>
+            <a:xfrm>
+              <a:off x="4223520" y="5400000"/>
+              <a:ext cx="4575240" cy="318960"/>
+            </a:xfrm>
+            <a:prstGeom prst="rect">
+              <a:avLst/>
+            </a:prstGeom>
+            <a:noFill/>
+            <a:ln>
+              <a:noFill/>
+            </a:ln>
+          </p:spPr>
+          <p:style>
+            <a:lnRef idx="0"/>
+            <a:fillRef idx="0"/>
+            <a:effectRef idx="0"/>
+            <a:fontRef idx="minor"/>
+          </p:style>
+          <p:txBody>
+            <a:bodyPr lIns="90000" rIns="90000" tIns="45000" bIns="45000">
+              <a:noAutofit/>
+            </a:bodyPr>
+            <a:p>
+              <a:pPr>
+                <a:lnSpc>
+                  <a:spcPct val="100000"/>
+                </a:lnSpc>
+              </a:pPr>
+              <a:r>
+                <a:rPr b="0" lang="en-US" sz="800" spc="-1" strike="noStrike">
+                  <a:latin typeface="Arial"/>
+                </a:rPr>
+                <a:t>Figure: Catalunya’s map according to Vaguerie’s territorial division. The color code shows the influx amiunt of migrants received since 2015.</a:t>
+              </a:r>
+              <a:endParaRPr b="0" lang="es-ES" sz="800" spc="-1" strike="noStrike">
+                <a:latin typeface="Arial"/>
+              </a:endParaRPr>
+            </a:p>
+          </p:txBody>
+        </p:sp>
+      </p:grpSp>
+    </p:spTree>
+  </p:cSld>
+  <mc:AlternateContent>
+    <mc:Choice Requires="p14">
+      <p:transition spd="slow" p14:dur="2000"/>
+    </mc:Choice>
+    <mc:Fallback>
+      <p:transition spd="slow"/>
+    </mc:Fallback>
+  </mc:AlternateContent>
+</p:sld>
+</file>
+
+<file path=ppt/slides/slide11.xml><?xml version="1.0" encoding="utf-8"?>
+<p:sld xmlns:a="http://schemas.openxmlformats.org/drawingml/2006/main" xmlns:p="http://schemas.openxmlformats.org/presentationml/2006/main" xmlns:r="http://schemas.openxmlformats.org/officeDocument/2006/relationships" xmlns:p14="http://schemas.microsoft.com/office/powerpoint/2010/main" xmlns:p15="http://schemas.microsoft.com/office/powerpoint/2012/main" xmlns:mc="http://schemas.openxmlformats.org/markup-compatibility/2006">
+  <p:cSld>
+    <p:spTree>
+      <p:nvGrpSpPr>
+        <p:cNvPr id="1" name=""/>
+        <p:cNvGrpSpPr/>
+        <p:nvPr/>
+      </p:nvGrpSpPr>
+      <p:grpSpPr>
+        <a:xfrm>
+          <a:off x="0" y="0"/>
+          <a:ext cx="0" cy="0"/>
+          <a:chOff x="0" y="0"/>
+          <a:chExt cx="0" cy="0"/>
+        </a:xfrm>
+      </p:grpSpPr>
       <p:sp>
         <p:nvSpPr>
-          <p:cNvPr id="88" name="CustomShape 5"/>
+          <p:cNvPr id="127" name="CustomShape 1"/>
           <p:cNvSpPr/>
           <p:nvPr/>
         </p:nvSpPr>
         <p:spPr>
           <a:xfrm>
-            <a:off x="8610480" y="6356520"/>
-            <a:ext cx="245160" cy="363960"/>
+            <a:off x="288000" y="1099440"/>
+            <a:ext cx="8566560" cy="455760"/>
           </a:xfrm>
           <a:prstGeom prst="rect">
             <a:avLst/>
@@ -4044,67 +4262,37 @@
             <a:noAutofit/>
           </a:bodyPr>
           <a:p>
-            <a:pPr algn="r">
+            <a:pPr>
               <a:lnSpc>
                 <a:spcPct val="100000"/>
               </a:lnSpc>
             </a:pPr>
-            <a:fld id="{0A6E001D-4D98-482C-B866-DCC3CE278C81}" type="slidenum">
-              <a:rPr b="0" lang="es-ES_tradnl" sz="800" spc="-1" strike="noStrike">
-                <a:solidFill>
-                  <a:srgbClr val="000000"/>
-                </a:solidFill>
-                <a:latin typeface="Arial"/>
-                <a:ea typeface="ＭＳ Ｐゴシック"/>
-              </a:rPr>
-              <a:t>&lt;número&gt;</a:t>
-            </a:fld>
-            <a:endParaRPr b="0" lang="es-ES" sz="800" spc="-1" strike="noStrike">
+            <a:r>
+              <a:rPr b="1" lang="es-ES" sz="2000" spc="-1" strike="noStrike">
+                <a:solidFill>
+                  <a:srgbClr val="0059a2"/>
+                </a:solidFill>
+                <a:latin typeface="Arial"/>
+                <a:ea typeface="ＭＳ Ｐゴシック"/>
+              </a:rPr>
+              <a:t>Author contributions - CRediT Contributor Roles Taxonomy </a:t>
+            </a:r>
+            <a:endParaRPr b="0" lang="es-ES" sz="2000" spc="-1" strike="noStrike">
               <a:latin typeface="Arial"/>
             </a:endParaRPr>
           </a:p>
         </p:txBody>
       </p:sp>
-    </p:spTree>
-  </p:cSld>
-  <mc:AlternateContent>
-    <mc:Choice Requires="p14">
-      <p:transition spd="slow" p14:dur="2000"/>
-    </mc:Choice>
-    <mc:Fallback>
-      <p:transition spd="slow"/>
-    </mc:Fallback>
-  </mc:AlternateContent>
-</p:sld>
-</file>
-
-<file path=ppt/slides/slide3.xml><?xml version="1.0" encoding="utf-8"?>
-<p:sld xmlns:a="http://schemas.openxmlformats.org/drawingml/2006/main" xmlns:p="http://schemas.openxmlformats.org/presentationml/2006/main" xmlns:r="http://schemas.openxmlformats.org/officeDocument/2006/relationships" xmlns:p14="http://schemas.microsoft.com/office/powerpoint/2010/main" xmlns:p15="http://schemas.microsoft.com/office/powerpoint/2012/main" xmlns:mc="http://schemas.openxmlformats.org/markup-compatibility/2006">
-  <p:cSld>
-    <p:spTree>
-      <p:nvGrpSpPr>
-        <p:cNvPr id="1" name=""/>
-        <p:cNvGrpSpPr/>
-        <p:nvPr/>
-      </p:nvGrpSpPr>
-      <p:grpSpPr>
-        <a:xfrm>
-          <a:off x="0" y="0"/>
-          <a:ext cx="0" cy="0"/>
-          <a:chOff x="0" y="0"/>
-          <a:chExt cx="0" cy="0"/>
-        </a:xfrm>
-      </p:grpSpPr>
       <p:sp>
         <p:nvSpPr>
-          <p:cNvPr id="89" name="CustomShape 1"/>
+          <p:cNvPr id="128" name="CustomShape 2"/>
           <p:cNvSpPr/>
           <p:nvPr/>
         </p:nvSpPr>
         <p:spPr>
           <a:xfrm>
-            <a:off x="288000" y="1143000"/>
-            <a:ext cx="8566920" cy="456120"/>
+            <a:off x="8610480" y="6356520"/>
+            <a:ext cx="244800" cy="363600"/>
           </a:xfrm>
           <a:prstGeom prst="rect">
             <a:avLst/>
@@ -4125,22 +4313,22 @@
             <a:noAutofit/>
           </a:bodyPr>
           <a:p>
-            <a:pPr>
+            <a:pPr algn="r">
               <a:lnSpc>
                 <a:spcPct val="100000"/>
               </a:lnSpc>
             </a:pPr>
-            <a:r>
-              <a:rPr b="1" lang="es-ES" sz="2400" spc="-1" strike="noStrike">
-                <a:solidFill>
-                  <a:srgbClr val="0059a2"/>
-                </a:solidFill>
-                <a:latin typeface="Arial"/>
-                <a:ea typeface="ＭＳ Ｐゴシック"/>
-              </a:rPr>
-              <a:t>Outline</a:t>
-            </a:r>
-            <a:endParaRPr b="0" lang="es-ES" sz="2400" spc="-1" strike="noStrike">
+            <a:fld id="{13A26E74-C69B-43AE-A382-6EDDD752AB03}" type="slidenum">
+              <a:rPr b="0" lang="es-ES_tradnl" sz="800" spc="-1" strike="noStrike">
+                <a:solidFill>
+                  <a:srgbClr val="000000"/>
+                </a:solidFill>
+                <a:latin typeface="Arial"/>
+                <a:ea typeface="ＭＳ Ｐゴシック"/>
+              </a:rPr>
+              <a:t>&lt;número&gt;</a:t>
+            </a:fld>
+            <a:endParaRPr b="0" lang="es-ES" sz="800" spc="-1" strike="noStrike">
               <a:latin typeface="Arial"/>
             </a:endParaRPr>
           </a:p>
@@ -4148,14 +4336,14 @@
       </p:sp>
       <p:sp>
         <p:nvSpPr>
-          <p:cNvPr id="90" name="CustomShape 2"/>
+          <p:cNvPr id="129" name="CustomShape 3"/>
           <p:cNvSpPr/>
           <p:nvPr/>
         </p:nvSpPr>
         <p:spPr>
           <a:xfrm>
             <a:off x="288000" y="417600"/>
-            <a:ext cx="5197320" cy="114840"/>
+            <a:ext cx="5196960" cy="114480"/>
           </a:xfrm>
           <a:prstGeom prst="rect">
             <a:avLst/>
@@ -4176,7 +4364,7 @@
             <a:noAutofit/>
           </a:bodyPr>
           <a:p>
-            <a:pPr marL="343080" indent="-342000">
+            <a:pPr marL="343080" indent="-341640">
               <a:lnSpc>
                 <a:spcPts val="1001"/>
               </a:lnSpc>
@@ -4198,31 +4386,18 @@
               <a:latin typeface="Arial"/>
             </a:endParaRPr>
           </a:p>
-          <a:p>
-            <a:pPr marL="343080" indent="-342000">
-              <a:lnSpc>
-                <a:spcPts val="1001"/>
-              </a:lnSpc>
-              <a:tabLst>
-                <a:tab algn="l" pos="0"/>
-              </a:tabLst>
-            </a:pPr>
-            <a:endParaRPr b="0" lang="es-ES" sz="800" spc="-1" strike="noStrike">
-              <a:latin typeface="Arial"/>
-            </a:endParaRPr>
-          </a:p>
         </p:txBody>
       </p:sp>
       <p:sp>
         <p:nvSpPr>
-          <p:cNvPr id="91" name="CustomShape 3"/>
+          <p:cNvPr id="130" name="CustomShape 4"/>
           <p:cNvSpPr/>
           <p:nvPr/>
         </p:nvSpPr>
         <p:spPr>
           <a:xfrm>
             <a:off x="288000" y="536400"/>
-            <a:ext cx="5197320" cy="227520"/>
+            <a:ext cx="5196960" cy="227160"/>
           </a:xfrm>
           <a:prstGeom prst="rect">
             <a:avLst/>
@@ -4243,7 +4418,7 @@
             <a:noAutofit/>
           </a:bodyPr>
           <a:p>
-            <a:pPr marL="343080" indent="-342000">
+            <a:pPr marL="343080" indent="-341640">
               <a:lnSpc>
                 <a:spcPct val="100000"/>
               </a:lnSpc>
@@ -4285,1565 +4460,14 @@
       </p:sp>
       <p:sp>
         <p:nvSpPr>
-          <p:cNvPr id="92" name="CustomShape 4"/>
-          <p:cNvSpPr/>
-          <p:nvPr/>
-        </p:nvSpPr>
-        <p:spPr>
-          <a:xfrm>
-            <a:off x="287280" y="1575360"/>
-            <a:ext cx="8566920" cy="4923360"/>
-          </a:xfrm>
-          <a:prstGeom prst="rect">
-            <a:avLst/>
-          </a:prstGeom>
-          <a:noFill/>
-          <a:ln>
-            <a:noFill/>
-          </a:ln>
-        </p:spPr>
-        <p:style>
-          <a:lnRef idx="0"/>
-          <a:fillRef idx="0"/>
-          <a:effectRef idx="0"/>
-          <a:fontRef idx="minor"/>
-        </p:style>
-        <p:txBody>
-          <a:bodyPr lIns="360000" rIns="360000" tIns="0" bIns="0">
-            <a:noAutofit/>
-          </a:bodyPr>
-          <a:p>
-            <a:pPr>
-              <a:lnSpc>
-                <a:spcPct val="100000"/>
-              </a:lnSpc>
-              <a:tabLst>
-                <a:tab algn="l" pos="0"/>
-              </a:tabLst>
-            </a:pPr>
-            <a:r>
-              <a:rPr b="0" lang="ca-ES" sz="2000" spc="-1" strike="noStrike">
-                <a:solidFill>
-                  <a:srgbClr val="0059a2"/>
-                </a:solidFill>
-                <a:latin typeface="Arial"/>
-                <a:ea typeface="ＭＳ Ｐゴシック"/>
-              </a:rPr>
-              <a:t>Adapt the following list:</a:t>
-            </a:r>
-            <a:endParaRPr b="0" lang="es-ES" sz="2000" spc="-1" strike="noStrike">
-              <a:latin typeface="Arial"/>
-            </a:endParaRPr>
-          </a:p>
-          <a:p>
-            <a:pPr>
-              <a:lnSpc>
-                <a:spcPct val="100000"/>
-              </a:lnSpc>
-              <a:tabLst>
-                <a:tab algn="l" pos="0"/>
-              </a:tabLst>
-            </a:pPr>
-            <a:r>
-              <a:rPr b="0" lang="ca-ES" sz="2000" spc="-1" strike="noStrike">
-                <a:solidFill>
-                  <a:srgbClr val="0059a2"/>
-                </a:solidFill>
-                <a:latin typeface="Arial"/>
-                <a:ea typeface="ＭＳ Ｐゴシック"/>
-              </a:rPr>
-              <a:t>	</a:t>
-            </a:r>
-            <a:r>
-              <a:rPr b="0" lang="ca-ES" sz="2000" spc="-1" strike="noStrike">
-                <a:solidFill>
-                  <a:srgbClr val="0059a2"/>
-                </a:solidFill>
-                <a:latin typeface="Arial"/>
-                <a:ea typeface="ＭＳ Ｐゴシック"/>
-              </a:rPr>
-              <a:t>•</a:t>
-            </a:r>
-            <a:r>
-              <a:rPr b="0" lang="ca-ES" sz="2000" spc="-1" strike="noStrike">
-                <a:solidFill>
-                  <a:srgbClr val="0059a2"/>
-                </a:solidFill>
-                <a:latin typeface="Arial"/>
-                <a:ea typeface="ＭＳ Ｐゴシック"/>
-              </a:rPr>
-              <a:t>	</a:t>
-            </a:r>
-            <a:r>
-              <a:rPr b="0" lang="ca-ES" sz="2000" spc="-1" strike="noStrike">
-                <a:solidFill>
-                  <a:srgbClr val="0059a2"/>
-                </a:solidFill>
-                <a:latin typeface="Arial"/>
-                <a:ea typeface="ＭＳ Ｐゴシック"/>
-              </a:rPr>
-              <a:t>Title following style discussed in class</a:t>
-            </a:r>
-            <a:endParaRPr b="0" lang="es-ES" sz="2000" spc="-1" strike="noStrike">
-              <a:latin typeface="Arial"/>
-            </a:endParaRPr>
-          </a:p>
-          <a:p>
-            <a:pPr>
-              <a:lnSpc>
-                <a:spcPct val="100000"/>
-              </a:lnSpc>
-              <a:tabLst>
-                <a:tab algn="l" pos="0"/>
-              </a:tabLst>
-            </a:pPr>
-            <a:r>
-              <a:rPr b="0" lang="ca-ES" sz="2000" spc="-1" strike="noStrike">
-                <a:solidFill>
-                  <a:srgbClr val="0059a2"/>
-                </a:solidFill>
-                <a:latin typeface="Arial"/>
-                <a:ea typeface="ＭＳ Ｐゴシック"/>
-              </a:rPr>
-              <a:t>	</a:t>
-            </a:r>
-            <a:r>
-              <a:rPr b="0" lang="ca-ES" sz="2000" spc="-1" strike="noStrike">
-                <a:solidFill>
-                  <a:srgbClr val="0059a2"/>
-                </a:solidFill>
-                <a:latin typeface="Arial"/>
-                <a:ea typeface="ＭＳ Ｐゴシック"/>
-              </a:rPr>
-              <a:t>•</a:t>
-            </a:r>
-            <a:r>
-              <a:rPr b="0" lang="ca-ES" sz="2000" spc="-1" strike="noStrike">
-                <a:solidFill>
-                  <a:srgbClr val="0059a2"/>
-                </a:solidFill>
-                <a:latin typeface="Arial"/>
-                <a:ea typeface="ＭＳ Ｐゴシック"/>
-              </a:rPr>
-              <a:t>	</a:t>
-            </a:r>
-            <a:r>
-              <a:rPr b="0" lang="ca-ES" sz="2000" spc="-1" strike="noStrike">
-                <a:solidFill>
-                  <a:srgbClr val="0059a2"/>
-                </a:solidFill>
-                <a:latin typeface="Arial"/>
-                <a:ea typeface="ＭＳ Ｐゴシック"/>
-              </a:rPr>
-              <a:t>Abstract following style discussed in class</a:t>
-            </a:r>
-            <a:endParaRPr b="0" lang="es-ES" sz="2000" spc="-1" strike="noStrike">
-              <a:latin typeface="Arial"/>
-            </a:endParaRPr>
-          </a:p>
-          <a:p>
-            <a:pPr>
-              <a:lnSpc>
-                <a:spcPct val="100000"/>
-              </a:lnSpc>
-              <a:tabLst>
-                <a:tab algn="l" pos="0"/>
-              </a:tabLst>
-            </a:pPr>
-            <a:r>
-              <a:rPr b="0" lang="ca-ES" sz="2000" spc="-1" strike="noStrike">
-                <a:solidFill>
-                  <a:srgbClr val="0059a2"/>
-                </a:solidFill>
-                <a:latin typeface="Arial"/>
-                <a:ea typeface="ＭＳ Ｐゴシック"/>
-              </a:rPr>
-              <a:t>	</a:t>
-            </a:r>
-            <a:r>
-              <a:rPr b="0" lang="ca-ES" sz="2000" spc="-1" strike="noStrike">
-                <a:solidFill>
-                  <a:srgbClr val="0059a2"/>
-                </a:solidFill>
-                <a:latin typeface="Arial"/>
-                <a:ea typeface="ＭＳ Ｐゴシック"/>
-              </a:rPr>
-              <a:t>•</a:t>
-            </a:r>
-            <a:r>
-              <a:rPr b="0" lang="ca-ES" sz="2000" spc="-1" strike="noStrike">
-                <a:solidFill>
-                  <a:srgbClr val="0059a2"/>
-                </a:solidFill>
-                <a:latin typeface="Arial"/>
-                <a:ea typeface="ＭＳ Ｐゴシック"/>
-              </a:rPr>
-              <a:t>	</a:t>
-            </a:r>
-            <a:r>
-              <a:rPr b="0" lang="ca-ES" sz="2000" spc="-1" strike="noStrike">
-                <a:solidFill>
-                  <a:srgbClr val="0059a2"/>
-                </a:solidFill>
-                <a:latin typeface="Arial"/>
-                <a:ea typeface="ＭＳ Ｐゴシック"/>
-              </a:rPr>
-              <a:t>The research process, the methods and the tools behind the plots and the dashboard, including a general structure of the Data Management Plan</a:t>
-            </a:r>
-            <a:endParaRPr b="0" lang="es-ES" sz="2000" spc="-1" strike="noStrike">
-              <a:latin typeface="Arial"/>
-            </a:endParaRPr>
-          </a:p>
-          <a:p>
-            <a:pPr>
-              <a:lnSpc>
-                <a:spcPct val="100000"/>
-              </a:lnSpc>
-              <a:tabLst>
-                <a:tab algn="l" pos="0"/>
-              </a:tabLst>
-            </a:pPr>
-            <a:r>
-              <a:rPr b="0" lang="ca-ES" sz="2000" spc="-1" strike="noStrike">
-                <a:solidFill>
-                  <a:srgbClr val="0059a2"/>
-                </a:solidFill>
-                <a:latin typeface="Arial"/>
-                <a:ea typeface="ＭＳ Ｐゴシック"/>
-              </a:rPr>
-              <a:t>	</a:t>
-            </a:r>
-            <a:r>
-              <a:rPr b="0" lang="ca-ES" sz="2000" spc="-1" strike="noStrike">
-                <a:solidFill>
-                  <a:srgbClr val="0059a2"/>
-                </a:solidFill>
-                <a:latin typeface="Arial"/>
-                <a:ea typeface="ＭＳ Ｐゴシック"/>
-              </a:rPr>
-              <a:t>•</a:t>
-            </a:r>
-            <a:r>
-              <a:rPr b="0" lang="ca-ES" sz="2000" spc="-1" strike="noStrike">
-                <a:solidFill>
-                  <a:srgbClr val="0059a2"/>
-                </a:solidFill>
-                <a:latin typeface="Arial"/>
-                <a:ea typeface="ＭＳ Ｐゴシック"/>
-              </a:rPr>
-              <a:t>	</a:t>
-            </a:r>
-            <a:r>
-              <a:rPr b="0" lang="ca-ES" sz="2000" spc="-1" strike="noStrike">
-                <a:solidFill>
-                  <a:srgbClr val="0059a2"/>
-                </a:solidFill>
-                <a:latin typeface="Arial"/>
-                <a:ea typeface="ＭＳ Ｐゴシック"/>
-              </a:rPr>
-              <a:t>Results</a:t>
-            </a:r>
-            <a:endParaRPr b="0" lang="es-ES" sz="2000" spc="-1" strike="noStrike">
-              <a:latin typeface="Arial"/>
-            </a:endParaRPr>
-          </a:p>
-          <a:p>
-            <a:pPr>
-              <a:lnSpc>
-                <a:spcPct val="100000"/>
-              </a:lnSpc>
-              <a:tabLst>
-                <a:tab algn="l" pos="0"/>
-              </a:tabLst>
-            </a:pPr>
-            <a:r>
-              <a:rPr b="0" lang="ca-ES" sz="2000" spc="-1" strike="noStrike">
-                <a:solidFill>
-                  <a:srgbClr val="0059a2"/>
-                </a:solidFill>
-                <a:latin typeface="Arial"/>
-                <a:ea typeface="ＭＳ Ｐゴシック"/>
-              </a:rPr>
-              <a:t>	</a:t>
-            </a:r>
-            <a:r>
-              <a:rPr b="0" lang="ca-ES" sz="2000" spc="-1" strike="noStrike">
-                <a:solidFill>
-                  <a:srgbClr val="0059a2"/>
-                </a:solidFill>
-                <a:latin typeface="Arial"/>
-                <a:ea typeface="ＭＳ Ｐゴシック"/>
-              </a:rPr>
-              <a:t>•</a:t>
-            </a:r>
-            <a:r>
-              <a:rPr b="0" lang="ca-ES" sz="2000" spc="-1" strike="noStrike">
-                <a:solidFill>
-                  <a:srgbClr val="0059a2"/>
-                </a:solidFill>
-                <a:latin typeface="Arial"/>
-                <a:ea typeface="ＭＳ Ｐゴシック"/>
-              </a:rPr>
-              <a:t>	</a:t>
-            </a:r>
-            <a:r>
-              <a:rPr b="0" lang="ca-ES" sz="2000" spc="-1" strike="noStrike">
-                <a:solidFill>
-                  <a:srgbClr val="0059a2"/>
-                </a:solidFill>
-                <a:latin typeface="Arial"/>
-                <a:ea typeface="ＭＳ Ｐゴシック"/>
-              </a:rPr>
-              <a:t>Related activities on dissemination, communication, public participation or citizen science</a:t>
-            </a:r>
-            <a:endParaRPr b="0" lang="es-ES" sz="2000" spc="-1" strike="noStrike">
-              <a:latin typeface="Arial"/>
-            </a:endParaRPr>
-          </a:p>
-          <a:p>
-            <a:pPr>
-              <a:lnSpc>
-                <a:spcPct val="100000"/>
-              </a:lnSpc>
-              <a:tabLst>
-                <a:tab algn="l" pos="0"/>
-              </a:tabLst>
-            </a:pPr>
-            <a:r>
-              <a:rPr b="0" lang="ca-ES" sz="2000" spc="-1" strike="noStrike">
-                <a:solidFill>
-                  <a:srgbClr val="0059a2"/>
-                </a:solidFill>
-                <a:latin typeface="Arial"/>
-                <a:ea typeface="ＭＳ Ｐゴシック"/>
-              </a:rPr>
-              <a:t>	</a:t>
-            </a:r>
-            <a:r>
-              <a:rPr b="0" lang="ca-ES" sz="2000" spc="-1" strike="noStrike">
-                <a:solidFill>
-                  <a:srgbClr val="0059a2"/>
-                </a:solidFill>
-                <a:latin typeface="Arial"/>
-                <a:ea typeface="ＭＳ Ｐゴシック"/>
-              </a:rPr>
-              <a:t>•</a:t>
-            </a:r>
-            <a:r>
-              <a:rPr b="0" lang="ca-ES" sz="2000" spc="-1" strike="noStrike">
-                <a:solidFill>
-                  <a:srgbClr val="0059a2"/>
-                </a:solidFill>
-                <a:latin typeface="Arial"/>
-                <a:ea typeface="ＭＳ Ｐゴシック"/>
-              </a:rPr>
-              <a:t>	</a:t>
-            </a:r>
-            <a:r>
-              <a:rPr b="0" lang="ca-ES" sz="2000" spc="-1" strike="noStrike">
-                <a:solidFill>
-                  <a:srgbClr val="0059a2"/>
-                </a:solidFill>
-                <a:latin typeface="Arial"/>
-                <a:ea typeface="ＭＳ Ｐゴシック"/>
-              </a:rPr>
-              <a:t>Conclusions</a:t>
-            </a:r>
-            <a:endParaRPr b="0" lang="es-ES" sz="2000" spc="-1" strike="noStrike">
-              <a:latin typeface="Arial"/>
-            </a:endParaRPr>
-          </a:p>
-          <a:p>
-            <a:pPr>
-              <a:lnSpc>
-                <a:spcPct val="100000"/>
-              </a:lnSpc>
-              <a:tabLst>
-                <a:tab algn="l" pos="0"/>
-              </a:tabLst>
-            </a:pPr>
-            <a:r>
-              <a:rPr b="0" lang="ca-ES" sz="2000" spc="-1" strike="noStrike">
-                <a:solidFill>
-                  <a:srgbClr val="0059a2"/>
-                </a:solidFill>
-                <a:latin typeface="Arial"/>
-                <a:ea typeface="ＭＳ Ｐゴシック"/>
-              </a:rPr>
-              <a:t>	</a:t>
-            </a:r>
-            <a:r>
-              <a:rPr b="0" lang="ca-ES" sz="2000" spc="-1" strike="noStrike">
-                <a:solidFill>
-                  <a:srgbClr val="0059a2"/>
-                </a:solidFill>
-                <a:latin typeface="Arial"/>
-                <a:ea typeface="ＭＳ Ｐゴシック"/>
-              </a:rPr>
-              <a:t>•</a:t>
-            </a:r>
-            <a:r>
-              <a:rPr b="0" lang="ca-ES" sz="2000" spc="-1" strike="noStrike">
-                <a:solidFill>
-                  <a:srgbClr val="0059a2"/>
-                </a:solidFill>
-                <a:latin typeface="Arial"/>
-                <a:ea typeface="ＭＳ Ｐゴシック"/>
-              </a:rPr>
-              <a:t>	</a:t>
-            </a:r>
-            <a:r>
-              <a:rPr b="0" lang="ca-ES" sz="2000" spc="-1" strike="noStrike">
-                <a:solidFill>
-                  <a:srgbClr val="0059a2"/>
-                </a:solidFill>
-                <a:latin typeface="Arial"/>
-                <a:ea typeface="ＭＳ Ｐゴシック"/>
-              </a:rPr>
-              <a:t>Concluding remarks and general reflections about the course</a:t>
-            </a:r>
-            <a:endParaRPr b="0" lang="es-ES" sz="2000" spc="-1" strike="noStrike">
-              <a:latin typeface="Arial"/>
-            </a:endParaRPr>
-          </a:p>
-          <a:p>
-            <a:pPr>
-              <a:lnSpc>
-                <a:spcPct val="100000"/>
-              </a:lnSpc>
-              <a:tabLst>
-                <a:tab algn="l" pos="0"/>
-              </a:tabLst>
-            </a:pPr>
-            <a:r>
-              <a:rPr b="0" lang="ca-ES" sz="2000" spc="-1" strike="noStrike">
-                <a:solidFill>
-                  <a:srgbClr val="0059a2"/>
-                </a:solidFill>
-                <a:latin typeface="Arial"/>
-                <a:ea typeface="ＭＳ Ｐゴシック"/>
-              </a:rPr>
-              <a:t>	</a:t>
-            </a:r>
-            <a:r>
-              <a:rPr b="0" lang="ca-ES" sz="2000" spc="-1" strike="noStrike">
-                <a:solidFill>
-                  <a:srgbClr val="0059a2"/>
-                </a:solidFill>
-                <a:latin typeface="Arial"/>
-                <a:ea typeface="ＭＳ Ｐゴシック"/>
-              </a:rPr>
-              <a:t>•</a:t>
-            </a:r>
-            <a:r>
-              <a:rPr b="0" lang="ca-ES" sz="2000" spc="-1" strike="noStrike">
-                <a:solidFill>
-                  <a:srgbClr val="0059a2"/>
-                </a:solidFill>
-                <a:latin typeface="Arial"/>
-                <a:ea typeface="ＭＳ Ｐゴシック"/>
-              </a:rPr>
-              <a:t>	</a:t>
-            </a:r>
-            <a:r>
-              <a:rPr b="0" lang="ca-ES" sz="2000" spc="-1" strike="noStrike">
-                <a:solidFill>
-                  <a:srgbClr val="0059a2"/>
-                </a:solidFill>
-                <a:latin typeface="Arial"/>
-                <a:ea typeface="ＭＳ Ｐゴシック"/>
-              </a:rPr>
-              <a:t>Authors contribution, use CRediT rules </a:t>
-            </a:r>
-            <a:r>
-              <a:rPr b="0" lang="ca-ES" sz="2000" spc="-1" strike="noStrike" u="sng">
-                <a:solidFill>
-                  <a:srgbClr val="0000ff"/>
-                </a:solidFill>
-                <a:uFillTx/>
-                <a:latin typeface="Arial"/>
-                <a:ea typeface="ＭＳ Ｐゴシック"/>
-                <a:hlinkClick r:id="rId1"/>
-              </a:rPr>
-              <a:t>https://www.elsevier.com/authors/policies-and-guidelines/credit-author-statement</a:t>
-            </a:r>
-            <a:r>
-              <a:rPr b="0" lang="ca-ES" sz="2000" spc="-1" strike="noStrike">
-                <a:solidFill>
-                  <a:srgbClr val="0059a2"/>
-                </a:solidFill>
-                <a:latin typeface="Arial"/>
-                <a:ea typeface="ＭＳ Ｐゴシック"/>
-              </a:rPr>
-              <a:t>  </a:t>
-            </a:r>
-            <a:endParaRPr b="0" lang="es-ES" sz="2000" spc="-1" strike="noStrike">
-              <a:latin typeface="Arial"/>
-            </a:endParaRPr>
-          </a:p>
-          <a:p>
-            <a:pPr>
-              <a:lnSpc>
-                <a:spcPct val="100000"/>
-              </a:lnSpc>
-              <a:tabLst>
-                <a:tab algn="l" pos="0"/>
-              </a:tabLst>
-            </a:pPr>
-            <a:r>
-              <a:rPr b="0" lang="ca-ES" sz="2000" spc="-1" strike="noStrike">
-                <a:solidFill>
-                  <a:srgbClr val="0059a2"/>
-                </a:solidFill>
-                <a:latin typeface="Arial"/>
-                <a:ea typeface="ＭＳ Ｐゴシック"/>
-              </a:rPr>
-              <a:t>	</a:t>
-            </a:r>
-            <a:r>
-              <a:rPr b="0" lang="ca-ES" sz="2000" spc="-1" strike="noStrike">
-                <a:solidFill>
-                  <a:srgbClr val="0059a2"/>
-                </a:solidFill>
-                <a:latin typeface="Arial"/>
-                <a:ea typeface="ＭＳ Ｐゴシック"/>
-              </a:rPr>
-              <a:t>•</a:t>
-            </a:r>
-            <a:r>
-              <a:rPr b="0" lang="ca-ES" sz="2000" spc="-1" strike="noStrike">
-                <a:solidFill>
-                  <a:srgbClr val="0059a2"/>
-                </a:solidFill>
-                <a:latin typeface="Arial"/>
-                <a:ea typeface="ＭＳ Ｐゴシック"/>
-              </a:rPr>
-              <a:t>	</a:t>
-            </a:r>
-            <a:r>
-              <a:rPr b="0" lang="ca-ES" sz="2000" spc="-1" strike="noStrike">
-                <a:solidFill>
-                  <a:srgbClr val="0059a2"/>
-                </a:solidFill>
-                <a:latin typeface="Arial"/>
-                <a:ea typeface="ＭＳ Ｐゴシック"/>
-              </a:rPr>
-              <a:t>Code and data availability description</a:t>
-            </a:r>
-            <a:endParaRPr b="0" lang="es-ES" sz="2000" spc="-1" strike="noStrike">
-              <a:latin typeface="Arial"/>
-            </a:endParaRPr>
-          </a:p>
-          <a:p>
-            <a:pPr>
-              <a:lnSpc>
-                <a:spcPct val="100000"/>
-              </a:lnSpc>
-              <a:tabLst>
-                <a:tab algn="l" pos="0"/>
-              </a:tabLst>
-            </a:pPr>
-            <a:r>
-              <a:rPr b="0" lang="ca-ES" sz="2000" spc="-1" strike="noStrike">
-                <a:solidFill>
-                  <a:srgbClr val="0059a2"/>
-                </a:solidFill>
-                <a:latin typeface="Arial"/>
-                <a:ea typeface="ＭＳ Ｐゴシック"/>
-              </a:rPr>
-              <a:t>	</a:t>
-            </a:r>
-            <a:r>
-              <a:rPr b="0" lang="ca-ES" sz="2000" spc="-1" strike="noStrike">
-                <a:solidFill>
-                  <a:srgbClr val="0059a2"/>
-                </a:solidFill>
-                <a:latin typeface="Arial"/>
-                <a:ea typeface="ＭＳ Ｐゴシック"/>
-              </a:rPr>
-              <a:t>•</a:t>
-            </a:r>
-            <a:r>
-              <a:rPr b="0" lang="ca-ES" sz="2000" spc="-1" strike="noStrike">
-                <a:solidFill>
-                  <a:srgbClr val="0059a2"/>
-                </a:solidFill>
-                <a:latin typeface="Arial"/>
-                <a:ea typeface="ＭＳ Ｐゴシック"/>
-              </a:rPr>
-              <a:t>	</a:t>
-            </a:r>
-            <a:r>
-              <a:rPr b="0" lang="ca-ES" sz="2000" spc="-1" strike="noStrike">
-                <a:solidFill>
-                  <a:srgbClr val="0059a2"/>
-                </a:solidFill>
-                <a:latin typeface="Arial"/>
-                <a:ea typeface="ＭＳ Ｐゴシック"/>
-              </a:rPr>
-              <a:t>Other aspects such as ethical aspects</a:t>
-            </a:r>
-            <a:endParaRPr b="0" lang="es-ES" sz="2000" spc="-1" strike="noStrike">
-              <a:latin typeface="Arial"/>
-            </a:endParaRPr>
-          </a:p>
-        </p:txBody>
-      </p:sp>
-      <p:sp>
-        <p:nvSpPr>
-          <p:cNvPr id="93" name="CustomShape 5"/>
-          <p:cNvSpPr/>
-          <p:nvPr/>
-        </p:nvSpPr>
-        <p:spPr>
-          <a:xfrm>
-            <a:off x="8610480" y="6356520"/>
-            <a:ext cx="245160" cy="363960"/>
-          </a:xfrm>
-          <a:prstGeom prst="rect">
-            <a:avLst/>
-          </a:prstGeom>
-          <a:noFill/>
-          <a:ln>
-            <a:noFill/>
-          </a:ln>
-        </p:spPr>
-        <p:style>
-          <a:lnRef idx="0"/>
-          <a:fillRef idx="0"/>
-          <a:effectRef idx="0"/>
-          <a:fontRef idx="minor"/>
-        </p:style>
-        <p:txBody>
-          <a:bodyPr lIns="0" rIns="0" tIns="0" bIns="0">
-            <a:noAutofit/>
-          </a:bodyPr>
-          <a:p>
-            <a:pPr algn="r">
-              <a:lnSpc>
-                <a:spcPct val="100000"/>
-              </a:lnSpc>
-            </a:pPr>
-            <a:fld id="{60CD0AF4-21C8-40AE-BC8C-DA25486A9849}" type="slidenum">
-              <a:rPr b="0" lang="es-ES_tradnl" sz="800" spc="-1" strike="noStrike">
-                <a:solidFill>
-                  <a:srgbClr val="000000"/>
-                </a:solidFill>
-                <a:latin typeface="Arial"/>
-                <a:ea typeface="ＭＳ Ｐゴシック"/>
-              </a:rPr>
-              <a:t>&lt;número&gt;</a:t>
-            </a:fld>
-            <a:endParaRPr b="0" lang="es-ES" sz="800" spc="-1" strike="noStrike">
-              <a:latin typeface="Arial"/>
-            </a:endParaRPr>
-          </a:p>
-        </p:txBody>
-      </p:sp>
-    </p:spTree>
-  </p:cSld>
-  <mc:AlternateContent>
-    <mc:Choice Requires="p14">
-      <p:transition spd="slow" p14:dur="2000"/>
-    </mc:Choice>
-    <mc:Fallback>
-      <p:transition spd="slow"/>
-    </mc:Fallback>
-  </mc:AlternateContent>
-</p:sld>
-</file>
-
-<file path=ppt/slides/slide4.xml><?xml version="1.0" encoding="utf-8"?>
-<p:sld xmlns:a="http://schemas.openxmlformats.org/drawingml/2006/main" xmlns:p="http://schemas.openxmlformats.org/presentationml/2006/main" xmlns:r="http://schemas.openxmlformats.org/officeDocument/2006/relationships" xmlns:p14="http://schemas.microsoft.com/office/powerpoint/2010/main" xmlns:p15="http://schemas.microsoft.com/office/powerpoint/2012/main" xmlns:mc="http://schemas.openxmlformats.org/markup-compatibility/2006">
-  <p:cSld>
-    <p:spTree>
-      <p:nvGrpSpPr>
-        <p:cNvPr id="1" name=""/>
-        <p:cNvGrpSpPr/>
-        <p:nvPr/>
-      </p:nvGrpSpPr>
-      <p:grpSpPr>
-        <a:xfrm>
-          <a:off x="0" y="0"/>
-          <a:ext cx="0" cy="0"/>
-          <a:chOff x="0" y="0"/>
-          <a:chExt cx="0" cy="0"/>
-        </a:xfrm>
-      </p:grpSpPr>
-      <p:sp>
-        <p:nvSpPr>
-          <p:cNvPr id="94" name="CustomShape 1"/>
-          <p:cNvSpPr/>
-          <p:nvPr/>
-        </p:nvSpPr>
-        <p:spPr>
-          <a:xfrm>
-            <a:off x="286920" y="424440"/>
-            <a:ext cx="5197320" cy="114840"/>
-          </a:xfrm>
-          <a:prstGeom prst="rect">
-            <a:avLst/>
-          </a:prstGeom>
-          <a:noFill/>
-          <a:ln>
-            <a:noFill/>
-          </a:ln>
-        </p:spPr>
-        <p:style>
-          <a:lnRef idx="0"/>
-          <a:fillRef idx="0"/>
-          <a:effectRef idx="0"/>
-          <a:fontRef idx="minor"/>
-        </p:style>
-        <p:txBody>
-          <a:bodyPr lIns="0" rIns="0" tIns="0" bIns="0">
-            <a:noAutofit/>
-          </a:bodyPr>
-          <a:p>
-            <a:pPr marL="343080" indent="-342000">
-              <a:lnSpc>
-                <a:spcPts val="1001"/>
-              </a:lnSpc>
-              <a:tabLst>
-                <a:tab algn="l" pos="0"/>
-              </a:tabLst>
-            </a:pPr>
-            <a:r>
-              <a:rPr b="1" lang="es-ES" sz="800" spc="-1" strike="noStrike">
-                <a:solidFill>
-                  <a:srgbClr val="000000"/>
-                </a:solidFill>
-                <a:latin typeface="Arial"/>
-                <a:ea typeface="ＭＳ Ｐゴシック"/>
-              </a:rPr>
-              <a:t>MSc Physics of Complex Systems and Biophysics</a:t>
-            </a:r>
-            <a:endParaRPr b="0" lang="es-ES" sz="800" spc="-1" strike="noStrike">
-              <a:latin typeface="Arial"/>
-            </a:endParaRPr>
-          </a:p>
-          <a:p>
-            <a:pPr marL="343080" indent="-342000">
-              <a:lnSpc>
-                <a:spcPts val="1001"/>
-              </a:lnSpc>
-              <a:tabLst>
-                <a:tab algn="l" pos="0"/>
-              </a:tabLst>
-            </a:pPr>
-            <a:endParaRPr b="0" lang="es-ES" sz="800" spc="-1" strike="noStrike">
-              <a:latin typeface="Arial"/>
-            </a:endParaRPr>
-          </a:p>
-        </p:txBody>
-      </p:sp>
-      <p:sp>
-        <p:nvSpPr>
-          <p:cNvPr id="95" name="CustomShape 2"/>
-          <p:cNvSpPr/>
-          <p:nvPr/>
-        </p:nvSpPr>
-        <p:spPr>
-          <a:xfrm>
-            <a:off x="286920" y="536400"/>
-            <a:ext cx="5197320" cy="227520"/>
-          </a:xfrm>
-          <a:prstGeom prst="rect">
-            <a:avLst/>
-          </a:prstGeom>
-          <a:noFill/>
-          <a:ln>
-            <a:noFill/>
-          </a:ln>
-        </p:spPr>
-        <p:style>
-          <a:lnRef idx="0"/>
-          <a:fillRef idx="0"/>
-          <a:effectRef idx="0"/>
-          <a:fontRef idx="minor"/>
-        </p:style>
-        <p:txBody>
-          <a:bodyPr lIns="0" rIns="0" tIns="0" bIns="0">
-            <a:noAutofit/>
-          </a:bodyPr>
-          <a:p>
-            <a:pPr marL="343080" indent="-342000">
-              <a:lnSpc>
-                <a:spcPct val="100000"/>
-              </a:lnSpc>
-              <a:spcBef>
-                <a:spcPts val="159"/>
-              </a:spcBef>
-              <a:tabLst>
-                <a:tab algn="l" pos="0"/>
-              </a:tabLst>
-            </a:pPr>
-            <a:r>
-              <a:rPr b="0" lang="es-ES" sz="800" spc="-1" strike="noStrike">
-                <a:solidFill>
-                  <a:srgbClr val="000000"/>
-                </a:solidFill>
-                <a:latin typeface="Arial"/>
-                <a:ea typeface="ＭＳ Ｐゴシック"/>
-              </a:rPr>
-              <a:t>Analysis and Visualization of Big Data – Final Presentation - </a:t>
-            </a:r>
-            <a:r>
-              <a:rPr b="0" lang="es-ES" sz="800" spc="-1" strike="noStrike">
-                <a:solidFill>
-                  <a:srgbClr val="000000"/>
-                </a:solidFill>
-                <a:highlight>
-                  <a:srgbClr val="ffff00"/>
-                </a:highlight>
-                <a:latin typeface="Arial"/>
-                <a:ea typeface="ＭＳ Ｐゴシック"/>
-              </a:rPr>
-              <a:t>Title</a:t>
-            </a:r>
-            <a:endParaRPr b="0" lang="es-ES" sz="800" spc="-1" strike="noStrike">
-              <a:latin typeface="Arial"/>
-            </a:endParaRPr>
-          </a:p>
-        </p:txBody>
-      </p:sp>
-      <p:sp>
-        <p:nvSpPr>
-          <p:cNvPr id="96" name="CustomShape 3"/>
-          <p:cNvSpPr/>
-          <p:nvPr/>
-        </p:nvSpPr>
-        <p:spPr>
-          <a:xfrm>
-            <a:off x="283320" y="1143000"/>
-            <a:ext cx="8566920" cy="456120"/>
-          </a:xfrm>
-          <a:prstGeom prst="rect">
-            <a:avLst/>
-          </a:prstGeom>
-          <a:noFill/>
-          <a:ln>
-            <a:noFill/>
-          </a:ln>
-        </p:spPr>
-        <p:style>
-          <a:lnRef idx="0"/>
-          <a:fillRef idx="0"/>
-          <a:effectRef idx="0"/>
-          <a:fontRef idx="minor"/>
-        </p:style>
-        <p:txBody>
-          <a:bodyPr lIns="0" rIns="0" tIns="0" bIns="0">
-            <a:noAutofit/>
-          </a:bodyPr>
-          <a:p>
-            <a:pPr>
-              <a:lnSpc>
-                <a:spcPct val="100000"/>
-              </a:lnSpc>
-            </a:pPr>
-            <a:r>
-              <a:rPr b="1" lang="es-ES" sz="2400" spc="-1" strike="noStrike">
-                <a:solidFill>
-                  <a:srgbClr val="0059a2"/>
-                </a:solidFill>
-                <a:latin typeface="Arial"/>
-                <a:ea typeface="ＭＳ Ｐゴシック"/>
-              </a:rPr>
-              <a:t>Geographic distribution of migrants</a:t>
-            </a:r>
-            <a:endParaRPr b="0" lang="es-ES" sz="2400" spc="-1" strike="noStrike">
-              <a:latin typeface="Arial"/>
-            </a:endParaRPr>
-          </a:p>
-        </p:txBody>
-      </p:sp>
-      <p:sp>
-        <p:nvSpPr>
-          <p:cNvPr id="97" name="TextShape 4"/>
-          <p:cNvSpPr txBox="1"/>
-          <p:nvPr/>
-        </p:nvSpPr>
-        <p:spPr>
-          <a:xfrm>
-            <a:off x="531360" y="1981800"/>
-            <a:ext cx="3284640" cy="3490200"/>
-          </a:xfrm>
-          <a:prstGeom prst="rect">
-            <a:avLst/>
-          </a:prstGeom>
-          <a:noFill/>
-          <a:ln>
-            <a:noFill/>
-          </a:ln>
-        </p:spPr>
-        <p:txBody>
-          <a:bodyPr lIns="90000" rIns="90000" tIns="45000" bIns="45000">
-            <a:noAutofit/>
-          </a:bodyPr>
-          <a:p>
-            <a:r>
-              <a:rPr b="0" lang="ca-ES" sz="2000" spc="-1" strike="noStrike">
-                <a:solidFill>
-                  <a:srgbClr val="0059a2"/>
-                </a:solidFill>
-                <a:latin typeface="Arial"/>
-                <a:ea typeface="ＭＳ Ｐゴシック"/>
-              </a:rPr>
-              <a:t>- Unusual </a:t>
-            </a:r>
-            <a:r>
-              <a:rPr b="0" lang="ca-ES" sz="2000" spc="-1" strike="noStrike">
-                <a:solidFill>
-                  <a:srgbClr val="0059a2"/>
-                </a:solidFill>
-                <a:latin typeface="Arial"/>
-                <a:ea typeface="ＭＳ Ｐゴシック"/>
-              </a:rPr>
-              <a:t>territorial </a:t>
-            </a:r>
-            <a:r>
-              <a:rPr b="0" lang="ca-ES" sz="2000" spc="-1" strike="noStrike">
-                <a:solidFill>
-                  <a:srgbClr val="0059a2"/>
-                </a:solidFill>
-                <a:latin typeface="Arial"/>
-                <a:ea typeface="ＭＳ Ｐゴシック"/>
-              </a:rPr>
-              <a:t>division</a:t>
-            </a:r>
-            <a:endParaRPr b="0" lang="es-ES" sz="2000" spc="-1" strike="noStrike">
-              <a:latin typeface="Arial"/>
-            </a:endParaRPr>
-          </a:p>
-          <a:p>
-            <a:r>
-              <a:rPr b="0" lang="ca-ES" sz="2000" spc="-1" strike="noStrike">
-                <a:solidFill>
-                  <a:srgbClr val="0059a2"/>
-                </a:solidFill>
-                <a:latin typeface="Arial"/>
-                <a:ea typeface="ＭＳ Ｐゴシック"/>
-              </a:rPr>
-              <a:t>	</a:t>
-            </a:r>
-            <a:r>
-              <a:rPr b="0" lang="ca-ES" sz="2000" spc="-1" strike="noStrike">
-                <a:solidFill>
-                  <a:srgbClr val="0059a2"/>
-                </a:solidFill>
-                <a:latin typeface="Arial"/>
-                <a:ea typeface="ＭＳ Ｐゴシック"/>
-              </a:rPr>
-              <a:t>&gt; </a:t>
-            </a:r>
-            <a:r>
-              <a:rPr b="0" lang="ca-ES" sz="2000" spc="-1" strike="noStrike">
-                <a:solidFill>
-                  <a:srgbClr val="0059a2"/>
-                </a:solidFill>
-                <a:latin typeface="Arial"/>
-                <a:ea typeface="ＭＳ Ｐゴシック"/>
-              </a:rPr>
-              <a:t>Mismatch</a:t>
-            </a:r>
-            <a:r>
-              <a:rPr b="0" lang="ca-ES" sz="2000" spc="-1" strike="noStrike">
-                <a:solidFill>
-                  <a:srgbClr val="0059a2"/>
-                </a:solidFill>
-                <a:latin typeface="Arial"/>
-                <a:ea typeface="ＭＳ Ｐゴシック"/>
-              </a:rPr>
-              <a:t>ed </a:t>
-            </a:r>
-            <a:r>
-              <a:rPr b="0" lang="ca-ES" sz="2000" spc="-1" strike="noStrike">
-                <a:solidFill>
-                  <a:srgbClr val="0059a2"/>
-                </a:solidFill>
-                <a:latin typeface="Arial"/>
-                <a:ea typeface="ＭＳ Ｐゴシック"/>
-              </a:rPr>
-              <a:t>regions</a:t>
-            </a:r>
-            <a:endParaRPr b="0" lang="es-ES" sz="2000" spc="-1" strike="noStrike">
-              <a:latin typeface="Arial"/>
-            </a:endParaRPr>
-          </a:p>
-          <a:p>
-            <a:endParaRPr b="0" lang="es-ES" sz="2000" spc="-1" strike="noStrike">
-              <a:latin typeface="Arial"/>
-            </a:endParaRPr>
-          </a:p>
-          <a:p>
-            <a:r>
-              <a:rPr b="0" lang="ca-ES" sz="2000" spc="-1" strike="noStrike">
-                <a:solidFill>
-                  <a:srgbClr val="0059a2"/>
-                </a:solidFill>
-                <a:latin typeface="Arial"/>
-                <a:ea typeface="ＭＳ Ｐゴシック"/>
-              </a:rPr>
-              <a:t>- Great </a:t>
-            </a:r>
-            <a:r>
-              <a:rPr b="0" lang="ca-ES" sz="2000" spc="-1" strike="noStrike">
-                <a:solidFill>
-                  <a:srgbClr val="0059a2"/>
-                </a:solidFill>
-                <a:latin typeface="Arial"/>
-                <a:ea typeface="ＭＳ Ｐゴシック"/>
-              </a:rPr>
-              <a:t>influx to </a:t>
-            </a:r>
-            <a:r>
-              <a:rPr b="0" lang="ca-ES" sz="2000" spc="-1" strike="noStrike">
-                <a:solidFill>
-                  <a:srgbClr val="0059a2"/>
-                </a:solidFill>
-                <a:latin typeface="Arial"/>
-                <a:ea typeface="ＭＳ Ｐゴシック"/>
-              </a:rPr>
-              <a:t>regions </a:t>
-            </a:r>
-            <a:r>
-              <a:rPr b="0" lang="ca-ES" sz="2000" spc="-1" strike="noStrike">
-                <a:solidFill>
-                  <a:srgbClr val="0059a2"/>
-                </a:solidFill>
-                <a:latin typeface="Arial"/>
-                <a:ea typeface="ＭＳ Ｐゴシック"/>
-              </a:rPr>
-              <a:t>with </a:t>
-            </a:r>
-            <a:r>
-              <a:rPr b="0" lang="ca-ES" sz="2000" spc="-1" strike="noStrike">
-                <a:solidFill>
-                  <a:srgbClr val="0059a2"/>
-                </a:solidFill>
-                <a:latin typeface="Arial"/>
-                <a:ea typeface="ＭＳ Ｐゴシック"/>
-              </a:rPr>
-              <a:t>Capital </a:t>
-            </a:r>
-            <a:r>
-              <a:rPr b="0" lang="ca-ES" sz="2000" spc="-1" strike="noStrike">
-                <a:solidFill>
-                  <a:srgbClr val="0059a2"/>
-                </a:solidFill>
-                <a:latin typeface="Arial"/>
-                <a:ea typeface="ＭＳ Ｐゴシック"/>
-              </a:rPr>
-              <a:t>cities</a:t>
-            </a:r>
-            <a:endParaRPr b="0" lang="es-ES" sz="2000" spc="-1" strike="noStrike">
-              <a:latin typeface="Arial"/>
-            </a:endParaRPr>
-          </a:p>
-          <a:p>
-            <a:endParaRPr b="0" lang="es-ES" sz="2000" spc="-1" strike="noStrike">
-              <a:latin typeface="Arial"/>
-            </a:endParaRPr>
-          </a:p>
-          <a:p>
-            <a:r>
-              <a:rPr b="0" lang="ca-ES" sz="2000" spc="-1" strike="noStrike">
-                <a:solidFill>
-                  <a:srgbClr val="0059a2"/>
-                </a:solidFill>
-                <a:latin typeface="Arial"/>
-                <a:ea typeface="ＭＳ Ｐゴシック"/>
-              </a:rPr>
-              <a:t>- </a:t>
-            </a:r>
-            <a:r>
-              <a:rPr b="0" lang="ca-ES" sz="2000" spc="-1" strike="noStrike">
-                <a:solidFill>
-                  <a:srgbClr val="0059a2"/>
-                </a:solidFill>
-                <a:latin typeface="Arial"/>
-                <a:ea typeface="ＭＳ Ｐゴシック"/>
-              </a:rPr>
-              <a:t>Connecti</a:t>
-            </a:r>
-            <a:r>
-              <a:rPr b="0" lang="ca-ES" sz="2000" spc="-1" strike="noStrike">
-                <a:solidFill>
-                  <a:srgbClr val="0059a2"/>
-                </a:solidFill>
-                <a:latin typeface="Arial"/>
-                <a:ea typeface="ＭＳ Ｐゴシック"/>
-              </a:rPr>
-              <a:t>ng </a:t>
-            </a:r>
-            <a:r>
-              <a:rPr b="0" lang="ca-ES" sz="2000" spc="-1" strike="noStrike">
-                <a:solidFill>
-                  <a:srgbClr val="0059a2"/>
-                </a:solidFill>
-                <a:latin typeface="Arial"/>
-                <a:ea typeface="ＭＳ Ｐゴシック"/>
-              </a:rPr>
-              <a:t>regions </a:t>
-            </a:r>
-            <a:r>
-              <a:rPr b="0" lang="ca-ES" sz="2000" spc="-1" strike="noStrike">
-                <a:solidFill>
-                  <a:srgbClr val="0059a2"/>
-                </a:solidFill>
-                <a:latin typeface="Arial"/>
-                <a:ea typeface="ＭＳ Ｐゴシック"/>
-              </a:rPr>
-              <a:t>with more </a:t>
-            </a:r>
-            <a:r>
-              <a:rPr b="0" lang="ca-ES" sz="2000" spc="-1" strike="noStrike">
-                <a:solidFill>
-                  <a:srgbClr val="0059a2"/>
-                </a:solidFill>
-                <a:latin typeface="Arial"/>
-                <a:ea typeface="ＭＳ Ｐゴシック"/>
-              </a:rPr>
-              <a:t>migrants</a:t>
-            </a:r>
-            <a:endParaRPr b="0" lang="es-ES" sz="2000" spc="-1" strike="noStrike">
-              <a:latin typeface="Arial"/>
-            </a:endParaRPr>
-          </a:p>
-          <a:p>
-            <a:endParaRPr b="0" lang="es-ES" sz="2000" spc="-1" strike="noStrike">
-              <a:latin typeface="Arial"/>
-            </a:endParaRPr>
-          </a:p>
-          <a:p>
-            <a:r>
-              <a:rPr b="0" lang="ca-ES" sz="2000" spc="-1" strike="noStrike">
-                <a:solidFill>
-                  <a:srgbClr val="0059a2"/>
-                </a:solidFill>
-                <a:latin typeface="Arial"/>
-                <a:ea typeface="ＭＳ Ｐゴシック"/>
-              </a:rPr>
-              <a:t>- Rural </a:t>
-            </a:r>
-            <a:r>
-              <a:rPr b="0" lang="ca-ES" sz="2000" spc="-1" strike="noStrike">
-                <a:solidFill>
-                  <a:srgbClr val="0059a2"/>
-                </a:solidFill>
-                <a:latin typeface="Arial"/>
-                <a:ea typeface="ＭＳ Ｐゴシック"/>
-              </a:rPr>
-              <a:t>areas </a:t>
-            </a:r>
-            <a:r>
-              <a:rPr b="0" lang="ca-ES" sz="2000" spc="-1" strike="noStrike">
-                <a:solidFill>
-                  <a:srgbClr val="0059a2"/>
-                </a:solidFill>
-                <a:latin typeface="Arial"/>
-                <a:ea typeface="ＭＳ Ｐゴシック"/>
-              </a:rPr>
-              <a:t>with less </a:t>
-            </a:r>
-            <a:r>
-              <a:rPr b="0" lang="ca-ES" sz="2000" spc="-1" strike="noStrike">
-                <a:solidFill>
-                  <a:srgbClr val="0059a2"/>
-                </a:solidFill>
-                <a:latin typeface="Arial"/>
-                <a:ea typeface="ＭＳ Ｐゴシック"/>
-              </a:rPr>
-              <a:t>influx</a:t>
-            </a:r>
-            <a:endParaRPr b="0" lang="es-ES" sz="2000" spc="-1" strike="noStrike">
-              <a:latin typeface="Arial"/>
-            </a:endParaRPr>
-          </a:p>
-          <a:p>
-            <a:endParaRPr b="0" lang="es-ES" sz="2000" spc="-1" strike="noStrike">
-              <a:latin typeface="Arial"/>
-            </a:endParaRPr>
-          </a:p>
-        </p:txBody>
-      </p:sp>
-      <p:grpSp>
-        <p:nvGrpSpPr>
-          <p:cNvPr id="98" name="Group 5"/>
-          <p:cNvGrpSpPr/>
-          <p:nvPr/>
-        </p:nvGrpSpPr>
-        <p:grpSpPr>
-          <a:xfrm>
-            <a:off x="3888000" y="1733760"/>
-            <a:ext cx="5034960" cy="3985560"/>
-            <a:chOff x="3888000" y="1733760"/>
-            <a:chExt cx="5034960" cy="3985560"/>
-          </a:xfrm>
-        </p:grpSpPr>
-        <p:pic>
-          <p:nvPicPr>
-            <p:cNvPr id="99" name="" descr=""/>
-            <p:cNvPicPr/>
-            <p:nvPr/>
-          </p:nvPicPr>
-          <p:blipFill>
-            <a:blip r:embed="rId1"/>
-            <a:stretch/>
-          </p:blipFill>
-          <p:spPr>
-            <a:xfrm>
-              <a:off x="3888000" y="1733760"/>
-              <a:ext cx="5034960" cy="3666240"/>
-            </a:xfrm>
-            <a:prstGeom prst="rect">
-              <a:avLst/>
-            </a:prstGeom>
-            <a:ln>
-              <a:noFill/>
-            </a:ln>
-          </p:spPr>
-        </p:pic>
-        <p:sp>
-          <p:nvSpPr>
-            <p:cNvPr id="100" name="TextShape 6"/>
-            <p:cNvSpPr txBox="1"/>
-            <p:nvPr/>
-          </p:nvSpPr>
-          <p:spPr>
-            <a:xfrm>
-              <a:off x="4223520" y="5400000"/>
-              <a:ext cx="4575600" cy="319320"/>
-            </a:xfrm>
-            <a:prstGeom prst="rect">
-              <a:avLst/>
-            </a:prstGeom>
-            <a:noFill/>
-            <a:ln>
-              <a:noFill/>
-            </a:ln>
-          </p:spPr>
-          <p:txBody>
-            <a:bodyPr lIns="90000" rIns="90000" tIns="45000" bIns="45000">
-              <a:noAutofit/>
-            </a:bodyPr>
-            <a:p>
-              <a:r>
-                <a:rPr b="0" lang="en-US" sz="800" spc="-1" strike="noStrike">
-                  <a:latin typeface="Arial"/>
-                </a:rPr>
-                <a:t>Figure: Catalunya’s </a:t>
-              </a:r>
-              <a:r>
-                <a:rPr b="0" lang="en-US" sz="800" spc="-1" strike="noStrike">
-                  <a:latin typeface="Arial"/>
-                </a:rPr>
-                <a:t>map according to </a:t>
-              </a:r>
-              <a:r>
-                <a:rPr b="0" lang="en-US" sz="800" spc="-1" strike="noStrike">
-                  <a:latin typeface="Arial"/>
-                </a:rPr>
-                <a:t>Vaguerie’s territorial </a:t>
-              </a:r>
-              <a:r>
-                <a:rPr b="0" lang="en-US" sz="800" spc="-1" strike="noStrike">
-                  <a:latin typeface="Arial"/>
-                </a:rPr>
-                <a:t>division. The color code </a:t>
-              </a:r>
-              <a:r>
-                <a:rPr b="0" lang="en-US" sz="800" spc="-1" strike="noStrike">
-                  <a:latin typeface="Arial"/>
-                </a:rPr>
-                <a:t>shows the influx amiunt </a:t>
-              </a:r>
-              <a:r>
-                <a:rPr b="0" lang="en-US" sz="800" spc="-1" strike="noStrike">
-                  <a:latin typeface="Arial"/>
-                </a:rPr>
-                <a:t>of migrants received </a:t>
-              </a:r>
-              <a:r>
-                <a:rPr b="0" lang="en-US" sz="800" spc="-1" strike="noStrike">
-                  <a:latin typeface="Arial"/>
-                </a:rPr>
-                <a:t>since 2015.</a:t>
-              </a:r>
-              <a:endParaRPr b="0" lang="es-ES" sz="800" spc="-1" strike="noStrike">
-                <a:latin typeface="Arial"/>
-              </a:endParaRPr>
-            </a:p>
-          </p:txBody>
-        </p:sp>
-      </p:grpSp>
-    </p:spTree>
-  </p:cSld>
-  <mc:AlternateContent>
-    <mc:Choice Requires="p14">
-      <p:transition spd="slow" p14:dur="2000"/>
-    </mc:Choice>
-    <mc:Fallback>
-      <p:transition spd="slow"/>
-    </mc:Fallback>
-  </mc:AlternateContent>
-</p:sld>
-</file>
-
-<file path=ppt/slides/slide5.xml><?xml version="1.0" encoding="utf-8"?>
-<p:sld xmlns:a="http://schemas.openxmlformats.org/drawingml/2006/main" xmlns:p="http://schemas.openxmlformats.org/presentationml/2006/main" xmlns:r="http://schemas.openxmlformats.org/officeDocument/2006/relationships" xmlns:p14="http://schemas.microsoft.com/office/powerpoint/2010/main" xmlns:p15="http://schemas.microsoft.com/office/powerpoint/2012/main" xmlns:mc="http://schemas.openxmlformats.org/markup-compatibility/2006">
-  <p:cSld>
-    <p:spTree>
-      <p:nvGrpSpPr>
-        <p:cNvPr id="1" name=""/>
-        <p:cNvGrpSpPr/>
-        <p:nvPr/>
-      </p:nvGrpSpPr>
-      <p:grpSpPr>
-        <a:xfrm>
-          <a:off x="0" y="0"/>
-          <a:ext cx="0" cy="0"/>
-          <a:chOff x="0" y="0"/>
-          <a:chExt cx="0" cy="0"/>
-        </a:xfrm>
-      </p:grpSpPr>
-      <p:sp>
-        <p:nvSpPr>
-          <p:cNvPr id="101" name="CustomShape 1"/>
-          <p:cNvSpPr/>
-          <p:nvPr/>
-        </p:nvSpPr>
-        <p:spPr>
-          <a:xfrm>
-            <a:off x="288000" y="1099440"/>
-            <a:ext cx="8566920" cy="456120"/>
-          </a:xfrm>
-          <a:prstGeom prst="rect">
-            <a:avLst/>
-          </a:prstGeom>
-          <a:noFill/>
-          <a:ln>
-            <a:noFill/>
-          </a:ln>
-        </p:spPr>
-        <p:style>
-          <a:lnRef idx="0"/>
-          <a:fillRef idx="0"/>
-          <a:effectRef idx="0"/>
-          <a:fontRef idx="minor"/>
-        </p:style>
-        <p:txBody>
-          <a:bodyPr lIns="0" rIns="0" tIns="0" bIns="0">
-            <a:noAutofit/>
-          </a:bodyPr>
-          <a:p>
-            <a:pPr>
-              <a:lnSpc>
-                <a:spcPct val="100000"/>
-              </a:lnSpc>
-            </a:pPr>
-            <a:r>
-              <a:rPr b="1" lang="es-ES" sz="2000" spc="-1" strike="noStrike">
-                <a:solidFill>
-                  <a:srgbClr val="0059a2"/>
-                </a:solidFill>
-                <a:latin typeface="Arial"/>
-                <a:ea typeface="ＭＳ Ｐゴシック"/>
-              </a:rPr>
-              <a:t>Author contributions - CRediT Contributor Roles Taxonomy </a:t>
-            </a:r>
-            <a:endParaRPr b="0" lang="es-ES" sz="2000" spc="-1" strike="noStrike">
-              <a:latin typeface="Arial"/>
-            </a:endParaRPr>
-          </a:p>
-        </p:txBody>
-      </p:sp>
-      <p:sp>
-        <p:nvSpPr>
-          <p:cNvPr id="102" name="CustomShape 2"/>
-          <p:cNvSpPr/>
-          <p:nvPr/>
-        </p:nvSpPr>
-        <p:spPr>
-          <a:xfrm>
-            <a:off x="8610480" y="6356520"/>
-            <a:ext cx="245160" cy="363960"/>
-          </a:xfrm>
-          <a:prstGeom prst="rect">
-            <a:avLst/>
-          </a:prstGeom>
-          <a:noFill/>
-          <a:ln>
-            <a:noFill/>
-          </a:ln>
-        </p:spPr>
-        <p:style>
-          <a:lnRef idx="0"/>
-          <a:fillRef idx="0"/>
-          <a:effectRef idx="0"/>
-          <a:fontRef idx="minor"/>
-        </p:style>
-        <p:txBody>
-          <a:bodyPr lIns="0" rIns="0" tIns="0" bIns="0">
-            <a:noAutofit/>
-          </a:bodyPr>
-          <a:p>
-            <a:pPr algn="r">
-              <a:lnSpc>
-                <a:spcPct val="100000"/>
-              </a:lnSpc>
-            </a:pPr>
-            <a:fld id="{430282C7-DFC7-44D6-B57E-D3EF3FE1E39F}" type="slidenum">
-              <a:rPr b="0" lang="es-ES_tradnl" sz="800" spc="-1" strike="noStrike">
-                <a:solidFill>
-                  <a:srgbClr val="000000"/>
-                </a:solidFill>
-                <a:latin typeface="Arial"/>
-                <a:ea typeface="ＭＳ Ｐゴシック"/>
-              </a:rPr>
-              <a:t>&lt;número&gt;</a:t>
-            </a:fld>
-            <a:endParaRPr b="0" lang="es-ES" sz="800" spc="-1" strike="noStrike">
-              <a:latin typeface="Arial"/>
-            </a:endParaRPr>
-          </a:p>
-        </p:txBody>
-      </p:sp>
-      <p:sp>
-        <p:nvSpPr>
-          <p:cNvPr id="103" name="CustomShape 3"/>
-          <p:cNvSpPr/>
-          <p:nvPr/>
-        </p:nvSpPr>
-        <p:spPr>
-          <a:xfrm>
-            <a:off x="288000" y="417600"/>
-            <a:ext cx="5197320" cy="114840"/>
-          </a:xfrm>
-          <a:prstGeom prst="rect">
-            <a:avLst/>
-          </a:prstGeom>
-          <a:noFill/>
-          <a:ln>
-            <a:noFill/>
-          </a:ln>
-        </p:spPr>
-        <p:style>
-          <a:lnRef idx="0"/>
-          <a:fillRef idx="0"/>
-          <a:effectRef idx="0"/>
-          <a:fontRef idx="minor"/>
-        </p:style>
-        <p:txBody>
-          <a:bodyPr lIns="0" rIns="0" tIns="0" bIns="0">
-            <a:noAutofit/>
-          </a:bodyPr>
-          <a:p>
-            <a:pPr marL="343080" indent="-342000">
-              <a:lnSpc>
-                <a:spcPts val="1001"/>
-              </a:lnSpc>
-              <a:tabLst>
-                <a:tab algn="l" pos="0"/>
-              </a:tabLst>
-            </a:pPr>
-            <a:r>
-              <a:rPr b="1" lang="es-ES" sz="800" spc="-1" strike="noStrike">
-                <a:solidFill>
-                  <a:srgbClr val="000000"/>
-                </a:solidFill>
-                <a:latin typeface="Arial"/>
-                <a:ea typeface="ＭＳ Ｐゴシック"/>
-              </a:rPr>
-              <a:t>MSc Physics of Complex Systems and Biophysics</a:t>
-            </a:r>
-            <a:endParaRPr b="0" lang="es-ES" sz="800" spc="-1" strike="noStrike">
-              <a:latin typeface="Arial"/>
-            </a:endParaRPr>
-          </a:p>
-        </p:txBody>
-      </p:sp>
-      <p:sp>
-        <p:nvSpPr>
-          <p:cNvPr id="104" name="CustomShape 4"/>
-          <p:cNvSpPr/>
-          <p:nvPr/>
-        </p:nvSpPr>
-        <p:spPr>
-          <a:xfrm>
-            <a:off x="288000" y="536400"/>
-            <a:ext cx="5197320" cy="227520"/>
-          </a:xfrm>
-          <a:prstGeom prst="rect">
-            <a:avLst/>
-          </a:prstGeom>
-          <a:noFill/>
-          <a:ln>
-            <a:noFill/>
-          </a:ln>
-        </p:spPr>
-        <p:style>
-          <a:lnRef idx="0"/>
-          <a:fillRef idx="0"/>
-          <a:effectRef idx="0"/>
-          <a:fontRef idx="minor"/>
-        </p:style>
-        <p:txBody>
-          <a:bodyPr lIns="0" rIns="0" tIns="0" bIns="0">
-            <a:noAutofit/>
-          </a:bodyPr>
-          <a:p>
-            <a:pPr marL="343080" indent="-342000">
-              <a:lnSpc>
-                <a:spcPct val="100000"/>
-              </a:lnSpc>
-              <a:spcBef>
-                <a:spcPts val="159"/>
-              </a:spcBef>
-              <a:tabLst>
-                <a:tab algn="l" pos="0"/>
-              </a:tabLst>
-            </a:pPr>
-            <a:r>
-              <a:rPr b="0" lang="es-ES" sz="800" spc="-1" strike="noStrike">
-                <a:solidFill>
-                  <a:srgbClr val="000000"/>
-                </a:solidFill>
-                <a:latin typeface="Arial"/>
-                <a:ea typeface="ＭＳ Ｐゴシック"/>
-              </a:rPr>
-              <a:t>Analysis and Visualization of Big Data – Final Presentation - </a:t>
-            </a:r>
-            <a:r>
-              <a:rPr b="0" lang="es-ES" sz="800" spc="-1" strike="noStrike">
-                <a:solidFill>
-                  <a:srgbClr val="000000"/>
-                </a:solidFill>
-                <a:highlight>
-                  <a:srgbClr val="ffff00"/>
-                </a:highlight>
-                <a:latin typeface="Arial"/>
-                <a:ea typeface="ＭＳ Ｐゴシック"/>
-              </a:rPr>
-              <a:t>Title</a:t>
-            </a:r>
-            <a:endParaRPr b="0" lang="es-ES" sz="800" spc="-1" strike="noStrike">
-              <a:latin typeface="Arial"/>
-            </a:endParaRPr>
-          </a:p>
-        </p:txBody>
-      </p:sp>
-      <p:sp>
-        <p:nvSpPr>
-          <p:cNvPr id="105" name="CustomShape 5"/>
+          <p:cNvPr id="131" name="CustomShape 5"/>
           <p:cNvSpPr/>
           <p:nvPr/>
         </p:nvSpPr>
         <p:spPr>
           <a:xfrm>
             <a:off x="201240" y="1535760"/>
-            <a:ext cx="8566920" cy="272160"/>
+            <a:ext cx="8566560" cy="272160"/>
           </a:xfrm>
           <a:prstGeom prst="rect">
             <a:avLst/>
@@ -5899,7 +4523,7 @@
       </p:sp>
       <p:graphicFrame>
         <p:nvGraphicFramePr>
-          <p:cNvPr id="106" name="Table 6"/>
+          <p:cNvPr id="132" name="Table 6"/>
           <p:cNvGraphicFramePr/>
           <p:nvPr/>
         </p:nvGraphicFramePr>
@@ -7284,7 +5908,7 @@
 </p:sld>
 </file>
 
-<file path=ppt/slides/slide6.xml><?xml version="1.0" encoding="utf-8"?>
+<file path=ppt/slides/slide12.xml><?xml version="1.0" encoding="utf-8"?>
 <p:sld xmlns:a="http://schemas.openxmlformats.org/drawingml/2006/main" xmlns:p="http://schemas.openxmlformats.org/presentationml/2006/main" xmlns:r="http://schemas.openxmlformats.org/officeDocument/2006/relationships" xmlns:p14="http://schemas.microsoft.com/office/powerpoint/2010/main" xmlns:p15="http://schemas.microsoft.com/office/powerpoint/2012/main" xmlns:mc="http://schemas.openxmlformats.org/markup-compatibility/2006">
   <p:cSld>
     <p:spTree>
@@ -7303,14 +5927,14 @@
       </p:grpSpPr>
       <p:sp>
         <p:nvSpPr>
-          <p:cNvPr id="107" name="CustomShape 1"/>
+          <p:cNvPr id="133" name="CustomShape 1"/>
           <p:cNvSpPr/>
           <p:nvPr/>
         </p:nvSpPr>
         <p:spPr>
           <a:xfrm>
             <a:off x="288000" y="1099440"/>
-            <a:ext cx="8566920" cy="456120"/>
+            <a:ext cx="8566560" cy="455760"/>
           </a:xfrm>
           <a:prstGeom prst="rect">
             <a:avLst/>
@@ -7354,14 +5978,14 @@
       </p:sp>
       <p:sp>
         <p:nvSpPr>
-          <p:cNvPr id="108" name="CustomShape 2"/>
+          <p:cNvPr id="134" name="CustomShape 2"/>
           <p:cNvSpPr/>
           <p:nvPr/>
         </p:nvSpPr>
         <p:spPr>
           <a:xfrm>
             <a:off x="8610480" y="6356520"/>
-            <a:ext cx="245160" cy="363960"/>
+            <a:ext cx="244800" cy="363600"/>
           </a:xfrm>
           <a:prstGeom prst="rect">
             <a:avLst/>
@@ -7387,7 +6011,7 @@
                 <a:spcPct val="100000"/>
               </a:lnSpc>
             </a:pPr>
-            <a:fld id="{9F2A9FF6-B8D9-4D0E-8179-FDADFF6DF73C}" type="slidenum">
+            <a:fld id="{43F94FD7-0414-4E97-8360-1D88B3A7B8EB}" type="slidenum">
               <a:rPr b="0" lang="es-ES_tradnl" sz="800" spc="-1" strike="noStrike">
                 <a:solidFill>
                   <a:srgbClr val="000000"/>
@@ -7405,14 +6029,14 @@
       </p:sp>
       <p:sp>
         <p:nvSpPr>
-          <p:cNvPr id="109" name="CustomShape 3"/>
+          <p:cNvPr id="135" name="CustomShape 3"/>
           <p:cNvSpPr/>
           <p:nvPr/>
         </p:nvSpPr>
         <p:spPr>
           <a:xfrm>
             <a:off x="288000" y="417600"/>
-            <a:ext cx="5197320" cy="114840"/>
+            <a:ext cx="5196960" cy="114480"/>
           </a:xfrm>
           <a:prstGeom prst="rect">
             <a:avLst/>
@@ -7433,7 +6057,7 @@
             <a:noAutofit/>
           </a:bodyPr>
           <a:p>
-            <a:pPr marL="343080" indent="-342000">
+            <a:pPr marL="343080" indent="-341640">
               <a:lnSpc>
                 <a:spcPts val="1001"/>
               </a:lnSpc>
@@ -7459,14 +6083,14 @@
       </p:sp>
       <p:sp>
         <p:nvSpPr>
-          <p:cNvPr id="110" name="CustomShape 4"/>
+          <p:cNvPr id="136" name="CustomShape 4"/>
           <p:cNvSpPr/>
           <p:nvPr/>
         </p:nvSpPr>
         <p:spPr>
           <a:xfrm>
             <a:off x="288000" y="536400"/>
-            <a:ext cx="5197320" cy="227520"/>
+            <a:ext cx="5196960" cy="227160"/>
           </a:xfrm>
           <a:prstGeom prst="rect">
             <a:avLst/>
@@ -7487,7 +6111,7 @@
             <a:noAutofit/>
           </a:bodyPr>
           <a:p>
-            <a:pPr marL="343080" indent="-342000">
+            <a:pPr marL="343080" indent="-341640">
               <a:lnSpc>
                 <a:spcPct val="100000"/>
               </a:lnSpc>
@@ -7529,13 +6153,13 @@
       </p:sp>
       <p:graphicFrame>
         <p:nvGraphicFramePr>
-          <p:cNvPr id="111" name="Table 5"/>
+          <p:cNvPr id="137" name="Table 5"/>
           <p:cNvGraphicFramePr/>
           <p:nvPr/>
         </p:nvGraphicFramePr>
         <p:xfrm>
           <a:off x="229320" y="1815120"/>
-          <a:ext cx="8496360" cy="4723200"/>
+          <a:ext cx="8496360" cy="4722840"/>
         </p:xfrm>
         <a:graphic>
           <a:graphicData uri="http://schemas.openxmlformats.org/drawingml/2006/table">
@@ -10152,7 +8776,7 @@
                   </a:tcPr>
                 </a:tc>
               </a:tr>
-              <a:tr h="403200">
+              <a:tr h="402840">
                 <a:tc>
                   <a:txBody>
                     <a:bodyPr>
@@ -10413,6 +9037,5018 @@
           </a:graphicData>
         </a:graphic>
       </p:graphicFrame>
+    </p:spTree>
+  </p:cSld>
+  <mc:AlternateContent>
+    <mc:Choice Requires="p14">
+      <p:transition spd="slow" p14:dur="2000"/>
+    </mc:Choice>
+    <mc:Fallback>
+      <p:transition spd="slow"/>
+    </mc:Fallback>
+  </mc:AlternateContent>
+</p:sld>
+</file>
+
+<file path=ppt/slides/slide13.xml><?xml version="1.0" encoding="utf-8"?>
+<p:sld xmlns:a="http://schemas.openxmlformats.org/drawingml/2006/main" xmlns:p="http://schemas.openxmlformats.org/presentationml/2006/main" xmlns:r="http://schemas.openxmlformats.org/officeDocument/2006/relationships" xmlns:p14="http://schemas.microsoft.com/office/powerpoint/2010/main" xmlns:p15="http://schemas.microsoft.com/office/powerpoint/2012/main" xmlns:mc="http://schemas.openxmlformats.org/markup-compatibility/2006">
+  <p:cSld>
+    <p:spTree>
+      <p:nvGrpSpPr>
+        <p:cNvPr id="1" name=""/>
+        <p:cNvGrpSpPr/>
+        <p:nvPr/>
+      </p:nvGrpSpPr>
+      <p:grpSpPr>
+        <a:xfrm>
+          <a:off x="0" y="0"/>
+          <a:ext cx="0" cy="0"/>
+          <a:chOff x="0" y="0"/>
+          <a:chExt cx="0" cy="0"/>
+        </a:xfrm>
+      </p:grpSpPr>
+      <p:sp>
+        <p:nvSpPr>
+          <p:cNvPr id="138" name="CustomShape 1"/>
+          <p:cNvSpPr/>
+          <p:nvPr/>
+        </p:nvSpPr>
+        <p:spPr>
+          <a:xfrm>
+            <a:off x="287280" y="417600"/>
+            <a:ext cx="5196960" cy="114480"/>
+          </a:xfrm>
+          <a:prstGeom prst="rect">
+            <a:avLst/>
+          </a:prstGeom>
+          <a:noFill/>
+          <a:ln>
+            <a:noFill/>
+          </a:ln>
+        </p:spPr>
+        <p:style>
+          <a:lnRef idx="0"/>
+          <a:fillRef idx="0"/>
+          <a:effectRef idx="0"/>
+          <a:fontRef idx="minor"/>
+        </p:style>
+        <p:txBody>
+          <a:bodyPr lIns="0" rIns="0" tIns="0" bIns="0">
+            <a:noAutofit/>
+          </a:bodyPr>
+          <a:p>
+            <a:pPr marL="343080" indent="-341640">
+              <a:lnSpc>
+                <a:spcPts val="1001"/>
+              </a:lnSpc>
+              <a:tabLst>
+                <a:tab algn="l" pos="0"/>
+              </a:tabLst>
+            </a:pPr>
+            <a:r>
+              <a:rPr b="1" lang="es-ES" sz="800" spc="-1" strike="noStrike">
+                <a:solidFill>
+                  <a:srgbClr val="000000"/>
+                </a:solidFill>
+                <a:latin typeface="Arial"/>
+                <a:ea typeface="ＭＳ Ｐゴシック"/>
+              </a:rPr>
+              <a:t>MSc Physics of Complex Systems </a:t>
+            </a:r>
+            <a:r>
+              <a:rPr b="1" lang="es-ES" sz="800" spc="-1" strike="noStrike">
+                <a:solidFill>
+                  <a:srgbClr val="000000"/>
+                </a:solidFill>
+                <a:latin typeface="Arial"/>
+                <a:ea typeface="ＭＳ Ｐゴシック"/>
+              </a:rPr>
+              <a:t>and Biophysics</a:t>
+            </a:r>
+            <a:endParaRPr b="0" lang="es-ES" sz="800" spc="-1" strike="noStrike">
+              <a:latin typeface="Arial"/>
+            </a:endParaRPr>
+          </a:p>
+        </p:txBody>
+      </p:sp>
+      <p:sp>
+        <p:nvSpPr>
+          <p:cNvPr id="139" name="CustomShape 2"/>
+          <p:cNvSpPr/>
+          <p:nvPr/>
+        </p:nvSpPr>
+        <p:spPr>
+          <a:xfrm>
+            <a:off x="287280" y="536400"/>
+            <a:ext cx="5196960" cy="227160"/>
+          </a:xfrm>
+          <a:prstGeom prst="rect">
+            <a:avLst/>
+          </a:prstGeom>
+          <a:noFill/>
+          <a:ln>
+            <a:noFill/>
+          </a:ln>
+        </p:spPr>
+        <p:style>
+          <a:lnRef idx="0"/>
+          <a:fillRef idx="0"/>
+          <a:effectRef idx="0"/>
+          <a:fontRef idx="minor"/>
+        </p:style>
+        <p:txBody>
+          <a:bodyPr lIns="0" rIns="0" tIns="0" bIns="0">
+            <a:noAutofit/>
+          </a:bodyPr>
+          <a:p>
+            <a:pPr marL="343080" indent="-341640">
+              <a:lnSpc>
+                <a:spcPct val="100000"/>
+              </a:lnSpc>
+              <a:spcBef>
+                <a:spcPts val="159"/>
+              </a:spcBef>
+              <a:tabLst>
+                <a:tab algn="l" pos="0"/>
+              </a:tabLst>
+            </a:pPr>
+            <a:r>
+              <a:rPr b="0" lang="es-ES" sz="800" spc="-1" strike="noStrike">
+                <a:solidFill>
+                  <a:srgbClr val="000000"/>
+                </a:solidFill>
+                <a:latin typeface="Arial"/>
+                <a:ea typeface="ＭＳ Ｐゴシック"/>
+              </a:rPr>
+              <a:t>Analysis and Visualization of Big Data </a:t>
+            </a:r>
+            <a:r>
+              <a:rPr b="0" lang="es-ES" sz="800" spc="-1" strike="noStrike">
+                <a:solidFill>
+                  <a:srgbClr val="000000"/>
+                </a:solidFill>
+                <a:latin typeface="Arial"/>
+                <a:ea typeface="ＭＳ Ｐゴシック"/>
+              </a:rPr>
+              <a:t>– Final Presentation - </a:t>
+            </a:r>
+            <a:r>
+              <a:rPr b="0" lang="es-ES" sz="800" spc="-1" strike="noStrike">
+                <a:solidFill>
+                  <a:srgbClr val="000000"/>
+                </a:solidFill>
+                <a:highlight>
+                  <a:srgbClr val="ffff00"/>
+                </a:highlight>
+                <a:latin typeface="Arial"/>
+                <a:ea typeface="ＭＳ Ｐゴシック"/>
+              </a:rPr>
+              <a:t>Title</a:t>
+            </a:r>
+            <a:endParaRPr b="0" lang="es-ES" sz="800" spc="-1" strike="noStrike">
+              <a:latin typeface="Arial"/>
+            </a:endParaRPr>
+          </a:p>
+        </p:txBody>
+      </p:sp>
+      <p:sp>
+        <p:nvSpPr>
+          <p:cNvPr id="140" name="CustomShape 3"/>
+          <p:cNvSpPr/>
+          <p:nvPr/>
+        </p:nvSpPr>
+        <p:spPr>
+          <a:xfrm>
+            <a:off x="284040" y="1099440"/>
+            <a:ext cx="8566560" cy="455760"/>
+          </a:xfrm>
+          <a:prstGeom prst="rect">
+            <a:avLst/>
+          </a:prstGeom>
+          <a:noFill/>
+          <a:ln>
+            <a:noFill/>
+          </a:ln>
+        </p:spPr>
+        <p:style>
+          <a:lnRef idx="0"/>
+          <a:fillRef idx="0"/>
+          <a:effectRef idx="0"/>
+          <a:fontRef idx="minor"/>
+        </p:style>
+        <p:txBody>
+          <a:bodyPr lIns="0" rIns="0" tIns="0" bIns="0">
+            <a:noAutofit/>
+          </a:bodyPr>
+          <a:p>
+            <a:pPr>
+              <a:lnSpc>
+                <a:spcPct val="100000"/>
+              </a:lnSpc>
+            </a:pPr>
+            <a:r>
+              <a:rPr b="1" lang="es-ES" sz="2000" spc="-1" strike="noStrike">
+                <a:solidFill>
+                  <a:srgbClr val="0059a2"/>
+                </a:solidFill>
+                <a:latin typeface="Arial"/>
+                <a:ea typeface="ＭＳ Ｐゴシック"/>
+              </a:rPr>
+              <a:t>Author </a:t>
+            </a:r>
+            <a:r>
+              <a:rPr b="1" lang="es-ES" sz="2000" spc="-1" strike="noStrike">
+                <a:solidFill>
+                  <a:srgbClr val="0059a2"/>
+                </a:solidFill>
+                <a:latin typeface="Arial"/>
+                <a:ea typeface="ＭＳ Ｐゴシック"/>
+              </a:rPr>
+              <a:t>contributions</a:t>
+            </a:r>
+            <a:endParaRPr b="0" lang="es-ES" sz="2000" spc="-1" strike="noStrike">
+              <a:latin typeface="Arial"/>
+            </a:endParaRPr>
+          </a:p>
+        </p:txBody>
+      </p:sp>
+      <p:sp>
+        <p:nvSpPr>
+          <p:cNvPr id="141" name="TextShape 4"/>
+          <p:cNvSpPr txBox="1"/>
+          <p:nvPr/>
+        </p:nvSpPr>
+        <p:spPr>
+          <a:xfrm>
+            <a:off x="360000" y="1800000"/>
+            <a:ext cx="4392000" cy="1114200"/>
+          </a:xfrm>
+          <a:prstGeom prst="rect">
+            <a:avLst/>
+          </a:prstGeom>
+          <a:noFill/>
+          <a:ln>
+            <a:noFill/>
+          </a:ln>
+        </p:spPr>
+        <p:txBody>
+          <a:bodyPr lIns="90000" rIns="90000" tIns="45000" bIns="45000">
+            <a:noAutofit/>
+          </a:bodyPr>
+          <a:p>
+            <a:r>
+              <a:rPr b="0" lang="es-ES" sz="1200" spc="-1" strike="noStrike">
+                <a:latin typeface="Arial"/>
+              </a:rPr>
+              <a:t>Qui ha fet què:</a:t>
+            </a:r>
+            <a:endParaRPr b="0" lang="es-ES" sz="1200" spc="-1" strike="noStrike">
+              <a:latin typeface="Arial"/>
+            </a:endParaRPr>
+          </a:p>
+          <a:p>
+            <a:endParaRPr b="0" lang="es-ES" sz="1200" spc="-1" strike="noStrike">
+              <a:latin typeface="Arial"/>
+            </a:endParaRPr>
+          </a:p>
+          <a:p>
+            <a:r>
+              <a:rPr b="0" lang="es-ES" sz="1200" spc="-1" strike="noStrike">
+                <a:latin typeface="Arial"/>
+              </a:rPr>
+              <a:t>Línies temporals, orígen-comarca final: Martina</a:t>
+            </a:r>
+            <a:endParaRPr b="0" lang="es-ES" sz="1200" spc="-1" strike="noStrike">
+              <a:latin typeface="Arial"/>
+            </a:endParaRPr>
+          </a:p>
+          <a:p>
+            <a:r>
+              <a:rPr b="0" lang="es-ES" sz="1200" spc="-1" strike="noStrike">
+                <a:latin typeface="Arial"/>
+              </a:rPr>
+              <a:t>Pie chart: Aleix</a:t>
+            </a:r>
+            <a:endParaRPr b="0" lang="es-ES" sz="1200" spc="-1" strike="noStrike">
+              <a:latin typeface="Arial"/>
+            </a:endParaRPr>
+          </a:p>
+          <a:p>
+            <a:r>
+              <a:rPr b="0" lang="es-ES" sz="1200" spc="-1" strike="noStrike">
+                <a:latin typeface="Arial"/>
+              </a:rPr>
+              <a:t>Histogrames: Victor</a:t>
+            </a:r>
+            <a:endParaRPr b="0" lang="es-ES" sz="1200" spc="-1" strike="noStrike">
+              <a:latin typeface="Arial"/>
+            </a:endParaRPr>
+          </a:p>
+          <a:p>
+            <a:r>
+              <a:rPr b="0" lang="es-ES" sz="1200" spc="-1" strike="noStrike">
+                <a:latin typeface="Arial"/>
+              </a:rPr>
+              <a:t>Mapa geogràfic i Streamlit: Roger</a:t>
+            </a:r>
+            <a:endParaRPr b="0" lang="es-ES" sz="1200" spc="-1" strike="noStrike">
+              <a:latin typeface="Arial"/>
+            </a:endParaRPr>
+          </a:p>
+        </p:txBody>
+      </p:sp>
+    </p:spTree>
+  </p:cSld>
+  <mc:AlternateContent>
+    <mc:Choice Requires="p14">
+      <p:transition spd="slow" p14:dur="2000"/>
+    </mc:Choice>
+    <mc:Fallback>
+      <p:transition spd="slow"/>
+    </mc:Fallback>
+  </mc:AlternateContent>
+</p:sld>
+</file>
+
+<file path=ppt/slides/slide2.xml><?xml version="1.0" encoding="utf-8"?>
+<p:sld xmlns:a="http://schemas.openxmlformats.org/drawingml/2006/main" xmlns:p="http://schemas.openxmlformats.org/presentationml/2006/main" xmlns:r="http://schemas.openxmlformats.org/officeDocument/2006/relationships" xmlns:p14="http://schemas.microsoft.com/office/powerpoint/2010/main" xmlns:p15="http://schemas.microsoft.com/office/powerpoint/2012/main" xmlns:mc="http://schemas.openxmlformats.org/markup-compatibility/2006">
+  <p:cSld>
+    <p:spTree>
+      <p:nvGrpSpPr>
+        <p:cNvPr id="1" name=""/>
+        <p:cNvGrpSpPr/>
+        <p:nvPr/>
+      </p:nvGrpSpPr>
+      <p:grpSpPr>
+        <a:xfrm>
+          <a:off x="0" y="0"/>
+          <a:ext cx="0" cy="0"/>
+          <a:chOff x="0" y="0"/>
+          <a:chExt cx="0" cy="0"/>
+        </a:xfrm>
+      </p:grpSpPr>
+      <p:sp>
+        <p:nvSpPr>
+          <p:cNvPr id="84" name="CustomShape 1"/>
+          <p:cNvSpPr/>
+          <p:nvPr/>
+        </p:nvSpPr>
+        <p:spPr>
+          <a:xfrm>
+            <a:off x="288000" y="1143000"/>
+            <a:ext cx="8566560" cy="455760"/>
+          </a:xfrm>
+          <a:prstGeom prst="rect">
+            <a:avLst/>
+          </a:prstGeom>
+          <a:noFill/>
+          <a:ln>
+            <a:noFill/>
+          </a:ln>
+        </p:spPr>
+        <p:style>
+          <a:lnRef idx="0"/>
+          <a:fillRef idx="0"/>
+          <a:effectRef idx="0"/>
+          <a:fontRef idx="minor"/>
+        </p:style>
+        <p:txBody>
+          <a:bodyPr lIns="0" rIns="0" tIns="0" bIns="0">
+            <a:noAutofit/>
+          </a:bodyPr>
+          <a:p>
+            <a:pPr>
+              <a:lnSpc>
+                <a:spcPct val="100000"/>
+              </a:lnSpc>
+            </a:pPr>
+            <a:r>
+              <a:rPr b="1" lang="es-ES" sz="2400" spc="-1" strike="noStrike">
+                <a:solidFill>
+                  <a:srgbClr val="0059a2"/>
+                </a:solidFill>
+                <a:latin typeface="Arial"/>
+                <a:ea typeface="ＭＳ Ｐゴシック"/>
+              </a:rPr>
+              <a:t>Abstract</a:t>
+            </a:r>
+            <a:endParaRPr b="0" lang="es-ES" sz="2400" spc="-1" strike="noStrike">
+              <a:latin typeface="Arial"/>
+            </a:endParaRPr>
+          </a:p>
+        </p:txBody>
+      </p:sp>
+      <p:sp>
+        <p:nvSpPr>
+          <p:cNvPr id="85" name="CustomShape 2"/>
+          <p:cNvSpPr/>
+          <p:nvPr/>
+        </p:nvSpPr>
+        <p:spPr>
+          <a:xfrm>
+            <a:off x="288000" y="417600"/>
+            <a:ext cx="5196960" cy="114480"/>
+          </a:xfrm>
+          <a:prstGeom prst="rect">
+            <a:avLst/>
+          </a:prstGeom>
+          <a:noFill/>
+          <a:ln>
+            <a:noFill/>
+          </a:ln>
+        </p:spPr>
+        <p:style>
+          <a:lnRef idx="0"/>
+          <a:fillRef idx="0"/>
+          <a:effectRef idx="0"/>
+          <a:fontRef idx="minor"/>
+        </p:style>
+        <p:txBody>
+          <a:bodyPr lIns="0" rIns="0" tIns="0" bIns="0">
+            <a:noAutofit/>
+          </a:bodyPr>
+          <a:p>
+            <a:pPr marL="343080" indent="-341640">
+              <a:lnSpc>
+                <a:spcPts val="1001"/>
+              </a:lnSpc>
+              <a:tabLst>
+                <a:tab algn="l" pos="0"/>
+              </a:tabLst>
+            </a:pPr>
+            <a:r>
+              <a:rPr b="1" lang="es-ES" sz="800" spc="-1" strike="noStrike">
+                <a:solidFill>
+                  <a:srgbClr val="000000"/>
+                </a:solidFill>
+                <a:latin typeface="Arial"/>
+                <a:ea typeface="ＭＳ Ｐゴシック"/>
+              </a:rPr>
+              <a:t>MSc Physics of Complex Systems and Biophysics</a:t>
+            </a:r>
+            <a:endParaRPr b="0" lang="es-ES" sz="800" spc="-1" strike="noStrike">
+              <a:latin typeface="Arial"/>
+            </a:endParaRPr>
+          </a:p>
+          <a:p>
+            <a:pPr marL="343080" indent="-341640">
+              <a:lnSpc>
+                <a:spcPts val="1001"/>
+              </a:lnSpc>
+              <a:tabLst>
+                <a:tab algn="l" pos="0"/>
+              </a:tabLst>
+            </a:pPr>
+            <a:endParaRPr b="0" lang="es-ES" sz="800" spc="-1" strike="noStrike">
+              <a:latin typeface="Arial"/>
+            </a:endParaRPr>
+          </a:p>
+        </p:txBody>
+      </p:sp>
+      <p:sp>
+        <p:nvSpPr>
+          <p:cNvPr id="86" name="CustomShape 3"/>
+          <p:cNvSpPr/>
+          <p:nvPr/>
+        </p:nvSpPr>
+        <p:spPr>
+          <a:xfrm>
+            <a:off x="288000" y="536400"/>
+            <a:ext cx="5196960" cy="227160"/>
+          </a:xfrm>
+          <a:prstGeom prst="rect">
+            <a:avLst/>
+          </a:prstGeom>
+          <a:noFill/>
+          <a:ln>
+            <a:noFill/>
+          </a:ln>
+        </p:spPr>
+        <p:style>
+          <a:lnRef idx="0"/>
+          <a:fillRef idx="0"/>
+          <a:effectRef idx="0"/>
+          <a:fontRef idx="minor"/>
+        </p:style>
+        <p:txBody>
+          <a:bodyPr lIns="0" rIns="0" tIns="0" bIns="0">
+            <a:noAutofit/>
+          </a:bodyPr>
+          <a:p>
+            <a:pPr marL="343080" indent="-341640">
+              <a:lnSpc>
+                <a:spcPct val="100000"/>
+              </a:lnSpc>
+              <a:spcBef>
+                <a:spcPts val="159"/>
+              </a:spcBef>
+              <a:tabLst>
+                <a:tab algn="l" pos="0"/>
+              </a:tabLst>
+            </a:pPr>
+            <a:r>
+              <a:rPr b="0" lang="es-ES" sz="800" spc="-1" strike="noStrike">
+                <a:solidFill>
+                  <a:srgbClr val="000000"/>
+                </a:solidFill>
+                <a:latin typeface="Arial"/>
+                <a:ea typeface="ＭＳ Ｐゴシック"/>
+              </a:rPr>
+              <a:t>Analysis and Visualization of Big Data – Final Presentation - </a:t>
+            </a:r>
+            <a:r>
+              <a:rPr b="0" lang="es-ES" sz="800" spc="-1" strike="noStrike">
+                <a:solidFill>
+                  <a:srgbClr val="000000"/>
+                </a:solidFill>
+                <a:highlight>
+                  <a:srgbClr val="ffff00"/>
+                </a:highlight>
+                <a:latin typeface="Arial"/>
+                <a:ea typeface="ＭＳ Ｐゴシック"/>
+              </a:rPr>
+              <a:t>Title</a:t>
+            </a:r>
+            <a:endParaRPr b="0" lang="es-ES" sz="800" spc="-1" strike="noStrike">
+              <a:latin typeface="Arial"/>
+            </a:endParaRPr>
+          </a:p>
+        </p:txBody>
+      </p:sp>
+      <p:sp>
+        <p:nvSpPr>
+          <p:cNvPr id="87" name="CustomShape 4"/>
+          <p:cNvSpPr/>
+          <p:nvPr/>
+        </p:nvSpPr>
+        <p:spPr>
+          <a:xfrm>
+            <a:off x="288000" y="1800000"/>
+            <a:ext cx="8566560" cy="921960"/>
+          </a:xfrm>
+          <a:prstGeom prst="rect">
+            <a:avLst/>
+          </a:prstGeom>
+          <a:noFill/>
+          <a:ln>
+            <a:noFill/>
+          </a:ln>
+        </p:spPr>
+        <p:style>
+          <a:lnRef idx="0"/>
+          <a:fillRef idx="0"/>
+          <a:effectRef idx="0"/>
+          <a:fontRef idx="minor"/>
+        </p:style>
+        <p:txBody>
+          <a:bodyPr lIns="360000" rIns="360000" tIns="0" bIns="0">
+            <a:noAutofit/>
+          </a:bodyPr>
+          <a:p>
+            <a:pPr>
+              <a:lnSpc>
+                <a:spcPct val="100000"/>
+              </a:lnSpc>
+              <a:tabLst>
+                <a:tab algn="l" pos="0"/>
+              </a:tabLst>
+            </a:pPr>
+            <a:r>
+              <a:rPr b="0" lang="ca-ES" sz="2000" spc="-1" strike="noStrike">
+                <a:solidFill>
+                  <a:srgbClr val="0059a2"/>
+                </a:solidFill>
+                <a:latin typeface="Arial"/>
+                <a:ea typeface="ＭＳ Ｐゴシック"/>
+              </a:rPr>
+              <a:t>Add a list of topics presented</a:t>
+            </a:r>
+            <a:endParaRPr b="0" lang="es-ES" sz="2000" spc="-1" strike="noStrike">
+              <a:latin typeface="Arial"/>
+            </a:endParaRPr>
+          </a:p>
+          <a:p>
+            <a:pPr>
+              <a:lnSpc>
+                <a:spcPct val="100000"/>
+              </a:lnSpc>
+              <a:tabLst>
+                <a:tab algn="l" pos="0"/>
+              </a:tabLst>
+            </a:pPr>
+            <a:endParaRPr b="0" lang="es-ES" sz="2000" spc="-1" strike="noStrike">
+              <a:latin typeface="Arial"/>
+            </a:endParaRPr>
+          </a:p>
+          <a:p>
+            <a:pPr>
+              <a:lnSpc>
+                <a:spcPct val="100000"/>
+              </a:lnSpc>
+              <a:tabLst>
+                <a:tab algn="l" pos="0"/>
+              </a:tabLst>
+            </a:pPr>
+            <a:endParaRPr b="0" lang="es-ES" sz="2000" spc="-1" strike="noStrike">
+              <a:latin typeface="Arial"/>
+            </a:endParaRPr>
+          </a:p>
+        </p:txBody>
+      </p:sp>
+      <p:sp>
+        <p:nvSpPr>
+          <p:cNvPr id="88" name="CustomShape 5"/>
+          <p:cNvSpPr/>
+          <p:nvPr/>
+        </p:nvSpPr>
+        <p:spPr>
+          <a:xfrm>
+            <a:off x="8610480" y="6356520"/>
+            <a:ext cx="244800" cy="363600"/>
+          </a:xfrm>
+          <a:prstGeom prst="rect">
+            <a:avLst/>
+          </a:prstGeom>
+          <a:noFill/>
+          <a:ln>
+            <a:noFill/>
+          </a:ln>
+        </p:spPr>
+        <p:style>
+          <a:lnRef idx="0"/>
+          <a:fillRef idx="0"/>
+          <a:effectRef idx="0"/>
+          <a:fontRef idx="minor"/>
+        </p:style>
+        <p:txBody>
+          <a:bodyPr lIns="0" rIns="0" tIns="0" bIns="0">
+            <a:noAutofit/>
+          </a:bodyPr>
+          <a:p>
+            <a:pPr algn="r">
+              <a:lnSpc>
+                <a:spcPct val="100000"/>
+              </a:lnSpc>
+            </a:pPr>
+            <a:fld id="{1AE27734-7B51-41E2-9757-76BB6FA2E0EC}" type="slidenum">
+              <a:rPr b="0" lang="es-ES_tradnl" sz="800" spc="-1" strike="noStrike">
+                <a:solidFill>
+                  <a:srgbClr val="000000"/>
+                </a:solidFill>
+                <a:latin typeface="Arial"/>
+                <a:ea typeface="ＭＳ Ｐゴシック"/>
+              </a:rPr>
+              <a:t>&lt;número&gt;</a:t>
+            </a:fld>
+            <a:endParaRPr b="0" lang="es-ES" sz="800" spc="-1" strike="noStrike">
+              <a:latin typeface="Arial"/>
+            </a:endParaRPr>
+          </a:p>
+        </p:txBody>
+      </p:sp>
+    </p:spTree>
+  </p:cSld>
+  <mc:AlternateContent>
+    <mc:Choice Requires="p14">
+      <p:transition spd="slow" p14:dur="2000"/>
+    </mc:Choice>
+    <mc:Fallback>
+      <p:transition spd="slow"/>
+    </mc:Fallback>
+  </mc:AlternateContent>
+</p:sld>
+</file>
+
+<file path=ppt/slides/slide3.xml><?xml version="1.0" encoding="utf-8"?>
+<p:sld xmlns:a="http://schemas.openxmlformats.org/drawingml/2006/main" xmlns:p="http://schemas.openxmlformats.org/presentationml/2006/main" xmlns:r="http://schemas.openxmlformats.org/officeDocument/2006/relationships" xmlns:p14="http://schemas.microsoft.com/office/powerpoint/2010/main" xmlns:p15="http://schemas.microsoft.com/office/powerpoint/2012/main" xmlns:mc="http://schemas.openxmlformats.org/markup-compatibility/2006">
+  <p:cSld>
+    <p:spTree>
+      <p:nvGrpSpPr>
+        <p:cNvPr id="1" name=""/>
+        <p:cNvGrpSpPr/>
+        <p:nvPr/>
+      </p:nvGrpSpPr>
+      <p:grpSpPr>
+        <a:xfrm>
+          <a:off x="0" y="0"/>
+          <a:ext cx="0" cy="0"/>
+          <a:chOff x="0" y="0"/>
+          <a:chExt cx="0" cy="0"/>
+        </a:xfrm>
+      </p:grpSpPr>
+      <p:sp>
+        <p:nvSpPr>
+          <p:cNvPr id="89" name="CustomShape 1"/>
+          <p:cNvSpPr/>
+          <p:nvPr/>
+        </p:nvSpPr>
+        <p:spPr>
+          <a:xfrm>
+            <a:off x="288000" y="1143000"/>
+            <a:ext cx="8566560" cy="455760"/>
+          </a:xfrm>
+          <a:prstGeom prst="rect">
+            <a:avLst/>
+          </a:prstGeom>
+          <a:noFill/>
+          <a:ln>
+            <a:noFill/>
+          </a:ln>
+        </p:spPr>
+        <p:style>
+          <a:lnRef idx="0"/>
+          <a:fillRef idx="0"/>
+          <a:effectRef idx="0"/>
+          <a:fontRef idx="minor"/>
+        </p:style>
+        <p:txBody>
+          <a:bodyPr lIns="0" rIns="0" tIns="0" bIns="0">
+            <a:noAutofit/>
+          </a:bodyPr>
+          <a:p>
+            <a:pPr>
+              <a:lnSpc>
+                <a:spcPct val="100000"/>
+              </a:lnSpc>
+            </a:pPr>
+            <a:r>
+              <a:rPr b="1" lang="es-ES" sz="2400" spc="-1" strike="noStrike">
+                <a:solidFill>
+                  <a:srgbClr val="0059a2"/>
+                </a:solidFill>
+                <a:latin typeface="Arial"/>
+                <a:ea typeface="ＭＳ Ｐゴシック"/>
+              </a:rPr>
+              <a:t>Outline</a:t>
+            </a:r>
+            <a:endParaRPr b="0" lang="es-ES" sz="2400" spc="-1" strike="noStrike">
+              <a:latin typeface="Arial"/>
+            </a:endParaRPr>
+          </a:p>
+        </p:txBody>
+      </p:sp>
+      <p:sp>
+        <p:nvSpPr>
+          <p:cNvPr id="90" name="CustomShape 2"/>
+          <p:cNvSpPr/>
+          <p:nvPr/>
+        </p:nvSpPr>
+        <p:spPr>
+          <a:xfrm>
+            <a:off x="288000" y="417600"/>
+            <a:ext cx="5196960" cy="114480"/>
+          </a:xfrm>
+          <a:prstGeom prst="rect">
+            <a:avLst/>
+          </a:prstGeom>
+          <a:noFill/>
+          <a:ln>
+            <a:noFill/>
+          </a:ln>
+        </p:spPr>
+        <p:style>
+          <a:lnRef idx="0"/>
+          <a:fillRef idx="0"/>
+          <a:effectRef idx="0"/>
+          <a:fontRef idx="minor"/>
+        </p:style>
+        <p:txBody>
+          <a:bodyPr lIns="0" rIns="0" tIns="0" bIns="0">
+            <a:noAutofit/>
+          </a:bodyPr>
+          <a:p>
+            <a:pPr marL="343080" indent="-341640">
+              <a:lnSpc>
+                <a:spcPts val="1001"/>
+              </a:lnSpc>
+              <a:tabLst>
+                <a:tab algn="l" pos="0"/>
+              </a:tabLst>
+            </a:pPr>
+            <a:r>
+              <a:rPr b="1" lang="es-ES" sz="800" spc="-1" strike="noStrike">
+                <a:solidFill>
+                  <a:srgbClr val="000000"/>
+                </a:solidFill>
+                <a:latin typeface="Arial"/>
+                <a:ea typeface="ＭＳ Ｐゴシック"/>
+              </a:rPr>
+              <a:t>MSc Physics of Complex Systems and Biophysics</a:t>
+            </a:r>
+            <a:endParaRPr b="0" lang="es-ES" sz="800" spc="-1" strike="noStrike">
+              <a:latin typeface="Arial"/>
+            </a:endParaRPr>
+          </a:p>
+          <a:p>
+            <a:pPr marL="343080" indent="-341640">
+              <a:lnSpc>
+                <a:spcPts val="1001"/>
+              </a:lnSpc>
+              <a:tabLst>
+                <a:tab algn="l" pos="0"/>
+              </a:tabLst>
+            </a:pPr>
+            <a:endParaRPr b="0" lang="es-ES" sz="800" spc="-1" strike="noStrike">
+              <a:latin typeface="Arial"/>
+            </a:endParaRPr>
+          </a:p>
+        </p:txBody>
+      </p:sp>
+      <p:sp>
+        <p:nvSpPr>
+          <p:cNvPr id="91" name="CustomShape 3"/>
+          <p:cNvSpPr/>
+          <p:nvPr/>
+        </p:nvSpPr>
+        <p:spPr>
+          <a:xfrm>
+            <a:off x="288000" y="536400"/>
+            <a:ext cx="5196960" cy="227160"/>
+          </a:xfrm>
+          <a:prstGeom prst="rect">
+            <a:avLst/>
+          </a:prstGeom>
+          <a:noFill/>
+          <a:ln>
+            <a:noFill/>
+          </a:ln>
+        </p:spPr>
+        <p:style>
+          <a:lnRef idx="0"/>
+          <a:fillRef idx="0"/>
+          <a:effectRef idx="0"/>
+          <a:fontRef idx="minor"/>
+        </p:style>
+        <p:txBody>
+          <a:bodyPr lIns="0" rIns="0" tIns="0" bIns="0">
+            <a:noAutofit/>
+          </a:bodyPr>
+          <a:p>
+            <a:pPr marL="343080" indent="-341640">
+              <a:lnSpc>
+                <a:spcPct val="100000"/>
+              </a:lnSpc>
+              <a:spcBef>
+                <a:spcPts val="159"/>
+              </a:spcBef>
+              <a:tabLst>
+                <a:tab algn="l" pos="0"/>
+              </a:tabLst>
+            </a:pPr>
+            <a:r>
+              <a:rPr b="0" lang="es-ES" sz="800" spc="-1" strike="noStrike">
+                <a:solidFill>
+                  <a:srgbClr val="000000"/>
+                </a:solidFill>
+                <a:latin typeface="Arial"/>
+                <a:ea typeface="ＭＳ Ｐゴシック"/>
+              </a:rPr>
+              <a:t>Analysis and Visualization of Big Data – Final Presentation - </a:t>
+            </a:r>
+            <a:r>
+              <a:rPr b="0" lang="es-ES" sz="800" spc="-1" strike="noStrike">
+                <a:solidFill>
+                  <a:srgbClr val="000000"/>
+                </a:solidFill>
+                <a:highlight>
+                  <a:srgbClr val="ffff00"/>
+                </a:highlight>
+                <a:latin typeface="Arial"/>
+                <a:ea typeface="ＭＳ Ｐゴシック"/>
+              </a:rPr>
+              <a:t>Title</a:t>
+            </a:r>
+            <a:endParaRPr b="0" lang="es-ES" sz="800" spc="-1" strike="noStrike">
+              <a:latin typeface="Arial"/>
+            </a:endParaRPr>
+          </a:p>
+        </p:txBody>
+      </p:sp>
+      <p:sp>
+        <p:nvSpPr>
+          <p:cNvPr id="92" name="CustomShape 4"/>
+          <p:cNvSpPr/>
+          <p:nvPr/>
+        </p:nvSpPr>
+        <p:spPr>
+          <a:xfrm>
+            <a:off x="287280" y="1575360"/>
+            <a:ext cx="8566560" cy="4923000"/>
+          </a:xfrm>
+          <a:prstGeom prst="rect">
+            <a:avLst/>
+          </a:prstGeom>
+          <a:noFill/>
+          <a:ln>
+            <a:noFill/>
+          </a:ln>
+        </p:spPr>
+        <p:style>
+          <a:lnRef idx="0"/>
+          <a:fillRef idx="0"/>
+          <a:effectRef idx="0"/>
+          <a:fontRef idx="minor"/>
+        </p:style>
+        <p:txBody>
+          <a:bodyPr lIns="360000" rIns="360000" tIns="0" bIns="0">
+            <a:noAutofit/>
+          </a:bodyPr>
+          <a:p>
+            <a:pPr>
+              <a:lnSpc>
+                <a:spcPct val="100000"/>
+              </a:lnSpc>
+              <a:tabLst>
+                <a:tab algn="l" pos="0"/>
+              </a:tabLst>
+            </a:pPr>
+            <a:r>
+              <a:rPr b="0" lang="ca-ES" sz="2000" spc="-1" strike="noStrike">
+                <a:solidFill>
+                  <a:srgbClr val="0059a2"/>
+                </a:solidFill>
+                <a:latin typeface="Arial"/>
+                <a:ea typeface="ＭＳ Ｐゴシック"/>
+              </a:rPr>
+              <a:t>Adapt the following list:</a:t>
+            </a:r>
+            <a:endParaRPr b="0" lang="es-ES" sz="2000" spc="-1" strike="noStrike">
+              <a:latin typeface="Arial"/>
+            </a:endParaRPr>
+          </a:p>
+          <a:p>
+            <a:pPr>
+              <a:lnSpc>
+                <a:spcPct val="100000"/>
+              </a:lnSpc>
+              <a:tabLst>
+                <a:tab algn="l" pos="0"/>
+              </a:tabLst>
+            </a:pPr>
+            <a:r>
+              <a:rPr b="0" lang="ca-ES" sz="2000" spc="-1" strike="noStrike">
+                <a:solidFill>
+                  <a:srgbClr val="0059a2"/>
+                </a:solidFill>
+                <a:latin typeface="Arial"/>
+                <a:ea typeface="ＭＳ Ｐゴシック"/>
+              </a:rPr>
+              <a:t>	</a:t>
+            </a:r>
+            <a:r>
+              <a:rPr b="0" lang="ca-ES" sz="2000" spc="-1" strike="noStrike">
+                <a:solidFill>
+                  <a:srgbClr val="0059a2"/>
+                </a:solidFill>
+                <a:latin typeface="Arial"/>
+                <a:ea typeface="ＭＳ Ｐゴシック"/>
+              </a:rPr>
+              <a:t>•</a:t>
+            </a:r>
+            <a:r>
+              <a:rPr b="0" lang="ca-ES" sz="2000" spc="-1" strike="noStrike">
+                <a:solidFill>
+                  <a:srgbClr val="0059a2"/>
+                </a:solidFill>
+                <a:latin typeface="Arial"/>
+                <a:ea typeface="ＭＳ Ｐゴシック"/>
+              </a:rPr>
+              <a:t>	</a:t>
+            </a:r>
+            <a:r>
+              <a:rPr b="0" lang="ca-ES" sz="2000" spc="-1" strike="noStrike">
+                <a:solidFill>
+                  <a:srgbClr val="0059a2"/>
+                </a:solidFill>
+                <a:latin typeface="Arial"/>
+                <a:ea typeface="ＭＳ Ｐゴシック"/>
+              </a:rPr>
+              <a:t>Title following style discussed in class</a:t>
+            </a:r>
+            <a:endParaRPr b="0" lang="es-ES" sz="2000" spc="-1" strike="noStrike">
+              <a:latin typeface="Arial"/>
+            </a:endParaRPr>
+          </a:p>
+          <a:p>
+            <a:pPr>
+              <a:lnSpc>
+                <a:spcPct val="100000"/>
+              </a:lnSpc>
+              <a:tabLst>
+                <a:tab algn="l" pos="0"/>
+              </a:tabLst>
+            </a:pPr>
+            <a:r>
+              <a:rPr b="0" lang="ca-ES" sz="2000" spc="-1" strike="noStrike">
+                <a:solidFill>
+                  <a:srgbClr val="0059a2"/>
+                </a:solidFill>
+                <a:latin typeface="Arial"/>
+                <a:ea typeface="ＭＳ Ｐゴシック"/>
+              </a:rPr>
+              <a:t>	</a:t>
+            </a:r>
+            <a:r>
+              <a:rPr b="0" lang="ca-ES" sz="2000" spc="-1" strike="noStrike">
+                <a:solidFill>
+                  <a:srgbClr val="0059a2"/>
+                </a:solidFill>
+                <a:latin typeface="Arial"/>
+                <a:ea typeface="ＭＳ Ｐゴシック"/>
+              </a:rPr>
+              <a:t>•</a:t>
+            </a:r>
+            <a:r>
+              <a:rPr b="0" lang="ca-ES" sz="2000" spc="-1" strike="noStrike">
+                <a:solidFill>
+                  <a:srgbClr val="0059a2"/>
+                </a:solidFill>
+                <a:latin typeface="Arial"/>
+                <a:ea typeface="ＭＳ Ｐゴシック"/>
+              </a:rPr>
+              <a:t>	</a:t>
+            </a:r>
+            <a:r>
+              <a:rPr b="0" lang="ca-ES" sz="2000" spc="-1" strike="noStrike">
+                <a:solidFill>
+                  <a:srgbClr val="0059a2"/>
+                </a:solidFill>
+                <a:latin typeface="Arial"/>
+                <a:ea typeface="ＭＳ Ｐゴシック"/>
+              </a:rPr>
+              <a:t>Abstract following style discussed in class</a:t>
+            </a:r>
+            <a:endParaRPr b="0" lang="es-ES" sz="2000" spc="-1" strike="noStrike">
+              <a:latin typeface="Arial"/>
+            </a:endParaRPr>
+          </a:p>
+          <a:p>
+            <a:pPr>
+              <a:lnSpc>
+                <a:spcPct val="100000"/>
+              </a:lnSpc>
+              <a:tabLst>
+                <a:tab algn="l" pos="0"/>
+              </a:tabLst>
+            </a:pPr>
+            <a:r>
+              <a:rPr b="0" lang="ca-ES" sz="2000" spc="-1" strike="noStrike">
+                <a:solidFill>
+                  <a:srgbClr val="0059a2"/>
+                </a:solidFill>
+                <a:latin typeface="Arial"/>
+                <a:ea typeface="ＭＳ Ｐゴシック"/>
+              </a:rPr>
+              <a:t>	</a:t>
+            </a:r>
+            <a:r>
+              <a:rPr b="0" lang="ca-ES" sz="2000" spc="-1" strike="noStrike">
+                <a:solidFill>
+                  <a:srgbClr val="0059a2"/>
+                </a:solidFill>
+                <a:latin typeface="Arial"/>
+                <a:ea typeface="ＭＳ Ｐゴシック"/>
+              </a:rPr>
+              <a:t>•</a:t>
+            </a:r>
+            <a:r>
+              <a:rPr b="0" lang="ca-ES" sz="2000" spc="-1" strike="noStrike">
+                <a:solidFill>
+                  <a:srgbClr val="0059a2"/>
+                </a:solidFill>
+                <a:latin typeface="Arial"/>
+                <a:ea typeface="ＭＳ Ｐゴシック"/>
+              </a:rPr>
+              <a:t>	</a:t>
+            </a:r>
+            <a:r>
+              <a:rPr b="0" lang="ca-ES" sz="2000" spc="-1" strike="noStrike">
+                <a:solidFill>
+                  <a:srgbClr val="0059a2"/>
+                </a:solidFill>
+                <a:latin typeface="Arial"/>
+                <a:ea typeface="ＭＳ Ｐゴシック"/>
+              </a:rPr>
+              <a:t>The research process, the methods and the tools behind the plots and the dashboard, including a general structure of the Data Management Plan</a:t>
+            </a:r>
+            <a:endParaRPr b="0" lang="es-ES" sz="2000" spc="-1" strike="noStrike">
+              <a:latin typeface="Arial"/>
+            </a:endParaRPr>
+          </a:p>
+          <a:p>
+            <a:pPr>
+              <a:lnSpc>
+                <a:spcPct val="100000"/>
+              </a:lnSpc>
+              <a:tabLst>
+                <a:tab algn="l" pos="0"/>
+              </a:tabLst>
+            </a:pPr>
+            <a:r>
+              <a:rPr b="0" lang="ca-ES" sz="2000" spc="-1" strike="noStrike">
+                <a:solidFill>
+                  <a:srgbClr val="0059a2"/>
+                </a:solidFill>
+                <a:latin typeface="Arial"/>
+                <a:ea typeface="ＭＳ Ｐゴシック"/>
+              </a:rPr>
+              <a:t>	</a:t>
+            </a:r>
+            <a:r>
+              <a:rPr b="0" lang="ca-ES" sz="2000" spc="-1" strike="noStrike">
+                <a:solidFill>
+                  <a:srgbClr val="0059a2"/>
+                </a:solidFill>
+                <a:latin typeface="Arial"/>
+                <a:ea typeface="ＭＳ Ｐゴシック"/>
+              </a:rPr>
+              <a:t>•</a:t>
+            </a:r>
+            <a:r>
+              <a:rPr b="0" lang="ca-ES" sz="2000" spc="-1" strike="noStrike">
+                <a:solidFill>
+                  <a:srgbClr val="0059a2"/>
+                </a:solidFill>
+                <a:latin typeface="Arial"/>
+                <a:ea typeface="ＭＳ Ｐゴシック"/>
+              </a:rPr>
+              <a:t>	</a:t>
+            </a:r>
+            <a:r>
+              <a:rPr b="0" lang="ca-ES" sz="2000" spc="-1" strike="noStrike">
+                <a:solidFill>
+                  <a:srgbClr val="0059a2"/>
+                </a:solidFill>
+                <a:latin typeface="Arial"/>
+                <a:ea typeface="ＭＳ Ｐゴシック"/>
+              </a:rPr>
+              <a:t>Results</a:t>
+            </a:r>
+            <a:endParaRPr b="0" lang="es-ES" sz="2000" spc="-1" strike="noStrike">
+              <a:latin typeface="Arial"/>
+            </a:endParaRPr>
+          </a:p>
+          <a:p>
+            <a:pPr>
+              <a:lnSpc>
+                <a:spcPct val="100000"/>
+              </a:lnSpc>
+              <a:tabLst>
+                <a:tab algn="l" pos="0"/>
+              </a:tabLst>
+            </a:pPr>
+            <a:r>
+              <a:rPr b="0" lang="ca-ES" sz="2000" spc="-1" strike="noStrike">
+                <a:solidFill>
+                  <a:srgbClr val="0059a2"/>
+                </a:solidFill>
+                <a:latin typeface="Arial"/>
+                <a:ea typeface="ＭＳ Ｐゴシック"/>
+              </a:rPr>
+              <a:t>	</a:t>
+            </a:r>
+            <a:r>
+              <a:rPr b="0" lang="ca-ES" sz="2000" spc="-1" strike="noStrike">
+                <a:solidFill>
+                  <a:srgbClr val="0059a2"/>
+                </a:solidFill>
+                <a:latin typeface="Arial"/>
+                <a:ea typeface="ＭＳ Ｐゴシック"/>
+              </a:rPr>
+              <a:t>•</a:t>
+            </a:r>
+            <a:r>
+              <a:rPr b="0" lang="ca-ES" sz="2000" spc="-1" strike="noStrike">
+                <a:solidFill>
+                  <a:srgbClr val="0059a2"/>
+                </a:solidFill>
+                <a:latin typeface="Arial"/>
+                <a:ea typeface="ＭＳ Ｐゴシック"/>
+              </a:rPr>
+              <a:t>	</a:t>
+            </a:r>
+            <a:r>
+              <a:rPr b="0" lang="ca-ES" sz="2000" spc="-1" strike="noStrike">
+                <a:solidFill>
+                  <a:srgbClr val="0059a2"/>
+                </a:solidFill>
+                <a:latin typeface="Arial"/>
+                <a:ea typeface="ＭＳ Ｐゴシック"/>
+              </a:rPr>
+              <a:t>Related activities on dissemination, communication, public participation or citizen science</a:t>
+            </a:r>
+            <a:endParaRPr b="0" lang="es-ES" sz="2000" spc="-1" strike="noStrike">
+              <a:latin typeface="Arial"/>
+            </a:endParaRPr>
+          </a:p>
+          <a:p>
+            <a:pPr>
+              <a:lnSpc>
+                <a:spcPct val="100000"/>
+              </a:lnSpc>
+              <a:tabLst>
+                <a:tab algn="l" pos="0"/>
+              </a:tabLst>
+            </a:pPr>
+            <a:r>
+              <a:rPr b="0" lang="ca-ES" sz="2000" spc="-1" strike="noStrike">
+                <a:solidFill>
+                  <a:srgbClr val="0059a2"/>
+                </a:solidFill>
+                <a:latin typeface="Arial"/>
+                <a:ea typeface="ＭＳ Ｐゴシック"/>
+              </a:rPr>
+              <a:t>	</a:t>
+            </a:r>
+            <a:r>
+              <a:rPr b="0" lang="ca-ES" sz="2000" spc="-1" strike="noStrike">
+                <a:solidFill>
+                  <a:srgbClr val="0059a2"/>
+                </a:solidFill>
+                <a:latin typeface="Arial"/>
+                <a:ea typeface="ＭＳ Ｐゴシック"/>
+              </a:rPr>
+              <a:t>•</a:t>
+            </a:r>
+            <a:r>
+              <a:rPr b="0" lang="ca-ES" sz="2000" spc="-1" strike="noStrike">
+                <a:solidFill>
+                  <a:srgbClr val="0059a2"/>
+                </a:solidFill>
+                <a:latin typeface="Arial"/>
+                <a:ea typeface="ＭＳ Ｐゴシック"/>
+              </a:rPr>
+              <a:t>	</a:t>
+            </a:r>
+            <a:r>
+              <a:rPr b="0" lang="ca-ES" sz="2000" spc="-1" strike="noStrike">
+                <a:solidFill>
+                  <a:srgbClr val="0059a2"/>
+                </a:solidFill>
+                <a:latin typeface="Arial"/>
+                <a:ea typeface="ＭＳ Ｐゴシック"/>
+              </a:rPr>
+              <a:t>Conclusions</a:t>
+            </a:r>
+            <a:endParaRPr b="0" lang="es-ES" sz="2000" spc="-1" strike="noStrike">
+              <a:latin typeface="Arial"/>
+            </a:endParaRPr>
+          </a:p>
+          <a:p>
+            <a:pPr>
+              <a:lnSpc>
+                <a:spcPct val="100000"/>
+              </a:lnSpc>
+              <a:tabLst>
+                <a:tab algn="l" pos="0"/>
+              </a:tabLst>
+            </a:pPr>
+            <a:r>
+              <a:rPr b="0" lang="ca-ES" sz="2000" spc="-1" strike="noStrike">
+                <a:solidFill>
+                  <a:srgbClr val="0059a2"/>
+                </a:solidFill>
+                <a:latin typeface="Arial"/>
+                <a:ea typeface="ＭＳ Ｐゴシック"/>
+              </a:rPr>
+              <a:t>	</a:t>
+            </a:r>
+            <a:r>
+              <a:rPr b="0" lang="ca-ES" sz="2000" spc="-1" strike="noStrike">
+                <a:solidFill>
+                  <a:srgbClr val="0059a2"/>
+                </a:solidFill>
+                <a:latin typeface="Arial"/>
+                <a:ea typeface="ＭＳ Ｐゴシック"/>
+              </a:rPr>
+              <a:t>•</a:t>
+            </a:r>
+            <a:r>
+              <a:rPr b="0" lang="ca-ES" sz="2000" spc="-1" strike="noStrike">
+                <a:solidFill>
+                  <a:srgbClr val="0059a2"/>
+                </a:solidFill>
+                <a:latin typeface="Arial"/>
+                <a:ea typeface="ＭＳ Ｐゴシック"/>
+              </a:rPr>
+              <a:t>	</a:t>
+            </a:r>
+            <a:r>
+              <a:rPr b="0" lang="ca-ES" sz="2000" spc="-1" strike="noStrike">
+                <a:solidFill>
+                  <a:srgbClr val="0059a2"/>
+                </a:solidFill>
+                <a:latin typeface="Arial"/>
+                <a:ea typeface="ＭＳ Ｐゴシック"/>
+              </a:rPr>
+              <a:t>Concluding remarks and general reflections about the course</a:t>
+            </a:r>
+            <a:endParaRPr b="0" lang="es-ES" sz="2000" spc="-1" strike="noStrike">
+              <a:latin typeface="Arial"/>
+            </a:endParaRPr>
+          </a:p>
+          <a:p>
+            <a:pPr>
+              <a:lnSpc>
+                <a:spcPct val="100000"/>
+              </a:lnSpc>
+              <a:tabLst>
+                <a:tab algn="l" pos="0"/>
+              </a:tabLst>
+            </a:pPr>
+            <a:r>
+              <a:rPr b="0" lang="ca-ES" sz="2000" spc="-1" strike="noStrike">
+                <a:solidFill>
+                  <a:srgbClr val="0059a2"/>
+                </a:solidFill>
+                <a:latin typeface="Arial"/>
+                <a:ea typeface="ＭＳ Ｐゴシック"/>
+              </a:rPr>
+              <a:t>	</a:t>
+            </a:r>
+            <a:r>
+              <a:rPr b="0" lang="ca-ES" sz="2000" spc="-1" strike="noStrike">
+                <a:solidFill>
+                  <a:srgbClr val="0059a2"/>
+                </a:solidFill>
+                <a:latin typeface="Arial"/>
+                <a:ea typeface="ＭＳ Ｐゴシック"/>
+              </a:rPr>
+              <a:t>•</a:t>
+            </a:r>
+            <a:r>
+              <a:rPr b="0" lang="ca-ES" sz="2000" spc="-1" strike="noStrike">
+                <a:solidFill>
+                  <a:srgbClr val="0059a2"/>
+                </a:solidFill>
+                <a:latin typeface="Arial"/>
+                <a:ea typeface="ＭＳ Ｐゴシック"/>
+              </a:rPr>
+              <a:t>	</a:t>
+            </a:r>
+            <a:r>
+              <a:rPr b="0" lang="ca-ES" sz="2000" spc="-1" strike="noStrike">
+                <a:solidFill>
+                  <a:srgbClr val="0059a2"/>
+                </a:solidFill>
+                <a:latin typeface="Arial"/>
+                <a:ea typeface="ＭＳ Ｐゴシック"/>
+              </a:rPr>
+              <a:t>Authors contribution, use CRediT rules </a:t>
+            </a:r>
+            <a:r>
+              <a:rPr b="0" lang="ca-ES" sz="2000" spc="-1" strike="noStrike" u="sng">
+                <a:solidFill>
+                  <a:srgbClr val="0000ff"/>
+                </a:solidFill>
+                <a:uFillTx/>
+                <a:latin typeface="Arial"/>
+                <a:ea typeface="ＭＳ Ｐゴシック"/>
+                <a:hlinkClick r:id="rId1"/>
+              </a:rPr>
+              <a:t>https://www.elsevier.com/authors/policies-and-guidelines/credit-author-statement</a:t>
+            </a:r>
+            <a:r>
+              <a:rPr b="0" lang="ca-ES" sz="2000" spc="-1" strike="noStrike">
+                <a:solidFill>
+                  <a:srgbClr val="0059a2"/>
+                </a:solidFill>
+                <a:latin typeface="Arial"/>
+                <a:ea typeface="ＭＳ Ｐゴシック"/>
+              </a:rPr>
+              <a:t>  </a:t>
+            </a:r>
+            <a:endParaRPr b="0" lang="es-ES" sz="2000" spc="-1" strike="noStrike">
+              <a:latin typeface="Arial"/>
+            </a:endParaRPr>
+          </a:p>
+          <a:p>
+            <a:pPr>
+              <a:lnSpc>
+                <a:spcPct val="100000"/>
+              </a:lnSpc>
+              <a:tabLst>
+                <a:tab algn="l" pos="0"/>
+              </a:tabLst>
+            </a:pPr>
+            <a:r>
+              <a:rPr b="0" lang="ca-ES" sz="2000" spc="-1" strike="noStrike">
+                <a:solidFill>
+                  <a:srgbClr val="0059a2"/>
+                </a:solidFill>
+                <a:latin typeface="Arial"/>
+                <a:ea typeface="ＭＳ Ｐゴシック"/>
+              </a:rPr>
+              <a:t>	</a:t>
+            </a:r>
+            <a:r>
+              <a:rPr b="0" lang="ca-ES" sz="2000" spc="-1" strike="noStrike">
+                <a:solidFill>
+                  <a:srgbClr val="0059a2"/>
+                </a:solidFill>
+                <a:latin typeface="Arial"/>
+                <a:ea typeface="ＭＳ Ｐゴシック"/>
+              </a:rPr>
+              <a:t>•</a:t>
+            </a:r>
+            <a:r>
+              <a:rPr b="0" lang="ca-ES" sz="2000" spc="-1" strike="noStrike">
+                <a:solidFill>
+                  <a:srgbClr val="0059a2"/>
+                </a:solidFill>
+                <a:latin typeface="Arial"/>
+                <a:ea typeface="ＭＳ Ｐゴシック"/>
+              </a:rPr>
+              <a:t>	</a:t>
+            </a:r>
+            <a:r>
+              <a:rPr b="0" lang="ca-ES" sz="2000" spc="-1" strike="noStrike">
+                <a:solidFill>
+                  <a:srgbClr val="0059a2"/>
+                </a:solidFill>
+                <a:latin typeface="Arial"/>
+                <a:ea typeface="ＭＳ Ｐゴシック"/>
+              </a:rPr>
+              <a:t>Code and data availability description</a:t>
+            </a:r>
+            <a:endParaRPr b="0" lang="es-ES" sz="2000" spc="-1" strike="noStrike">
+              <a:latin typeface="Arial"/>
+            </a:endParaRPr>
+          </a:p>
+          <a:p>
+            <a:pPr>
+              <a:lnSpc>
+                <a:spcPct val="100000"/>
+              </a:lnSpc>
+              <a:tabLst>
+                <a:tab algn="l" pos="0"/>
+              </a:tabLst>
+            </a:pPr>
+            <a:r>
+              <a:rPr b="0" lang="ca-ES" sz="2000" spc="-1" strike="noStrike">
+                <a:solidFill>
+                  <a:srgbClr val="0059a2"/>
+                </a:solidFill>
+                <a:latin typeface="Arial"/>
+                <a:ea typeface="ＭＳ Ｐゴシック"/>
+              </a:rPr>
+              <a:t>	</a:t>
+            </a:r>
+            <a:r>
+              <a:rPr b="0" lang="ca-ES" sz="2000" spc="-1" strike="noStrike">
+                <a:solidFill>
+                  <a:srgbClr val="0059a2"/>
+                </a:solidFill>
+                <a:latin typeface="Arial"/>
+                <a:ea typeface="ＭＳ Ｐゴシック"/>
+              </a:rPr>
+              <a:t>•</a:t>
+            </a:r>
+            <a:r>
+              <a:rPr b="0" lang="ca-ES" sz="2000" spc="-1" strike="noStrike">
+                <a:solidFill>
+                  <a:srgbClr val="0059a2"/>
+                </a:solidFill>
+                <a:latin typeface="Arial"/>
+                <a:ea typeface="ＭＳ Ｐゴシック"/>
+              </a:rPr>
+              <a:t>	</a:t>
+            </a:r>
+            <a:r>
+              <a:rPr b="0" lang="ca-ES" sz="2000" spc="-1" strike="noStrike">
+                <a:solidFill>
+                  <a:srgbClr val="0059a2"/>
+                </a:solidFill>
+                <a:latin typeface="Arial"/>
+                <a:ea typeface="ＭＳ Ｐゴシック"/>
+              </a:rPr>
+              <a:t>Other aspects such as ethical aspects</a:t>
+            </a:r>
+            <a:endParaRPr b="0" lang="es-ES" sz="2000" spc="-1" strike="noStrike">
+              <a:latin typeface="Arial"/>
+            </a:endParaRPr>
+          </a:p>
+        </p:txBody>
+      </p:sp>
+      <p:sp>
+        <p:nvSpPr>
+          <p:cNvPr id="93" name="CustomShape 5"/>
+          <p:cNvSpPr/>
+          <p:nvPr/>
+        </p:nvSpPr>
+        <p:spPr>
+          <a:xfrm>
+            <a:off x="8610480" y="6356520"/>
+            <a:ext cx="244800" cy="363600"/>
+          </a:xfrm>
+          <a:prstGeom prst="rect">
+            <a:avLst/>
+          </a:prstGeom>
+          <a:noFill/>
+          <a:ln>
+            <a:noFill/>
+          </a:ln>
+        </p:spPr>
+        <p:style>
+          <a:lnRef idx="0"/>
+          <a:fillRef idx="0"/>
+          <a:effectRef idx="0"/>
+          <a:fontRef idx="minor"/>
+        </p:style>
+        <p:txBody>
+          <a:bodyPr lIns="0" rIns="0" tIns="0" bIns="0">
+            <a:noAutofit/>
+          </a:bodyPr>
+          <a:p>
+            <a:pPr algn="r">
+              <a:lnSpc>
+                <a:spcPct val="100000"/>
+              </a:lnSpc>
+            </a:pPr>
+            <a:fld id="{7A3DF529-09F8-4AB7-B447-65EA5A0794D3}" type="slidenum">
+              <a:rPr b="0" lang="es-ES_tradnl" sz="800" spc="-1" strike="noStrike">
+                <a:solidFill>
+                  <a:srgbClr val="000000"/>
+                </a:solidFill>
+                <a:latin typeface="Arial"/>
+                <a:ea typeface="ＭＳ Ｐゴシック"/>
+              </a:rPr>
+              <a:t>&lt;número&gt;</a:t>
+            </a:fld>
+            <a:endParaRPr b="0" lang="es-ES" sz="800" spc="-1" strike="noStrike">
+              <a:latin typeface="Arial"/>
+            </a:endParaRPr>
+          </a:p>
+        </p:txBody>
+      </p:sp>
+    </p:spTree>
+  </p:cSld>
+  <mc:AlternateContent>
+    <mc:Choice Requires="p14">
+      <p:transition spd="slow" p14:dur="2000"/>
+    </mc:Choice>
+    <mc:Fallback>
+      <p:transition spd="slow"/>
+    </mc:Fallback>
+  </mc:AlternateContent>
+</p:sld>
+</file>
+
+<file path=ppt/slides/slide4.xml><?xml version="1.0" encoding="utf-8"?>
+<p:sld xmlns:a="http://schemas.openxmlformats.org/drawingml/2006/main" xmlns:p="http://schemas.openxmlformats.org/presentationml/2006/main" xmlns:r="http://schemas.openxmlformats.org/officeDocument/2006/relationships" xmlns:p14="http://schemas.microsoft.com/office/powerpoint/2010/main" xmlns:p15="http://schemas.microsoft.com/office/powerpoint/2012/main" xmlns:mc="http://schemas.openxmlformats.org/markup-compatibility/2006">
+  <p:cSld>
+    <p:spTree>
+      <p:nvGrpSpPr>
+        <p:cNvPr id="1" name=""/>
+        <p:cNvGrpSpPr/>
+        <p:nvPr/>
+      </p:nvGrpSpPr>
+      <p:grpSpPr>
+        <a:xfrm>
+          <a:off x="0" y="0"/>
+          <a:ext cx="0" cy="0"/>
+          <a:chOff x="0" y="0"/>
+          <a:chExt cx="0" cy="0"/>
+        </a:xfrm>
+      </p:grpSpPr>
+      <p:sp>
+        <p:nvSpPr>
+          <p:cNvPr id="94" name="CustomShape 1"/>
+          <p:cNvSpPr/>
+          <p:nvPr/>
+        </p:nvSpPr>
+        <p:spPr>
+          <a:xfrm>
+            <a:off x="287280" y="417600"/>
+            <a:ext cx="5196960" cy="114480"/>
+          </a:xfrm>
+          <a:prstGeom prst="rect">
+            <a:avLst/>
+          </a:prstGeom>
+          <a:noFill/>
+          <a:ln>
+            <a:noFill/>
+          </a:ln>
+        </p:spPr>
+        <p:style>
+          <a:lnRef idx="0"/>
+          <a:fillRef idx="0"/>
+          <a:effectRef idx="0"/>
+          <a:fontRef idx="minor"/>
+        </p:style>
+        <p:txBody>
+          <a:bodyPr lIns="0" rIns="0" tIns="0" bIns="0">
+            <a:noAutofit/>
+          </a:bodyPr>
+          <a:p>
+            <a:pPr marL="343080" indent="-341640">
+              <a:lnSpc>
+                <a:spcPts val="1001"/>
+              </a:lnSpc>
+              <a:tabLst>
+                <a:tab algn="l" pos="0"/>
+              </a:tabLst>
+            </a:pPr>
+            <a:r>
+              <a:rPr b="1" lang="es-ES" sz="800" spc="-1" strike="noStrike">
+                <a:solidFill>
+                  <a:srgbClr val="000000"/>
+                </a:solidFill>
+                <a:latin typeface="Arial"/>
+                <a:ea typeface="ＭＳ Ｐゴシック"/>
+              </a:rPr>
+              <a:t>MSc Physics of Complex Systems </a:t>
+            </a:r>
+            <a:r>
+              <a:rPr b="1" lang="es-ES" sz="800" spc="-1" strike="noStrike">
+                <a:solidFill>
+                  <a:srgbClr val="000000"/>
+                </a:solidFill>
+                <a:latin typeface="Arial"/>
+                <a:ea typeface="ＭＳ Ｐゴシック"/>
+              </a:rPr>
+              <a:t>and Biophysics</a:t>
+            </a:r>
+            <a:endParaRPr b="0" lang="es-ES" sz="800" spc="-1" strike="noStrike">
+              <a:latin typeface="Arial"/>
+            </a:endParaRPr>
+          </a:p>
+          <a:p>
+            <a:pPr marL="343080" indent="-341640">
+              <a:lnSpc>
+                <a:spcPts val="1001"/>
+              </a:lnSpc>
+              <a:tabLst>
+                <a:tab algn="l" pos="0"/>
+              </a:tabLst>
+            </a:pPr>
+            <a:endParaRPr b="0" lang="es-ES" sz="800" spc="-1" strike="noStrike">
+              <a:latin typeface="Arial"/>
+            </a:endParaRPr>
+          </a:p>
+        </p:txBody>
+      </p:sp>
+      <p:sp>
+        <p:nvSpPr>
+          <p:cNvPr id="95" name="CustomShape 2"/>
+          <p:cNvSpPr/>
+          <p:nvPr/>
+        </p:nvSpPr>
+        <p:spPr>
+          <a:xfrm>
+            <a:off x="287280" y="536400"/>
+            <a:ext cx="5196960" cy="227160"/>
+          </a:xfrm>
+          <a:prstGeom prst="rect">
+            <a:avLst/>
+          </a:prstGeom>
+          <a:noFill/>
+          <a:ln>
+            <a:noFill/>
+          </a:ln>
+        </p:spPr>
+        <p:style>
+          <a:lnRef idx="0"/>
+          <a:fillRef idx="0"/>
+          <a:effectRef idx="0"/>
+          <a:fontRef idx="minor"/>
+        </p:style>
+        <p:txBody>
+          <a:bodyPr lIns="0" rIns="0" tIns="0" bIns="0">
+            <a:noAutofit/>
+          </a:bodyPr>
+          <a:p>
+            <a:pPr marL="343080" indent="-341640">
+              <a:lnSpc>
+                <a:spcPct val="100000"/>
+              </a:lnSpc>
+              <a:spcBef>
+                <a:spcPts val="159"/>
+              </a:spcBef>
+              <a:tabLst>
+                <a:tab algn="l" pos="0"/>
+              </a:tabLst>
+            </a:pPr>
+            <a:r>
+              <a:rPr b="0" lang="es-ES" sz="800" spc="-1" strike="noStrike">
+                <a:solidFill>
+                  <a:srgbClr val="000000"/>
+                </a:solidFill>
+                <a:latin typeface="Arial"/>
+                <a:ea typeface="ＭＳ Ｐゴシック"/>
+              </a:rPr>
+              <a:t>Analysis and Visualization of Big Data </a:t>
+            </a:r>
+            <a:r>
+              <a:rPr b="0" lang="es-ES" sz="800" spc="-1" strike="noStrike">
+                <a:solidFill>
+                  <a:srgbClr val="000000"/>
+                </a:solidFill>
+                <a:latin typeface="Arial"/>
+                <a:ea typeface="ＭＳ Ｐゴシック"/>
+              </a:rPr>
+              <a:t>– Final Presentation - </a:t>
+            </a:r>
+            <a:r>
+              <a:rPr b="0" lang="es-ES" sz="800" spc="-1" strike="noStrike">
+                <a:solidFill>
+                  <a:srgbClr val="000000"/>
+                </a:solidFill>
+                <a:highlight>
+                  <a:srgbClr val="ffff00"/>
+                </a:highlight>
+                <a:latin typeface="Arial"/>
+                <a:ea typeface="ＭＳ Ｐゴシック"/>
+              </a:rPr>
+              <a:t>Title</a:t>
+            </a:r>
+            <a:endParaRPr b="0" lang="es-ES" sz="800" spc="-1" strike="noStrike">
+              <a:latin typeface="Arial"/>
+            </a:endParaRPr>
+          </a:p>
+        </p:txBody>
+      </p:sp>
+      <p:sp>
+        <p:nvSpPr>
+          <p:cNvPr id="96" name="CustomShape 3"/>
+          <p:cNvSpPr/>
+          <p:nvPr/>
+        </p:nvSpPr>
+        <p:spPr>
+          <a:xfrm>
+            <a:off x="283320" y="1143000"/>
+            <a:ext cx="8566560" cy="455760"/>
+          </a:xfrm>
+          <a:prstGeom prst="rect">
+            <a:avLst/>
+          </a:prstGeom>
+          <a:noFill/>
+          <a:ln>
+            <a:noFill/>
+          </a:ln>
+        </p:spPr>
+        <p:style>
+          <a:lnRef idx="0"/>
+          <a:fillRef idx="0"/>
+          <a:effectRef idx="0"/>
+          <a:fontRef idx="minor"/>
+        </p:style>
+        <p:txBody>
+          <a:bodyPr lIns="0" rIns="0" tIns="0" bIns="0">
+            <a:noAutofit/>
+          </a:bodyPr>
+          <a:p>
+            <a:pPr>
+              <a:lnSpc>
+                <a:spcPct val="100000"/>
+              </a:lnSpc>
+            </a:pPr>
+            <a:r>
+              <a:rPr b="1" lang="es-ES" sz="2400" spc="-1" strike="noStrike">
+                <a:solidFill>
+                  <a:srgbClr val="0059a2"/>
+                </a:solidFill>
+                <a:latin typeface="Arial"/>
+                <a:ea typeface="ＭＳ Ｐゴシック"/>
+              </a:rPr>
+              <a:t>Data </a:t>
+            </a:r>
+            <a:r>
+              <a:rPr b="1" lang="es-ES" sz="2400" spc="-1" strike="noStrike">
+                <a:solidFill>
+                  <a:srgbClr val="0059a2"/>
+                </a:solidFill>
+                <a:latin typeface="Arial"/>
+                <a:ea typeface="ＭＳ Ｐゴシック"/>
+              </a:rPr>
+              <a:t>Managemen</a:t>
+            </a:r>
+            <a:r>
+              <a:rPr b="1" lang="es-ES" sz="2400" spc="-1" strike="noStrike">
+                <a:solidFill>
+                  <a:srgbClr val="0059a2"/>
+                </a:solidFill>
+                <a:latin typeface="Arial"/>
+                <a:ea typeface="ＭＳ Ｐゴシック"/>
+              </a:rPr>
+              <a:t>t Plan</a:t>
+            </a:r>
+            <a:endParaRPr b="0" lang="es-ES" sz="2400" spc="-1" strike="noStrike">
+              <a:latin typeface="Arial"/>
+            </a:endParaRPr>
+          </a:p>
+        </p:txBody>
+      </p:sp>
+      <p:graphicFrame>
+        <p:nvGraphicFramePr>
+          <p:cNvPr id="97" name="Table 4"/>
+          <p:cNvGraphicFramePr/>
+          <p:nvPr/>
+        </p:nvGraphicFramePr>
+        <p:xfrm>
+          <a:off x="432000" y="1800000"/>
+          <a:ext cx="8207640" cy="4464000"/>
+        </p:xfrm>
+        <a:graphic>
+          <a:graphicData uri="http://schemas.openxmlformats.org/drawingml/2006/table">
+            <a:tbl>
+              <a:tblPr/>
+              <a:tblGrid>
+                <a:gridCol w="1924200"/>
+                <a:gridCol w="6283440"/>
+              </a:tblGrid>
+              <a:tr h="868320">
+                <a:tc>
+                  <a:txBody>
+                    <a:bodyPr lIns="90000" rIns="90000" tIns="46800" bIns="46800" anchor="ctr">
+                      <a:noAutofit/>
+                    </a:bodyPr>
+                    <a:p>
+                      <a:pPr algn="ctr">
+                        <a:lnSpc>
+                          <a:spcPct val="100000"/>
+                        </a:lnSpc>
+                      </a:pPr>
+                      <a:r>
+                        <a:rPr b="0" lang="en-GB" sz="1200" spc="-1" strike="noStrike">
+                          <a:latin typeface="Arial"/>
+                        </a:rPr>
+                        <a:t>Data summary</a:t>
+                      </a:r>
+                      <a:endParaRPr b="0" lang="en-GB" sz="1200" spc="-1" strike="noStrike">
+                        <a:latin typeface="Arial"/>
+                      </a:endParaRPr>
+                    </a:p>
+                  </a:txBody>
+                  <a:tcPr marL="90000" marR="90000">
+                    <a:lnL w="720">
+                      <a:solidFill>
+                        <a:srgbClr val="ffffff"/>
+                      </a:solidFill>
+                    </a:lnL>
+                    <a:lnR w="720">
+                      <a:solidFill>
+                        <a:srgbClr val="ffffff"/>
+                      </a:solidFill>
+                    </a:lnR>
+                    <a:lnT w="720">
+                      <a:solidFill>
+                        <a:srgbClr val="ffffff"/>
+                      </a:solidFill>
+                    </a:lnT>
+                    <a:lnB w="720">
+                      <a:solidFill>
+                        <a:srgbClr val="ffffff"/>
+                      </a:solidFill>
+                    </a:lnB>
+                    <a:solidFill>
+                      <a:srgbClr val="b3b3b3"/>
+                    </a:solidFill>
+                  </a:tcPr>
+                </a:tc>
+                <a:tc>
+                  <a:txBody>
+                    <a:bodyPr lIns="90000" rIns="90000" tIns="46800" bIns="46800" anchor="ctr">
+                      <a:noAutofit/>
+                    </a:bodyPr>
+                    <a:p>
+                      <a:pPr algn="just">
+                        <a:lnSpc>
+                          <a:spcPct val="100000"/>
+                        </a:lnSpc>
+                      </a:pPr>
+                      <a:r>
+                        <a:rPr b="0" lang="en-GB" sz="1200" spc="-1" strike="noStrike">
+                          <a:latin typeface="Arial"/>
+                        </a:rPr>
+                        <a:t>The data collects all the </a:t>
+                      </a:r>
+                      <a:r>
+                        <a:rPr b="0" lang="en-GB" sz="1200" spc="-1" strike="noStrike">
+                          <a:latin typeface="Arial"/>
+                        </a:rPr>
+                        <a:t>new cases of migrant </a:t>
+                      </a:r>
+                      <a:r>
+                        <a:rPr b="0" lang="en-GB" sz="1200" spc="-1" strike="noStrike">
+                          <a:latin typeface="Arial"/>
+                        </a:rPr>
+                        <a:t>children and young </a:t>
+                      </a:r>
+                      <a:r>
+                        <a:rPr b="0" lang="en-GB" sz="1200" spc="-1" strike="noStrike">
+                          <a:latin typeface="Arial"/>
+                        </a:rPr>
+                        <a:t>people who have arrived </a:t>
+                      </a:r>
+                      <a:r>
+                        <a:rPr b="0" lang="en-GB" sz="1200" spc="-1" strike="noStrike">
+                          <a:latin typeface="Arial"/>
+                        </a:rPr>
+                        <a:t>in Catalonia since 2015 </a:t>
+                      </a:r>
+                      <a:r>
+                        <a:rPr b="0" lang="en-GB" sz="1200" spc="-1" strike="noStrike">
+                          <a:latin typeface="Arial"/>
+                        </a:rPr>
+                        <a:t>and hosted by “sistema </a:t>
+                      </a:r>
+                      <a:r>
+                        <a:rPr b="0" lang="en-GB" sz="1200" spc="-1" strike="noStrike">
+                          <a:latin typeface="Arial"/>
+                        </a:rPr>
+                        <a:t>català de protecció a la </a:t>
+                      </a:r>
+                      <a:r>
+                        <a:rPr b="0" lang="en-GB" sz="1200" spc="-1" strike="noStrike">
+                          <a:latin typeface="Arial"/>
+                        </a:rPr>
+                        <a:t>infància i l'adolescència”. </a:t>
+                      </a:r>
+                      <a:r>
+                        <a:rPr b="0" lang="en-GB" sz="1200" spc="-1" strike="noStrike">
+                          <a:latin typeface="Arial"/>
+                        </a:rPr>
+                        <a:t>The data contain the </a:t>
+                      </a:r>
+                      <a:r>
+                        <a:rPr b="0" lang="en-GB" sz="1200" spc="-1" strike="noStrike">
+                          <a:latin typeface="Arial"/>
+                        </a:rPr>
+                        <a:t>migrant birth date, the </a:t>
+                      </a:r>
+                      <a:r>
+                        <a:rPr b="0" lang="en-GB" sz="1200" spc="-1" strike="noStrike">
+                          <a:latin typeface="Arial"/>
+                        </a:rPr>
+                        <a:t>year of entry, the origin, </a:t>
+                      </a:r>
+                      <a:r>
+                        <a:rPr b="0" lang="en-GB" sz="1200" spc="-1" strike="noStrike">
+                          <a:latin typeface="Arial"/>
+                        </a:rPr>
+                        <a:t>the destination, and the </a:t>
+                      </a:r>
+                      <a:r>
+                        <a:rPr b="0" lang="en-GB" sz="1200" spc="-1" strike="noStrike">
+                          <a:latin typeface="Arial"/>
+                        </a:rPr>
+                        <a:t>gender.</a:t>
+                      </a:r>
+                      <a:endParaRPr b="0" lang="en-GB" sz="1200" spc="-1" strike="noStrike">
+                        <a:latin typeface="Arial"/>
+                      </a:endParaRPr>
+                    </a:p>
+                  </a:txBody>
+                  <a:tcPr marL="90000" marR="90000">
+                    <a:lnL w="720">
+                      <a:solidFill>
+                        <a:srgbClr val="ffffff"/>
+                      </a:solidFill>
+                    </a:lnL>
+                    <a:lnR w="720">
+                      <a:solidFill>
+                        <a:srgbClr val="ffffff"/>
+                      </a:solidFill>
+                    </a:lnR>
+                    <a:lnT w="720">
+                      <a:solidFill>
+                        <a:srgbClr val="ffffff"/>
+                      </a:solidFill>
+                    </a:lnT>
+                    <a:lnB w="720">
+                      <a:solidFill>
+                        <a:srgbClr val="ffffff"/>
+                      </a:solidFill>
+                    </a:lnB>
+                    <a:solidFill>
+                      <a:srgbClr val="b3b3b3"/>
+                    </a:solidFill>
+                  </a:tcPr>
+                </a:tc>
+              </a:tr>
+              <a:tr h="1240200">
+                <a:tc>
+                  <a:txBody>
+                    <a:bodyPr lIns="90000" rIns="90000" tIns="46800" bIns="46800" anchor="ctr">
+                      <a:noAutofit/>
+                    </a:bodyPr>
+                    <a:p>
+                      <a:pPr algn="ctr">
+                        <a:lnSpc>
+                          <a:spcPct val="100000"/>
+                        </a:lnSpc>
+                      </a:pPr>
+                      <a:r>
+                        <a:rPr b="0" lang="en-GB" sz="1200" spc="-1" strike="noStrike">
+                          <a:latin typeface="Arial"/>
+                        </a:rPr>
+                        <a:t>FAIR data</a:t>
+                      </a:r>
+                      <a:endParaRPr b="0" lang="en-GB" sz="1200" spc="-1" strike="noStrike">
+                        <a:latin typeface="Arial"/>
+                      </a:endParaRPr>
+                    </a:p>
+                  </a:txBody>
+                  <a:tcPr marL="90000" marR="90000">
+                    <a:lnL w="720">
+                      <a:solidFill>
+                        <a:srgbClr val="ffffff"/>
+                      </a:solidFill>
+                    </a:lnL>
+                    <a:lnR w="720">
+                      <a:solidFill>
+                        <a:srgbClr val="ffffff"/>
+                      </a:solidFill>
+                    </a:lnR>
+                    <a:lnT w="720">
+                      <a:solidFill>
+                        <a:srgbClr val="ffffff"/>
+                      </a:solidFill>
+                    </a:lnT>
+                    <a:lnB w="720">
+                      <a:solidFill>
+                        <a:srgbClr val="ffffff"/>
+                      </a:solidFill>
+                    </a:lnB>
+                    <a:solidFill>
+                      <a:srgbClr val="cccccc"/>
+                    </a:solidFill>
+                  </a:tcPr>
+                </a:tc>
+                <a:tc>
+                  <a:txBody>
+                    <a:bodyPr lIns="90000" rIns="90000" tIns="46800" bIns="46800" anchor="ctr">
+                      <a:noAutofit/>
+                    </a:bodyPr>
+                    <a:p>
+                      <a:pPr algn="just">
+                        <a:lnSpc>
+                          <a:spcPct val="100000"/>
+                        </a:lnSpc>
+                      </a:pPr>
+                      <a:r>
+                        <a:rPr b="0" lang="en-GB" sz="1200" spc="-1" strike="noStrike">
+                          <a:latin typeface="Arial"/>
+                        </a:rPr>
+                        <a:t>We provide two datasets. </a:t>
+                      </a:r>
+                      <a:r>
+                        <a:rPr b="0" lang="en-GB" sz="1200" spc="-1" strike="noStrike">
+                          <a:latin typeface="Arial"/>
+                        </a:rPr>
+                        <a:t>The first one consists in </a:t>
+                      </a:r>
+                      <a:r>
+                        <a:rPr b="0" lang="en-GB" sz="1200" spc="-1" strike="noStrike">
+                          <a:latin typeface="Arial"/>
+                        </a:rPr>
+                        <a:t>the raw data. The second </a:t>
+                      </a:r>
+                      <a:r>
+                        <a:rPr b="0" lang="en-GB" sz="1200" spc="-1" strike="noStrike">
+                          <a:latin typeface="Arial"/>
+                        </a:rPr>
+                        <a:t>one has been cleaned up </a:t>
+                      </a:r>
+                      <a:r>
+                        <a:rPr b="0" lang="en-GB" sz="1200" spc="-1" strike="noStrike">
+                          <a:latin typeface="Arial"/>
+                        </a:rPr>
+                        <a:t>sorting up the ages and </a:t>
+                      </a:r>
+                      <a:r>
+                        <a:rPr b="0" lang="en-GB" sz="1200" spc="-1" strike="noStrike">
+                          <a:latin typeface="Arial"/>
+                        </a:rPr>
+                        <a:t>using a correct format to </a:t>
+                      </a:r>
+                      <a:r>
+                        <a:rPr b="0" lang="en-GB" sz="1200" spc="-1" strike="noStrike">
+                          <a:latin typeface="Arial"/>
+                        </a:rPr>
+                        <a:t>the dates. Both are freely </a:t>
+                      </a:r>
+                      <a:r>
+                        <a:rPr b="0" lang="en-GB" sz="1200" spc="-1" strike="noStrike">
+                          <a:latin typeface="Arial"/>
+                        </a:rPr>
+                        <a:t>available in pandas </a:t>
+                      </a:r>
+                      <a:r>
+                        <a:rPr b="0" lang="en-GB" sz="1200" spc="-1" strike="noStrike">
+                          <a:latin typeface="Arial"/>
+                        </a:rPr>
+                        <a:t>dataframe format.</a:t>
+                      </a:r>
+                      <a:endParaRPr b="0" lang="en-GB" sz="1200" spc="-1" strike="noStrike">
+                        <a:latin typeface="Arial"/>
+                      </a:endParaRPr>
+                    </a:p>
+                    <a:p>
+                      <a:pPr algn="just">
+                        <a:lnSpc>
+                          <a:spcPct val="100000"/>
+                        </a:lnSpc>
+                      </a:pPr>
+                      <a:r>
+                        <a:rPr b="0" lang="en-GB" sz="1200" spc="-1" strike="noStrike">
+                          <a:latin typeface="Arial"/>
+                        </a:rPr>
+                        <a:t>Data is not interoperable </a:t>
+                      </a:r>
+                      <a:r>
+                        <a:rPr b="0" lang="en-GB" sz="1200" spc="-1" strike="noStrike">
+                          <a:latin typeface="Arial"/>
+                        </a:rPr>
+                        <a:t>because it consists of </a:t>
+                      </a:r>
+                      <a:r>
+                        <a:rPr b="0" lang="en-GB" sz="1200" spc="-1" strike="noStrike">
+                          <a:latin typeface="Arial"/>
+                        </a:rPr>
+                        <a:t>migration from Marroc, </a:t>
+                      </a:r>
+                      <a:r>
+                        <a:rPr b="0" lang="en-GB" sz="1200" spc="-1" strike="noStrike">
+                          <a:latin typeface="Arial"/>
+                        </a:rPr>
+                        <a:t>Magreb, Africa </a:t>
+                      </a:r>
+                      <a:r>
+                        <a:rPr b="0" lang="en-GB" sz="1200" spc="-1" strike="noStrike">
+                          <a:latin typeface="Arial"/>
+                        </a:rPr>
+                        <a:t>subsahariana or Others </a:t>
+                      </a:r>
+                      <a:r>
+                        <a:rPr b="0" lang="en-GB" sz="1200" spc="-1" strike="noStrike">
+                          <a:latin typeface="Arial"/>
+                        </a:rPr>
+                        <a:t>towards Catalonia, the </a:t>
+                      </a:r>
+                      <a:r>
+                        <a:rPr b="0" lang="en-GB" sz="1200" spc="-1" strike="noStrike">
+                          <a:latin typeface="Arial"/>
+                        </a:rPr>
+                        <a:t>migration form different </a:t>
+                      </a:r>
+                      <a:r>
+                        <a:rPr b="0" lang="en-GB" sz="1200" spc="-1" strike="noStrike">
+                          <a:latin typeface="Arial"/>
+                        </a:rPr>
+                        <a:t>origins or to different </a:t>
+                      </a:r>
+                      <a:r>
+                        <a:rPr b="0" lang="en-GB" sz="1200" spc="-1" strike="noStrike">
+                          <a:latin typeface="Arial"/>
+                        </a:rPr>
+                        <a:t>destinations should differ.</a:t>
+                      </a:r>
+                      <a:endParaRPr b="0" lang="en-GB" sz="1200" spc="-1" strike="noStrike">
+                        <a:latin typeface="Arial"/>
+                      </a:endParaRPr>
+                    </a:p>
+                  </a:txBody>
+                  <a:tcPr marL="90000" marR="90000">
+                    <a:lnL w="720">
+                      <a:solidFill>
+                        <a:srgbClr val="ffffff"/>
+                      </a:solidFill>
+                    </a:lnL>
+                    <a:lnR w="720">
+                      <a:solidFill>
+                        <a:srgbClr val="ffffff"/>
+                      </a:solidFill>
+                    </a:lnR>
+                    <a:lnT w="720">
+                      <a:solidFill>
+                        <a:srgbClr val="ffffff"/>
+                      </a:solidFill>
+                    </a:lnT>
+                    <a:lnB w="720">
+                      <a:solidFill>
+                        <a:srgbClr val="ffffff"/>
+                      </a:solidFill>
+                    </a:lnB>
+                    <a:solidFill>
+                      <a:srgbClr val="cccccc"/>
+                    </a:solidFill>
+                  </a:tcPr>
+                </a:tc>
+              </a:tr>
+              <a:tr h="681840">
+                <a:tc>
+                  <a:txBody>
+                    <a:bodyPr lIns="90000" rIns="90000" tIns="46800" bIns="46800" anchor="ctr">
+                      <a:noAutofit/>
+                    </a:bodyPr>
+                    <a:p>
+                      <a:pPr algn="ctr">
+                        <a:lnSpc>
+                          <a:spcPct val="100000"/>
+                        </a:lnSpc>
+                      </a:pPr>
+                      <a:r>
+                        <a:rPr b="0" lang="en-GB" sz="1200" spc="-1" strike="noStrike">
+                          <a:latin typeface="Arial"/>
+                        </a:rPr>
+                        <a:t>Allocation resources</a:t>
+                      </a:r>
+                      <a:endParaRPr b="0" lang="en-GB" sz="1200" spc="-1" strike="noStrike">
+                        <a:latin typeface="Arial"/>
+                      </a:endParaRPr>
+                    </a:p>
+                  </a:txBody>
+                  <a:tcPr marL="90000" marR="90000">
+                    <a:lnL w="720">
+                      <a:solidFill>
+                        <a:srgbClr val="ffffff"/>
+                      </a:solidFill>
+                    </a:lnL>
+                    <a:lnR w="720">
+                      <a:solidFill>
+                        <a:srgbClr val="ffffff"/>
+                      </a:solidFill>
+                    </a:lnR>
+                    <a:lnT w="720">
+                      <a:solidFill>
+                        <a:srgbClr val="ffffff"/>
+                      </a:solidFill>
+                    </a:lnT>
+                    <a:lnB w="720">
+                      <a:solidFill>
+                        <a:srgbClr val="ffffff"/>
+                      </a:solidFill>
+                    </a:lnB>
+                    <a:solidFill>
+                      <a:srgbClr val="e6e6e6"/>
+                    </a:solidFill>
+                  </a:tcPr>
+                </a:tc>
+                <a:tc>
+                  <a:txBody>
+                    <a:bodyPr lIns="90000" rIns="90000" tIns="46800" bIns="46800" anchor="ctr">
+                      <a:noAutofit/>
+                    </a:bodyPr>
+                    <a:p>
+                      <a:pPr algn="just">
+                        <a:lnSpc>
+                          <a:spcPct val="100000"/>
+                        </a:lnSpc>
+                      </a:pPr>
+                      <a:r>
+                        <a:rPr b="0" lang="en-GB" sz="1200" spc="-1" strike="noStrike">
+                          <a:latin typeface="Arial"/>
+                        </a:rPr>
+                        <a:t>The infrastructure is </a:t>
+                      </a:r>
+                      <a:r>
+                        <a:rPr b="0" lang="en-GB" sz="1200" spc="-1" strike="noStrike">
+                          <a:latin typeface="Arial"/>
+                        </a:rPr>
+                        <a:t>organized from “sistema </a:t>
+                      </a:r>
+                      <a:r>
+                        <a:rPr b="0" lang="en-GB" sz="1200" spc="-1" strike="noStrike">
+                          <a:latin typeface="Arial"/>
+                        </a:rPr>
+                        <a:t>català de protecció a la </a:t>
+                      </a:r>
+                      <a:r>
+                        <a:rPr b="0" lang="en-GB" sz="1200" spc="-1" strike="noStrike">
+                          <a:latin typeface="Arial"/>
+                        </a:rPr>
+                        <a:t>infància i l'adolescència” </a:t>
+                      </a:r>
+                      <a:r>
+                        <a:rPr b="0" lang="en-GB" sz="1200" spc="-1" strike="noStrike">
+                          <a:latin typeface="Arial"/>
+                        </a:rPr>
+                        <a:t>through different groups </a:t>
+                      </a:r>
+                      <a:r>
+                        <a:rPr b="0" lang="en-GB" sz="1200" spc="-1" strike="noStrike">
+                          <a:latin typeface="Arial"/>
+                        </a:rPr>
+                        <a:t>such as police, schools, </a:t>
+                      </a:r>
+                      <a:r>
+                        <a:rPr b="0" lang="en-GB" sz="1200" spc="-1" strike="noStrike">
+                          <a:latin typeface="Arial"/>
+                        </a:rPr>
+                        <a:t>hospitals, psychologists, </a:t>
+                      </a:r>
+                      <a:r>
+                        <a:rPr b="0" lang="en-GB" sz="1200" spc="-1" strike="noStrike">
+                          <a:latin typeface="Arial"/>
+                        </a:rPr>
+                        <a:t>and families*. All financed </a:t>
+                      </a:r>
+                      <a:r>
+                        <a:rPr b="0" lang="en-GB" sz="1200" spc="-1" strike="noStrike">
+                          <a:latin typeface="Arial"/>
+                        </a:rPr>
+                        <a:t>by the Government of </a:t>
+                      </a:r>
+                      <a:r>
+                        <a:rPr b="0" lang="en-GB" sz="1200" spc="-1" strike="noStrike">
+                          <a:latin typeface="Arial"/>
+                        </a:rPr>
+                        <a:t>Catalonia.</a:t>
+                      </a:r>
+                      <a:endParaRPr b="0" lang="en-GB" sz="1200" spc="-1" strike="noStrike">
+                        <a:latin typeface="Arial"/>
+                      </a:endParaRPr>
+                    </a:p>
+                  </a:txBody>
+                  <a:tcPr marL="90000" marR="90000">
+                    <a:lnL w="720">
+                      <a:solidFill>
+                        <a:srgbClr val="ffffff"/>
+                      </a:solidFill>
+                    </a:lnL>
+                    <a:lnR w="720">
+                      <a:solidFill>
+                        <a:srgbClr val="ffffff"/>
+                      </a:solidFill>
+                    </a:lnR>
+                    <a:lnT w="720">
+                      <a:solidFill>
+                        <a:srgbClr val="ffffff"/>
+                      </a:solidFill>
+                    </a:lnT>
+                    <a:lnB w="720">
+                      <a:solidFill>
+                        <a:srgbClr val="ffffff"/>
+                      </a:solidFill>
+                    </a:lnB>
+                    <a:solidFill>
+                      <a:srgbClr val="e6e6e6"/>
+                    </a:solidFill>
+                  </a:tcPr>
+                </a:tc>
+              </a:tr>
+              <a:tr h="681840">
+                <a:tc>
+                  <a:txBody>
+                    <a:bodyPr lIns="90000" rIns="90000" tIns="46800" bIns="46800" anchor="ctr">
+                      <a:noAutofit/>
+                    </a:bodyPr>
+                    <a:p>
+                      <a:pPr algn="ctr">
+                        <a:lnSpc>
+                          <a:spcPct val="100000"/>
+                        </a:lnSpc>
+                      </a:pPr>
+                      <a:r>
+                        <a:rPr b="0" lang="en-GB" sz="1200" spc="-1" strike="noStrike">
+                          <a:latin typeface="Arial"/>
+                        </a:rPr>
+                        <a:t>Data security</a:t>
+                      </a:r>
+                      <a:endParaRPr b="0" lang="en-GB" sz="1200" spc="-1" strike="noStrike">
+                        <a:latin typeface="Arial"/>
+                      </a:endParaRPr>
+                    </a:p>
+                  </a:txBody>
+                  <a:tcPr marL="90000" marR="90000">
+                    <a:lnL w="720">
+                      <a:solidFill>
+                        <a:srgbClr val="ffffff"/>
+                      </a:solidFill>
+                    </a:lnL>
+                    <a:lnR w="720">
+                      <a:solidFill>
+                        <a:srgbClr val="ffffff"/>
+                      </a:solidFill>
+                    </a:lnR>
+                    <a:lnT w="720">
+                      <a:solidFill>
+                        <a:srgbClr val="ffffff"/>
+                      </a:solidFill>
+                    </a:lnT>
+                    <a:lnB w="720">
+                      <a:solidFill>
+                        <a:srgbClr val="ffffff"/>
+                      </a:solidFill>
+                    </a:lnB>
+                    <a:solidFill>
+                      <a:srgbClr val="cccccc"/>
+                    </a:solidFill>
+                  </a:tcPr>
+                </a:tc>
+                <a:tc>
+                  <a:txBody>
+                    <a:bodyPr lIns="90000" rIns="90000" tIns="46800" bIns="46800" anchor="ctr">
+                      <a:noAutofit/>
+                    </a:bodyPr>
+                    <a:p>
+                      <a:pPr algn="just">
+                        <a:lnSpc>
+                          <a:spcPct val="100000"/>
+                        </a:lnSpc>
+                      </a:pPr>
+                      <a:r>
+                        <a:rPr b="0" lang="en-GB" sz="1200" spc="-1" strike="noStrike">
+                          <a:latin typeface="Arial"/>
+                        </a:rPr>
+                        <a:t>The clean data should be </a:t>
+                      </a:r>
+                      <a:r>
+                        <a:rPr b="0" lang="en-GB" sz="1200" spc="-1" strike="noStrike">
+                          <a:latin typeface="Arial"/>
+                        </a:rPr>
+                        <a:t>useful for future </a:t>
+                      </a:r>
+                      <a:r>
+                        <a:rPr b="0" lang="en-GB" sz="1200" spc="-1" strike="noStrike">
+                          <a:latin typeface="Arial"/>
+                        </a:rPr>
+                        <a:t>investigations and </a:t>
+                      </a:r>
+                      <a:r>
+                        <a:rPr b="0" lang="en-GB" sz="1200" spc="-1" strike="noStrike">
+                          <a:latin typeface="Arial"/>
+                        </a:rPr>
+                        <a:t>migration comparisons. It </a:t>
+                      </a:r>
+                      <a:r>
+                        <a:rPr b="0" lang="en-GB" sz="1200" spc="-1" strike="noStrike">
+                          <a:latin typeface="Arial"/>
+                        </a:rPr>
+                        <a:t>is stored in a github </a:t>
+                      </a:r>
+                      <a:r>
+                        <a:rPr b="0" lang="en-GB" sz="1200" spc="-1" strike="noStrike">
+                          <a:latin typeface="Arial"/>
+                        </a:rPr>
+                        <a:t>repository and in different </a:t>
+                      </a:r>
+                      <a:r>
+                        <a:rPr b="0" lang="en-GB" sz="1200" spc="-1" strike="noStrike">
+                          <a:latin typeface="Arial"/>
+                        </a:rPr>
+                        <a:t>hard disks. There is no </a:t>
+                      </a:r>
+                      <a:r>
+                        <a:rPr b="0" lang="en-GB" sz="1200" spc="-1" strike="noStrike">
+                          <a:latin typeface="Arial"/>
+                        </a:rPr>
+                        <a:t>personal information in </a:t>
+                      </a:r>
+                      <a:r>
+                        <a:rPr b="0" lang="en-GB" sz="1200" spc="-1" strike="noStrike">
+                          <a:latin typeface="Arial"/>
+                        </a:rPr>
+                        <a:t>the clean data. The raw </a:t>
+                      </a:r>
+                      <a:r>
+                        <a:rPr b="0" lang="en-GB" sz="1200" spc="-1" strike="noStrike">
+                          <a:latin typeface="Arial"/>
+                        </a:rPr>
+                        <a:t>data is stored locally in </a:t>
+                      </a:r>
+                      <a:r>
+                        <a:rPr b="0" lang="en-GB" sz="1200" spc="-1" strike="noStrike">
+                          <a:latin typeface="Arial"/>
+                        </a:rPr>
+                        <a:t>our devices.</a:t>
+                      </a:r>
+                      <a:endParaRPr b="0" lang="en-GB" sz="1200" spc="-1" strike="noStrike">
+                        <a:latin typeface="Arial"/>
+                      </a:endParaRPr>
+                    </a:p>
+                  </a:txBody>
+                  <a:tcPr marL="90000" marR="90000">
+                    <a:lnL w="720">
+                      <a:solidFill>
+                        <a:srgbClr val="ffffff"/>
+                      </a:solidFill>
+                    </a:lnL>
+                    <a:lnR w="720">
+                      <a:solidFill>
+                        <a:srgbClr val="ffffff"/>
+                      </a:solidFill>
+                    </a:lnR>
+                    <a:lnT w="720">
+                      <a:solidFill>
+                        <a:srgbClr val="ffffff"/>
+                      </a:solidFill>
+                    </a:lnT>
+                    <a:lnB w="720">
+                      <a:solidFill>
+                        <a:srgbClr val="ffffff"/>
+                      </a:solidFill>
+                    </a:lnB>
+                    <a:solidFill>
+                      <a:srgbClr val="cccccc"/>
+                    </a:solidFill>
+                  </a:tcPr>
+                </a:tc>
+              </a:tr>
+              <a:tr h="681840">
+                <a:tc>
+                  <a:txBody>
+                    <a:bodyPr lIns="90000" rIns="90000" tIns="46800" bIns="46800" anchor="ctr">
+                      <a:noAutofit/>
+                    </a:bodyPr>
+                    <a:p>
+                      <a:pPr algn="ctr">
+                        <a:lnSpc>
+                          <a:spcPct val="100000"/>
+                        </a:lnSpc>
+                      </a:pPr>
+                      <a:r>
+                        <a:rPr b="0" lang="en-GB" sz="1200" spc="-1" strike="noStrike">
+                          <a:latin typeface="Arial"/>
+                        </a:rPr>
+                        <a:t>Ethical aspects</a:t>
+                      </a:r>
+                      <a:endParaRPr b="0" lang="en-GB" sz="1200" spc="-1" strike="noStrike">
+                        <a:latin typeface="Arial"/>
+                      </a:endParaRPr>
+                    </a:p>
+                  </a:txBody>
+                  <a:tcPr marL="90000" marR="90000">
+                    <a:lnL w="720">
+                      <a:solidFill>
+                        <a:srgbClr val="ffffff"/>
+                      </a:solidFill>
+                    </a:lnL>
+                    <a:lnR w="720">
+                      <a:solidFill>
+                        <a:srgbClr val="ffffff"/>
+                      </a:solidFill>
+                    </a:lnR>
+                    <a:lnT w="720">
+                      <a:solidFill>
+                        <a:srgbClr val="ffffff"/>
+                      </a:solidFill>
+                    </a:lnT>
+                    <a:lnB w="720">
+                      <a:solidFill>
+                        <a:srgbClr val="ffffff"/>
+                      </a:solidFill>
+                    </a:lnB>
+                    <a:solidFill>
+                      <a:srgbClr val="e6e6e6"/>
+                    </a:solidFill>
+                  </a:tcPr>
+                </a:tc>
+                <a:tc>
+                  <a:txBody>
+                    <a:bodyPr lIns="90000" rIns="90000" tIns="46800" bIns="46800" anchor="ctr">
+                      <a:noAutofit/>
+                    </a:bodyPr>
+                    <a:p>
+                      <a:pPr algn="just">
+                        <a:lnSpc>
+                          <a:spcPct val="100000"/>
+                        </a:lnSpc>
+                      </a:pPr>
+                      <a:r>
+                        <a:rPr b="0" lang="en-GB" sz="1200" spc="-1" strike="noStrike">
+                          <a:latin typeface="Arial"/>
+                        </a:rPr>
+                        <a:t>Each child has an ID </a:t>
+                      </a:r>
+                      <a:r>
+                        <a:rPr b="0" lang="en-GB" sz="1200" spc="-1" strike="noStrike">
+                          <a:latin typeface="Arial"/>
+                        </a:rPr>
+                        <a:t>number that is not related </a:t>
+                      </a:r>
+                      <a:r>
+                        <a:rPr b="0" lang="en-GB" sz="1200" spc="-1" strike="noStrike">
+                          <a:latin typeface="Arial"/>
+                        </a:rPr>
+                        <a:t>to any personal </a:t>
+                      </a:r>
+                      <a:r>
+                        <a:rPr b="0" lang="en-GB" sz="1200" spc="-1" strike="noStrike">
+                          <a:latin typeface="Arial"/>
+                        </a:rPr>
+                        <a:t>information, is just a </a:t>
+                      </a:r>
+                      <a:r>
+                        <a:rPr b="0" lang="en-GB" sz="1200" spc="-1" strike="noStrike">
+                          <a:latin typeface="Arial"/>
+                        </a:rPr>
+                        <a:t>control parameter. The </a:t>
+                      </a:r>
+                      <a:r>
+                        <a:rPr b="0" lang="en-GB" sz="1200" spc="-1" strike="noStrike">
+                          <a:latin typeface="Arial"/>
+                        </a:rPr>
+                        <a:t>exact destination and </a:t>
+                      </a:r>
+                      <a:r>
+                        <a:rPr b="0" lang="en-GB" sz="1200" spc="-1" strike="noStrike">
+                          <a:latin typeface="Arial"/>
+                        </a:rPr>
+                        <a:t>origin of the migrant </a:t>
+                      </a:r>
+                      <a:r>
+                        <a:rPr b="0" lang="en-GB" sz="1200" spc="-1" strike="noStrike">
+                          <a:latin typeface="Arial"/>
+                        </a:rPr>
+                        <a:t>remains unknown both in </a:t>
+                      </a:r>
+                      <a:r>
+                        <a:rPr b="0" lang="en-GB" sz="1200" spc="-1" strike="noStrike">
+                          <a:latin typeface="Arial"/>
+                        </a:rPr>
+                        <a:t>raw data and clean data.</a:t>
+                      </a:r>
+                      <a:endParaRPr b="0" lang="en-GB" sz="1200" spc="-1" strike="noStrike">
+                        <a:latin typeface="Arial"/>
+                      </a:endParaRPr>
+                    </a:p>
+                  </a:txBody>
+                  <a:tcPr marL="90000" marR="90000">
+                    <a:lnL w="720">
+                      <a:solidFill>
+                        <a:srgbClr val="ffffff"/>
+                      </a:solidFill>
+                    </a:lnL>
+                    <a:lnR w="720">
+                      <a:solidFill>
+                        <a:srgbClr val="ffffff"/>
+                      </a:solidFill>
+                    </a:lnR>
+                    <a:lnT w="720">
+                      <a:solidFill>
+                        <a:srgbClr val="ffffff"/>
+                      </a:solidFill>
+                    </a:lnT>
+                    <a:lnB w="720">
+                      <a:solidFill>
+                        <a:srgbClr val="ffffff"/>
+                      </a:solidFill>
+                    </a:lnB>
+                    <a:solidFill>
+                      <a:srgbClr val="e6e6e6"/>
+                    </a:solidFill>
+                  </a:tcPr>
+                </a:tc>
+              </a:tr>
+              <a:tr h="309960">
+                <a:tc>
+                  <a:txBody>
+                    <a:bodyPr lIns="90000" rIns="90000" tIns="46800" bIns="46800" anchor="ctr">
+                      <a:noAutofit/>
+                    </a:bodyPr>
+                    <a:p>
+                      <a:pPr algn="ctr">
+                        <a:lnSpc>
+                          <a:spcPct val="100000"/>
+                        </a:lnSpc>
+                      </a:pPr>
+                      <a:r>
+                        <a:rPr b="0" lang="en-GB" sz="1200" spc="-1" strike="noStrike">
+                          <a:latin typeface="Arial"/>
+                        </a:rPr>
+                        <a:t>Other issues</a:t>
+                      </a:r>
+                      <a:endParaRPr b="0" lang="en-GB" sz="1200" spc="-1" strike="noStrike">
+                        <a:latin typeface="Arial"/>
+                      </a:endParaRPr>
+                    </a:p>
+                  </a:txBody>
+                  <a:tcPr marL="90000" marR="90000">
+                    <a:lnL w="720">
+                      <a:solidFill>
+                        <a:srgbClr val="ffffff"/>
+                      </a:solidFill>
+                    </a:lnL>
+                    <a:lnR w="720">
+                      <a:solidFill>
+                        <a:srgbClr val="ffffff"/>
+                      </a:solidFill>
+                    </a:lnR>
+                    <a:lnT w="720">
+                      <a:solidFill>
+                        <a:srgbClr val="ffffff"/>
+                      </a:solidFill>
+                    </a:lnT>
+                    <a:lnB w="720">
+                      <a:solidFill>
+                        <a:srgbClr val="ffffff"/>
+                      </a:solidFill>
+                    </a:lnB>
+                    <a:solidFill>
+                      <a:srgbClr val="cccccc"/>
+                    </a:solidFill>
+                  </a:tcPr>
+                </a:tc>
+                <a:tc>
+                  <a:tcPr marL="90000" marR="90000">
+                    <a:lnL w="720">
+                      <a:solidFill>
+                        <a:srgbClr val="ffffff"/>
+                      </a:solidFill>
+                    </a:lnL>
+                    <a:lnR w="720">
+                      <a:solidFill>
+                        <a:srgbClr val="ffffff"/>
+                      </a:solidFill>
+                    </a:lnR>
+                    <a:lnT w="720">
+                      <a:solidFill>
+                        <a:srgbClr val="ffffff"/>
+                      </a:solidFill>
+                    </a:lnT>
+                    <a:lnB w="720">
+                      <a:solidFill>
+                        <a:srgbClr val="ffffff"/>
+                      </a:solidFill>
+                    </a:lnB>
+                    <a:solidFill>
+                      <a:srgbClr val="cccccc"/>
+                    </a:solidFill>
+                  </a:tcPr>
+                </a:tc>
+              </a:tr>
+            </a:tbl>
+          </a:graphicData>
+        </a:graphic>
+      </p:graphicFrame>
+    </p:spTree>
+  </p:cSld>
+  <mc:AlternateContent>
+    <mc:Choice Requires="p14">
+      <p:transition spd="slow" p14:dur="2000"/>
+    </mc:Choice>
+    <mc:Fallback>
+      <p:transition spd="slow"/>
+    </mc:Fallback>
+  </mc:AlternateContent>
+</p:sld>
+</file>
+
+<file path=ppt/slides/slide5.xml><?xml version="1.0" encoding="utf-8"?>
+<p:sld xmlns:a="http://schemas.openxmlformats.org/drawingml/2006/main" xmlns:p="http://schemas.openxmlformats.org/presentationml/2006/main" xmlns:r="http://schemas.openxmlformats.org/officeDocument/2006/relationships" xmlns:p14="http://schemas.microsoft.com/office/powerpoint/2010/main" xmlns:p15="http://schemas.microsoft.com/office/powerpoint/2012/main" xmlns:mc="http://schemas.openxmlformats.org/markup-compatibility/2006">
+  <p:cSld>
+    <p:spTree>
+      <p:nvGrpSpPr>
+        <p:cNvPr id="1" name=""/>
+        <p:cNvGrpSpPr/>
+        <p:nvPr/>
+      </p:nvGrpSpPr>
+      <p:grpSpPr>
+        <a:xfrm>
+          <a:off x="0" y="0"/>
+          <a:ext cx="0" cy="0"/>
+          <a:chOff x="0" y="0"/>
+          <a:chExt cx="0" cy="0"/>
+        </a:xfrm>
+      </p:grpSpPr>
+      <p:sp>
+        <p:nvSpPr>
+          <p:cNvPr id="98" name="CustomShape 1"/>
+          <p:cNvSpPr/>
+          <p:nvPr/>
+        </p:nvSpPr>
+        <p:spPr>
+          <a:xfrm>
+            <a:off x="287280" y="417600"/>
+            <a:ext cx="5196960" cy="114480"/>
+          </a:xfrm>
+          <a:prstGeom prst="rect">
+            <a:avLst/>
+          </a:prstGeom>
+          <a:noFill/>
+          <a:ln>
+            <a:noFill/>
+          </a:ln>
+        </p:spPr>
+        <p:style>
+          <a:lnRef idx="0"/>
+          <a:fillRef idx="0"/>
+          <a:effectRef idx="0"/>
+          <a:fontRef idx="minor"/>
+        </p:style>
+        <p:txBody>
+          <a:bodyPr lIns="0" rIns="0" tIns="0" bIns="0">
+            <a:noAutofit/>
+          </a:bodyPr>
+          <a:p>
+            <a:pPr marL="343080" indent="-341640">
+              <a:lnSpc>
+                <a:spcPts val="1001"/>
+              </a:lnSpc>
+              <a:tabLst>
+                <a:tab algn="l" pos="0"/>
+              </a:tabLst>
+            </a:pPr>
+            <a:r>
+              <a:rPr b="1" lang="es-ES" sz="800" spc="-1" strike="noStrike">
+                <a:solidFill>
+                  <a:srgbClr val="000000"/>
+                </a:solidFill>
+                <a:latin typeface="Arial"/>
+                <a:ea typeface="ＭＳ Ｐゴシック"/>
+              </a:rPr>
+              <a:t>MSc Physics of Complex Systems </a:t>
+            </a:r>
+            <a:r>
+              <a:rPr b="1" lang="es-ES" sz="800" spc="-1" strike="noStrike">
+                <a:solidFill>
+                  <a:srgbClr val="000000"/>
+                </a:solidFill>
+                <a:latin typeface="Arial"/>
+                <a:ea typeface="ＭＳ Ｐゴシック"/>
+              </a:rPr>
+              <a:t>and Biophysics</a:t>
+            </a:r>
+            <a:endParaRPr b="0" lang="es-ES" sz="800" spc="-1" strike="noStrike">
+              <a:latin typeface="Arial"/>
+            </a:endParaRPr>
+          </a:p>
+          <a:p>
+            <a:pPr marL="343080" indent="-341640">
+              <a:lnSpc>
+                <a:spcPts val="1001"/>
+              </a:lnSpc>
+              <a:tabLst>
+                <a:tab algn="l" pos="0"/>
+              </a:tabLst>
+            </a:pPr>
+            <a:endParaRPr b="0" lang="es-ES" sz="800" spc="-1" strike="noStrike">
+              <a:latin typeface="Arial"/>
+            </a:endParaRPr>
+          </a:p>
+        </p:txBody>
+      </p:sp>
+      <p:sp>
+        <p:nvSpPr>
+          <p:cNvPr id="99" name="CustomShape 2"/>
+          <p:cNvSpPr/>
+          <p:nvPr/>
+        </p:nvSpPr>
+        <p:spPr>
+          <a:xfrm>
+            <a:off x="287280" y="536400"/>
+            <a:ext cx="5196960" cy="227160"/>
+          </a:xfrm>
+          <a:prstGeom prst="rect">
+            <a:avLst/>
+          </a:prstGeom>
+          <a:noFill/>
+          <a:ln>
+            <a:noFill/>
+          </a:ln>
+        </p:spPr>
+        <p:style>
+          <a:lnRef idx="0"/>
+          <a:fillRef idx="0"/>
+          <a:effectRef idx="0"/>
+          <a:fontRef idx="minor"/>
+        </p:style>
+        <p:txBody>
+          <a:bodyPr lIns="0" rIns="0" tIns="0" bIns="0">
+            <a:noAutofit/>
+          </a:bodyPr>
+          <a:p>
+            <a:pPr marL="343080" indent="-341640">
+              <a:lnSpc>
+                <a:spcPct val="100000"/>
+              </a:lnSpc>
+              <a:spcBef>
+                <a:spcPts val="159"/>
+              </a:spcBef>
+              <a:tabLst>
+                <a:tab algn="l" pos="0"/>
+              </a:tabLst>
+            </a:pPr>
+            <a:r>
+              <a:rPr b="0" lang="es-ES" sz="800" spc="-1" strike="noStrike">
+                <a:solidFill>
+                  <a:srgbClr val="000000"/>
+                </a:solidFill>
+                <a:latin typeface="Arial"/>
+                <a:ea typeface="ＭＳ Ｐゴシック"/>
+              </a:rPr>
+              <a:t>Analysis and Visualization of Big Data – Final Presentation - </a:t>
+            </a:r>
+            <a:r>
+              <a:rPr b="0" lang="es-ES" sz="800" spc="-1" strike="noStrike">
+                <a:solidFill>
+                  <a:srgbClr val="000000"/>
+                </a:solidFill>
+                <a:highlight>
+                  <a:srgbClr val="ffff00"/>
+                </a:highlight>
+                <a:latin typeface="Arial"/>
+                <a:ea typeface="ＭＳ Ｐゴシック"/>
+              </a:rPr>
+              <a:t>Title</a:t>
+            </a:r>
+            <a:endParaRPr b="0" lang="es-ES" sz="800" spc="-1" strike="noStrike">
+              <a:latin typeface="Arial"/>
+            </a:endParaRPr>
+          </a:p>
+        </p:txBody>
+      </p:sp>
+      <p:sp>
+        <p:nvSpPr>
+          <p:cNvPr id="100" name="CustomShape 3"/>
+          <p:cNvSpPr/>
+          <p:nvPr/>
+        </p:nvSpPr>
+        <p:spPr>
+          <a:xfrm>
+            <a:off x="283320" y="1143000"/>
+            <a:ext cx="8566560" cy="455760"/>
+          </a:xfrm>
+          <a:prstGeom prst="rect">
+            <a:avLst/>
+          </a:prstGeom>
+          <a:noFill/>
+          <a:ln>
+            <a:noFill/>
+          </a:ln>
+        </p:spPr>
+        <p:style>
+          <a:lnRef idx="0"/>
+          <a:fillRef idx="0"/>
+          <a:effectRef idx="0"/>
+          <a:fontRef idx="minor"/>
+        </p:style>
+        <p:txBody>
+          <a:bodyPr lIns="0" rIns="0" tIns="0" bIns="0">
+            <a:noAutofit/>
+          </a:bodyPr>
+          <a:p>
+            <a:pPr>
+              <a:lnSpc>
+                <a:spcPct val="100000"/>
+              </a:lnSpc>
+            </a:pPr>
+            <a:r>
+              <a:rPr b="1" lang="es-ES" sz="2400" spc="-1" strike="noStrike">
+                <a:solidFill>
+                  <a:srgbClr val="0059a2"/>
+                </a:solidFill>
+                <a:latin typeface="Arial"/>
+                <a:ea typeface="ＭＳ Ｐゴシック"/>
+              </a:rPr>
+              <a:t>Time-evolution graphics</a:t>
+            </a:r>
+            <a:endParaRPr b="0" lang="es-ES" sz="2400" spc="-1" strike="noStrike">
+              <a:latin typeface="Arial"/>
+            </a:endParaRPr>
+          </a:p>
+        </p:txBody>
+      </p:sp>
+      <p:sp>
+        <p:nvSpPr>
+          <p:cNvPr id="101" name="CustomShape 4"/>
+          <p:cNvSpPr/>
+          <p:nvPr/>
+        </p:nvSpPr>
+        <p:spPr>
+          <a:xfrm>
+            <a:off x="5427720" y="1944000"/>
+            <a:ext cx="3284280" cy="3489840"/>
+          </a:xfrm>
+          <a:prstGeom prst="rect">
+            <a:avLst/>
+          </a:prstGeom>
+          <a:solidFill>
+            <a:srgbClr val="ffffff"/>
+          </a:solidFill>
+          <a:ln>
+            <a:noFill/>
+          </a:ln>
+        </p:spPr>
+        <p:style>
+          <a:lnRef idx="0"/>
+          <a:fillRef idx="0"/>
+          <a:effectRef idx="0"/>
+          <a:fontRef idx="minor"/>
+        </p:style>
+        <p:txBody>
+          <a:bodyPr lIns="90000" rIns="90000" tIns="45000" bIns="45000">
+            <a:noAutofit/>
+          </a:bodyPr>
+          <a:p>
+            <a:pPr>
+              <a:lnSpc>
+                <a:spcPct val="100000"/>
+              </a:lnSpc>
+            </a:pPr>
+            <a:r>
+              <a:rPr b="0" lang="ca-ES" sz="2000" spc="-1" strike="noStrike">
+                <a:solidFill>
+                  <a:srgbClr val="0059a2"/>
+                </a:solidFill>
+                <a:latin typeface="Arial"/>
+                <a:ea typeface="ＭＳ Ｐゴシック"/>
+              </a:rPr>
+              <a:t>- Unusual territorial division</a:t>
+            </a:r>
+            <a:endParaRPr b="0" lang="es-ES" sz="2000" spc="-1" strike="noStrike">
+              <a:latin typeface="Arial"/>
+            </a:endParaRPr>
+          </a:p>
+          <a:p>
+            <a:pPr>
+              <a:lnSpc>
+                <a:spcPct val="100000"/>
+              </a:lnSpc>
+            </a:pPr>
+            <a:r>
+              <a:rPr b="0" lang="ca-ES" sz="2000" spc="-1" strike="noStrike">
+                <a:solidFill>
+                  <a:srgbClr val="0059a2"/>
+                </a:solidFill>
+                <a:latin typeface="Arial"/>
+                <a:ea typeface="ＭＳ Ｐゴシック"/>
+              </a:rPr>
+              <a:t>	</a:t>
+            </a:r>
+            <a:r>
+              <a:rPr b="0" lang="ca-ES" sz="2000" spc="-1" strike="noStrike">
+                <a:solidFill>
+                  <a:srgbClr val="0059a2"/>
+                </a:solidFill>
+                <a:latin typeface="Arial"/>
+                <a:ea typeface="ＭＳ Ｐゴシック"/>
+              </a:rPr>
+              <a:t>&gt; Mismatched regions</a:t>
+            </a:r>
+            <a:endParaRPr b="0" lang="es-ES" sz="2000" spc="-1" strike="noStrike">
+              <a:latin typeface="Arial"/>
+            </a:endParaRPr>
+          </a:p>
+          <a:p>
+            <a:pPr>
+              <a:lnSpc>
+                <a:spcPct val="100000"/>
+              </a:lnSpc>
+            </a:pPr>
+            <a:endParaRPr b="0" lang="es-ES" sz="2000" spc="-1" strike="noStrike">
+              <a:latin typeface="Arial"/>
+            </a:endParaRPr>
+          </a:p>
+          <a:p>
+            <a:pPr>
+              <a:lnSpc>
+                <a:spcPct val="100000"/>
+              </a:lnSpc>
+            </a:pPr>
+            <a:r>
+              <a:rPr b="0" lang="ca-ES" sz="2000" spc="-1" strike="noStrike">
+                <a:solidFill>
+                  <a:srgbClr val="0059a2"/>
+                </a:solidFill>
+                <a:latin typeface="Arial"/>
+                <a:ea typeface="ＭＳ Ｐゴシック"/>
+              </a:rPr>
+              <a:t>- Great influx to regions with Capital cities</a:t>
+            </a:r>
+            <a:endParaRPr b="0" lang="es-ES" sz="2000" spc="-1" strike="noStrike">
+              <a:latin typeface="Arial"/>
+            </a:endParaRPr>
+          </a:p>
+          <a:p>
+            <a:pPr>
+              <a:lnSpc>
+                <a:spcPct val="100000"/>
+              </a:lnSpc>
+            </a:pPr>
+            <a:endParaRPr b="0" lang="es-ES" sz="2000" spc="-1" strike="noStrike">
+              <a:latin typeface="Arial"/>
+            </a:endParaRPr>
+          </a:p>
+          <a:p>
+            <a:pPr>
+              <a:lnSpc>
+                <a:spcPct val="100000"/>
+              </a:lnSpc>
+            </a:pPr>
+            <a:r>
+              <a:rPr b="0" lang="ca-ES" sz="2000" spc="-1" strike="noStrike">
+                <a:solidFill>
+                  <a:srgbClr val="0059a2"/>
+                </a:solidFill>
+                <a:latin typeface="Arial"/>
+                <a:ea typeface="ＭＳ Ｐゴシック"/>
+              </a:rPr>
+              <a:t>- Connecting regions with more migrants</a:t>
+            </a:r>
+            <a:endParaRPr b="0" lang="es-ES" sz="2000" spc="-1" strike="noStrike">
+              <a:latin typeface="Arial"/>
+            </a:endParaRPr>
+          </a:p>
+          <a:p>
+            <a:pPr>
+              <a:lnSpc>
+                <a:spcPct val="100000"/>
+              </a:lnSpc>
+            </a:pPr>
+            <a:endParaRPr b="0" lang="es-ES" sz="2000" spc="-1" strike="noStrike">
+              <a:latin typeface="Arial"/>
+            </a:endParaRPr>
+          </a:p>
+          <a:p>
+            <a:pPr>
+              <a:lnSpc>
+                <a:spcPct val="100000"/>
+              </a:lnSpc>
+            </a:pPr>
+            <a:r>
+              <a:rPr b="0" lang="ca-ES" sz="2000" spc="-1" strike="noStrike">
+                <a:solidFill>
+                  <a:srgbClr val="0059a2"/>
+                </a:solidFill>
+                <a:latin typeface="Arial"/>
+                <a:ea typeface="ＭＳ Ｐゴシック"/>
+              </a:rPr>
+              <a:t>- Rural areas with less influx</a:t>
+            </a:r>
+            <a:endParaRPr b="0" lang="es-ES" sz="2000" spc="-1" strike="noStrike">
+              <a:latin typeface="Arial"/>
+            </a:endParaRPr>
+          </a:p>
+          <a:p>
+            <a:pPr>
+              <a:lnSpc>
+                <a:spcPct val="100000"/>
+              </a:lnSpc>
+            </a:pPr>
+            <a:endParaRPr b="0" lang="es-ES" sz="2000" spc="-1" strike="noStrike">
+              <a:latin typeface="Arial"/>
+            </a:endParaRPr>
+          </a:p>
+        </p:txBody>
+      </p:sp>
+    </p:spTree>
+  </p:cSld>
+  <mc:AlternateContent>
+    <mc:Choice Requires="p14">
+      <p:transition spd="slow" p14:dur="2000"/>
+    </mc:Choice>
+    <mc:Fallback>
+      <p:transition spd="slow"/>
+    </mc:Fallback>
+  </mc:AlternateContent>
+</p:sld>
+</file>
+
+<file path=ppt/slides/slide6.xml><?xml version="1.0" encoding="utf-8"?>
+<p:sld xmlns:a="http://schemas.openxmlformats.org/drawingml/2006/main" xmlns:p="http://schemas.openxmlformats.org/presentationml/2006/main" xmlns:r="http://schemas.openxmlformats.org/officeDocument/2006/relationships" xmlns:p14="http://schemas.microsoft.com/office/powerpoint/2010/main" xmlns:p15="http://schemas.microsoft.com/office/powerpoint/2012/main" xmlns:mc="http://schemas.openxmlformats.org/markup-compatibility/2006">
+  <p:cSld>
+    <p:spTree>
+      <p:nvGrpSpPr>
+        <p:cNvPr id="1" name=""/>
+        <p:cNvGrpSpPr/>
+        <p:nvPr/>
+      </p:nvGrpSpPr>
+      <p:grpSpPr>
+        <a:xfrm>
+          <a:off x="0" y="0"/>
+          <a:ext cx="0" cy="0"/>
+          <a:chOff x="0" y="0"/>
+          <a:chExt cx="0" cy="0"/>
+        </a:xfrm>
+      </p:grpSpPr>
+      <p:sp>
+        <p:nvSpPr>
+          <p:cNvPr id="102" name="CustomShape 1"/>
+          <p:cNvSpPr/>
+          <p:nvPr/>
+        </p:nvSpPr>
+        <p:spPr>
+          <a:xfrm>
+            <a:off x="287280" y="417600"/>
+            <a:ext cx="5196960" cy="114480"/>
+          </a:xfrm>
+          <a:prstGeom prst="rect">
+            <a:avLst/>
+          </a:prstGeom>
+          <a:noFill/>
+          <a:ln>
+            <a:noFill/>
+          </a:ln>
+        </p:spPr>
+        <p:style>
+          <a:lnRef idx="0"/>
+          <a:fillRef idx="0"/>
+          <a:effectRef idx="0"/>
+          <a:fontRef idx="minor"/>
+        </p:style>
+        <p:txBody>
+          <a:bodyPr lIns="0" rIns="0" tIns="0" bIns="0">
+            <a:noAutofit/>
+          </a:bodyPr>
+          <a:p>
+            <a:pPr marL="343080" indent="-341640">
+              <a:lnSpc>
+                <a:spcPts val="1001"/>
+              </a:lnSpc>
+              <a:tabLst>
+                <a:tab algn="l" pos="0"/>
+              </a:tabLst>
+            </a:pPr>
+            <a:r>
+              <a:rPr b="1" lang="es-ES" sz="800" spc="-1" strike="noStrike">
+                <a:solidFill>
+                  <a:srgbClr val="000000"/>
+                </a:solidFill>
+                <a:latin typeface="Arial"/>
+                <a:ea typeface="ＭＳ Ｐゴシック"/>
+              </a:rPr>
+              <a:t>MSc Physics of Complex Systems </a:t>
+            </a:r>
+            <a:r>
+              <a:rPr b="1" lang="es-ES" sz="800" spc="-1" strike="noStrike">
+                <a:solidFill>
+                  <a:srgbClr val="000000"/>
+                </a:solidFill>
+                <a:latin typeface="Arial"/>
+                <a:ea typeface="ＭＳ Ｐゴシック"/>
+              </a:rPr>
+              <a:t>and Biophysics</a:t>
+            </a:r>
+            <a:endParaRPr b="0" lang="es-ES" sz="800" spc="-1" strike="noStrike">
+              <a:latin typeface="Arial"/>
+            </a:endParaRPr>
+          </a:p>
+          <a:p>
+            <a:pPr marL="343080" indent="-341640">
+              <a:lnSpc>
+                <a:spcPts val="1001"/>
+              </a:lnSpc>
+              <a:tabLst>
+                <a:tab algn="l" pos="0"/>
+              </a:tabLst>
+            </a:pPr>
+            <a:endParaRPr b="0" lang="es-ES" sz="800" spc="-1" strike="noStrike">
+              <a:latin typeface="Arial"/>
+            </a:endParaRPr>
+          </a:p>
+        </p:txBody>
+      </p:sp>
+      <p:sp>
+        <p:nvSpPr>
+          <p:cNvPr id="103" name="CustomShape 2"/>
+          <p:cNvSpPr/>
+          <p:nvPr/>
+        </p:nvSpPr>
+        <p:spPr>
+          <a:xfrm>
+            <a:off x="287280" y="536400"/>
+            <a:ext cx="5196960" cy="227160"/>
+          </a:xfrm>
+          <a:prstGeom prst="rect">
+            <a:avLst/>
+          </a:prstGeom>
+          <a:noFill/>
+          <a:ln>
+            <a:noFill/>
+          </a:ln>
+        </p:spPr>
+        <p:style>
+          <a:lnRef idx="0"/>
+          <a:fillRef idx="0"/>
+          <a:effectRef idx="0"/>
+          <a:fontRef idx="minor"/>
+        </p:style>
+        <p:txBody>
+          <a:bodyPr lIns="0" rIns="0" tIns="0" bIns="0">
+            <a:noAutofit/>
+          </a:bodyPr>
+          <a:p>
+            <a:pPr marL="343080" indent="-341640">
+              <a:lnSpc>
+                <a:spcPct val="100000"/>
+              </a:lnSpc>
+              <a:spcBef>
+                <a:spcPts val="159"/>
+              </a:spcBef>
+              <a:tabLst>
+                <a:tab algn="l" pos="0"/>
+              </a:tabLst>
+            </a:pPr>
+            <a:r>
+              <a:rPr b="0" lang="es-ES" sz="800" spc="-1" strike="noStrike">
+                <a:solidFill>
+                  <a:srgbClr val="000000"/>
+                </a:solidFill>
+                <a:latin typeface="Arial"/>
+                <a:ea typeface="ＭＳ Ｐゴシック"/>
+              </a:rPr>
+              <a:t>Analysis and Visualization of Big Data </a:t>
+            </a:r>
+            <a:r>
+              <a:rPr b="0" lang="es-ES" sz="800" spc="-1" strike="noStrike">
+                <a:solidFill>
+                  <a:srgbClr val="000000"/>
+                </a:solidFill>
+                <a:latin typeface="Arial"/>
+                <a:ea typeface="ＭＳ Ｐゴシック"/>
+              </a:rPr>
+              <a:t>– Final Presentation - </a:t>
+            </a:r>
+            <a:r>
+              <a:rPr b="0" lang="es-ES" sz="800" spc="-1" strike="noStrike">
+                <a:solidFill>
+                  <a:srgbClr val="000000"/>
+                </a:solidFill>
+                <a:highlight>
+                  <a:srgbClr val="ffff00"/>
+                </a:highlight>
+                <a:latin typeface="Arial"/>
+                <a:ea typeface="ＭＳ Ｐゴシック"/>
+              </a:rPr>
+              <a:t>Title</a:t>
+            </a:r>
+            <a:endParaRPr b="0" lang="es-ES" sz="800" spc="-1" strike="noStrike">
+              <a:latin typeface="Arial"/>
+            </a:endParaRPr>
+          </a:p>
+        </p:txBody>
+      </p:sp>
+      <p:sp>
+        <p:nvSpPr>
+          <p:cNvPr id="104" name="CustomShape 3"/>
+          <p:cNvSpPr/>
+          <p:nvPr/>
+        </p:nvSpPr>
+        <p:spPr>
+          <a:xfrm>
+            <a:off x="278640" y="1143000"/>
+            <a:ext cx="8566560" cy="455760"/>
+          </a:xfrm>
+          <a:prstGeom prst="rect">
+            <a:avLst/>
+          </a:prstGeom>
+          <a:noFill/>
+          <a:ln>
+            <a:noFill/>
+          </a:ln>
+        </p:spPr>
+        <p:style>
+          <a:lnRef idx="0"/>
+          <a:fillRef idx="0"/>
+          <a:effectRef idx="0"/>
+          <a:fontRef idx="minor"/>
+        </p:style>
+        <p:txBody>
+          <a:bodyPr lIns="0" rIns="0" tIns="0" bIns="0">
+            <a:noAutofit/>
+          </a:bodyPr>
+          <a:p>
+            <a:pPr>
+              <a:lnSpc>
+                <a:spcPct val="100000"/>
+              </a:lnSpc>
+            </a:pPr>
+            <a:r>
+              <a:rPr b="1" lang="es-ES" sz="2400" spc="-1" strike="noStrike">
+                <a:solidFill>
+                  <a:srgbClr val="0059a2"/>
+                </a:solidFill>
+                <a:latin typeface="Arial"/>
+                <a:ea typeface="ＭＳ Ｐゴシック"/>
+              </a:rPr>
+              <a:t>Histograms</a:t>
+            </a:r>
+            <a:endParaRPr b="0" lang="es-ES" sz="2400" spc="-1" strike="noStrike">
+              <a:latin typeface="Arial"/>
+            </a:endParaRPr>
+          </a:p>
+        </p:txBody>
+      </p:sp>
+      <p:sp>
+        <p:nvSpPr>
+          <p:cNvPr id="105" name="CustomShape 4"/>
+          <p:cNvSpPr/>
+          <p:nvPr/>
+        </p:nvSpPr>
+        <p:spPr>
+          <a:xfrm>
+            <a:off x="531360" y="1981800"/>
+            <a:ext cx="3284280" cy="3489840"/>
+          </a:xfrm>
+          <a:prstGeom prst="rect">
+            <a:avLst/>
+          </a:prstGeom>
+          <a:noFill/>
+          <a:ln>
+            <a:noFill/>
+          </a:ln>
+        </p:spPr>
+        <p:style>
+          <a:lnRef idx="0"/>
+          <a:fillRef idx="0"/>
+          <a:effectRef idx="0"/>
+          <a:fontRef idx="minor"/>
+        </p:style>
+        <p:txBody>
+          <a:bodyPr lIns="90000" rIns="90000" tIns="45000" bIns="45000">
+            <a:noAutofit/>
+          </a:bodyPr>
+          <a:p>
+            <a:pPr>
+              <a:lnSpc>
+                <a:spcPct val="100000"/>
+              </a:lnSpc>
+            </a:pPr>
+            <a:r>
+              <a:rPr b="0" lang="ca-ES" sz="2000" spc="-1" strike="noStrike">
+                <a:solidFill>
+                  <a:srgbClr val="0059a2"/>
+                </a:solidFill>
+                <a:latin typeface="Arial"/>
+                <a:ea typeface="ＭＳ Ｐゴシック"/>
+              </a:rPr>
+              <a:t>- Unusual </a:t>
+            </a:r>
+            <a:r>
+              <a:rPr b="0" lang="ca-ES" sz="2000" spc="-1" strike="noStrike">
+                <a:solidFill>
+                  <a:srgbClr val="0059a2"/>
+                </a:solidFill>
+                <a:latin typeface="Arial"/>
+                <a:ea typeface="ＭＳ Ｐゴシック"/>
+              </a:rPr>
+              <a:t>territorial </a:t>
+            </a:r>
+            <a:r>
+              <a:rPr b="0" lang="ca-ES" sz="2000" spc="-1" strike="noStrike">
+                <a:solidFill>
+                  <a:srgbClr val="0059a2"/>
+                </a:solidFill>
+                <a:latin typeface="Arial"/>
+                <a:ea typeface="ＭＳ Ｐゴシック"/>
+              </a:rPr>
+              <a:t>division</a:t>
+            </a:r>
+            <a:endParaRPr b="0" lang="es-ES" sz="2000" spc="-1" strike="noStrike">
+              <a:latin typeface="Arial"/>
+            </a:endParaRPr>
+          </a:p>
+          <a:p>
+            <a:pPr>
+              <a:lnSpc>
+                <a:spcPct val="100000"/>
+              </a:lnSpc>
+            </a:pPr>
+            <a:r>
+              <a:rPr b="0" lang="ca-ES" sz="2000" spc="-1" strike="noStrike">
+                <a:solidFill>
+                  <a:srgbClr val="0059a2"/>
+                </a:solidFill>
+                <a:latin typeface="Arial"/>
+                <a:ea typeface="ＭＳ Ｐゴシック"/>
+              </a:rPr>
+              <a:t>	</a:t>
+            </a:r>
+            <a:r>
+              <a:rPr b="0" lang="ca-ES" sz="2000" spc="-1" strike="noStrike">
+                <a:solidFill>
+                  <a:srgbClr val="0059a2"/>
+                </a:solidFill>
+                <a:latin typeface="Arial"/>
+                <a:ea typeface="ＭＳ Ｐゴシック"/>
+              </a:rPr>
+              <a:t>&gt; </a:t>
+            </a:r>
+            <a:r>
+              <a:rPr b="0" lang="ca-ES" sz="2000" spc="-1" strike="noStrike">
+                <a:solidFill>
+                  <a:srgbClr val="0059a2"/>
+                </a:solidFill>
+                <a:latin typeface="Arial"/>
+                <a:ea typeface="ＭＳ Ｐゴシック"/>
+              </a:rPr>
+              <a:t>Mismatched </a:t>
+            </a:r>
+            <a:r>
+              <a:rPr b="0" lang="ca-ES" sz="2000" spc="-1" strike="noStrike">
+                <a:solidFill>
+                  <a:srgbClr val="0059a2"/>
+                </a:solidFill>
+                <a:latin typeface="Arial"/>
+                <a:ea typeface="ＭＳ Ｐゴシック"/>
+              </a:rPr>
+              <a:t>regions</a:t>
+            </a:r>
+            <a:endParaRPr b="0" lang="es-ES" sz="2000" spc="-1" strike="noStrike">
+              <a:latin typeface="Arial"/>
+            </a:endParaRPr>
+          </a:p>
+          <a:p>
+            <a:pPr>
+              <a:lnSpc>
+                <a:spcPct val="100000"/>
+              </a:lnSpc>
+            </a:pPr>
+            <a:endParaRPr b="0" lang="es-ES" sz="2000" spc="-1" strike="noStrike">
+              <a:latin typeface="Arial"/>
+            </a:endParaRPr>
+          </a:p>
+          <a:p>
+            <a:pPr>
+              <a:lnSpc>
+                <a:spcPct val="100000"/>
+              </a:lnSpc>
+            </a:pPr>
+            <a:r>
+              <a:rPr b="0" lang="ca-ES" sz="2000" spc="-1" strike="noStrike">
+                <a:solidFill>
+                  <a:srgbClr val="0059a2"/>
+                </a:solidFill>
+                <a:latin typeface="Arial"/>
+                <a:ea typeface="ＭＳ Ｐゴシック"/>
+              </a:rPr>
+              <a:t>- Great influx </a:t>
+            </a:r>
+            <a:r>
+              <a:rPr b="0" lang="ca-ES" sz="2000" spc="-1" strike="noStrike">
+                <a:solidFill>
+                  <a:srgbClr val="0059a2"/>
+                </a:solidFill>
+                <a:latin typeface="Arial"/>
+                <a:ea typeface="ＭＳ Ｐゴシック"/>
+              </a:rPr>
+              <a:t>to regions with </a:t>
+            </a:r>
+            <a:r>
+              <a:rPr b="0" lang="ca-ES" sz="2000" spc="-1" strike="noStrike">
+                <a:solidFill>
+                  <a:srgbClr val="0059a2"/>
+                </a:solidFill>
+                <a:latin typeface="Arial"/>
+                <a:ea typeface="ＭＳ Ｐゴシック"/>
+              </a:rPr>
+              <a:t>Capital cities</a:t>
+            </a:r>
+            <a:endParaRPr b="0" lang="es-ES" sz="2000" spc="-1" strike="noStrike">
+              <a:latin typeface="Arial"/>
+            </a:endParaRPr>
+          </a:p>
+          <a:p>
+            <a:pPr>
+              <a:lnSpc>
+                <a:spcPct val="100000"/>
+              </a:lnSpc>
+            </a:pPr>
+            <a:endParaRPr b="0" lang="es-ES" sz="2000" spc="-1" strike="noStrike">
+              <a:latin typeface="Arial"/>
+            </a:endParaRPr>
+          </a:p>
+          <a:p>
+            <a:pPr>
+              <a:lnSpc>
+                <a:spcPct val="100000"/>
+              </a:lnSpc>
+            </a:pPr>
+            <a:r>
+              <a:rPr b="0" lang="ca-ES" sz="2000" spc="-1" strike="noStrike">
+                <a:solidFill>
+                  <a:srgbClr val="0059a2"/>
+                </a:solidFill>
+                <a:latin typeface="Arial"/>
+                <a:ea typeface="ＭＳ Ｐゴシック"/>
+              </a:rPr>
+              <a:t>- Connecting </a:t>
+            </a:r>
+            <a:r>
+              <a:rPr b="0" lang="ca-ES" sz="2000" spc="-1" strike="noStrike">
+                <a:solidFill>
+                  <a:srgbClr val="0059a2"/>
+                </a:solidFill>
+                <a:latin typeface="Arial"/>
+                <a:ea typeface="ＭＳ Ｐゴシック"/>
+              </a:rPr>
+              <a:t>regions with </a:t>
+            </a:r>
+            <a:r>
+              <a:rPr b="0" lang="ca-ES" sz="2000" spc="-1" strike="noStrike">
+                <a:solidFill>
+                  <a:srgbClr val="0059a2"/>
+                </a:solidFill>
+                <a:latin typeface="Arial"/>
+                <a:ea typeface="ＭＳ Ｐゴシック"/>
+              </a:rPr>
+              <a:t>more migrants</a:t>
+            </a:r>
+            <a:endParaRPr b="0" lang="es-ES" sz="2000" spc="-1" strike="noStrike">
+              <a:latin typeface="Arial"/>
+            </a:endParaRPr>
+          </a:p>
+          <a:p>
+            <a:pPr>
+              <a:lnSpc>
+                <a:spcPct val="100000"/>
+              </a:lnSpc>
+            </a:pPr>
+            <a:endParaRPr b="0" lang="es-ES" sz="2000" spc="-1" strike="noStrike">
+              <a:latin typeface="Arial"/>
+            </a:endParaRPr>
+          </a:p>
+          <a:p>
+            <a:pPr>
+              <a:lnSpc>
+                <a:spcPct val="100000"/>
+              </a:lnSpc>
+            </a:pPr>
+            <a:r>
+              <a:rPr b="0" lang="ca-ES" sz="2000" spc="-1" strike="noStrike">
+                <a:solidFill>
+                  <a:srgbClr val="0059a2"/>
+                </a:solidFill>
+                <a:latin typeface="Arial"/>
+                <a:ea typeface="ＭＳ Ｐゴシック"/>
+              </a:rPr>
+              <a:t>- Rural areas </a:t>
+            </a:r>
+            <a:r>
+              <a:rPr b="0" lang="ca-ES" sz="2000" spc="-1" strike="noStrike">
+                <a:solidFill>
+                  <a:srgbClr val="0059a2"/>
+                </a:solidFill>
+                <a:latin typeface="Arial"/>
+                <a:ea typeface="ＭＳ Ｐゴシック"/>
+              </a:rPr>
+              <a:t>with less influx</a:t>
+            </a:r>
+            <a:endParaRPr b="0" lang="es-ES" sz="2000" spc="-1" strike="noStrike">
+              <a:latin typeface="Arial"/>
+            </a:endParaRPr>
+          </a:p>
+          <a:p>
+            <a:pPr>
+              <a:lnSpc>
+                <a:spcPct val="100000"/>
+              </a:lnSpc>
+            </a:pPr>
+            <a:endParaRPr b="0" lang="es-ES" sz="2000" spc="-1" strike="noStrike">
+              <a:latin typeface="Arial"/>
+            </a:endParaRPr>
+          </a:p>
+        </p:txBody>
+      </p:sp>
+      <p:pic>
+        <p:nvPicPr>
+          <p:cNvPr id="106" name="" descr=""/>
+          <p:cNvPicPr/>
+          <p:nvPr/>
+        </p:nvPicPr>
+        <p:blipFill>
+          <a:blip r:embed="rId1"/>
+          <a:stretch/>
+        </p:blipFill>
+        <p:spPr>
+          <a:xfrm>
+            <a:off x="4160160" y="2232000"/>
+            <a:ext cx="4479840" cy="3240000"/>
+          </a:xfrm>
+          <a:prstGeom prst="rect">
+            <a:avLst/>
+          </a:prstGeom>
+          <a:ln>
+            <a:noFill/>
+          </a:ln>
+        </p:spPr>
+      </p:pic>
+    </p:spTree>
+  </p:cSld>
+  <mc:AlternateContent>
+    <mc:Choice Requires="p14">
+      <p:transition spd="slow" p14:dur="2000"/>
+    </mc:Choice>
+    <mc:Fallback>
+      <p:transition spd="slow"/>
+    </mc:Fallback>
+  </mc:AlternateContent>
+</p:sld>
+</file>
+
+<file path=ppt/slides/slide7.xml><?xml version="1.0" encoding="utf-8"?>
+<p:sld xmlns:a="http://schemas.openxmlformats.org/drawingml/2006/main" xmlns:p="http://schemas.openxmlformats.org/presentationml/2006/main" xmlns:r="http://schemas.openxmlformats.org/officeDocument/2006/relationships" xmlns:p14="http://schemas.microsoft.com/office/powerpoint/2010/main" xmlns:p15="http://schemas.microsoft.com/office/powerpoint/2012/main" xmlns:mc="http://schemas.openxmlformats.org/markup-compatibility/2006">
+  <p:cSld>
+    <p:spTree>
+      <p:nvGrpSpPr>
+        <p:cNvPr id="1" name=""/>
+        <p:cNvGrpSpPr/>
+        <p:nvPr/>
+      </p:nvGrpSpPr>
+      <p:grpSpPr>
+        <a:xfrm>
+          <a:off x="0" y="0"/>
+          <a:ext cx="0" cy="0"/>
+          <a:chOff x="0" y="0"/>
+          <a:chExt cx="0" cy="0"/>
+        </a:xfrm>
+      </p:grpSpPr>
+      <p:sp>
+        <p:nvSpPr>
+          <p:cNvPr id="107" name="CustomShape 1"/>
+          <p:cNvSpPr/>
+          <p:nvPr/>
+        </p:nvSpPr>
+        <p:spPr>
+          <a:xfrm>
+            <a:off x="287280" y="417600"/>
+            <a:ext cx="5196960" cy="114480"/>
+          </a:xfrm>
+          <a:prstGeom prst="rect">
+            <a:avLst/>
+          </a:prstGeom>
+          <a:noFill/>
+          <a:ln>
+            <a:noFill/>
+          </a:ln>
+        </p:spPr>
+        <p:style>
+          <a:lnRef idx="0"/>
+          <a:fillRef idx="0"/>
+          <a:effectRef idx="0"/>
+          <a:fontRef idx="minor"/>
+        </p:style>
+        <p:txBody>
+          <a:bodyPr lIns="0" rIns="0" tIns="0" bIns="0">
+            <a:noAutofit/>
+          </a:bodyPr>
+          <a:p>
+            <a:pPr marL="343080" indent="-341640">
+              <a:lnSpc>
+                <a:spcPts val="1001"/>
+              </a:lnSpc>
+              <a:tabLst>
+                <a:tab algn="l" pos="0"/>
+              </a:tabLst>
+            </a:pPr>
+            <a:r>
+              <a:rPr b="1" lang="es-ES" sz="800" spc="-1" strike="noStrike">
+                <a:solidFill>
+                  <a:srgbClr val="000000"/>
+                </a:solidFill>
+                <a:latin typeface="Arial"/>
+                <a:ea typeface="ＭＳ Ｐゴシック"/>
+              </a:rPr>
+              <a:t>MSc Physics of Complex Systems </a:t>
+            </a:r>
+            <a:r>
+              <a:rPr b="1" lang="es-ES" sz="800" spc="-1" strike="noStrike">
+                <a:solidFill>
+                  <a:srgbClr val="000000"/>
+                </a:solidFill>
+                <a:latin typeface="Arial"/>
+                <a:ea typeface="ＭＳ Ｐゴシック"/>
+              </a:rPr>
+              <a:t>and Biophysics</a:t>
+            </a:r>
+            <a:endParaRPr b="0" lang="es-ES" sz="800" spc="-1" strike="noStrike">
+              <a:latin typeface="Arial"/>
+            </a:endParaRPr>
+          </a:p>
+          <a:p>
+            <a:pPr marL="343080" indent="-341640">
+              <a:lnSpc>
+                <a:spcPts val="1001"/>
+              </a:lnSpc>
+              <a:tabLst>
+                <a:tab algn="l" pos="0"/>
+              </a:tabLst>
+            </a:pPr>
+            <a:endParaRPr b="0" lang="es-ES" sz="800" spc="-1" strike="noStrike">
+              <a:latin typeface="Arial"/>
+            </a:endParaRPr>
+          </a:p>
+        </p:txBody>
+      </p:sp>
+      <p:sp>
+        <p:nvSpPr>
+          <p:cNvPr id="108" name="CustomShape 2"/>
+          <p:cNvSpPr/>
+          <p:nvPr/>
+        </p:nvSpPr>
+        <p:spPr>
+          <a:xfrm>
+            <a:off x="287280" y="536400"/>
+            <a:ext cx="5196960" cy="227160"/>
+          </a:xfrm>
+          <a:prstGeom prst="rect">
+            <a:avLst/>
+          </a:prstGeom>
+          <a:noFill/>
+          <a:ln>
+            <a:noFill/>
+          </a:ln>
+        </p:spPr>
+        <p:style>
+          <a:lnRef idx="0"/>
+          <a:fillRef idx="0"/>
+          <a:effectRef idx="0"/>
+          <a:fontRef idx="minor"/>
+        </p:style>
+        <p:txBody>
+          <a:bodyPr lIns="0" rIns="0" tIns="0" bIns="0">
+            <a:noAutofit/>
+          </a:bodyPr>
+          <a:p>
+            <a:pPr marL="343080" indent="-341640">
+              <a:lnSpc>
+                <a:spcPct val="100000"/>
+              </a:lnSpc>
+              <a:spcBef>
+                <a:spcPts val="159"/>
+              </a:spcBef>
+              <a:tabLst>
+                <a:tab algn="l" pos="0"/>
+              </a:tabLst>
+            </a:pPr>
+            <a:r>
+              <a:rPr b="0" lang="es-ES" sz="800" spc="-1" strike="noStrike">
+                <a:solidFill>
+                  <a:srgbClr val="000000"/>
+                </a:solidFill>
+                <a:latin typeface="Arial"/>
+                <a:ea typeface="ＭＳ Ｐゴシック"/>
+              </a:rPr>
+              <a:t>Analysis and Visualization of Big Data </a:t>
+            </a:r>
+            <a:r>
+              <a:rPr b="0" lang="es-ES" sz="800" spc="-1" strike="noStrike">
+                <a:solidFill>
+                  <a:srgbClr val="000000"/>
+                </a:solidFill>
+                <a:latin typeface="Arial"/>
+                <a:ea typeface="ＭＳ Ｐゴシック"/>
+              </a:rPr>
+              <a:t>– Final Presentation - </a:t>
+            </a:r>
+            <a:r>
+              <a:rPr b="0" lang="es-ES" sz="800" spc="-1" strike="noStrike">
+                <a:solidFill>
+                  <a:srgbClr val="000000"/>
+                </a:solidFill>
+                <a:highlight>
+                  <a:srgbClr val="ffff00"/>
+                </a:highlight>
+                <a:latin typeface="Arial"/>
+                <a:ea typeface="ＭＳ Ｐゴシック"/>
+              </a:rPr>
+              <a:t>Title</a:t>
+            </a:r>
+            <a:endParaRPr b="0" lang="es-ES" sz="800" spc="-1" strike="noStrike">
+              <a:latin typeface="Arial"/>
+            </a:endParaRPr>
+          </a:p>
+        </p:txBody>
+      </p:sp>
+      <p:sp>
+        <p:nvSpPr>
+          <p:cNvPr id="109" name="CustomShape 3"/>
+          <p:cNvSpPr/>
+          <p:nvPr/>
+        </p:nvSpPr>
+        <p:spPr>
+          <a:xfrm>
+            <a:off x="278640" y="1143000"/>
+            <a:ext cx="8566560" cy="455760"/>
+          </a:xfrm>
+          <a:prstGeom prst="rect">
+            <a:avLst/>
+          </a:prstGeom>
+          <a:noFill/>
+          <a:ln>
+            <a:noFill/>
+          </a:ln>
+        </p:spPr>
+        <p:style>
+          <a:lnRef idx="0"/>
+          <a:fillRef idx="0"/>
+          <a:effectRef idx="0"/>
+          <a:fontRef idx="minor"/>
+        </p:style>
+        <p:txBody>
+          <a:bodyPr lIns="0" rIns="0" tIns="0" bIns="0">
+            <a:noAutofit/>
+          </a:bodyPr>
+          <a:p>
+            <a:pPr>
+              <a:lnSpc>
+                <a:spcPct val="100000"/>
+              </a:lnSpc>
+            </a:pPr>
+            <a:r>
+              <a:rPr b="1" lang="es-ES" sz="2400" spc="-1" strike="noStrike">
+                <a:solidFill>
+                  <a:srgbClr val="0059a2"/>
+                </a:solidFill>
+                <a:latin typeface="Arial"/>
+                <a:ea typeface="ＭＳ Ｐゴシック"/>
+              </a:rPr>
+              <a:t>Histograms</a:t>
+            </a:r>
+            <a:endParaRPr b="0" lang="es-ES" sz="2400" spc="-1" strike="noStrike">
+              <a:latin typeface="Arial"/>
+            </a:endParaRPr>
+          </a:p>
+        </p:txBody>
+      </p:sp>
+      <p:sp>
+        <p:nvSpPr>
+          <p:cNvPr id="110" name="CustomShape 4"/>
+          <p:cNvSpPr/>
+          <p:nvPr/>
+        </p:nvSpPr>
+        <p:spPr>
+          <a:xfrm>
+            <a:off x="531360" y="1981800"/>
+            <a:ext cx="3284280" cy="3489840"/>
+          </a:xfrm>
+          <a:prstGeom prst="rect">
+            <a:avLst/>
+          </a:prstGeom>
+          <a:noFill/>
+          <a:ln>
+            <a:noFill/>
+          </a:ln>
+        </p:spPr>
+        <p:style>
+          <a:lnRef idx="0"/>
+          <a:fillRef idx="0"/>
+          <a:effectRef idx="0"/>
+          <a:fontRef idx="minor"/>
+        </p:style>
+        <p:txBody>
+          <a:bodyPr lIns="90000" rIns="90000" tIns="45000" bIns="45000">
+            <a:noAutofit/>
+          </a:bodyPr>
+          <a:p>
+            <a:pPr>
+              <a:lnSpc>
+                <a:spcPct val="100000"/>
+              </a:lnSpc>
+            </a:pPr>
+            <a:r>
+              <a:rPr b="0" lang="ca-ES" sz="2000" spc="-1" strike="noStrike">
+                <a:solidFill>
+                  <a:srgbClr val="0059a2"/>
+                </a:solidFill>
+                <a:latin typeface="Arial"/>
+                <a:ea typeface="ＭＳ Ｐゴシック"/>
+              </a:rPr>
+              <a:t>- Unusual </a:t>
+            </a:r>
+            <a:r>
+              <a:rPr b="0" lang="ca-ES" sz="2000" spc="-1" strike="noStrike">
+                <a:solidFill>
+                  <a:srgbClr val="0059a2"/>
+                </a:solidFill>
+                <a:latin typeface="Arial"/>
+                <a:ea typeface="ＭＳ Ｐゴシック"/>
+              </a:rPr>
+              <a:t>territorial </a:t>
+            </a:r>
+            <a:r>
+              <a:rPr b="0" lang="ca-ES" sz="2000" spc="-1" strike="noStrike">
+                <a:solidFill>
+                  <a:srgbClr val="0059a2"/>
+                </a:solidFill>
+                <a:latin typeface="Arial"/>
+                <a:ea typeface="ＭＳ Ｐゴシック"/>
+              </a:rPr>
+              <a:t>division</a:t>
+            </a:r>
+            <a:endParaRPr b="0" lang="es-ES" sz="2000" spc="-1" strike="noStrike">
+              <a:latin typeface="Arial"/>
+            </a:endParaRPr>
+          </a:p>
+          <a:p>
+            <a:pPr>
+              <a:lnSpc>
+                <a:spcPct val="100000"/>
+              </a:lnSpc>
+            </a:pPr>
+            <a:r>
+              <a:rPr b="0" lang="ca-ES" sz="2000" spc="-1" strike="noStrike">
+                <a:solidFill>
+                  <a:srgbClr val="0059a2"/>
+                </a:solidFill>
+                <a:latin typeface="Arial"/>
+                <a:ea typeface="ＭＳ Ｐゴシック"/>
+              </a:rPr>
+              <a:t>	</a:t>
+            </a:r>
+            <a:r>
+              <a:rPr b="0" lang="ca-ES" sz="2000" spc="-1" strike="noStrike">
+                <a:solidFill>
+                  <a:srgbClr val="0059a2"/>
+                </a:solidFill>
+                <a:latin typeface="Arial"/>
+                <a:ea typeface="ＭＳ Ｐゴシック"/>
+              </a:rPr>
+              <a:t>&gt; </a:t>
+            </a:r>
+            <a:r>
+              <a:rPr b="0" lang="ca-ES" sz="2000" spc="-1" strike="noStrike">
+                <a:solidFill>
+                  <a:srgbClr val="0059a2"/>
+                </a:solidFill>
+                <a:latin typeface="Arial"/>
+                <a:ea typeface="ＭＳ Ｐゴシック"/>
+              </a:rPr>
+              <a:t>Mismatched </a:t>
+            </a:r>
+            <a:r>
+              <a:rPr b="0" lang="ca-ES" sz="2000" spc="-1" strike="noStrike">
+                <a:solidFill>
+                  <a:srgbClr val="0059a2"/>
+                </a:solidFill>
+                <a:latin typeface="Arial"/>
+                <a:ea typeface="ＭＳ Ｐゴシック"/>
+              </a:rPr>
+              <a:t>regions</a:t>
+            </a:r>
+            <a:endParaRPr b="0" lang="es-ES" sz="2000" spc="-1" strike="noStrike">
+              <a:latin typeface="Arial"/>
+            </a:endParaRPr>
+          </a:p>
+          <a:p>
+            <a:pPr>
+              <a:lnSpc>
+                <a:spcPct val="100000"/>
+              </a:lnSpc>
+            </a:pPr>
+            <a:endParaRPr b="0" lang="es-ES" sz="2000" spc="-1" strike="noStrike">
+              <a:latin typeface="Arial"/>
+            </a:endParaRPr>
+          </a:p>
+          <a:p>
+            <a:pPr>
+              <a:lnSpc>
+                <a:spcPct val="100000"/>
+              </a:lnSpc>
+            </a:pPr>
+            <a:r>
+              <a:rPr b="0" lang="ca-ES" sz="2000" spc="-1" strike="noStrike">
+                <a:solidFill>
+                  <a:srgbClr val="0059a2"/>
+                </a:solidFill>
+                <a:latin typeface="Arial"/>
+                <a:ea typeface="ＭＳ Ｐゴシック"/>
+              </a:rPr>
+              <a:t>- Great influx </a:t>
+            </a:r>
+            <a:r>
+              <a:rPr b="0" lang="ca-ES" sz="2000" spc="-1" strike="noStrike">
+                <a:solidFill>
+                  <a:srgbClr val="0059a2"/>
+                </a:solidFill>
+                <a:latin typeface="Arial"/>
+                <a:ea typeface="ＭＳ Ｐゴシック"/>
+              </a:rPr>
+              <a:t>to regions with </a:t>
+            </a:r>
+            <a:r>
+              <a:rPr b="0" lang="ca-ES" sz="2000" spc="-1" strike="noStrike">
+                <a:solidFill>
+                  <a:srgbClr val="0059a2"/>
+                </a:solidFill>
+                <a:latin typeface="Arial"/>
+                <a:ea typeface="ＭＳ Ｐゴシック"/>
+              </a:rPr>
+              <a:t>Capital cities</a:t>
+            </a:r>
+            <a:endParaRPr b="0" lang="es-ES" sz="2000" spc="-1" strike="noStrike">
+              <a:latin typeface="Arial"/>
+            </a:endParaRPr>
+          </a:p>
+          <a:p>
+            <a:pPr>
+              <a:lnSpc>
+                <a:spcPct val="100000"/>
+              </a:lnSpc>
+            </a:pPr>
+            <a:endParaRPr b="0" lang="es-ES" sz="2000" spc="-1" strike="noStrike">
+              <a:latin typeface="Arial"/>
+            </a:endParaRPr>
+          </a:p>
+          <a:p>
+            <a:pPr>
+              <a:lnSpc>
+                <a:spcPct val="100000"/>
+              </a:lnSpc>
+            </a:pPr>
+            <a:r>
+              <a:rPr b="0" lang="ca-ES" sz="2000" spc="-1" strike="noStrike">
+                <a:solidFill>
+                  <a:srgbClr val="0059a2"/>
+                </a:solidFill>
+                <a:latin typeface="Arial"/>
+                <a:ea typeface="ＭＳ Ｐゴシック"/>
+              </a:rPr>
+              <a:t>- Connecting </a:t>
+            </a:r>
+            <a:r>
+              <a:rPr b="0" lang="ca-ES" sz="2000" spc="-1" strike="noStrike">
+                <a:solidFill>
+                  <a:srgbClr val="0059a2"/>
+                </a:solidFill>
+                <a:latin typeface="Arial"/>
+                <a:ea typeface="ＭＳ Ｐゴシック"/>
+              </a:rPr>
+              <a:t>regions with </a:t>
+            </a:r>
+            <a:r>
+              <a:rPr b="0" lang="ca-ES" sz="2000" spc="-1" strike="noStrike">
+                <a:solidFill>
+                  <a:srgbClr val="0059a2"/>
+                </a:solidFill>
+                <a:latin typeface="Arial"/>
+                <a:ea typeface="ＭＳ Ｐゴシック"/>
+              </a:rPr>
+              <a:t>more migrants</a:t>
+            </a:r>
+            <a:endParaRPr b="0" lang="es-ES" sz="2000" spc="-1" strike="noStrike">
+              <a:latin typeface="Arial"/>
+            </a:endParaRPr>
+          </a:p>
+          <a:p>
+            <a:pPr>
+              <a:lnSpc>
+                <a:spcPct val="100000"/>
+              </a:lnSpc>
+            </a:pPr>
+            <a:endParaRPr b="0" lang="es-ES" sz="2000" spc="-1" strike="noStrike">
+              <a:latin typeface="Arial"/>
+            </a:endParaRPr>
+          </a:p>
+          <a:p>
+            <a:pPr>
+              <a:lnSpc>
+                <a:spcPct val="100000"/>
+              </a:lnSpc>
+            </a:pPr>
+            <a:r>
+              <a:rPr b="0" lang="ca-ES" sz="2000" spc="-1" strike="noStrike">
+                <a:solidFill>
+                  <a:srgbClr val="0059a2"/>
+                </a:solidFill>
+                <a:latin typeface="Arial"/>
+                <a:ea typeface="ＭＳ Ｐゴシック"/>
+              </a:rPr>
+              <a:t>- Rural areas </a:t>
+            </a:r>
+            <a:r>
+              <a:rPr b="0" lang="ca-ES" sz="2000" spc="-1" strike="noStrike">
+                <a:solidFill>
+                  <a:srgbClr val="0059a2"/>
+                </a:solidFill>
+                <a:latin typeface="Arial"/>
+                <a:ea typeface="ＭＳ Ｐゴシック"/>
+              </a:rPr>
+              <a:t>with less influx</a:t>
+            </a:r>
+            <a:endParaRPr b="0" lang="es-ES" sz="2000" spc="-1" strike="noStrike">
+              <a:latin typeface="Arial"/>
+            </a:endParaRPr>
+          </a:p>
+          <a:p>
+            <a:pPr>
+              <a:lnSpc>
+                <a:spcPct val="100000"/>
+              </a:lnSpc>
+            </a:pPr>
+            <a:endParaRPr b="0" lang="es-ES" sz="2000" spc="-1" strike="noStrike">
+              <a:latin typeface="Arial"/>
+            </a:endParaRPr>
+          </a:p>
+        </p:txBody>
+      </p:sp>
+      <p:pic>
+        <p:nvPicPr>
+          <p:cNvPr id="111" name="" descr=""/>
+          <p:cNvPicPr/>
+          <p:nvPr/>
+        </p:nvPicPr>
+        <p:blipFill>
+          <a:blip r:embed="rId1"/>
+          <a:stretch/>
+        </p:blipFill>
+        <p:spPr>
+          <a:xfrm>
+            <a:off x="4608000" y="3935160"/>
+            <a:ext cx="4033440" cy="2688840"/>
+          </a:xfrm>
+          <a:prstGeom prst="rect">
+            <a:avLst/>
+          </a:prstGeom>
+          <a:ln>
+            <a:noFill/>
+          </a:ln>
+        </p:spPr>
+      </p:pic>
+      <p:pic>
+        <p:nvPicPr>
+          <p:cNvPr id="112" name="" descr=""/>
+          <p:cNvPicPr/>
+          <p:nvPr/>
+        </p:nvPicPr>
+        <p:blipFill>
+          <a:blip r:embed="rId2"/>
+          <a:stretch/>
+        </p:blipFill>
+        <p:spPr>
+          <a:xfrm>
+            <a:off x="4680000" y="1271880"/>
+            <a:ext cx="3816000" cy="2544120"/>
+          </a:xfrm>
+          <a:prstGeom prst="rect">
+            <a:avLst/>
+          </a:prstGeom>
+          <a:ln>
+            <a:noFill/>
+          </a:ln>
+        </p:spPr>
+      </p:pic>
+    </p:spTree>
+  </p:cSld>
+  <mc:AlternateContent>
+    <mc:Choice Requires="p14">
+      <p:transition spd="slow" p14:dur="2000"/>
+    </mc:Choice>
+    <mc:Fallback>
+      <p:transition spd="slow"/>
+    </mc:Fallback>
+  </mc:AlternateContent>
+</p:sld>
+</file>
+
+<file path=ppt/slides/slide8.xml><?xml version="1.0" encoding="utf-8"?>
+<p:sld xmlns:a="http://schemas.openxmlformats.org/drawingml/2006/main" xmlns:p="http://schemas.openxmlformats.org/presentationml/2006/main" xmlns:r="http://schemas.openxmlformats.org/officeDocument/2006/relationships" xmlns:p14="http://schemas.microsoft.com/office/powerpoint/2010/main" xmlns:p15="http://schemas.microsoft.com/office/powerpoint/2012/main" xmlns:mc="http://schemas.openxmlformats.org/markup-compatibility/2006">
+  <p:cSld>
+    <p:spTree>
+      <p:nvGrpSpPr>
+        <p:cNvPr id="1" name=""/>
+        <p:cNvGrpSpPr/>
+        <p:nvPr/>
+      </p:nvGrpSpPr>
+      <p:grpSpPr>
+        <a:xfrm>
+          <a:off x="0" y="0"/>
+          <a:ext cx="0" cy="0"/>
+          <a:chOff x="0" y="0"/>
+          <a:chExt cx="0" cy="0"/>
+        </a:xfrm>
+      </p:grpSpPr>
+      <p:sp>
+        <p:nvSpPr>
+          <p:cNvPr id="113" name="CustomShape 1"/>
+          <p:cNvSpPr/>
+          <p:nvPr/>
+        </p:nvSpPr>
+        <p:spPr>
+          <a:xfrm>
+            <a:off x="282600" y="417960"/>
+            <a:ext cx="5196960" cy="114480"/>
+          </a:xfrm>
+          <a:prstGeom prst="rect">
+            <a:avLst/>
+          </a:prstGeom>
+          <a:noFill/>
+          <a:ln>
+            <a:noFill/>
+          </a:ln>
+        </p:spPr>
+        <p:style>
+          <a:lnRef idx="0"/>
+          <a:fillRef idx="0"/>
+          <a:effectRef idx="0"/>
+          <a:fontRef idx="minor"/>
+        </p:style>
+        <p:txBody>
+          <a:bodyPr lIns="0" rIns="0" tIns="0" bIns="0">
+            <a:noAutofit/>
+          </a:bodyPr>
+          <a:p>
+            <a:pPr marL="343080" indent="-341640">
+              <a:lnSpc>
+                <a:spcPts val="1001"/>
+              </a:lnSpc>
+              <a:tabLst>
+                <a:tab algn="l" pos="0"/>
+              </a:tabLst>
+            </a:pPr>
+            <a:r>
+              <a:rPr b="1" lang="es-ES" sz="800" spc="-1" strike="noStrike">
+                <a:solidFill>
+                  <a:srgbClr val="000000"/>
+                </a:solidFill>
+                <a:latin typeface="Arial"/>
+                <a:ea typeface="ＭＳ Ｐゴシック"/>
+              </a:rPr>
+              <a:t>MSc Physics of Complex Systems </a:t>
+            </a:r>
+            <a:r>
+              <a:rPr b="1" lang="es-ES" sz="800" spc="-1" strike="noStrike">
+                <a:solidFill>
+                  <a:srgbClr val="000000"/>
+                </a:solidFill>
+                <a:latin typeface="Arial"/>
+                <a:ea typeface="ＭＳ Ｐゴシック"/>
+              </a:rPr>
+              <a:t>and Biophysics</a:t>
+            </a:r>
+            <a:endParaRPr b="0" lang="es-ES" sz="800" spc="-1" strike="noStrike">
+              <a:latin typeface="Arial"/>
+            </a:endParaRPr>
+          </a:p>
+          <a:p>
+            <a:pPr marL="343080" indent="-341640">
+              <a:lnSpc>
+                <a:spcPts val="1001"/>
+              </a:lnSpc>
+              <a:tabLst>
+                <a:tab algn="l" pos="0"/>
+              </a:tabLst>
+            </a:pPr>
+            <a:endParaRPr b="0" lang="es-ES" sz="800" spc="-1" strike="noStrike">
+              <a:latin typeface="Arial"/>
+            </a:endParaRPr>
+          </a:p>
+        </p:txBody>
+      </p:sp>
+      <p:sp>
+        <p:nvSpPr>
+          <p:cNvPr id="114" name="CustomShape 2"/>
+          <p:cNvSpPr/>
+          <p:nvPr/>
+        </p:nvSpPr>
+        <p:spPr>
+          <a:xfrm>
+            <a:off x="282600" y="536760"/>
+            <a:ext cx="5196960" cy="227160"/>
+          </a:xfrm>
+          <a:prstGeom prst="rect">
+            <a:avLst/>
+          </a:prstGeom>
+          <a:noFill/>
+          <a:ln>
+            <a:noFill/>
+          </a:ln>
+        </p:spPr>
+        <p:style>
+          <a:lnRef idx="0"/>
+          <a:fillRef idx="0"/>
+          <a:effectRef idx="0"/>
+          <a:fontRef idx="minor"/>
+        </p:style>
+        <p:txBody>
+          <a:bodyPr lIns="0" rIns="0" tIns="0" bIns="0">
+            <a:noAutofit/>
+          </a:bodyPr>
+          <a:p>
+            <a:pPr marL="343080" indent="-341640">
+              <a:lnSpc>
+                <a:spcPct val="100000"/>
+              </a:lnSpc>
+              <a:spcBef>
+                <a:spcPts val="159"/>
+              </a:spcBef>
+              <a:tabLst>
+                <a:tab algn="l" pos="0"/>
+              </a:tabLst>
+            </a:pPr>
+            <a:r>
+              <a:rPr b="0" lang="es-ES" sz="800" spc="-1" strike="noStrike">
+                <a:solidFill>
+                  <a:srgbClr val="000000"/>
+                </a:solidFill>
+                <a:latin typeface="Arial"/>
+                <a:ea typeface="ＭＳ Ｐゴシック"/>
+              </a:rPr>
+              <a:t>Analysis and Visualization of Big Data </a:t>
+            </a:r>
+            <a:r>
+              <a:rPr b="0" lang="es-ES" sz="800" spc="-1" strike="noStrike">
+                <a:solidFill>
+                  <a:srgbClr val="000000"/>
+                </a:solidFill>
+                <a:latin typeface="Arial"/>
+                <a:ea typeface="ＭＳ Ｐゴシック"/>
+              </a:rPr>
+              <a:t>– Final Presentation - </a:t>
+            </a:r>
+            <a:r>
+              <a:rPr b="0" lang="es-ES" sz="800" spc="-1" strike="noStrike">
+                <a:solidFill>
+                  <a:srgbClr val="000000"/>
+                </a:solidFill>
+                <a:highlight>
+                  <a:srgbClr val="ffff00"/>
+                </a:highlight>
+                <a:latin typeface="Arial"/>
+                <a:ea typeface="ＭＳ Ｐゴシック"/>
+              </a:rPr>
+              <a:t>Title</a:t>
+            </a:r>
+            <a:endParaRPr b="0" lang="es-ES" sz="800" spc="-1" strike="noStrike">
+              <a:latin typeface="Arial"/>
+            </a:endParaRPr>
+          </a:p>
+        </p:txBody>
+      </p:sp>
+      <p:sp>
+        <p:nvSpPr>
+          <p:cNvPr id="115" name="CustomShape 3"/>
+          <p:cNvSpPr/>
+          <p:nvPr/>
+        </p:nvSpPr>
+        <p:spPr>
+          <a:xfrm>
+            <a:off x="273960" y="1143360"/>
+            <a:ext cx="8566560" cy="455760"/>
+          </a:xfrm>
+          <a:prstGeom prst="rect">
+            <a:avLst/>
+          </a:prstGeom>
+          <a:noFill/>
+          <a:ln>
+            <a:noFill/>
+          </a:ln>
+        </p:spPr>
+        <p:style>
+          <a:lnRef idx="0"/>
+          <a:fillRef idx="0"/>
+          <a:effectRef idx="0"/>
+          <a:fontRef idx="minor"/>
+        </p:style>
+        <p:txBody>
+          <a:bodyPr lIns="0" rIns="0" tIns="0" bIns="0">
+            <a:noAutofit/>
+          </a:bodyPr>
+          <a:p>
+            <a:pPr>
+              <a:lnSpc>
+                <a:spcPct val="100000"/>
+              </a:lnSpc>
+            </a:pPr>
+            <a:r>
+              <a:rPr b="1" lang="es-ES" sz="2400" spc="-1" strike="noStrike">
+                <a:solidFill>
+                  <a:srgbClr val="0059a2"/>
+                </a:solidFill>
+                <a:latin typeface="Arial"/>
+                <a:ea typeface="ＭＳ Ｐゴシック"/>
+              </a:rPr>
+              <a:t>Origin pie </a:t>
+            </a:r>
+            <a:r>
+              <a:rPr b="1" lang="es-ES" sz="2400" spc="-1" strike="noStrike">
+                <a:solidFill>
+                  <a:srgbClr val="0059a2"/>
+                </a:solidFill>
+                <a:latin typeface="Arial"/>
+                <a:ea typeface="ＭＳ Ｐゴシック"/>
+              </a:rPr>
+              <a:t>chart</a:t>
+            </a:r>
+            <a:endParaRPr b="0" lang="es-ES" sz="2400" spc="-1" strike="noStrike">
+              <a:latin typeface="Arial"/>
+            </a:endParaRPr>
+          </a:p>
+        </p:txBody>
+      </p:sp>
+      <p:sp>
+        <p:nvSpPr>
+          <p:cNvPr id="116" name="CustomShape 4"/>
+          <p:cNvSpPr/>
+          <p:nvPr/>
+        </p:nvSpPr>
+        <p:spPr>
+          <a:xfrm>
+            <a:off x="531360" y="1981800"/>
+            <a:ext cx="3284280" cy="3489840"/>
+          </a:xfrm>
+          <a:prstGeom prst="rect">
+            <a:avLst/>
+          </a:prstGeom>
+          <a:noFill/>
+          <a:ln>
+            <a:noFill/>
+          </a:ln>
+        </p:spPr>
+        <p:style>
+          <a:lnRef idx="0"/>
+          <a:fillRef idx="0"/>
+          <a:effectRef idx="0"/>
+          <a:fontRef idx="minor"/>
+        </p:style>
+        <p:txBody>
+          <a:bodyPr lIns="90000" rIns="90000" tIns="45000" bIns="45000">
+            <a:noAutofit/>
+          </a:bodyPr>
+          <a:p>
+            <a:pPr>
+              <a:lnSpc>
+                <a:spcPct val="100000"/>
+              </a:lnSpc>
+            </a:pPr>
+            <a:r>
+              <a:rPr b="0" lang="ca-ES" sz="2000" spc="-1" strike="noStrike">
+                <a:solidFill>
+                  <a:srgbClr val="0059a2"/>
+                </a:solidFill>
+                <a:latin typeface="Arial"/>
+                <a:ea typeface="ＭＳ Ｐゴシック"/>
+              </a:rPr>
+              <a:t>- Unusual </a:t>
+            </a:r>
+            <a:r>
+              <a:rPr b="0" lang="ca-ES" sz="2000" spc="-1" strike="noStrike">
+                <a:solidFill>
+                  <a:srgbClr val="0059a2"/>
+                </a:solidFill>
+                <a:latin typeface="Arial"/>
+                <a:ea typeface="ＭＳ Ｐゴシック"/>
+              </a:rPr>
+              <a:t>territorial </a:t>
+            </a:r>
+            <a:r>
+              <a:rPr b="0" lang="ca-ES" sz="2000" spc="-1" strike="noStrike">
+                <a:solidFill>
+                  <a:srgbClr val="0059a2"/>
+                </a:solidFill>
+                <a:latin typeface="Arial"/>
+                <a:ea typeface="ＭＳ Ｐゴシック"/>
+              </a:rPr>
+              <a:t>division</a:t>
+            </a:r>
+            <a:endParaRPr b="0" lang="es-ES" sz="2000" spc="-1" strike="noStrike">
+              <a:latin typeface="Arial"/>
+            </a:endParaRPr>
+          </a:p>
+          <a:p>
+            <a:pPr>
+              <a:lnSpc>
+                <a:spcPct val="100000"/>
+              </a:lnSpc>
+            </a:pPr>
+            <a:r>
+              <a:rPr b="0" lang="ca-ES" sz="2000" spc="-1" strike="noStrike">
+                <a:solidFill>
+                  <a:srgbClr val="0059a2"/>
+                </a:solidFill>
+                <a:latin typeface="Arial"/>
+                <a:ea typeface="ＭＳ Ｐゴシック"/>
+              </a:rPr>
+              <a:t>	</a:t>
+            </a:r>
+            <a:r>
+              <a:rPr b="0" lang="ca-ES" sz="2000" spc="-1" strike="noStrike">
+                <a:solidFill>
+                  <a:srgbClr val="0059a2"/>
+                </a:solidFill>
+                <a:latin typeface="Arial"/>
+                <a:ea typeface="ＭＳ Ｐゴシック"/>
+              </a:rPr>
+              <a:t>&gt; </a:t>
+            </a:r>
+            <a:r>
+              <a:rPr b="0" lang="ca-ES" sz="2000" spc="-1" strike="noStrike">
+                <a:solidFill>
+                  <a:srgbClr val="0059a2"/>
+                </a:solidFill>
+                <a:latin typeface="Arial"/>
+                <a:ea typeface="ＭＳ Ｐゴシック"/>
+              </a:rPr>
+              <a:t>Mismatched </a:t>
+            </a:r>
+            <a:r>
+              <a:rPr b="0" lang="ca-ES" sz="2000" spc="-1" strike="noStrike">
+                <a:solidFill>
+                  <a:srgbClr val="0059a2"/>
+                </a:solidFill>
+                <a:latin typeface="Arial"/>
+                <a:ea typeface="ＭＳ Ｐゴシック"/>
+              </a:rPr>
+              <a:t>regions</a:t>
+            </a:r>
+            <a:endParaRPr b="0" lang="es-ES" sz="2000" spc="-1" strike="noStrike">
+              <a:latin typeface="Arial"/>
+            </a:endParaRPr>
+          </a:p>
+          <a:p>
+            <a:pPr>
+              <a:lnSpc>
+                <a:spcPct val="100000"/>
+              </a:lnSpc>
+            </a:pPr>
+            <a:endParaRPr b="0" lang="es-ES" sz="2000" spc="-1" strike="noStrike">
+              <a:latin typeface="Arial"/>
+            </a:endParaRPr>
+          </a:p>
+          <a:p>
+            <a:pPr>
+              <a:lnSpc>
+                <a:spcPct val="100000"/>
+              </a:lnSpc>
+            </a:pPr>
+            <a:r>
+              <a:rPr b="0" lang="ca-ES" sz="2000" spc="-1" strike="noStrike">
+                <a:solidFill>
+                  <a:srgbClr val="0059a2"/>
+                </a:solidFill>
+                <a:latin typeface="Arial"/>
+                <a:ea typeface="ＭＳ Ｐゴシック"/>
+              </a:rPr>
+              <a:t>- Great influx </a:t>
+            </a:r>
+            <a:r>
+              <a:rPr b="0" lang="ca-ES" sz="2000" spc="-1" strike="noStrike">
+                <a:solidFill>
+                  <a:srgbClr val="0059a2"/>
+                </a:solidFill>
+                <a:latin typeface="Arial"/>
+                <a:ea typeface="ＭＳ Ｐゴシック"/>
+              </a:rPr>
+              <a:t>to regions with </a:t>
+            </a:r>
+            <a:r>
+              <a:rPr b="0" lang="ca-ES" sz="2000" spc="-1" strike="noStrike">
+                <a:solidFill>
+                  <a:srgbClr val="0059a2"/>
+                </a:solidFill>
+                <a:latin typeface="Arial"/>
+                <a:ea typeface="ＭＳ Ｐゴシック"/>
+              </a:rPr>
+              <a:t>Capital cities</a:t>
+            </a:r>
+            <a:endParaRPr b="0" lang="es-ES" sz="2000" spc="-1" strike="noStrike">
+              <a:latin typeface="Arial"/>
+            </a:endParaRPr>
+          </a:p>
+          <a:p>
+            <a:pPr>
+              <a:lnSpc>
+                <a:spcPct val="100000"/>
+              </a:lnSpc>
+            </a:pPr>
+            <a:endParaRPr b="0" lang="es-ES" sz="2000" spc="-1" strike="noStrike">
+              <a:latin typeface="Arial"/>
+            </a:endParaRPr>
+          </a:p>
+          <a:p>
+            <a:pPr>
+              <a:lnSpc>
+                <a:spcPct val="100000"/>
+              </a:lnSpc>
+            </a:pPr>
+            <a:r>
+              <a:rPr b="0" lang="ca-ES" sz="2000" spc="-1" strike="noStrike">
+                <a:solidFill>
+                  <a:srgbClr val="0059a2"/>
+                </a:solidFill>
+                <a:latin typeface="Arial"/>
+                <a:ea typeface="ＭＳ Ｐゴシック"/>
+              </a:rPr>
+              <a:t>- Connecting </a:t>
+            </a:r>
+            <a:r>
+              <a:rPr b="0" lang="ca-ES" sz="2000" spc="-1" strike="noStrike">
+                <a:solidFill>
+                  <a:srgbClr val="0059a2"/>
+                </a:solidFill>
+                <a:latin typeface="Arial"/>
+                <a:ea typeface="ＭＳ Ｐゴシック"/>
+              </a:rPr>
+              <a:t>regions with </a:t>
+            </a:r>
+            <a:r>
+              <a:rPr b="0" lang="ca-ES" sz="2000" spc="-1" strike="noStrike">
+                <a:solidFill>
+                  <a:srgbClr val="0059a2"/>
+                </a:solidFill>
+                <a:latin typeface="Arial"/>
+                <a:ea typeface="ＭＳ Ｐゴシック"/>
+              </a:rPr>
+              <a:t>more migrants</a:t>
+            </a:r>
+            <a:endParaRPr b="0" lang="es-ES" sz="2000" spc="-1" strike="noStrike">
+              <a:latin typeface="Arial"/>
+            </a:endParaRPr>
+          </a:p>
+          <a:p>
+            <a:pPr>
+              <a:lnSpc>
+                <a:spcPct val="100000"/>
+              </a:lnSpc>
+            </a:pPr>
+            <a:endParaRPr b="0" lang="es-ES" sz="2000" spc="-1" strike="noStrike">
+              <a:latin typeface="Arial"/>
+            </a:endParaRPr>
+          </a:p>
+          <a:p>
+            <a:pPr>
+              <a:lnSpc>
+                <a:spcPct val="100000"/>
+              </a:lnSpc>
+            </a:pPr>
+            <a:r>
+              <a:rPr b="0" lang="ca-ES" sz="2000" spc="-1" strike="noStrike">
+                <a:solidFill>
+                  <a:srgbClr val="0059a2"/>
+                </a:solidFill>
+                <a:latin typeface="Arial"/>
+                <a:ea typeface="ＭＳ Ｐゴシック"/>
+              </a:rPr>
+              <a:t>- Rural areas </a:t>
+            </a:r>
+            <a:r>
+              <a:rPr b="0" lang="ca-ES" sz="2000" spc="-1" strike="noStrike">
+                <a:solidFill>
+                  <a:srgbClr val="0059a2"/>
+                </a:solidFill>
+                <a:latin typeface="Arial"/>
+                <a:ea typeface="ＭＳ Ｐゴシック"/>
+              </a:rPr>
+              <a:t>with less influx</a:t>
+            </a:r>
+            <a:endParaRPr b="0" lang="es-ES" sz="2000" spc="-1" strike="noStrike">
+              <a:latin typeface="Arial"/>
+            </a:endParaRPr>
+          </a:p>
+          <a:p>
+            <a:pPr>
+              <a:lnSpc>
+                <a:spcPct val="100000"/>
+              </a:lnSpc>
+            </a:pPr>
+            <a:endParaRPr b="0" lang="es-ES" sz="2000" spc="-1" strike="noStrike">
+              <a:latin typeface="Arial"/>
+            </a:endParaRPr>
+          </a:p>
+        </p:txBody>
+      </p:sp>
+    </p:spTree>
+  </p:cSld>
+  <mc:AlternateContent>
+    <mc:Choice Requires="p14">
+      <p:transition spd="slow" p14:dur="2000"/>
+    </mc:Choice>
+    <mc:Fallback>
+      <p:transition spd="slow"/>
+    </mc:Fallback>
+  </mc:AlternateContent>
+</p:sld>
+</file>
+
+<file path=ppt/slides/slide9.xml><?xml version="1.0" encoding="utf-8"?>
+<p:sld xmlns:a="http://schemas.openxmlformats.org/drawingml/2006/main" xmlns:p="http://schemas.openxmlformats.org/presentationml/2006/main" xmlns:r="http://schemas.openxmlformats.org/officeDocument/2006/relationships" xmlns:p14="http://schemas.microsoft.com/office/powerpoint/2010/main" xmlns:p15="http://schemas.microsoft.com/office/powerpoint/2012/main" xmlns:mc="http://schemas.openxmlformats.org/markup-compatibility/2006">
+  <p:cSld>
+    <p:spTree>
+      <p:nvGrpSpPr>
+        <p:cNvPr id="1" name=""/>
+        <p:cNvGrpSpPr/>
+        <p:nvPr/>
+      </p:nvGrpSpPr>
+      <p:grpSpPr>
+        <a:xfrm>
+          <a:off x="0" y="0"/>
+          <a:ext cx="0" cy="0"/>
+          <a:chOff x="0" y="0"/>
+          <a:chExt cx="0" cy="0"/>
+        </a:xfrm>
+      </p:grpSpPr>
+      <p:sp>
+        <p:nvSpPr>
+          <p:cNvPr id="117" name="CustomShape 1"/>
+          <p:cNvSpPr/>
+          <p:nvPr/>
+        </p:nvSpPr>
+        <p:spPr>
+          <a:xfrm>
+            <a:off x="282600" y="417960"/>
+            <a:ext cx="5196960" cy="114480"/>
+          </a:xfrm>
+          <a:prstGeom prst="rect">
+            <a:avLst/>
+          </a:prstGeom>
+          <a:noFill/>
+          <a:ln>
+            <a:noFill/>
+          </a:ln>
+        </p:spPr>
+        <p:style>
+          <a:lnRef idx="0"/>
+          <a:fillRef idx="0"/>
+          <a:effectRef idx="0"/>
+          <a:fontRef idx="minor"/>
+        </p:style>
+        <p:txBody>
+          <a:bodyPr lIns="0" rIns="0" tIns="0" bIns="0">
+            <a:noAutofit/>
+          </a:bodyPr>
+          <a:p>
+            <a:pPr marL="343080" indent="-341640">
+              <a:lnSpc>
+                <a:spcPts val="1001"/>
+              </a:lnSpc>
+              <a:tabLst>
+                <a:tab algn="l" pos="0"/>
+              </a:tabLst>
+            </a:pPr>
+            <a:r>
+              <a:rPr b="1" lang="es-ES" sz="800" spc="-1" strike="noStrike">
+                <a:solidFill>
+                  <a:srgbClr val="000000"/>
+                </a:solidFill>
+                <a:latin typeface="Arial"/>
+                <a:ea typeface="ＭＳ Ｐゴシック"/>
+              </a:rPr>
+              <a:t>MSc Physics of Complex Systems </a:t>
+            </a:r>
+            <a:r>
+              <a:rPr b="1" lang="es-ES" sz="800" spc="-1" strike="noStrike">
+                <a:solidFill>
+                  <a:srgbClr val="000000"/>
+                </a:solidFill>
+                <a:latin typeface="Arial"/>
+                <a:ea typeface="ＭＳ Ｐゴシック"/>
+              </a:rPr>
+              <a:t>and Biophysics</a:t>
+            </a:r>
+            <a:endParaRPr b="0" lang="es-ES" sz="800" spc="-1" strike="noStrike">
+              <a:latin typeface="Arial"/>
+            </a:endParaRPr>
+          </a:p>
+          <a:p>
+            <a:pPr marL="343080" indent="-341640">
+              <a:lnSpc>
+                <a:spcPts val="1001"/>
+              </a:lnSpc>
+              <a:tabLst>
+                <a:tab algn="l" pos="0"/>
+              </a:tabLst>
+            </a:pPr>
+            <a:endParaRPr b="0" lang="es-ES" sz="800" spc="-1" strike="noStrike">
+              <a:latin typeface="Arial"/>
+            </a:endParaRPr>
+          </a:p>
+        </p:txBody>
+      </p:sp>
+      <p:sp>
+        <p:nvSpPr>
+          <p:cNvPr id="118" name="CustomShape 2"/>
+          <p:cNvSpPr/>
+          <p:nvPr/>
+        </p:nvSpPr>
+        <p:spPr>
+          <a:xfrm>
+            <a:off x="282600" y="536760"/>
+            <a:ext cx="5196960" cy="227160"/>
+          </a:xfrm>
+          <a:prstGeom prst="rect">
+            <a:avLst/>
+          </a:prstGeom>
+          <a:noFill/>
+          <a:ln>
+            <a:noFill/>
+          </a:ln>
+        </p:spPr>
+        <p:style>
+          <a:lnRef idx="0"/>
+          <a:fillRef idx="0"/>
+          <a:effectRef idx="0"/>
+          <a:fontRef idx="minor"/>
+        </p:style>
+        <p:txBody>
+          <a:bodyPr lIns="0" rIns="0" tIns="0" bIns="0">
+            <a:noAutofit/>
+          </a:bodyPr>
+          <a:p>
+            <a:pPr marL="343080" indent="-341640">
+              <a:lnSpc>
+                <a:spcPct val="100000"/>
+              </a:lnSpc>
+              <a:spcBef>
+                <a:spcPts val="159"/>
+              </a:spcBef>
+              <a:tabLst>
+                <a:tab algn="l" pos="0"/>
+              </a:tabLst>
+            </a:pPr>
+            <a:r>
+              <a:rPr b="0" lang="es-ES" sz="800" spc="-1" strike="noStrike">
+                <a:solidFill>
+                  <a:srgbClr val="000000"/>
+                </a:solidFill>
+                <a:latin typeface="Arial"/>
+                <a:ea typeface="ＭＳ Ｐゴシック"/>
+              </a:rPr>
+              <a:t>Analysis and Visualization of Big Data </a:t>
+            </a:r>
+            <a:r>
+              <a:rPr b="0" lang="es-ES" sz="800" spc="-1" strike="noStrike">
+                <a:solidFill>
+                  <a:srgbClr val="000000"/>
+                </a:solidFill>
+                <a:latin typeface="Arial"/>
+                <a:ea typeface="ＭＳ Ｐゴシック"/>
+              </a:rPr>
+              <a:t>– Final Presentation - </a:t>
+            </a:r>
+            <a:r>
+              <a:rPr b="0" lang="es-ES" sz="800" spc="-1" strike="noStrike">
+                <a:solidFill>
+                  <a:srgbClr val="000000"/>
+                </a:solidFill>
+                <a:highlight>
+                  <a:srgbClr val="ffff00"/>
+                </a:highlight>
+                <a:latin typeface="Arial"/>
+                <a:ea typeface="ＭＳ Ｐゴシック"/>
+              </a:rPr>
+              <a:t>Title</a:t>
+            </a:r>
+            <a:endParaRPr b="0" lang="es-ES" sz="800" spc="-1" strike="noStrike">
+              <a:latin typeface="Arial"/>
+            </a:endParaRPr>
+          </a:p>
+        </p:txBody>
+      </p:sp>
+      <p:sp>
+        <p:nvSpPr>
+          <p:cNvPr id="119" name="CustomShape 3"/>
+          <p:cNvSpPr/>
+          <p:nvPr/>
+        </p:nvSpPr>
+        <p:spPr>
+          <a:xfrm>
+            <a:off x="273960" y="1143360"/>
+            <a:ext cx="8566560" cy="455760"/>
+          </a:xfrm>
+          <a:prstGeom prst="rect">
+            <a:avLst/>
+          </a:prstGeom>
+          <a:noFill/>
+          <a:ln>
+            <a:noFill/>
+          </a:ln>
+        </p:spPr>
+        <p:style>
+          <a:lnRef idx="0"/>
+          <a:fillRef idx="0"/>
+          <a:effectRef idx="0"/>
+          <a:fontRef idx="minor"/>
+        </p:style>
+        <p:txBody>
+          <a:bodyPr lIns="0" rIns="0" tIns="0" bIns="0">
+            <a:noAutofit/>
+          </a:bodyPr>
+          <a:p>
+            <a:pPr>
+              <a:lnSpc>
+                <a:spcPct val="100000"/>
+              </a:lnSpc>
+            </a:pPr>
+            <a:r>
+              <a:rPr b="1" lang="es-ES" sz="2400" spc="-1" strike="noStrike">
+                <a:solidFill>
+                  <a:srgbClr val="0059a2"/>
+                </a:solidFill>
+                <a:latin typeface="Arial"/>
+                <a:ea typeface="ＭＳ Ｐゴシック"/>
+              </a:rPr>
+              <a:t>Origin-</a:t>
+            </a:r>
+            <a:r>
+              <a:rPr b="1" lang="es-ES" sz="2400" spc="-1" strike="noStrike">
+                <a:solidFill>
+                  <a:srgbClr val="0059a2"/>
+                </a:solidFill>
+                <a:latin typeface="Arial"/>
+                <a:ea typeface="ＭＳ Ｐゴシック"/>
+              </a:rPr>
+              <a:t>destination </a:t>
+            </a:r>
+            <a:r>
+              <a:rPr b="1" lang="es-ES" sz="2400" spc="-1" strike="noStrike">
+                <a:solidFill>
+                  <a:srgbClr val="0059a2"/>
+                </a:solidFill>
+                <a:latin typeface="Arial"/>
+                <a:ea typeface="ＭＳ Ｐゴシック"/>
+              </a:rPr>
+              <a:t>relations</a:t>
+            </a:r>
+            <a:endParaRPr b="0" lang="es-ES" sz="2400" spc="-1" strike="noStrike">
+              <a:latin typeface="Arial"/>
+            </a:endParaRPr>
+          </a:p>
+        </p:txBody>
+      </p:sp>
     </p:spTree>
   </p:cSld>
   <mc:AlternateContent>

--- a/FinalPresentation_Template_authors.pptx
+++ b/FinalPresentation_Template_authors.pptx
@@ -3702,7 +3702,7 @@
                 <a:spcPct val="100000"/>
               </a:lnSpc>
             </a:pPr>
-            <a:fld id="{C5637D26-450B-4477-8FE6-531B33D5CC4F}" type="slidenum">
+            <a:fld id="{C96C0E70-4A97-41B3-87B9-E5D55AA2E4DF}" type="slidenum">
               <a:rPr b="0" lang="es-ES_tradnl" sz="1200" spc="-1" strike="noStrike">
                 <a:solidFill>
                   <a:srgbClr val="898989"/>
@@ -4318,7 +4318,7 @@
                 <a:spcPct val="100000"/>
               </a:lnSpc>
             </a:pPr>
-            <a:fld id="{13A26E74-C69B-43AE-A382-6EDDD752AB03}" type="slidenum">
+            <a:fld id="{E0617016-A207-4DC6-A62C-FD3D982EED68}" type="slidenum">
               <a:rPr b="0" lang="es-ES_tradnl" sz="800" spc="-1" strike="noStrike">
                 <a:solidFill>
                   <a:srgbClr val="000000"/>
@@ -6011,7 +6011,7 @@
                 <a:spcPct val="100000"/>
               </a:lnSpc>
             </a:pPr>
-            <a:fld id="{43F94FD7-0414-4E97-8360-1D88B3A7B8EB}" type="slidenum">
+            <a:fld id="{2AC299CF-AC4A-46CF-BF2D-D4E68C003BCF}" type="slidenum">
               <a:rPr b="0" lang="es-ES_tradnl" sz="800" spc="-1" strike="noStrike">
                 <a:solidFill>
                   <a:srgbClr val="000000"/>
@@ -9274,84 +9274,172 @@
       </p:sp>
       <p:sp>
         <p:nvSpPr>
-          <p:cNvPr id="141" name="TextShape 4"/>
-          <p:cNvSpPr txBox="1"/>
+          <p:cNvPr id="141" name="CustomShape 4"/>
+          <p:cNvSpPr/>
           <p:nvPr/>
         </p:nvSpPr>
         <p:spPr>
           <a:xfrm>
-            <a:off x="360000" y="1800000"/>
-            <a:ext cx="4392000" cy="1114200"/>
+            <a:off x="531360" y="1981800"/>
+            <a:ext cx="5876640" cy="3489840"/>
           </a:xfrm>
           <a:prstGeom prst="rect">
             <a:avLst/>
           </a:prstGeom>
-          <a:noFill/>
+          <a:solidFill>
+            <a:srgbClr val="ffffff"/>
+          </a:solidFill>
           <a:ln>
             <a:noFill/>
           </a:ln>
         </p:spPr>
+        <p:style>
+          <a:lnRef idx="0"/>
+          <a:fillRef idx="0"/>
+          <a:effectRef idx="0"/>
+          <a:fontRef idx="minor"/>
+        </p:style>
         <p:txBody>
           <a:bodyPr lIns="90000" rIns="90000" tIns="45000" bIns="45000">
             <a:noAutofit/>
           </a:bodyPr>
           <a:p>
-            <a:r>
-              <a:rPr b="0" lang="es-ES" sz="1200" spc="-1" strike="noStrike">
-                <a:latin typeface="Arial"/>
-              </a:rPr>
-              <a:t>Qui ha fet què:</a:t>
-            </a:r>
-            <a:endParaRPr b="0" lang="es-ES" sz="1200" spc="-1" strike="noStrike">
-              <a:latin typeface="Arial"/>
-            </a:endParaRPr>
-          </a:p>
-          <a:p>
-            <a:endParaRPr b="0" lang="es-ES" sz="1200" spc="-1" strike="noStrike">
-              <a:latin typeface="Arial"/>
-            </a:endParaRPr>
-          </a:p>
-          <a:p>
-            <a:r>
-              <a:rPr b="0" lang="es-ES" sz="1200" spc="-1" strike="noStrike">
-                <a:latin typeface="Arial"/>
-              </a:rPr>
-              <a:t>Línies temporals, orígen-comarca final: Martina</a:t>
-            </a:r>
-            <a:endParaRPr b="0" lang="es-ES" sz="1200" spc="-1" strike="noStrike">
-              <a:latin typeface="Arial"/>
-            </a:endParaRPr>
-          </a:p>
-          <a:p>
-            <a:r>
-              <a:rPr b="0" lang="es-ES" sz="1200" spc="-1" strike="noStrike">
-                <a:latin typeface="Arial"/>
-              </a:rPr>
-              <a:t>Pie chart: Aleix</a:t>
-            </a:r>
-            <a:endParaRPr b="0" lang="es-ES" sz="1200" spc="-1" strike="noStrike">
-              <a:latin typeface="Arial"/>
-            </a:endParaRPr>
-          </a:p>
-          <a:p>
-            <a:r>
-              <a:rPr b="0" lang="es-ES" sz="1200" spc="-1" strike="noStrike">
-                <a:latin typeface="Arial"/>
-              </a:rPr>
-              <a:t>Histogrames: Victor</a:t>
-            </a:r>
-            <a:endParaRPr b="0" lang="es-ES" sz="1200" spc="-1" strike="noStrike">
-              <a:latin typeface="Arial"/>
-            </a:endParaRPr>
-          </a:p>
-          <a:p>
-            <a:r>
-              <a:rPr b="0" lang="es-ES" sz="1200" spc="-1" strike="noStrike">
-                <a:latin typeface="Arial"/>
-              </a:rPr>
-              <a:t>Mapa geogràfic i Streamlit: Roger</a:t>
-            </a:r>
-            <a:endParaRPr b="0" lang="es-ES" sz="1200" spc="-1" strike="noStrike">
+            <a:pPr>
+              <a:lnSpc>
+                <a:spcPct val="100000"/>
+              </a:lnSpc>
+            </a:pPr>
+            <a:r>
+              <a:rPr b="0" lang="ca-ES" sz="2000" spc="-1" strike="noStrike">
+                <a:solidFill>
+                  <a:srgbClr val="0059a2"/>
+                </a:solidFill>
+                <a:latin typeface="Arial"/>
+                <a:ea typeface="ＭＳ Ｐゴシック"/>
+              </a:rPr>
+              <a:t>- Time-evolution graphics, origin-destination </a:t>
+            </a:r>
+            <a:r>
+              <a:rPr b="0" lang="ca-ES" sz="2000" spc="-1" strike="noStrike">
+                <a:solidFill>
+                  <a:srgbClr val="0059a2"/>
+                </a:solidFill>
+                <a:latin typeface="Arial"/>
+                <a:ea typeface="ＭＳ Ｐゴシック"/>
+              </a:rPr>
+              <a:t>graphics: Martina </a:t>
+            </a:r>
+            <a:endParaRPr b="0" lang="es-ES" sz="2000" spc="-1" strike="noStrike">
+              <a:latin typeface="Arial"/>
+            </a:endParaRPr>
+          </a:p>
+          <a:p>
+            <a:pPr>
+              <a:lnSpc>
+                <a:spcPct val="100000"/>
+              </a:lnSpc>
+            </a:pPr>
+            <a:endParaRPr b="0" lang="es-ES" sz="2000" spc="-1" strike="noStrike">
+              <a:latin typeface="Arial"/>
+            </a:endParaRPr>
+          </a:p>
+          <a:p>
+            <a:pPr>
+              <a:lnSpc>
+                <a:spcPct val="100000"/>
+              </a:lnSpc>
+            </a:pPr>
+            <a:r>
+              <a:rPr b="0" lang="ca-ES" sz="2000" spc="-1" strike="noStrike">
+                <a:solidFill>
+                  <a:srgbClr val="0059a2"/>
+                </a:solidFill>
+                <a:latin typeface="Arial"/>
+                <a:ea typeface="ＭＳ Ｐゴシック"/>
+              </a:rPr>
+              <a:t>- Origin pie charts: Aleix</a:t>
+            </a:r>
+            <a:endParaRPr b="0" lang="es-ES" sz="2000" spc="-1" strike="noStrike">
+              <a:latin typeface="Arial"/>
+            </a:endParaRPr>
+          </a:p>
+          <a:p>
+            <a:pPr>
+              <a:lnSpc>
+                <a:spcPct val="100000"/>
+              </a:lnSpc>
+            </a:pPr>
+            <a:endParaRPr b="0" lang="es-ES" sz="2000" spc="-1" strike="noStrike">
+              <a:latin typeface="Arial"/>
+            </a:endParaRPr>
+          </a:p>
+          <a:p>
+            <a:pPr>
+              <a:lnSpc>
+                <a:spcPct val="100000"/>
+              </a:lnSpc>
+            </a:pPr>
+            <a:r>
+              <a:rPr b="0" lang="ca-ES" sz="2000" spc="-1" strike="noStrike">
+                <a:solidFill>
+                  <a:srgbClr val="0059a2"/>
+                </a:solidFill>
+                <a:latin typeface="Arial"/>
+                <a:ea typeface="ＭＳ Ｐゴシック"/>
+              </a:rPr>
+              <a:t>- Histograms: Victor</a:t>
+            </a:r>
+            <a:endParaRPr b="0" lang="es-ES" sz="2000" spc="-1" strike="noStrike">
+              <a:latin typeface="Arial"/>
+            </a:endParaRPr>
+          </a:p>
+          <a:p>
+            <a:pPr>
+              <a:lnSpc>
+                <a:spcPct val="100000"/>
+              </a:lnSpc>
+            </a:pPr>
+            <a:endParaRPr b="0" lang="es-ES" sz="2000" spc="-1" strike="noStrike">
+              <a:latin typeface="Arial"/>
+            </a:endParaRPr>
+          </a:p>
+          <a:p>
+            <a:pPr>
+              <a:lnSpc>
+                <a:spcPct val="100000"/>
+              </a:lnSpc>
+            </a:pPr>
+            <a:r>
+              <a:rPr b="0" lang="ca-ES" sz="2000" spc="-1" strike="noStrike">
+                <a:solidFill>
+                  <a:srgbClr val="0059a2"/>
+                </a:solidFill>
+                <a:latin typeface="Arial"/>
+                <a:ea typeface="ＭＳ Ｐゴシック"/>
+              </a:rPr>
+              <a:t>- Geographic map and streamlit dashboard: </a:t>
+            </a:r>
+            <a:r>
+              <a:rPr b="0" lang="ca-ES" sz="2000" spc="-1" strike="noStrike">
+                <a:solidFill>
+                  <a:srgbClr val="0059a2"/>
+                </a:solidFill>
+                <a:latin typeface="Arial"/>
+                <a:ea typeface="ＭＳ Ｐゴシック"/>
+              </a:rPr>
+              <a:t>Roger</a:t>
+            </a:r>
+            <a:endParaRPr b="0" lang="es-ES" sz="2000" spc="-1" strike="noStrike">
+              <a:latin typeface="Arial"/>
+            </a:endParaRPr>
+          </a:p>
+          <a:p>
+            <a:pPr>
+              <a:lnSpc>
+                <a:spcPct val="100000"/>
+              </a:lnSpc>
+            </a:pPr>
+            <a:endParaRPr b="0" lang="es-ES" sz="2000" spc="-1" strike="noStrike">
               <a:latin typeface="Arial"/>
             </a:endParaRPr>
           </a:p>
@@ -9690,7 +9778,7 @@
                 <a:spcPct val="100000"/>
               </a:lnSpc>
             </a:pPr>
-            <a:fld id="{1AE27734-7B51-41E2-9757-76BB6FA2E0EC}" type="slidenum">
+            <a:fld id="{AAD1A749-60D5-44D9-A28E-D0E2893A1263}" type="slidenum">
               <a:rPr b="0" lang="es-ES_tradnl" sz="800" spc="-1" strike="noStrike">
                 <a:solidFill>
                   <a:srgbClr val="000000"/>
@@ -10565,7 +10653,7 @@
                 <a:spcPct val="100000"/>
               </a:lnSpc>
             </a:pPr>
-            <a:fld id="{7A3DF529-09F8-4AB7-B447-65EA5A0794D3}" type="slidenum">
+            <a:fld id="{DF123EAC-80A9-4345-A9D2-4DB1EE574F90}" type="slidenum">
               <a:rPr b="0" lang="es-ES_tradnl" sz="800" spc="-1" strike="noStrike">
                 <a:solidFill>
                   <a:srgbClr val="000000"/>

--- a/FinalPresentation_Template_authors.pptx
+++ b/FinalPresentation_Template_authors.pptx
@@ -3235,55 +3235,7 @@
               <a:rPr b="0" lang="es-ES" sz="4400" spc="-1" strike="noStrike">
                 <a:latin typeface="Arial"/>
               </a:rPr>
-              <a:t>Pulse </a:t>
-            </a:r>
-            <a:r>
-              <a:rPr b="0" lang="es-ES" sz="4400" spc="-1" strike="noStrike">
-                <a:latin typeface="Arial"/>
-              </a:rPr>
-              <a:t>para </a:t>
-            </a:r>
-            <a:r>
-              <a:rPr b="0" lang="es-ES" sz="4400" spc="-1" strike="noStrike">
-                <a:latin typeface="Arial"/>
-              </a:rPr>
-              <a:t>editar </a:t>
-            </a:r>
-            <a:r>
-              <a:rPr b="0" lang="es-ES" sz="4400" spc="-1" strike="noStrike">
-                <a:latin typeface="Arial"/>
-              </a:rPr>
-              <a:t>el </a:t>
-            </a:r>
-            <a:r>
-              <a:rPr b="0" lang="es-ES" sz="4400" spc="-1" strike="noStrike">
-                <a:latin typeface="Arial"/>
-              </a:rPr>
-              <a:t>format</a:t>
-            </a:r>
-            <a:r>
-              <a:rPr b="0" lang="es-ES" sz="4400" spc="-1" strike="noStrike">
-                <a:latin typeface="Arial"/>
-              </a:rPr>
-              <a:t>o del </a:t>
-            </a:r>
-            <a:r>
-              <a:rPr b="0" lang="es-ES" sz="4400" spc="-1" strike="noStrike">
-                <a:latin typeface="Arial"/>
-              </a:rPr>
-              <a:t>texto </a:t>
-            </a:r>
-            <a:r>
-              <a:rPr b="0" lang="es-ES" sz="4400" spc="-1" strike="noStrike">
-                <a:latin typeface="Arial"/>
-              </a:rPr>
-              <a:t>de </a:t>
-            </a:r>
-            <a:r>
-              <a:rPr b="0" lang="es-ES" sz="4400" spc="-1" strike="noStrike">
-                <a:latin typeface="Arial"/>
-              </a:rPr>
-              <a:t>título</a:t>
+              <a:t>Pulse para editar el formato del texto de título</a:t>
             </a:r>
             <a:endParaRPr b="0" lang="es-ES" sz="4400" spc="-1" strike="noStrike">
               <a:latin typeface="Arial"/>
@@ -3515,7 +3467,7 @@
         </p:nvSpPr>
         <p:spPr>
           <a:xfrm>
-            <a:off x="0" y="2130480"/>
+            <a:off x="-24120" y="1407960"/>
             <a:ext cx="9142560" cy="1468440"/>
           </a:xfrm>
           <a:prstGeom prst="rect">
@@ -3550,7 +3502,7 @@
                 <a:latin typeface="Arial"/>
                 <a:ea typeface="ＭＳ Ｐゴシック"/>
               </a:rPr>
-              <a:t>Title</a:t>
+              <a:t>Migratory influx of young people into Catalunya:</a:t>
             </a:r>
             <a:endParaRPr b="0" lang="es-ES" sz="4400" spc="-1" strike="noStrike">
               <a:latin typeface="Arial"/>
@@ -3702,7 +3654,7 @@
                 <a:spcPct val="100000"/>
               </a:lnSpc>
             </a:pPr>
-            <a:fld id="{C96C0E70-4A97-41B3-87B9-E5D55AA2E4DF}" type="slidenum">
+            <a:fld id="{F00AB64B-519E-43C4-A116-DFDEFBABDD6E}" type="slidenum">
               <a:rPr b="0" lang="es-ES_tradnl" sz="1200" spc="-1" strike="noStrike">
                 <a:solidFill>
                   <a:srgbClr val="898989"/>
@@ -3713,6 +3665,54 @@
               <a:t>&lt;número&gt;</a:t>
             </a:fld>
             <a:endParaRPr b="0" lang="es-ES" sz="1200" spc="-1" strike="noStrike">
+              <a:latin typeface="Arial"/>
+            </a:endParaRPr>
+          </a:p>
+        </p:txBody>
+      </p:sp>
+      <p:sp>
+        <p:nvSpPr>
+          <p:cNvPr id="84" name="TextShape 4"/>
+          <p:cNvSpPr txBox="1"/>
+          <p:nvPr/>
+        </p:nvSpPr>
+        <p:spPr>
+          <a:xfrm>
+            <a:off x="2916000" y="2952000"/>
+            <a:ext cx="3240000" cy="373680"/>
+          </a:xfrm>
+          <a:prstGeom prst="rect">
+            <a:avLst/>
+          </a:prstGeom>
+          <a:noFill/>
+          <a:ln>
+            <a:noFill/>
+          </a:ln>
+        </p:spPr>
+        <p:txBody>
+          <a:bodyPr lIns="90000" rIns="90000" tIns="45000" bIns="45000">
+            <a:noAutofit/>
+          </a:bodyPr>
+          <a:p>
+            <a:r>
+              <a:rPr b="0" lang="es-ES" sz="2000" spc="-1" strike="noStrike">
+                <a:latin typeface="Arial"/>
+              </a:rPr>
+              <a:t>a COVID </a:t>
+            </a:r>
+            <a:r>
+              <a:rPr b="0" lang="es-ES" sz="2000" spc="-1" strike="noStrike">
+                <a:latin typeface="Arial"/>
+              </a:rPr>
+              <a:t>pandemic </a:t>
+            </a:r>
+            <a:r>
+              <a:rPr b="0" lang="es-ES" sz="2000" spc="-1" strike="noStrike">
+                <a:latin typeface="Arial"/>
+              </a:rPr>
+              <a:t>insight</a:t>
+            </a:r>
+            <a:endParaRPr b="0" lang="es-ES" sz="2000" spc="-1" strike="noStrike">
               <a:latin typeface="Arial"/>
             </a:endParaRPr>
           </a:p>
@@ -3871,13 +3871,10 @@
                 <a:solidFill>
                   <a:srgbClr val="000000"/>
                 </a:solidFill>
-                <a:highlight>
-                  <a:srgbClr val="ffff00"/>
-                </a:highlight>
-                <a:latin typeface="Arial"/>
-                <a:ea typeface="ＭＳ Ｐゴシック"/>
-              </a:rPr>
-              <a:t>Title</a:t>
+                <a:latin typeface="Arial"/>
+                <a:ea typeface="ＭＳ Ｐゴシック"/>
+              </a:rPr>
+              <a:t>Migration influx of young people into Catalunya</a:t>
             </a:r>
             <a:endParaRPr b="0" lang="es-ES" sz="800" spc="-1" strike="noStrike">
               <a:latin typeface="Arial"/>
@@ -4318,7 +4315,7 @@
                 <a:spcPct val="100000"/>
               </a:lnSpc>
             </a:pPr>
-            <a:fld id="{E0617016-A207-4DC6-A62C-FD3D982EED68}" type="slidenum">
+            <a:fld id="{244319F4-3B0C-4B3C-B493-092B8E8021F2}" type="slidenum">
               <a:rPr b="0" lang="es-ES_tradnl" sz="800" spc="-1" strike="noStrike">
                 <a:solidFill>
                   <a:srgbClr val="000000"/>
@@ -4444,13 +4441,10 @@
                 <a:solidFill>
                   <a:srgbClr val="000000"/>
                 </a:solidFill>
-                <a:highlight>
-                  <a:srgbClr val="ffff00"/>
-                </a:highlight>
-                <a:latin typeface="Arial"/>
-                <a:ea typeface="ＭＳ Ｐゴシック"/>
-              </a:rPr>
-              <a:t>Title</a:t>
+                <a:latin typeface="Arial"/>
+                <a:ea typeface="ＭＳ Ｐゴシック"/>
+              </a:rPr>
+              <a:t>Migration influx of young people into Catalunya</a:t>
             </a:r>
             <a:endParaRPr b="0" lang="es-ES" sz="800" spc="-1" strike="noStrike">
               <a:latin typeface="Arial"/>
@@ -6011,7 +6005,7 @@
                 <a:spcPct val="100000"/>
               </a:lnSpc>
             </a:pPr>
-            <a:fld id="{2AC299CF-AC4A-46CF-BF2D-D4E68C003BCF}" type="slidenum">
+            <a:fld id="{6ED9BAFA-B542-40D5-9540-8192A868CDCC}" type="slidenum">
               <a:rPr b="0" lang="es-ES_tradnl" sz="800" spc="-1" strike="noStrike">
                 <a:solidFill>
                   <a:srgbClr val="000000"/>
@@ -6137,13 +6131,10 @@
                 <a:solidFill>
                   <a:srgbClr val="000000"/>
                 </a:solidFill>
-                <a:highlight>
-                  <a:srgbClr val="ffff00"/>
-                </a:highlight>
-                <a:latin typeface="Arial"/>
-                <a:ea typeface="ＭＳ Ｐゴシック"/>
-              </a:rPr>
-              <a:t>Title</a:t>
+                <a:latin typeface="Arial"/>
+                <a:ea typeface="ＭＳ Ｐゴシック"/>
+              </a:rPr>
+              <a:t>Migration influx of young people into Catalunya</a:t>
             </a:r>
             <a:endParaRPr b="0" lang="es-ES" sz="800" spc="-1" strike="noStrike">
               <a:latin typeface="Arial"/>
@@ -9197,13 +9188,30 @@
                 <a:solidFill>
                   <a:srgbClr val="000000"/>
                 </a:solidFill>
-                <a:highlight>
-                  <a:srgbClr val="ffff00"/>
-                </a:highlight>
-                <a:latin typeface="Arial"/>
-                <a:ea typeface="ＭＳ Ｐゴシック"/>
-              </a:rPr>
-              <a:t>Title</a:t>
+                <a:latin typeface="Arial"/>
+                <a:ea typeface="ＭＳ Ｐゴシック"/>
+              </a:rPr>
+              <a:t>Migration </a:t>
+            </a:r>
+            <a:r>
+              <a:rPr b="0" lang="es-ES" sz="800" spc="-1" strike="noStrike">
+                <a:solidFill>
+                  <a:srgbClr val="000000"/>
+                </a:solidFill>
+                <a:latin typeface="Arial"/>
+                <a:ea typeface="ＭＳ Ｐゴシック"/>
+              </a:rPr>
+              <a:t>influx of young people into </a:t>
+            </a:r>
+            <a:r>
+              <a:rPr b="0" lang="es-ES" sz="800" spc="-1" strike="noStrike">
+                <a:solidFill>
+                  <a:srgbClr val="000000"/>
+                </a:solidFill>
+                <a:latin typeface="Arial"/>
+                <a:ea typeface="ＭＳ Ｐゴシック"/>
+              </a:rPr>
+              <a:t>Catalunya</a:t>
             </a:r>
             <a:endParaRPr b="0" lang="es-ES" sz="800" spc="-1" strike="noStrike">
               <a:latin typeface="Arial"/>
@@ -9477,7 +9485,7 @@
       </p:grpSpPr>
       <p:sp>
         <p:nvSpPr>
-          <p:cNvPr id="84" name="CustomShape 1"/>
+          <p:cNvPr id="85" name="CustomShape 1"/>
           <p:cNvSpPr/>
           <p:nvPr/>
         </p:nvSpPr>
@@ -9528,7 +9536,7 @@
       </p:sp>
       <p:sp>
         <p:nvSpPr>
-          <p:cNvPr id="85" name="CustomShape 2"/>
+          <p:cNvPr id="86" name="CustomShape 2"/>
           <p:cNvSpPr/>
           <p:nvPr/>
         </p:nvSpPr>
@@ -9595,7 +9603,7 @@
       </p:sp>
       <p:sp>
         <p:nvSpPr>
-          <p:cNvPr id="86" name="CustomShape 3"/>
+          <p:cNvPr id="87" name="CustomShape 3"/>
           <p:cNvSpPr/>
           <p:nvPr/>
         </p:nvSpPr>
@@ -9642,20 +9650,7 @@
                 <a:latin typeface="Arial"/>
                 <a:ea typeface="ＭＳ Ｐゴシック"/>
               </a:rPr>
-              <a:t>Analysis and Visualization of Big Data – Final Presentation - </a:t>
-            </a:r>
-            <a:r>
-              <a:rPr b="0" lang="es-ES" sz="800" spc="-1" strike="noStrike">
-                <a:solidFill>
-                  <a:srgbClr val="000000"/>
-                </a:solidFill>
-                <a:highlight>
-                  <a:srgbClr val="ffff00"/>
-                </a:highlight>
-                <a:latin typeface="Arial"/>
-                <a:ea typeface="ＭＳ Ｐゴシック"/>
-              </a:rPr>
-              <a:t>Title</a:t>
+              <a:t>Analysis and Visualization of Big Data – Final Presentation – Migration influx of young people into Catalunya</a:t>
             </a:r>
             <a:endParaRPr b="0" lang="es-ES" sz="800" spc="-1" strike="noStrike">
               <a:latin typeface="Arial"/>
@@ -9665,7 +9660,7 @@
       </p:sp>
       <p:sp>
         <p:nvSpPr>
-          <p:cNvPr id="87" name="CustomShape 4"/>
+          <p:cNvPr id="88" name="CustomShape 4"/>
           <p:cNvSpPr/>
           <p:nvPr/>
         </p:nvSpPr>
@@ -9745,7 +9740,7 @@
       </p:sp>
       <p:sp>
         <p:nvSpPr>
-          <p:cNvPr id="88" name="CustomShape 5"/>
+          <p:cNvPr id="89" name="CustomShape 5"/>
           <p:cNvSpPr/>
           <p:nvPr/>
         </p:nvSpPr>
@@ -9778,7 +9773,7 @@
                 <a:spcPct val="100000"/>
               </a:lnSpc>
             </a:pPr>
-            <a:fld id="{AAD1A749-60D5-44D9-A28E-D0E2893A1263}" type="slidenum">
+            <a:fld id="{8489124D-6ED2-4948-A889-C6061EF482F5}" type="slidenum">
               <a:rPr b="0" lang="es-ES_tradnl" sz="800" spc="-1" strike="noStrike">
                 <a:solidFill>
                   <a:srgbClr val="000000"/>
@@ -9826,882 +9821,7 @@
       </p:grpSpPr>
       <p:sp>
         <p:nvSpPr>
-          <p:cNvPr id="89" name="CustomShape 1"/>
-          <p:cNvSpPr/>
-          <p:nvPr/>
-        </p:nvSpPr>
-        <p:spPr>
-          <a:xfrm>
-            <a:off x="288000" y="1143000"/>
-            <a:ext cx="8566560" cy="455760"/>
-          </a:xfrm>
-          <a:prstGeom prst="rect">
-            <a:avLst/>
-          </a:prstGeom>
-          <a:noFill/>
-          <a:ln>
-            <a:noFill/>
-          </a:ln>
-        </p:spPr>
-        <p:style>
-          <a:lnRef idx="0"/>
-          <a:fillRef idx="0"/>
-          <a:effectRef idx="0"/>
-          <a:fontRef idx="minor"/>
-        </p:style>
-        <p:txBody>
-          <a:bodyPr lIns="0" rIns="0" tIns="0" bIns="0">
-            <a:noAutofit/>
-          </a:bodyPr>
-          <a:p>
-            <a:pPr>
-              <a:lnSpc>
-                <a:spcPct val="100000"/>
-              </a:lnSpc>
-            </a:pPr>
-            <a:r>
-              <a:rPr b="1" lang="es-ES" sz="2400" spc="-1" strike="noStrike">
-                <a:solidFill>
-                  <a:srgbClr val="0059a2"/>
-                </a:solidFill>
-                <a:latin typeface="Arial"/>
-                <a:ea typeface="ＭＳ Ｐゴシック"/>
-              </a:rPr>
-              <a:t>Outline</a:t>
-            </a:r>
-            <a:endParaRPr b="0" lang="es-ES" sz="2400" spc="-1" strike="noStrike">
-              <a:latin typeface="Arial"/>
-            </a:endParaRPr>
-          </a:p>
-        </p:txBody>
-      </p:sp>
-      <p:sp>
-        <p:nvSpPr>
-          <p:cNvPr id="90" name="CustomShape 2"/>
-          <p:cNvSpPr/>
-          <p:nvPr/>
-        </p:nvSpPr>
-        <p:spPr>
-          <a:xfrm>
-            <a:off x="288000" y="417600"/>
-            <a:ext cx="5196960" cy="114480"/>
-          </a:xfrm>
-          <a:prstGeom prst="rect">
-            <a:avLst/>
-          </a:prstGeom>
-          <a:noFill/>
-          <a:ln>
-            <a:noFill/>
-          </a:ln>
-        </p:spPr>
-        <p:style>
-          <a:lnRef idx="0"/>
-          <a:fillRef idx="0"/>
-          <a:effectRef idx="0"/>
-          <a:fontRef idx="minor"/>
-        </p:style>
-        <p:txBody>
-          <a:bodyPr lIns="0" rIns="0" tIns="0" bIns="0">
-            <a:noAutofit/>
-          </a:bodyPr>
-          <a:p>
-            <a:pPr marL="343080" indent="-341640">
-              <a:lnSpc>
-                <a:spcPts val="1001"/>
-              </a:lnSpc>
-              <a:tabLst>
-                <a:tab algn="l" pos="0"/>
-              </a:tabLst>
-            </a:pPr>
-            <a:r>
-              <a:rPr b="1" lang="es-ES" sz="800" spc="-1" strike="noStrike">
-                <a:solidFill>
-                  <a:srgbClr val="000000"/>
-                </a:solidFill>
-                <a:latin typeface="Arial"/>
-                <a:ea typeface="ＭＳ Ｐゴシック"/>
-              </a:rPr>
-              <a:t>MSc Physics of Complex Systems and Biophysics</a:t>
-            </a:r>
-            <a:endParaRPr b="0" lang="es-ES" sz="800" spc="-1" strike="noStrike">
-              <a:latin typeface="Arial"/>
-            </a:endParaRPr>
-          </a:p>
-          <a:p>
-            <a:pPr marL="343080" indent="-341640">
-              <a:lnSpc>
-                <a:spcPts val="1001"/>
-              </a:lnSpc>
-              <a:tabLst>
-                <a:tab algn="l" pos="0"/>
-              </a:tabLst>
-            </a:pPr>
-            <a:endParaRPr b="0" lang="es-ES" sz="800" spc="-1" strike="noStrike">
-              <a:latin typeface="Arial"/>
-            </a:endParaRPr>
-          </a:p>
-        </p:txBody>
-      </p:sp>
-      <p:sp>
-        <p:nvSpPr>
-          <p:cNvPr id="91" name="CustomShape 3"/>
-          <p:cNvSpPr/>
-          <p:nvPr/>
-        </p:nvSpPr>
-        <p:spPr>
-          <a:xfrm>
-            <a:off x="288000" y="536400"/>
-            <a:ext cx="5196960" cy="227160"/>
-          </a:xfrm>
-          <a:prstGeom prst="rect">
-            <a:avLst/>
-          </a:prstGeom>
-          <a:noFill/>
-          <a:ln>
-            <a:noFill/>
-          </a:ln>
-        </p:spPr>
-        <p:style>
-          <a:lnRef idx="0"/>
-          <a:fillRef idx="0"/>
-          <a:effectRef idx="0"/>
-          <a:fontRef idx="minor"/>
-        </p:style>
-        <p:txBody>
-          <a:bodyPr lIns="0" rIns="0" tIns="0" bIns="0">
-            <a:noAutofit/>
-          </a:bodyPr>
-          <a:p>
-            <a:pPr marL="343080" indent="-341640">
-              <a:lnSpc>
-                <a:spcPct val="100000"/>
-              </a:lnSpc>
-              <a:spcBef>
-                <a:spcPts val="159"/>
-              </a:spcBef>
-              <a:tabLst>
-                <a:tab algn="l" pos="0"/>
-              </a:tabLst>
-            </a:pPr>
-            <a:r>
-              <a:rPr b="0" lang="es-ES" sz="800" spc="-1" strike="noStrike">
-                <a:solidFill>
-                  <a:srgbClr val="000000"/>
-                </a:solidFill>
-                <a:latin typeface="Arial"/>
-                <a:ea typeface="ＭＳ Ｐゴシック"/>
-              </a:rPr>
-              <a:t>Analysis and Visualization of Big Data – Final Presentation - </a:t>
-            </a:r>
-            <a:r>
-              <a:rPr b="0" lang="es-ES" sz="800" spc="-1" strike="noStrike">
-                <a:solidFill>
-                  <a:srgbClr val="000000"/>
-                </a:solidFill>
-                <a:highlight>
-                  <a:srgbClr val="ffff00"/>
-                </a:highlight>
-                <a:latin typeface="Arial"/>
-                <a:ea typeface="ＭＳ Ｐゴシック"/>
-              </a:rPr>
-              <a:t>Title</a:t>
-            </a:r>
-            <a:endParaRPr b="0" lang="es-ES" sz="800" spc="-1" strike="noStrike">
-              <a:latin typeface="Arial"/>
-            </a:endParaRPr>
-          </a:p>
-        </p:txBody>
-      </p:sp>
-      <p:sp>
-        <p:nvSpPr>
-          <p:cNvPr id="92" name="CustomShape 4"/>
-          <p:cNvSpPr/>
-          <p:nvPr/>
-        </p:nvSpPr>
-        <p:spPr>
-          <a:xfrm>
-            <a:off x="287280" y="1575360"/>
-            <a:ext cx="8566560" cy="4923000"/>
-          </a:xfrm>
-          <a:prstGeom prst="rect">
-            <a:avLst/>
-          </a:prstGeom>
-          <a:noFill/>
-          <a:ln>
-            <a:noFill/>
-          </a:ln>
-        </p:spPr>
-        <p:style>
-          <a:lnRef idx="0"/>
-          <a:fillRef idx="0"/>
-          <a:effectRef idx="0"/>
-          <a:fontRef idx="minor"/>
-        </p:style>
-        <p:txBody>
-          <a:bodyPr lIns="360000" rIns="360000" tIns="0" bIns="0">
-            <a:noAutofit/>
-          </a:bodyPr>
-          <a:p>
-            <a:pPr>
-              <a:lnSpc>
-                <a:spcPct val="100000"/>
-              </a:lnSpc>
-              <a:tabLst>
-                <a:tab algn="l" pos="0"/>
-              </a:tabLst>
-            </a:pPr>
-            <a:r>
-              <a:rPr b="0" lang="ca-ES" sz="2000" spc="-1" strike="noStrike">
-                <a:solidFill>
-                  <a:srgbClr val="0059a2"/>
-                </a:solidFill>
-                <a:latin typeface="Arial"/>
-                <a:ea typeface="ＭＳ Ｐゴシック"/>
-              </a:rPr>
-              <a:t>Adapt the following list:</a:t>
-            </a:r>
-            <a:endParaRPr b="0" lang="es-ES" sz="2000" spc="-1" strike="noStrike">
-              <a:latin typeface="Arial"/>
-            </a:endParaRPr>
-          </a:p>
-          <a:p>
-            <a:pPr>
-              <a:lnSpc>
-                <a:spcPct val="100000"/>
-              </a:lnSpc>
-              <a:tabLst>
-                <a:tab algn="l" pos="0"/>
-              </a:tabLst>
-            </a:pPr>
-            <a:r>
-              <a:rPr b="0" lang="ca-ES" sz="2000" spc="-1" strike="noStrike">
-                <a:solidFill>
-                  <a:srgbClr val="0059a2"/>
-                </a:solidFill>
-                <a:latin typeface="Arial"/>
-                <a:ea typeface="ＭＳ Ｐゴシック"/>
-              </a:rPr>
-              <a:t>	</a:t>
-            </a:r>
-            <a:r>
-              <a:rPr b="0" lang="ca-ES" sz="2000" spc="-1" strike="noStrike">
-                <a:solidFill>
-                  <a:srgbClr val="0059a2"/>
-                </a:solidFill>
-                <a:latin typeface="Arial"/>
-                <a:ea typeface="ＭＳ Ｐゴシック"/>
-              </a:rPr>
-              <a:t>•</a:t>
-            </a:r>
-            <a:r>
-              <a:rPr b="0" lang="ca-ES" sz="2000" spc="-1" strike="noStrike">
-                <a:solidFill>
-                  <a:srgbClr val="0059a2"/>
-                </a:solidFill>
-                <a:latin typeface="Arial"/>
-                <a:ea typeface="ＭＳ Ｐゴシック"/>
-              </a:rPr>
-              <a:t>	</a:t>
-            </a:r>
-            <a:r>
-              <a:rPr b="0" lang="ca-ES" sz="2000" spc="-1" strike="noStrike">
-                <a:solidFill>
-                  <a:srgbClr val="0059a2"/>
-                </a:solidFill>
-                <a:latin typeface="Arial"/>
-                <a:ea typeface="ＭＳ Ｐゴシック"/>
-              </a:rPr>
-              <a:t>Title following style discussed in class</a:t>
-            </a:r>
-            <a:endParaRPr b="0" lang="es-ES" sz="2000" spc="-1" strike="noStrike">
-              <a:latin typeface="Arial"/>
-            </a:endParaRPr>
-          </a:p>
-          <a:p>
-            <a:pPr>
-              <a:lnSpc>
-                <a:spcPct val="100000"/>
-              </a:lnSpc>
-              <a:tabLst>
-                <a:tab algn="l" pos="0"/>
-              </a:tabLst>
-            </a:pPr>
-            <a:r>
-              <a:rPr b="0" lang="ca-ES" sz="2000" spc="-1" strike="noStrike">
-                <a:solidFill>
-                  <a:srgbClr val="0059a2"/>
-                </a:solidFill>
-                <a:latin typeface="Arial"/>
-                <a:ea typeface="ＭＳ Ｐゴシック"/>
-              </a:rPr>
-              <a:t>	</a:t>
-            </a:r>
-            <a:r>
-              <a:rPr b="0" lang="ca-ES" sz="2000" spc="-1" strike="noStrike">
-                <a:solidFill>
-                  <a:srgbClr val="0059a2"/>
-                </a:solidFill>
-                <a:latin typeface="Arial"/>
-                <a:ea typeface="ＭＳ Ｐゴシック"/>
-              </a:rPr>
-              <a:t>•</a:t>
-            </a:r>
-            <a:r>
-              <a:rPr b="0" lang="ca-ES" sz="2000" spc="-1" strike="noStrike">
-                <a:solidFill>
-                  <a:srgbClr val="0059a2"/>
-                </a:solidFill>
-                <a:latin typeface="Arial"/>
-                <a:ea typeface="ＭＳ Ｐゴシック"/>
-              </a:rPr>
-              <a:t>	</a:t>
-            </a:r>
-            <a:r>
-              <a:rPr b="0" lang="ca-ES" sz="2000" spc="-1" strike="noStrike">
-                <a:solidFill>
-                  <a:srgbClr val="0059a2"/>
-                </a:solidFill>
-                <a:latin typeface="Arial"/>
-                <a:ea typeface="ＭＳ Ｐゴシック"/>
-              </a:rPr>
-              <a:t>Abstract following style discussed in class</a:t>
-            </a:r>
-            <a:endParaRPr b="0" lang="es-ES" sz="2000" spc="-1" strike="noStrike">
-              <a:latin typeface="Arial"/>
-            </a:endParaRPr>
-          </a:p>
-          <a:p>
-            <a:pPr>
-              <a:lnSpc>
-                <a:spcPct val="100000"/>
-              </a:lnSpc>
-              <a:tabLst>
-                <a:tab algn="l" pos="0"/>
-              </a:tabLst>
-            </a:pPr>
-            <a:r>
-              <a:rPr b="0" lang="ca-ES" sz="2000" spc="-1" strike="noStrike">
-                <a:solidFill>
-                  <a:srgbClr val="0059a2"/>
-                </a:solidFill>
-                <a:latin typeface="Arial"/>
-                <a:ea typeface="ＭＳ Ｐゴシック"/>
-              </a:rPr>
-              <a:t>	</a:t>
-            </a:r>
-            <a:r>
-              <a:rPr b="0" lang="ca-ES" sz="2000" spc="-1" strike="noStrike">
-                <a:solidFill>
-                  <a:srgbClr val="0059a2"/>
-                </a:solidFill>
-                <a:latin typeface="Arial"/>
-                <a:ea typeface="ＭＳ Ｐゴシック"/>
-              </a:rPr>
-              <a:t>•</a:t>
-            </a:r>
-            <a:r>
-              <a:rPr b="0" lang="ca-ES" sz="2000" spc="-1" strike="noStrike">
-                <a:solidFill>
-                  <a:srgbClr val="0059a2"/>
-                </a:solidFill>
-                <a:latin typeface="Arial"/>
-                <a:ea typeface="ＭＳ Ｐゴシック"/>
-              </a:rPr>
-              <a:t>	</a:t>
-            </a:r>
-            <a:r>
-              <a:rPr b="0" lang="ca-ES" sz="2000" spc="-1" strike="noStrike">
-                <a:solidFill>
-                  <a:srgbClr val="0059a2"/>
-                </a:solidFill>
-                <a:latin typeface="Arial"/>
-                <a:ea typeface="ＭＳ Ｐゴシック"/>
-              </a:rPr>
-              <a:t>The research process, the methods and the tools behind the plots and the dashboard, including a general structure of the Data Management Plan</a:t>
-            </a:r>
-            <a:endParaRPr b="0" lang="es-ES" sz="2000" spc="-1" strike="noStrike">
-              <a:latin typeface="Arial"/>
-            </a:endParaRPr>
-          </a:p>
-          <a:p>
-            <a:pPr>
-              <a:lnSpc>
-                <a:spcPct val="100000"/>
-              </a:lnSpc>
-              <a:tabLst>
-                <a:tab algn="l" pos="0"/>
-              </a:tabLst>
-            </a:pPr>
-            <a:r>
-              <a:rPr b="0" lang="ca-ES" sz="2000" spc="-1" strike="noStrike">
-                <a:solidFill>
-                  <a:srgbClr val="0059a2"/>
-                </a:solidFill>
-                <a:latin typeface="Arial"/>
-                <a:ea typeface="ＭＳ Ｐゴシック"/>
-              </a:rPr>
-              <a:t>	</a:t>
-            </a:r>
-            <a:r>
-              <a:rPr b="0" lang="ca-ES" sz="2000" spc="-1" strike="noStrike">
-                <a:solidFill>
-                  <a:srgbClr val="0059a2"/>
-                </a:solidFill>
-                <a:latin typeface="Arial"/>
-                <a:ea typeface="ＭＳ Ｐゴシック"/>
-              </a:rPr>
-              <a:t>•</a:t>
-            </a:r>
-            <a:r>
-              <a:rPr b="0" lang="ca-ES" sz="2000" spc="-1" strike="noStrike">
-                <a:solidFill>
-                  <a:srgbClr val="0059a2"/>
-                </a:solidFill>
-                <a:latin typeface="Arial"/>
-                <a:ea typeface="ＭＳ Ｐゴシック"/>
-              </a:rPr>
-              <a:t>	</a:t>
-            </a:r>
-            <a:r>
-              <a:rPr b="0" lang="ca-ES" sz="2000" spc="-1" strike="noStrike">
-                <a:solidFill>
-                  <a:srgbClr val="0059a2"/>
-                </a:solidFill>
-                <a:latin typeface="Arial"/>
-                <a:ea typeface="ＭＳ Ｐゴシック"/>
-              </a:rPr>
-              <a:t>Results</a:t>
-            </a:r>
-            <a:endParaRPr b="0" lang="es-ES" sz="2000" spc="-1" strike="noStrike">
-              <a:latin typeface="Arial"/>
-            </a:endParaRPr>
-          </a:p>
-          <a:p>
-            <a:pPr>
-              <a:lnSpc>
-                <a:spcPct val="100000"/>
-              </a:lnSpc>
-              <a:tabLst>
-                <a:tab algn="l" pos="0"/>
-              </a:tabLst>
-            </a:pPr>
-            <a:r>
-              <a:rPr b="0" lang="ca-ES" sz="2000" spc="-1" strike="noStrike">
-                <a:solidFill>
-                  <a:srgbClr val="0059a2"/>
-                </a:solidFill>
-                <a:latin typeface="Arial"/>
-                <a:ea typeface="ＭＳ Ｐゴシック"/>
-              </a:rPr>
-              <a:t>	</a:t>
-            </a:r>
-            <a:r>
-              <a:rPr b="0" lang="ca-ES" sz="2000" spc="-1" strike="noStrike">
-                <a:solidFill>
-                  <a:srgbClr val="0059a2"/>
-                </a:solidFill>
-                <a:latin typeface="Arial"/>
-                <a:ea typeface="ＭＳ Ｐゴシック"/>
-              </a:rPr>
-              <a:t>•</a:t>
-            </a:r>
-            <a:r>
-              <a:rPr b="0" lang="ca-ES" sz="2000" spc="-1" strike="noStrike">
-                <a:solidFill>
-                  <a:srgbClr val="0059a2"/>
-                </a:solidFill>
-                <a:latin typeface="Arial"/>
-                <a:ea typeface="ＭＳ Ｐゴシック"/>
-              </a:rPr>
-              <a:t>	</a:t>
-            </a:r>
-            <a:r>
-              <a:rPr b="0" lang="ca-ES" sz="2000" spc="-1" strike="noStrike">
-                <a:solidFill>
-                  <a:srgbClr val="0059a2"/>
-                </a:solidFill>
-                <a:latin typeface="Arial"/>
-                <a:ea typeface="ＭＳ Ｐゴシック"/>
-              </a:rPr>
-              <a:t>Related activities on dissemination, communication, public participation or citizen science</a:t>
-            </a:r>
-            <a:endParaRPr b="0" lang="es-ES" sz="2000" spc="-1" strike="noStrike">
-              <a:latin typeface="Arial"/>
-            </a:endParaRPr>
-          </a:p>
-          <a:p>
-            <a:pPr>
-              <a:lnSpc>
-                <a:spcPct val="100000"/>
-              </a:lnSpc>
-              <a:tabLst>
-                <a:tab algn="l" pos="0"/>
-              </a:tabLst>
-            </a:pPr>
-            <a:r>
-              <a:rPr b="0" lang="ca-ES" sz="2000" spc="-1" strike="noStrike">
-                <a:solidFill>
-                  <a:srgbClr val="0059a2"/>
-                </a:solidFill>
-                <a:latin typeface="Arial"/>
-                <a:ea typeface="ＭＳ Ｐゴシック"/>
-              </a:rPr>
-              <a:t>	</a:t>
-            </a:r>
-            <a:r>
-              <a:rPr b="0" lang="ca-ES" sz="2000" spc="-1" strike="noStrike">
-                <a:solidFill>
-                  <a:srgbClr val="0059a2"/>
-                </a:solidFill>
-                <a:latin typeface="Arial"/>
-                <a:ea typeface="ＭＳ Ｐゴシック"/>
-              </a:rPr>
-              <a:t>•</a:t>
-            </a:r>
-            <a:r>
-              <a:rPr b="0" lang="ca-ES" sz="2000" spc="-1" strike="noStrike">
-                <a:solidFill>
-                  <a:srgbClr val="0059a2"/>
-                </a:solidFill>
-                <a:latin typeface="Arial"/>
-                <a:ea typeface="ＭＳ Ｐゴシック"/>
-              </a:rPr>
-              <a:t>	</a:t>
-            </a:r>
-            <a:r>
-              <a:rPr b="0" lang="ca-ES" sz="2000" spc="-1" strike="noStrike">
-                <a:solidFill>
-                  <a:srgbClr val="0059a2"/>
-                </a:solidFill>
-                <a:latin typeface="Arial"/>
-                <a:ea typeface="ＭＳ Ｐゴシック"/>
-              </a:rPr>
-              <a:t>Conclusions</a:t>
-            </a:r>
-            <a:endParaRPr b="0" lang="es-ES" sz="2000" spc="-1" strike="noStrike">
-              <a:latin typeface="Arial"/>
-            </a:endParaRPr>
-          </a:p>
-          <a:p>
-            <a:pPr>
-              <a:lnSpc>
-                <a:spcPct val="100000"/>
-              </a:lnSpc>
-              <a:tabLst>
-                <a:tab algn="l" pos="0"/>
-              </a:tabLst>
-            </a:pPr>
-            <a:r>
-              <a:rPr b="0" lang="ca-ES" sz="2000" spc="-1" strike="noStrike">
-                <a:solidFill>
-                  <a:srgbClr val="0059a2"/>
-                </a:solidFill>
-                <a:latin typeface="Arial"/>
-                <a:ea typeface="ＭＳ Ｐゴシック"/>
-              </a:rPr>
-              <a:t>	</a:t>
-            </a:r>
-            <a:r>
-              <a:rPr b="0" lang="ca-ES" sz="2000" spc="-1" strike="noStrike">
-                <a:solidFill>
-                  <a:srgbClr val="0059a2"/>
-                </a:solidFill>
-                <a:latin typeface="Arial"/>
-                <a:ea typeface="ＭＳ Ｐゴシック"/>
-              </a:rPr>
-              <a:t>•</a:t>
-            </a:r>
-            <a:r>
-              <a:rPr b="0" lang="ca-ES" sz="2000" spc="-1" strike="noStrike">
-                <a:solidFill>
-                  <a:srgbClr val="0059a2"/>
-                </a:solidFill>
-                <a:latin typeface="Arial"/>
-                <a:ea typeface="ＭＳ Ｐゴシック"/>
-              </a:rPr>
-              <a:t>	</a:t>
-            </a:r>
-            <a:r>
-              <a:rPr b="0" lang="ca-ES" sz="2000" spc="-1" strike="noStrike">
-                <a:solidFill>
-                  <a:srgbClr val="0059a2"/>
-                </a:solidFill>
-                <a:latin typeface="Arial"/>
-                <a:ea typeface="ＭＳ Ｐゴシック"/>
-              </a:rPr>
-              <a:t>Concluding remarks and general reflections about the course</a:t>
-            </a:r>
-            <a:endParaRPr b="0" lang="es-ES" sz="2000" spc="-1" strike="noStrike">
-              <a:latin typeface="Arial"/>
-            </a:endParaRPr>
-          </a:p>
-          <a:p>
-            <a:pPr>
-              <a:lnSpc>
-                <a:spcPct val="100000"/>
-              </a:lnSpc>
-              <a:tabLst>
-                <a:tab algn="l" pos="0"/>
-              </a:tabLst>
-            </a:pPr>
-            <a:r>
-              <a:rPr b="0" lang="ca-ES" sz="2000" spc="-1" strike="noStrike">
-                <a:solidFill>
-                  <a:srgbClr val="0059a2"/>
-                </a:solidFill>
-                <a:latin typeface="Arial"/>
-                <a:ea typeface="ＭＳ Ｐゴシック"/>
-              </a:rPr>
-              <a:t>	</a:t>
-            </a:r>
-            <a:r>
-              <a:rPr b="0" lang="ca-ES" sz="2000" spc="-1" strike="noStrike">
-                <a:solidFill>
-                  <a:srgbClr val="0059a2"/>
-                </a:solidFill>
-                <a:latin typeface="Arial"/>
-                <a:ea typeface="ＭＳ Ｐゴシック"/>
-              </a:rPr>
-              <a:t>•</a:t>
-            </a:r>
-            <a:r>
-              <a:rPr b="0" lang="ca-ES" sz="2000" spc="-1" strike="noStrike">
-                <a:solidFill>
-                  <a:srgbClr val="0059a2"/>
-                </a:solidFill>
-                <a:latin typeface="Arial"/>
-                <a:ea typeface="ＭＳ Ｐゴシック"/>
-              </a:rPr>
-              <a:t>	</a:t>
-            </a:r>
-            <a:r>
-              <a:rPr b="0" lang="ca-ES" sz="2000" spc="-1" strike="noStrike">
-                <a:solidFill>
-                  <a:srgbClr val="0059a2"/>
-                </a:solidFill>
-                <a:latin typeface="Arial"/>
-                <a:ea typeface="ＭＳ Ｐゴシック"/>
-              </a:rPr>
-              <a:t>Authors contribution, use CRediT rules </a:t>
-            </a:r>
-            <a:r>
-              <a:rPr b="0" lang="ca-ES" sz="2000" spc="-1" strike="noStrike" u="sng">
-                <a:solidFill>
-                  <a:srgbClr val="0000ff"/>
-                </a:solidFill>
-                <a:uFillTx/>
-                <a:latin typeface="Arial"/>
-                <a:ea typeface="ＭＳ Ｐゴシック"/>
-                <a:hlinkClick r:id="rId1"/>
-              </a:rPr>
-              <a:t>https://www.elsevier.com/authors/policies-and-guidelines/credit-author-statement</a:t>
-            </a:r>
-            <a:r>
-              <a:rPr b="0" lang="ca-ES" sz="2000" spc="-1" strike="noStrike">
-                <a:solidFill>
-                  <a:srgbClr val="0059a2"/>
-                </a:solidFill>
-                <a:latin typeface="Arial"/>
-                <a:ea typeface="ＭＳ Ｐゴシック"/>
-              </a:rPr>
-              <a:t>  </a:t>
-            </a:r>
-            <a:endParaRPr b="0" lang="es-ES" sz="2000" spc="-1" strike="noStrike">
-              <a:latin typeface="Arial"/>
-            </a:endParaRPr>
-          </a:p>
-          <a:p>
-            <a:pPr>
-              <a:lnSpc>
-                <a:spcPct val="100000"/>
-              </a:lnSpc>
-              <a:tabLst>
-                <a:tab algn="l" pos="0"/>
-              </a:tabLst>
-            </a:pPr>
-            <a:r>
-              <a:rPr b="0" lang="ca-ES" sz="2000" spc="-1" strike="noStrike">
-                <a:solidFill>
-                  <a:srgbClr val="0059a2"/>
-                </a:solidFill>
-                <a:latin typeface="Arial"/>
-                <a:ea typeface="ＭＳ Ｐゴシック"/>
-              </a:rPr>
-              <a:t>	</a:t>
-            </a:r>
-            <a:r>
-              <a:rPr b="0" lang="ca-ES" sz="2000" spc="-1" strike="noStrike">
-                <a:solidFill>
-                  <a:srgbClr val="0059a2"/>
-                </a:solidFill>
-                <a:latin typeface="Arial"/>
-                <a:ea typeface="ＭＳ Ｐゴシック"/>
-              </a:rPr>
-              <a:t>•</a:t>
-            </a:r>
-            <a:r>
-              <a:rPr b="0" lang="ca-ES" sz="2000" spc="-1" strike="noStrike">
-                <a:solidFill>
-                  <a:srgbClr val="0059a2"/>
-                </a:solidFill>
-                <a:latin typeface="Arial"/>
-                <a:ea typeface="ＭＳ Ｐゴシック"/>
-              </a:rPr>
-              <a:t>	</a:t>
-            </a:r>
-            <a:r>
-              <a:rPr b="0" lang="ca-ES" sz="2000" spc="-1" strike="noStrike">
-                <a:solidFill>
-                  <a:srgbClr val="0059a2"/>
-                </a:solidFill>
-                <a:latin typeface="Arial"/>
-                <a:ea typeface="ＭＳ Ｐゴシック"/>
-              </a:rPr>
-              <a:t>Code and data availability description</a:t>
-            </a:r>
-            <a:endParaRPr b="0" lang="es-ES" sz="2000" spc="-1" strike="noStrike">
-              <a:latin typeface="Arial"/>
-            </a:endParaRPr>
-          </a:p>
-          <a:p>
-            <a:pPr>
-              <a:lnSpc>
-                <a:spcPct val="100000"/>
-              </a:lnSpc>
-              <a:tabLst>
-                <a:tab algn="l" pos="0"/>
-              </a:tabLst>
-            </a:pPr>
-            <a:r>
-              <a:rPr b="0" lang="ca-ES" sz="2000" spc="-1" strike="noStrike">
-                <a:solidFill>
-                  <a:srgbClr val="0059a2"/>
-                </a:solidFill>
-                <a:latin typeface="Arial"/>
-                <a:ea typeface="ＭＳ Ｐゴシック"/>
-              </a:rPr>
-              <a:t>	</a:t>
-            </a:r>
-            <a:r>
-              <a:rPr b="0" lang="ca-ES" sz="2000" spc="-1" strike="noStrike">
-                <a:solidFill>
-                  <a:srgbClr val="0059a2"/>
-                </a:solidFill>
-                <a:latin typeface="Arial"/>
-                <a:ea typeface="ＭＳ Ｐゴシック"/>
-              </a:rPr>
-              <a:t>•</a:t>
-            </a:r>
-            <a:r>
-              <a:rPr b="0" lang="ca-ES" sz="2000" spc="-1" strike="noStrike">
-                <a:solidFill>
-                  <a:srgbClr val="0059a2"/>
-                </a:solidFill>
-                <a:latin typeface="Arial"/>
-                <a:ea typeface="ＭＳ Ｐゴシック"/>
-              </a:rPr>
-              <a:t>	</a:t>
-            </a:r>
-            <a:r>
-              <a:rPr b="0" lang="ca-ES" sz="2000" spc="-1" strike="noStrike">
-                <a:solidFill>
-                  <a:srgbClr val="0059a2"/>
-                </a:solidFill>
-                <a:latin typeface="Arial"/>
-                <a:ea typeface="ＭＳ Ｐゴシック"/>
-              </a:rPr>
-              <a:t>Other aspects such as ethical aspects</a:t>
-            </a:r>
-            <a:endParaRPr b="0" lang="es-ES" sz="2000" spc="-1" strike="noStrike">
-              <a:latin typeface="Arial"/>
-            </a:endParaRPr>
-          </a:p>
-        </p:txBody>
-      </p:sp>
-      <p:sp>
-        <p:nvSpPr>
-          <p:cNvPr id="93" name="CustomShape 5"/>
-          <p:cNvSpPr/>
-          <p:nvPr/>
-        </p:nvSpPr>
-        <p:spPr>
-          <a:xfrm>
-            <a:off x="8610480" y="6356520"/>
-            <a:ext cx="244800" cy="363600"/>
-          </a:xfrm>
-          <a:prstGeom prst="rect">
-            <a:avLst/>
-          </a:prstGeom>
-          <a:noFill/>
-          <a:ln>
-            <a:noFill/>
-          </a:ln>
-        </p:spPr>
-        <p:style>
-          <a:lnRef idx="0"/>
-          <a:fillRef idx="0"/>
-          <a:effectRef idx="0"/>
-          <a:fontRef idx="minor"/>
-        </p:style>
-        <p:txBody>
-          <a:bodyPr lIns="0" rIns="0" tIns="0" bIns="0">
-            <a:noAutofit/>
-          </a:bodyPr>
-          <a:p>
-            <a:pPr algn="r">
-              <a:lnSpc>
-                <a:spcPct val="100000"/>
-              </a:lnSpc>
-            </a:pPr>
-            <a:fld id="{DF123EAC-80A9-4345-A9D2-4DB1EE574F90}" type="slidenum">
-              <a:rPr b="0" lang="es-ES_tradnl" sz="800" spc="-1" strike="noStrike">
-                <a:solidFill>
-                  <a:srgbClr val="000000"/>
-                </a:solidFill>
-                <a:latin typeface="Arial"/>
-                <a:ea typeface="ＭＳ Ｐゴシック"/>
-              </a:rPr>
-              <a:t>&lt;número&gt;</a:t>
-            </a:fld>
-            <a:endParaRPr b="0" lang="es-ES" sz="800" spc="-1" strike="noStrike">
-              <a:latin typeface="Arial"/>
-            </a:endParaRPr>
-          </a:p>
-        </p:txBody>
-      </p:sp>
-    </p:spTree>
-  </p:cSld>
-  <mc:AlternateContent>
-    <mc:Choice Requires="p14">
-      <p:transition spd="slow" p14:dur="2000"/>
-    </mc:Choice>
-    <mc:Fallback>
-      <p:transition spd="slow"/>
-    </mc:Fallback>
-  </mc:AlternateContent>
-</p:sld>
-</file>
-
-<file path=ppt/slides/slide4.xml><?xml version="1.0" encoding="utf-8"?>
-<p:sld xmlns:a="http://schemas.openxmlformats.org/drawingml/2006/main" xmlns:p="http://schemas.openxmlformats.org/presentationml/2006/main" xmlns:r="http://schemas.openxmlformats.org/officeDocument/2006/relationships" xmlns:p14="http://schemas.microsoft.com/office/powerpoint/2010/main" xmlns:p15="http://schemas.microsoft.com/office/powerpoint/2012/main" xmlns:mc="http://schemas.openxmlformats.org/markup-compatibility/2006">
-  <p:cSld>
-    <p:spTree>
-      <p:nvGrpSpPr>
-        <p:cNvPr id="1" name=""/>
-        <p:cNvGrpSpPr/>
-        <p:nvPr/>
-      </p:nvGrpSpPr>
-      <p:grpSpPr>
-        <a:xfrm>
-          <a:off x="0" y="0"/>
-          <a:ext cx="0" cy="0"/>
-          <a:chOff x="0" y="0"/>
-          <a:chExt cx="0" cy="0"/>
-        </a:xfrm>
-      </p:grpSpPr>
-      <p:sp>
-        <p:nvSpPr>
-          <p:cNvPr id="94" name="CustomShape 1"/>
+          <p:cNvPr id="90" name="CustomShape 1"/>
           <p:cNvSpPr/>
           <p:nvPr/>
         </p:nvSpPr>
@@ -10778,7 +9898,7 @@
       </p:sp>
       <p:sp>
         <p:nvSpPr>
-          <p:cNvPr id="95" name="CustomShape 2"/>
+          <p:cNvPr id="91" name="CustomShape 2"/>
           <p:cNvSpPr/>
           <p:nvPr/>
         </p:nvSpPr>
@@ -10842,13 +9962,30 @@
                 <a:solidFill>
                   <a:srgbClr val="000000"/>
                 </a:solidFill>
-                <a:highlight>
-                  <a:srgbClr val="ffff00"/>
-                </a:highlight>
-                <a:latin typeface="Arial"/>
-                <a:ea typeface="ＭＳ Ｐゴシック"/>
-              </a:rPr>
-              <a:t>Title</a:t>
+                <a:latin typeface="Arial"/>
+                <a:ea typeface="ＭＳ Ｐゴシック"/>
+              </a:rPr>
+              <a:t>Migration </a:t>
+            </a:r>
+            <a:r>
+              <a:rPr b="0" lang="es-ES" sz="800" spc="-1" strike="noStrike">
+                <a:solidFill>
+                  <a:srgbClr val="000000"/>
+                </a:solidFill>
+                <a:latin typeface="Arial"/>
+                <a:ea typeface="ＭＳ Ｐゴシック"/>
+              </a:rPr>
+              <a:t>influx of young people into </a:t>
+            </a:r>
+            <a:r>
+              <a:rPr b="0" lang="es-ES" sz="800" spc="-1" strike="noStrike">
+                <a:solidFill>
+                  <a:srgbClr val="000000"/>
+                </a:solidFill>
+                <a:latin typeface="Arial"/>
+                <a:ea typeface="ＭＳ Ｐゴシック"/>
+              </a:rPr>
+              <a:t>Catalunya</a:t>
             </a:r>
             <a:endParaRPr b="0" lang="es-ES" sz="800" spc="-1" strike="noStrike">
               <a:latin typeface="Arial"/>
@@ -10858,7 +9995,7 @@
       </p:sp>
       <p:sp>
         <p:nvSpPr>
-          <p:cNvPr id="96" name="CustomShape 3"/>
+          <p:cNvPr id="92" name="CustomShape 3"/>
           <p:cNvSpPr/>
           <p:nvPr/>
         </p:nvSpPr>
@@ -10929,13 +10066,13 @@
       </p:sp>
       <p:graphicFrame>
         <p:nvGraphicFramePr>
-          <p:cNvPr id="97" name="Table 4"/>
+          <p:cNvPr id="93" name="Table 4"/>
           <p:cNvGraphicFramePr/>
           <p:nvPr/>
         </p:nvGraphicFramePr>
         <p:xfrm>
-          <a:off x="432000" y="1800000"/>
-          <a:ext cx="8207640" cy="4464000"/>
+          <a:off x="424800" y="1770840"/>
+          <a:ext cx="8207280" cy="4463640"/>
         </p:xfrm>
         <a:graphic>
           <a:graphicData uri="http://schemas.openxmlformats.org/drawingml/2006/table">
@@ -10965,32 +10102,13 @@
                       </a:r>
                       <a:endParaRPr b="0" lang="en-GB" sz="1200" spc="-1" strike="noStrike">
                         <a:latin typeface="Arial"/>
+                        <a:ea typeface="Noto Sans CJK SC"/>
                       </a:endParaRPr>
                     </a:p>
                   </a:txBody>
                   <a:tcPr marL="90000" marR="90000">
-                    <a:lnL w="720">
-                      <a:solidFill>
-                        <a:srgbClr val="ffffff"/>
-                      </a:solidFill>
-                    </a:lnL>
-                    <a:lnR w="720">
-                      <a:solidFill>
-                        <a:srgbClr val="ffffff"/>
-                      </a:solidFill>
-                    </a:lnR>
-                    <a:lnT w="720">
-                      <a:solidFill>
-                        <a:srgbClr val="ffffff"/>
-                      </a:solidFill>
-                    </a:lnT>
-                    <a:lnB w="720">
-                      <a:solidFill>
-                        <a:srgbClr val="ffffff"/>
-                      </a:solidFill>
-                    </a:lnB>
                     <a:solidFill>
-                      <a:srgbClr val="b3b3b3"/>
+                      <a:srgbClr val="eeeeee"/>
                     </a:solidFill>
                   </a:tcPr>
                 </a:tc>
@@ -11085,32 +10203,13 @@
                       </a:r>
                       <a:endParaRPr b="0" lang="en-GB" sz="1200" spc="-1" strike="noStrike">
                         <a:latin typeface="Arial"/>
+                        <a:ea typeface="Noto Sans CJK SC"/>
                       </a:endParaRPr>
                     </a:p>
                   </a:txBody>
                   <a:tcPr marL="90000" marR="90000">
-                    <a:lnL w="720">
-                      <a:solidFill>
-                        <a:srgbClr val="ffffff"/>
-                      </a:solidFill>
-                    </a:lnL>
-                    <a:lnR w="720">
-                      <a:solidFill>
-                        <a:srgbClr val="ffffff"/>
-                      </a:solidFill>
-                    </a:lnR>
-                    <a:lnT w="720">
-                      <a:solidFill>
-                        <a:srgbClr val="ffffff"/>
-                      </a:solidFill>
-                    </a:lnT>
-                    <a:lnB w="720">
-                      <a:solidFill>
-                        <a:srgbClr val="ffffff"/>
-                      </a:solidFill>
-                    </a:lnB>
                     <a:solidFill>
-                      <a:srgbClr val="b3b3b3"/>
+                      <a:srgbClr val="eeeeee"/>
                     </a:solidFill>
                   </a:tcPr>
                 </a:tc>
@@ -11149,11 +10248,6 @@
                         <a:srgbClr val="ffffff"/>
                       </a:solidFill>
                     </a:lnR>
-                    <a:lnT w="720">
-                      <a:solidFill>
-                        <a:srgbClr val="ffffff"/>
-                      </a:solidFill>
-                    </a:lnT>
                     <a:lnB w="720">
                       <a:solidFill>
                         <a:srgbClr val="ffffff"/>
@@ -11309,11 +10403,6 @@
                         <a:srgbClr val="ffffff"/>
                       </a:solidFill>
                     </a:lnR>
-                    <a:lnT w="720">
-                      <a:solidFill>
-                        <a:srgbClr val="ffffff"/>
-                      </a:solidFill>
-                    </a:lnT>
                     <a:lnB w="720">
                       <a:solidFill>
                         <a:srgbClr val="ffffff"/>
@@ -11875,7 +10964,7 @@
 </p:sld>
 </file>
 
-<file path=ppt/slides/slide5.xml><?xml version="1.0" encoding="utf-8"?>
+<file path=ppt/slides/slide4.xml><?xml version="1.0" encoding="utf-8"?>
 <p:sld xmlns:a="http://schemas.openxmlformats.org/drawingml/2006/main" xmlns:p="http://schemas.openxmlformats.org/presentationml/2006/main" xmlns:r="http://schemas.openxmlformats.org/officeDocument/2006/relationships" xmlns:p14="http://schemas.microsoft.com/office/powerpoint/2010/main" xmlns:p15="http://schemas.microsoft.com/office/powerpoint/2012/main" xmlns:mc="http://schemas.openxmlformats.org/markup-compatibility/2006">
   <p:cSld>
     <p:spTree>
@@ -11894,7 +10983,7 @@
       </p:grpSpPr>
       <p:sp>
         <p:nvSpPr>
-          <p:cNvPr id="98" name="CustomShape 1"/>
+          <p:cNvPr id="94" name="CustomShape 1"/>
           <p:cNvSpPr/>
           <p:nvPr/>
         </p:nvSpPr>
@@ -11971,7 +11060,7 @@
       </p:sp>
       <p:sp>
         <p:nvSpPr>
-          <p:cNvPr id="99" name="CustomShape 2"/>
+          <p:cNvPr id="95" name="CustomShape 2"/>
           <p:cNvSpPr/>
           <p:nvPr/>
         </p:nvSpPr>
@@ -12018,20 +11107,37 @@
                 <a:latin typeface="Arial"/>
                 <a:ea typeface="ＭＳ Ｐゴシック"/>
               </a:rPr>
-              <a:t>Analysis and Visualization of Big Data – Final Presentation - </a:t>
+              <a:t>Analysis and Visualization of Big Data </a:t>
             </a:r>
             <a:r>
               <a:rPr b="0" lang="es-ES" sz="800" spc="-1" strike="noStrike">
                 <a:solidFill>
                   <a:srgbClr val="000000"/>
                 </a:solidFill>
-                <a:highlight>
-                  <a:srgbClr val="ffff00"/>
-                </a:highlight>
-                <a:latin typeface="Arial"/>
-                <a:ea typeface="ＭＳ Ｐゴシック"/>
-              </a:rPr>
-              <a:t>Title</a:t>
+                <a:latin typeface="Arial"/>
+                <a:ea typeface="ＭＳ Ｐゴシック"/>
+              </a:rPr>
+              <a:t>– Final Presentation - </a:t>
+            </a:r>
+            <a:r>
+              <a:rPr b="0" lang="es-ES" sz="800" spc="-1" strike="noStrike">
+                <a:solidFill>
+                  <a:srgbClr val="000000"/>
+                </a:solidFill>
+                <a:latin typeface="Arial"/>
+                <a:ea typeface="ＭＳ Ｐゴシック"/>
+              </a:rPr>
+              <a:t>Migration influx of young </a:t>
+            </a:r>
+            <a:r>
+              <a:rPr b="0" lang="es-ES" sz="800" spc="-1" strike="noStrike">
+                <a:solidFill>
+                  <a:srgbClr val="000000"/>
+                </a:solidFill>
+                <a:latin typeface="Arial"/>
+                <a:ea typeface="ＭＳ Ｐゴシック"/>
+              </a:rPr>
+              <a:t>people into Catalunya</a:t>
             </a:r>
             <a:endParaRPr b="0" lang="es-ES" sz="800" spc="-1" strike="noStrike">
               <a:latin typeface="Arial"/>
@@ -12041,7 +11147,7 @@
       </p:sp>
       <p:sp>
         <p:nvSpPr>
-          <p:cNvPr id="100" name="CustomShape 3"/>
+          <p:cNvPr id="96" name="CustomShape 3"/>
           <p:cNvSpPr/>
           <p:nvPr/>
         </p:nvSpPr>
@@ -12082,9 +11188,430 @@
                 <a:latin typeface="Arial"/>
                 <a:ea typeface="ＭＳ Ｐゴシック"/>
               </a:rPr>
-              <a:t>Time-evolution graphics</a:t>
+              <a:t>Data </a:t>
+            </a:r>
+            <a:r>
+              <a:rPr b="1" lang="es-ES" sz="2400" spc="-1" strike="noStrike">
+                <a:solidFill>
+                  <a:srgbClr val="0059a2"/>
+                </a:solidFill>
+                <a:latin typeface="Arial"/>
+                <a:ea typeface="ＭＳ Ｐゴシック"/>
+              </a:rPr>
+              <a:t>Manageme</a:t>
+            </a:r>
+            <a:r>
+              <a:rPr b="1" lang="es-ES" sz="2400" spc="-1" strike="noStrike">
+                <a:solidFill>
+                  <a:srgbClr val="0059a2"/>
+                </a:solidFill>
+                <a:latin typeface="Arial"/>
+                <a:ea typeface="ＭＳ Ｐゴシック"/>
+              </a:rPr>
+              <a:t>nt Plan: </a:t>
+            </a:r>
+            <a:r>
+              <a:rPr b="1" lang="es-ES" sz="2400" spc="-1" strike="noStrike">
+                <a:solidFill>
+                  <a:srgbClr val="0059a2"/>
+                </a:solidFill>
+                <a:latin typeface="Arial"/>
+                <a:ea typeface="ＭＳ Ｐゴシック"/>
+              </a:rPr>
+              <a:t>data </a:t>
+            </a:r>
+            <a:r>
+              <a:rPr b="1" lang="es-ES" sz="2400" spc="-1" strike="noStrike">
+                <a:solidFill>
+                  <a:srgbClr val="0059a2"/>
+                </a:solidFill>
+                <a:latin typeface="Arial"/>
+                <a:ea typeface="ＭＳ Ｐゴシック"/>
+              </a:rPr>
+              <a:t>analysis</a:t>
             </a:r>
             <a:endParaRPr b="0" lang="es-ES" sz="2400" spc="-1" strike="noStrike">
+              <a:latin typeface="Arial"/>
+            </a:endParaRPr>
+          </a:p>
+        </p:txBody>
+      </p:sp>
+      <p:pic>
+        <p:nvPicPr>
+          <p:cNvPr id="97" name="" descr=""/>
+          <p:cNvPicPr/>
+          <p:nvPr/>
+        </p:nvPicPr>
+        <p:blipFill>
+          <a:blip r:embed="rId1"/>
+          <a:stretch/>
+        </p:blipFill>
+        <p:spPr>
+          <a:xfrm>
+            <a:off x="1188000" y="1728000"/>
+            <a:ext cx="6629040" cy="1771200"/>
+          </a:xfrm>
+          <a:prstGeom prst="rect">
+            <a:avLst/>
+          </a:prstGeom>
+          <a:ln>
+            <a:noFill/>
+          </a:ln>
+        </p:spPr>
+      </p:pic>
+      <p:sp>
+        <p:nvSpPr>
+          <p:cNvPr id="98" name="CustomShape 4"/>
+          <p:cNvSpPr/>
+          <p:nvPr/>
+        </p:nvSpPr>
+        <p:spPr>
+          <a:xfrm>
+            <a:off x="1080000" y="3600000"/>
+            <a:ext cx="6768000" cy="2448000"/>
+          </a:xfrm>
+          <a:prstGeom prst="rect">
+            <a:avLst/>
+          </a:prstGeom>
+          <a:noFill/>
+          <a:ln>
+            <a:noFill/>
+          </a:ln>
+        </p:spPr>
+        <p:style>
+          <a:lnRef idx="0"/>
+          <a:fillRef idx="0"/>
+          <a:effectRef idx="0"/>
+          <a:fontRef idx="minor"/>
+        </p:style>
+        <p:txBody>
+          <a:bodyPr lIns="90000" rIns="90000" tIns="45000" bIns="45000">
+            <a:noAutofit/>
+          </a:bodyPr>
+          <a:p>
+            <a:pPr>
+              <a:lnSpc>
+                <a:spcPct val="100000"/>
+              </a:lnSpc>
+            </a:pPr>
+            <a:r>
+              <a:rPr b="0" lang="ca-ES" sz="2000" spc="-1" strike="noStrike">
+                <a:solidFill>
+                  <a:srgbClr val="0059a2"/>
+                </a:solidFill>
+                <a:latin typeface="Arial"/>
+                <a:ea typeface="ＭＳ Ｐゴシック"/>
+              </a:rPr>
+              <a:t>- Unusual </a:t>
+            </a:r>
+            <a:r>
+              <a:rPr b="0" lang="ca-ES" sz="2000" spc="-1" strike="noStrike">
+                <a:solidFill>
+                  <a:srgbClr val="0059a2"/>
+                </a:solidFill>
+                <a:latin typeface="Arial"/>
+                <a:ea typeface="ＭＳ Ｐゴシック"/>
+              </a:rPr>
+              <a:t>territorial </a:t>
+            </a:r>
+            <a:r>
+              <a:rPr b="0" lang="ca-ES" sz="2000" spc="-1" strike="noStrike">
+                <a:solidFill>
+                  <a:srgbClr val="0059a2"/>
+                </a:solidFill>
+                <a:latin typeface="Arial"/>
+                <a:ea typeface="ＭＳ Ｐゴシック"/>
+              </a:rPr>
+              <a:t>division</a:t>
+            </a:r>
+            <a:endParaRPr b="0" lang="es-ES" sz="2000" spc="-1" strike="noStrike">
+              <a:latin typeface="Arial"/>
+            </a:endParaRPr>
+          </a:p>
+          <a:p>
+            <a:pPr>
+              <a:lnSpc>
+                <a:spcPct val="100000"/>
+              </a:lnSpc>
+            </a:pPr>
+            <a:r>
+              <a:rPr b="0" lang="ca-ES" sz="2000" spc="-1" strike="noStrike">
+                <a:solidFill>
+                  <a:srgbClr val="0059a2"/>
+                </a:solidFill>
+                <a:latin typeface="Arial"/>
+                <a:ea typeface="ＭＳ Ｐゴシック"/>
+              </a:rPr>
+              <a:t>	</a:t>
+            </a:r>
+            <a:r>
+              <a:rPr b="0" lang="ca-ES" sz="2000" spc="-1" strike="noStrike">
+                <a:solidFill>
+                  <a:srgbClr val="0059a2"/>
+                </a:solidFill>
+                <a:latin typeface="Arial"/>
+                <a:ea typeface="ＭＳ Ｐゴシック"/>
+              </a:rPr>
+              <a:t>&gt; </a:t>
+            </a:r>
+            <a:r>
+              <a:rPr b="0" lang="ca-ES" sz="2000" spc="-1" strike="noStrike">
+                <a:solidFill>
+                  <a:srgbClr val="0059a2"/>
+                </a:solidFill>
+                <a:latin typeface="Arial"/>
+                <a:ea typeface="ＭＳ Ｐゴシック"/>
+              </a:rPr>
+              <a:t>Mismatched </a:t>
+            </a:r>
+            <a:r>
+              <a:rPr b="0" lang="ca-ES" sz="2000" spc="-1" strike="noStrike">
+                <a:solidFill>
+                  <a:srgbClr val="0059a2"/>
+                </a:solidFill>
+                <a:latin typeface="Arial"/>
+                <a:ea typeface="ＭＳ Ｐゴシック"/>
+              </a:rPr>
+              <a:t>regions</a:t>
+            </a:r>
+            <a:endParaRPr b="0" lang="es-ES" sz="2000" spc="-1" strike="noStrike">
+              <a:latin typeface="Arial"/>
+            </a:endParaRPr>
+          </a:p>
+          <a:p>
+            <a:pPr>
+              <a:lnSpc>
+                <a:spcPct val="100000"/>
+              </a:lnSpc>
+            </a:pPr>
+            <a:endParaRPr b="0" lang="es-ES" sz="2000" spc="-1" strike="noStrike">
+              <a:latin typeface="Arial"/>
+            </a:endParaRPr>
+          </a:p>
+          <a:p>
+            <a:pPr>
+              <a:lnSpc>
+                <a:spcPct val="100000"/>
+              </a:lnSpc>
+            </a:pPr>
+            <a:r>
+              <a:rPr b="0" lang="ca-ES" sz="2000" spc="-1" strike="noStrike">
+                <a:solidFill>
+                  <a:srgbClr val="0059a2"/>
+                </a:solidFill>
+                <a:latin typeface="Arial"/>
+                <a:ea typeface="ＭＳ Ｐゴシック"/>
+              </a:rPr>
+              <a:t>- Great influx </a:t>
+            </a:r>
+            <a:r>
+              <a:rPr b="0" lang="ca-ES" sz="2000" spc="-1" strike="noStrike">
+                <a:solidFill>
+                  <a:srgbClr val="0059a2"/>
+                </a:solidFill>
+                <a:latin typeface="Arial"/>
+                <a:ea typeface="ＭＳ Ｐゴシック"/>
+              </a:rPr>
+              <a:t>to regions with </a:t>
+            </a:r>
+            <a:r>
+              <a:rPr b="0" lang="ca-ES" sz="2000" spc="-1" strike="noStrike">
+                <a:solidFill>
+                  <a:srgbClr val="0059a2"/>
+                </a:solidFill>
+                <a:latin typeface="Arial"/>
+                <a:ea typeface="ＭＳ Ｐゴシック"/>
+              </a:rPr>
+              <a:t>Capital cities</a:t>
+            </a:r>
+            <a:endParaRPr b="0" lang="es-ES" sz="2000" spc="-1" strike="noStrike">
+              <a:latin typeface="Arial"/>
+            </a:endParaRPr>
+          </a:p>
+          <a:p>
+            <a:pPr>
+              <a:lnSpc>
+                <a:spcPct val="100000"/>
+              </a:lnSpc>
+            </a:pPr>
+            <a:endParaRPr b="0" lang="es-ES" sz="2000" spc="-1" strike="noStrike">
+              <a:latin typeface="Arial"/>
+            </a:endParaRPr>
+          </a:p>
+          <a:p>
+            <a:pPr>
+              <a:lnSpc>
+                <a:spcPct val="100000"/>
+              </a:lnSpc>
+            </a:pPr>
+            <a:r>
+              <a:rPr b="0" lang="ca-ES" sz="2000" spc="-1" strike="noStrike">
+                <a:solidFill>
+                  <a:srgbClr val="0059a2"/>
+                </a:solidFill>
+                <a:latin typeface="Arial"/>
+                <a:ea typeface="ＭＳ Ｐゴシック"/>
+              </a:rPr>
+              <a:t>- Connecting </a:t>
+            </a:r>
+            <a:r>
+              <a:rPr b="0" lang="ca-ES" sz="2000" spc="-1" strike="noStrike">
+                <a:solidFill>
+                  <a:srgbClr val="0059a2"/>
+                </a:solidFill>
+                <a:latin typeface="Arial"/>
+                <a:ea typeface="ＭＳ Ｐゴシック"/>
+              </a:rPr>
+              <a:t>regions with </a:t>
+            </a:r>
+            <a:r>
+              <a:rPr b="0" lang="ca-ES" sz="2000" spc="-1" strike="noStrike">
+                <a:solidFill>
+                  <a:srgbClr val="0059a2"/>
+                </a:solidFill>
+                <a:latin typeface="Arial"/>
+                <a:ea typeface="ＭＳ Ｐゴシック"/>
+              </a:rPr>
+              <a:t>more migrants </a:t>
+            </a:r>
+            <a:r>
+              <a:rPr b="0" lang="ca-ES" sz="2000" spc="-1" strike="noStrike">
+                <a:solidFill>
+                  <a:srgbClr val="0059a2"/>
+                </a:solidFill>
+                <a:latin typeface="Arial"/>
+                <a:ea typeface="ＭＳ Ｐゴシック"/>
+              </a:rPr>
+              <a:t>Rural areas </a:t>
+            </a:r>
+            <a:r>
+              <a:rPr b="0" lang="ca-ES" sz="2000" spc="-1" strike="noStrike">
+                <a:solidFill>
+                  <a:srgbClr val="0059a2"/>
+                </a:solidFill>
+                <a:latin typeface="Arial"/>
+                <a:ea typeface="ＭＳ Ｐゴシック"/>
+              </a:rPr>
+              <a:t>with less influx</a:t>
+            </a:r>
+            <a:endParaRPr b="0" lang="es-ES" sz="2000" spc="-1" strike="noStrike">
+              <a:latin typeface="Arial"/>
+            </a:endParaRPr>
+          </a:p>
+          <a:p>
+            <a:pPr>
+              <a:lnSpc>
+                <a:spcPct val="100000"/>
+              </a:lnSpc>
+            </a:pPr>
+            <a:endParaRPr b="0" lang="es-ES" sz="2000" spc="-1" strike="noStrike">
+              <a:latin typeface="Arial"/>
+            </a:endParaRPr>
+          </a:p>
+        </p:txBody>
+      </p:sp>
+    </p:spTree>
+  </p:cSld>
+  <mc:AlternateContent>
+    <mc:Choice Requires="p14">
+      <p:transition spd="slow" p14:dur="2000"/>
+    </mc:Choice>
+    <mc:Fallback>
+      <p:transition spd="slow"/>
+    </mc:Fallback>
+  </mc:AlternateContent>
+</p:sld>
+</file>
+
+<file path=ppt/slides/slide5.xml><?xml version="1.0" encoding="utf-8"?>
+<p:sld xmlns:a="http://schemas.openxmlformats.org/drawingml/2006/main" xmlns:p="http://schemas.openxmlformats.org/presentationml/2006/main" xmlns:r="http://schemas.openxmlformats.org/officeDocument/2006/relationships" xmlns:p14="http://schemas.microsoft.com/office/powerpoint/2010/main" xmlns:p15="http://schemas.microsoft.com/office/powerpoint/2012/main" xmlns:mc="http://schemas.openxmlformats.org/markup-compatibility/2006">
+  <p:cSld>
+    <p:spTree>
+      <p:nvGrpSpPr>
+        <p:cNvPr id="1" name=""/>
+        <p:cNvGrpSpPr/>
+        <p:nvPr/>
+      </p:nvGrpSpPr>
+      <p:grpSpPr>
+        <a:xfrm>
+          <a:off x="0" y="0"/>
+          <a:ext cx="0" cy="0"/>
+          <a:chOff x="0" y="0"/>
+          <a:chExt cx="0" cy="0"/>
+        </a:xfrm>
+      </p:grpSpPr>
+      <p:sp>
+        <p:nvSpPr>
+          <p:cNvPr id="99" name="CustomShape 1"/>
+          <p:cNvSpPr/>
+          <p:nvPr/>
+        </p:nvSpPr>
+        <p:spPr>
+          <a:xfrm>
+            <a:off x="287280" y="417600"/>
+            <a:ext cx="5196960" cy="114480"/>
+          </a:xfrm>
+          <a:prstGeom prst="rect">
+            <a:avLst/>
+          </a:prstGeom>
+          <a:noFill/>
+          <a:ln>
+            <a:noFill/>
+          </a:ln>
+        </p:spPr>
+        <p:style>
+          <a:lnRef idx="0"/>
+          <a:fillRef idx="0"/>
+          <a:effectRef idx="0"/>
+          <a:fontRef idx="minor"/>
+        </p:style>
+        <p:txBody>
+          <a:bodyPr lIns="0" rIns="0" tIns="0" bIns="0">
+            <a:noAutofit/>
+          </a:bodyPr>
+          <a:p>
+            <a:pPr marL="343080" indent="-341640">
+              <a:lnSpc>
+                <a:spcPts val="1001"/>
+              </a:lnSpc>
+              <a:tabLst>
+                <a:tab algn="l" pos="0"/>
+              </a:tabLst>
+            </a:pPr>
+            <a:r>
+              <a:rPr b="1" lang="es-ES" sz="800" spc="-1" strike="noStrike">
+                <a:solidFill>
+                  <a:srgbClr val="000000"/>
+                </a:solidFill>
+                <a:latin typeface="Arial"/>
+                <a:ea typeface="ＭＳ Ｐゴシック"/>
+              </a:rPr>
+              <a:t>MSc Physics of Complex Systems </a:t>
+            </a:r>
+            <a:r>
+              <a:rPr b="1" lang="es-ES" sz="800" spc="-1" strike="noStrike">
+                <a:solidFill>
+                  <a:srgbClr val="000000"/>
+                </a:solidFill>
+                <a:latin typeface="Arial"/>
+                <a:ea typeface="ＭＳ Ｐゴシック"/>
+              </a:rPr>
+              <a:t>and Biophysics</a:t>
+            </a:r>
+            <a:endParaRPr b="0" lang="es-ES" sz="800" spc="-1" strike="noStrike">
+              <a:latin typeface="Arial"/>
+            </a:endParaRPr>
+          </a:p>
+          <a:p>
+            <a:pPr marL="343080" indent="-341640">
+              <a:lnSpc>
+                <a:spcPts val="1001"/>
+              </a:lnSpc>
+              <a:tabLst>
+                <a:tab algn="l" pos="0"/>
+              </a:tabLst>
+            </a:pPr>
+            <a:endParaRPr b="0" lang="es-ES" sz="800" spc="-1" strike="noStrike">
               <a:latin typeface="Arial"/>
             </a:endParaRPr>
           </a:p>
@@ -12092,7 +11619,115 @@
       </p:sp>
       <p:sp>
         <p:nvSpPr>
-          <p:cNvPr id="101" name="CustomShape 4"/>
+          <p:cNvPr id="100" name="CustomShape 2"/>
+          <p:cNvSpPr/>
+          <p:nvPr/>
+        </p:nvSpPr>
+        <p:spPr>
+          <a:xfrm>
+            <a:off x="287280" y="536400"/>
+            <a:ext cx="5196960" cy="227160"/>
+          </a:xfrm>
+          <a:prstGeom prst="rect">
+            <a:avLst/>
+          </a:prstGeom>
+          <a:noFill/>
+          <a:ln>
+            <a:noFill/>
+          </a:ln>
+        </p:spPr>
+        <p:style>
+          <a:lnRef idx="0"/>
+          <a:fillRef idx="0"/>
+          <a:effectRef idx="0"/>
+          <a:fontRef idx="minor"/>
+        </p:style>
+        <p:txBody>
+          <a:bodyPr lIns="0" rIns="0" tIns="0" bIns="0">
+            <a:noAutofit/>
+          </a:bodyPr>
+          <a:p>
+            <a:pPr marL="343080" indent="-341640">
+              <a:lnSpc>
+                <a:spcPct val="100000"/>
+              </a:lnSpc>
+              <a:spcBef>
+                <a:spcPts val="159"/>
+              </a:spcBef>
+              <a:tabLst>
+                <a:tab algn="l" pos="0"/>
+              </a:tabLst>
+            </a:pPr>
+            <a:r>
+              <a:rPr b="0" lang="es-ES" sz="800" spc="-1" strike="noStrike">
+                <a:solidFill>
+                  <a:srgbClr val="000000"/>
+                </a:solidFill>
+                <a:latin typeface="Arial"/>
+                <a:ea typeface="ＭＳ Ｐゴシック"/>
+              </a:rPr>
+              <a:t>Analysis and Visualization of Big Data – Final Presentation – Migratory influx of young people into Catalunya</a:t>
+            </a:r>
+            <a:endParaRPr b="0" lang="es-ES" sz="800" spc="-1" strike="noStrike">
+              <a:latin typeface="Arial"/>
+            </a:endParaRPr>
+          </a:p>
+        </p:txBody>
+      </p:sp>
+      <p:sp>
+        <p:nvSpPr>
+          <p:cNvPr id="101" name="CustomShape 3"/>
+          <p:cNvSpPr/>
+          <p:nvPr/>
+        </p:nvSpPr>
+        <p:spPr>
+          <a:xfrm>
+            <a:off x="283320" y="1143000"/>
+            <a:ext cx="8566560" cy="455760"/>
+          </a:xfrm>
+          <a:prstGeom prst="rect">
+            <a:avLst/>
+          </a:prstGeom>
+          <a:noFill/>
+          <a:ln>
+            <a:noFill/>
+          </a:ln>
+        </p:spPr>
+        <p:style>
+          <a:lnRef idx="0"/>
+          <a:fillRef idx="0"/>
+          <a:effectRef idx="0"/>
+          <a:fontRef idx="minor"/>
+        </p:style>
+        <p:txBody>
+          <a:bodyPr lIns="0" rIns="0" tIns="0" bIns="0">
+            <a:noAutofit/>
+          </a:bodyPr>
+          <a:p>
+            <a:pPr>
+              <a:lnSpc>
+                <a:spcPct val="100000"/>
+              </a:lnSpc>
+            </a:pPr>
+            <a:r>
+              <a:rPr b="1" lang="es-ES" sz="2400" spc="-1" strike="noStrike">
+                <a:solidFill>
+                  <a:srgbClr val="0059a2"/>
+                </a:solidFill>
+                <a:latin typeface="Arial"/>
+                <a:ea typeface="ＭＳ Ｐゴシック"/>
+              </a:rPr>
+              <a:t>Time-evolution graphics</a:t>
+            </a:r>
+            <a:endParaRPr b="0" lang="es-ES" sz="2400" spc="-1" strike="noStrike">
+              <a:latin typeface="Arial"/>
+            </a:endParaRPr>
+          </a:p>
+        </p:txBody>
+      </p:sp>
+      <p:sp>
+        <p:nvSpPr>
+          <p:cNvPr id="102" name="CustomShape 4"/>
           <p:cNvSpPr/>
           <p:nvPr/>
         </p:nvSpPr>
@@ -12305,7 +11940,7 @@
       </p:grpSpPr>
       <p:sp>
         <p:nvSpPr>
-          <p:cNvPr id="102" name="CustomShape 1"/>
+          <p:cNvPr id="103" name="CustomShape 1"/>
           <p:cNvSpPr/>
           <p:nvPr/>
         </p:nvSpPr>
@@ -12382,7 +12017,7 @@
       </p:sp>
       <p:sp>
         <p:nvSpPr>
-          <p:cNvPr id="103" name="CustomShape 2"/>
+          <p:cNvPr id="104" name="CustomShape 2"/>
           <p:cNvSpPr/>
           <p:nvPr/>
         </p:nvSpPr>
@@ -12446,13 +12081,30 @@
                 <a:solidFill>
                   <a:srgbClr val="000000"/>
                 </a:solidFill>
-                <a:highlight>
-                  <a:srgbClr val="ffff00"/>
-                </a:highlight>
-                <a:latin typeface="Arial"/>
-                <a:ea typeface="ＭＳ Ｐゴシック"/>
-              </a:rPr>
-              <a:t>Title</a:t>
+                <a:latin typeface="Arial"/>
+                <a:ea typeface="ＭＳ Ｐゴシック"/>
+              </a:rPr>
+              <a:t>Migration </a:t>
+            </a:r>
+            <a:r>
+              <a:rPr b="0" lang="es-ES" sz="800" spc="-1" strike="noStrike">
+                <a:solidFill>
+                  <a:srgbClr val="000000"/>
+                </a:solidFill>
+                <a:latin typeface="Arial"/>
+                <a:ea typeface="ＭＳ Ｐゴシック"/>
+              </a:rPr>
+              <a:t>influx of young people into </a:t>
+            </a:r>
+            <a:r>
+              <a:rPr b="0" lang="es-ES" sz="800" spc="-1" strike="noStrike">
+                <a:solidFill>
+                  <a:srgbClr val="000000"/>
+                </a:solidFill>
+                <a:latin typeface="Arial"/>
+                <a:ea typeface="ＭＳ Ｐゴシック"/>
+              </a:rPr>
+              <a:t>Catalunya</a:t>
             </a:r>
             <a:endParaRPr b="0" lang="es-ES" sz="800" spc="-1" strike="noStrike">
               <a:latin typeface="Arial"/>
@@ -12462,7 +12114,7 @@
       </p:sp>
       <p:sp>
         <p:nvSpPr>
-          <p:cNvPr id="104" name="CustomShape 3"/>
+          <p:cNvPr id="105" name="CustomShape 3"/>
           <p:cNvSpPr/>
           <p:nvPr/>
         </p:nvSpPr>
@@ -12513,7 +12165,7 @@
       </p:sp>
       <p:sp>
         <p:nvSpPr>
-          <p:cNvPr id="105" name="CustomShape 4"/>
+          <p:cNvPr id="106" name="CustomShape 4"/>
           <p:cNvSpPr/>
           <p:nvPr/>
         </p:nvSpPr>
@@ -12784,7 +12436,7 @@
       </p:sp>
       <p:pic>
         <p:nvPicPr>
-          <p:cNvPr id="106" name="" descr=""/>
+          <p:cNvPr id="107" name="" descr=""/>
           <p:cNvPicPr/>
           <p:nvPr/>
         </p:nvPicPr>
@@ -12837,7 +12489,7 @@
       </p:grpSpPr>
       <p:sp>
         <p:nvSpPr>
-          <p:cNvPr id="107" name="CustomShape 1"/>
+          <p:cNvPr id="108" name="CustomShape 1"/>
           <p:cNvSpPr/>
           <p:nvPr/>
         </p:nvSpPr>
@@ -12914,7 +12566,7 @@
       </p:sp>
       <p:sp>
         <p:nvSpPr>
-          <p:cNvPr id="108" name="CustomShape 2"/>
+          <p:cNvPr id="109" name="CustomShape 2"/>
           <p:cNvSpPr/>
           <p:nvPr/>
         </p:nvSpPr>
@@ -12978,13 +12630,30 @@
                 <a:solidFill>
                   <a:srgbClr val="000000"/>
                 </a:solidFill>
-                <a:highlight>
-                  <a:srgbClr val="ffff00"/>
-                </a:highlight>
-                <a:latin typeface="Arial"/>
-                <a:ea typeface="ＭＳ Ｐゴシック"/>
-              </a:rPr>
-              <a:t>Title</a:t>
+                <a:latin typeface="Arial"/>
+                <a:ea typeface="ＭＳ Ｐゴシック"/>
+              </a:rPr>
+              <a:t>Migration </a:t>
+            </a:r>
+            <a:r>
+              <a:rPr b="0" lang="es-ES" sz="800" spc="-1" strike="noStrike">
+                <a:solidFill>
+                  <a:srgbClr val="000000"/>
+                </a:solidFill>
+                <a:latin typeface="Arial"/>
+                <a:ea typeface="ＭＳ Ｐゴシック"/>
+              </a:rPr>
+              <a:t>influx of young people into </a:t>
+            </a:r>
+            <a:r>
+              <a:rPr b="0" lang="es-ES" sz="800" spc="-1" strike="noStrike">
+                <a:solidFill>
+                  <a:srgbClr val="000000"/>
+                </a:solidFill>
+                <a:latin typeface="Arial"/>
+                <a:ea typeface="ＭＳ Ｐゴシック"/>
+              </a:rPr>
+              <a:t>Catalunya</a:t>
             </a:r>
             <a:endParaRPr b="0" lang="es-ES" sz="800" spc="-1" strike="noStrike">
               <a:latin typeface="Arial"/>
@@ -12994,7 +12663,7 @@
       </p:sp>
       <p:sp>
         <p:nvSpPr>
-          <p:cNvPr id="109" name="CustomShape 3"/>
+          <p:cNvPr id="110" name="CustomShape 3"/>
           <p:cNvSpPr/>
           <p:nvPr/>
         </p:nvSpPr>
@@ -13043,277 +12712,6 @@
           </a:p>
         </p:txBody>
       </p:sp>
-      <p:sp>
-        <p:nvSpPr>
-          <p:cNvPr id="110" name="CustomShape 4"/>
-          <p:cNvSpPr/>
-          <p:nvPr/>
-        </p:nvSpPr>
-        <p:spPr>
-          <a:xfrm>
-            <a:off x="531360" y="1981800"/>
-            <a:ext cx="3284280" cy="3489840"/>
-          </a:xfrm>
-          <a:prstGeom prst="rect">
-            <a:avLst/>
-          </a:prstGeom>
-          <a:noFill/>
-          <a:ln>
-            <a:noFill/>
-          </a:ln>
-        </p:spPr>
-        <p:style>
-          <a:lnRef idx="0"/>
-          <a:fillRef idx="0"/>
-          <a:effectRef idx="0"/>
-          <a:fontRef idx="minor"/>
-        </p:style>
-        <p:txBody>
-          <a:bodyPr lIns="90000" rIns="90000" tIns="45000" bIns="45000">
-            <a:noAutofit/>
-          </a:bodyPr>
-          <a:p>
-            <a:pPr>
-              <a:lnSpc>
-                <a:spcPct val="100000"/>
-              </a:lnSpc>
-            </a:pPr>
-            <a:r>
-              <a:rPr b="0" lang="ca-ES" sz="2000" spc="-1" strike="noStrike">
-                <a:solidFill>
-                  <a:srgbClr val="0059a2"/>
-                </a:solidFill>
-                <a:latin typeface="Arial"/>
-                <a:ea typeface="ＭＳ Ｐゴシック"/>
-              </a:rPr>
-              <a:t>- Unusual </a:t>
-            </a:r>
-            <a:r>
-              <a:rPr b="0" lang="ca-ES" sz="2000" spc="-1" strike="noStrike">
-                <a:solidFill>
-                  <a:srgbClr val="0059a2"/>
-                </a:solidFill>
-                <a:latin typeface="Arial"/>
-                <a:ea typeface="ＭＳ Ｐゴシック"/>
-              </a:rPr>
-              <a:t>territorial </a:t>
-            </a:r>
-            <a:r>
-              <a:rPr b="0" lang="ca-ES" sz="2000" spc="-1" strike="noStrike">
-                <a:solidFill>
-                  <a:srgbClr val="0059a2"/>
-                </a:solidFill>
-                <a:latin typeface="Arial"/>
-                <a:ea typeface="ＭＳ Ｐゴシック"/>
-              </a:rPr>
-              <a:t>division</a:t>
-            </a:r>
-            <a:endParaRPr b="0" lang="es-ES" sz="2000" spc="-1" strike="noStrike">
-              <a:latin typeface="Arial"/>
-            </a:endParaRPr>
-          </a:p>
-          <a:p>
-            <a:pPr>
-              <a:lnSpc>
-                <a:spcPct val="100000"/>
-              </a:lnSpc>
-            </a:pPr>
-            <a:r>
-              <a:rPr b="0" lang="ca-ES" sz="2000" spc="-1" strike="noStrike">
-                <a:solidFill>
-                  <a:srgbClr val="0059a2"/>
-                </a:solidFill>
-                <a:latin typeface="Arial"/>
-                <a:ea typeface="ＭＳ Ｐゴシック"/>
-              </a:rPr>
-              <a:t>	</a:t>
-            </a:r>
-            <a:r>
-              <a:rPr b="0" lang="ca-ES" sz="2000" spc="-1" strike="noStrike">
-                <a:solidFill>
-                  <a:srgbClr val="0059a2"/>
-                </a:solidFill>
-                <a:latin typeface="Arial"/>
-                <a:ea typeface="ＭＳ Ｐゴシック"/>
-              </a:rPr>
-              <a:t>&gt; </a:t>
-            </a:r>
-            <a:r>
-              <a:rPr b="0" lang="ca-ES" sz="2000" spc="-1" strike="noStrike">
-                <a:solidFill>
-                  <a:srgbClr val="0059a2"/>
-                </a:solidFill>
-                <a:latin typeface="Arial"/>
-                <a:ea typeface="ＭＳ Ｐゴシック"/>
-              </a:rPr>
-              <a:t>Mismatched </a:t>
-            </a:r>
-            <a:r>
-              <a:rPr b="0" lang="ca-ES" sz="2000" spc="-1" strike="noStrike">
-                <a:solidFill>
-                  <a:srgbClr val="0059a2"/>
-                </a:solidFill>
-                <a:latin typeface="Arial"/>
-                <a:ea typeface="ＭＳ Ｐゴシック"/>
-              </a:rPr>
-              <a:t>regions</a:t>
-            </a:r>
-            <a:endParaRPr b="0" lang="es-ES" sz="2000" spc="-1" strike="noStrike">
-              <a:latin typeface="Arial"/>
-            </a:endParaRPr>
-          </a:p>
-          <a:p>
-            <a:pPr>
-              <a:lnSpc>
-                <a:spcPct val="100000"/>
-              </a:lnSpc>
-            </a:pPr>
-            <a:endParaRPr b="0" lang="es-ES" sz="2000" spc="-1" strike="noStrike">
-              <a:latin typeface="Arial"/>
-            </a:endParaRPr>
-          </a:p>
-          <a:p>
-            <a:pPr>
-              <a:lnSpc>
-                <a:spcPct val="100000"/>
-              </a:lnSpc>
-            </a:pPr>
-            <a:r>
-              <a:rPr b="0" lang="ca-ES" sz="2000" spc="-1" strike="noStrike">
-                <a:solidFill>
-                  <a:srgbClr val="0059a2"/>
-                </a:solidFill>
-                <a:latin typeface="Arial"/>
-                <a:ea typeface="ＭＳ Ｐゴシック"/>
-              </a:rPr>
-              <a:t>- Great influx </a:t>
-            </a:r>
-            <a:r>
-              <a:rPr b="0" lang="ca-ES" sz="2000" spc="-1" strike="noStrike">
-                <a:solidFill>
-                  <a:srgbClr val="0059a2"/>
-                </a:solidFill>
-                <a:latin typeface="Arial"/>
-                <a:ea typeface="ＭＳ Ｐゴシック"/>
-              </a:rPr>
-              <a:t>to regions with </a:t>
-            </a:r>
-            <a:r>
-              <a:rPr b="0" lang="ca-ES" sz="2000" spc="-1" strike="noStrike">
-                <a:solidFill>
-                  <a:srgbClr val="0059a2"/>
-                </a:solidFill>
-                <a:latin typeface="Arial"/>
-                <a:ea typeface="ＭＳ Ｐゴシック"/>
-              </a:rPr>
-              <a:t>Capital cities</a:t>
-            </a:r>
-            <a:endParaRPr b="0" lang="es-ES" sz="2000" spc="-1" strike="noStrike">
-              <a:latin typeface="Arial"/>
-            </a:endParaRPr>
-          </a:p>
-          <a:p>
-            <a:pPr>
-              <a:lnSpc>
-                <a:spcPct val="100000"/>
-              </a:lnSpc>
-            </a:pPr>
-            <a:endParaRPr b="0" lang="es-ES" sz="2000" spc="-1" strike="noStrike">
-              <a:latin typeface="Arial"/>
-            </a:endParaRPr>
-          </a:p>
-          <a:p>
-            <a:pPr>
-              <a:lnSpc>
-                <a:spcPct val="100000"/>
-              </a:lnSpc>
-            </a:pPr>
-            <a:r>
-              <a:rPr b="0" lang="ca-ES" sz="2000" spc="-1" strike="noStrike">
-                <a:solidFill>
-                  <a:srgbClr val="0059a2"/>
-                </a:solidFill>
-                <a:latin typeface="Arial"/>
-                <a:ea typeface="ＭＳ Ｐゴシック"/>
-              </a:rPr>
-              <a:t>- Connecting </a:t>
-            </a:r>
-            <a:r>
-              <a:rPr b="0" lang="ca-ES" sz="2000" spc="-1" strike="noStrike">
-                <a:solidFill>
-                  <a:srgbClr val="0059a2"/>
-                </a:solidFill>
-                <a:latin typeface="Arial"/>
-                <a:ea typeface="ＭＳ Ｐゴシック"/>
-              </a:rPr>
-              <a:t>regions with </a:t>
-            </a:r>
-            <a:r>
-              <a:rPr b="0" lang="ca-ES" sz="2000" spc="-1" strike="noStrike">
-                <a:solidFill>
-                  <a:srgbClr val="0059a2"/>
-                </a:solidFill>
-                <a:latin typeface="Arial"/>
-                <a:ea typeface="ＭＳ Ｐゴシック"/>
-              </a:rPr>
-              <a:t>more migrants</a:t>
-            </a:r>
-            <a:endParaRPr b="0" lang="es-ES" sz="2000" spc="-1" strike="noStrike">
-              <a:latin typeface="Arial"/>
-            </a:endParaRPr>
-          </a:p>
-          <a:p>
-            <a:pPr>
-              <a:lnSpc>
-                <a:spcPct val="100000"/>
-              </a:lnSpc>
-            </a:pPr>
-            <a:endParaRPr b="0" lang="es-ES" sz="2000" spc="-1" strike="noStrike">
-              <a:latin typeface="Arial"/>
-            </a:endParaRPr>
-          </a:p>
-          <a:p>
-            <a:pPr>
-              <a:lnSpc>
-                <a:spcPct val="100000"/>
-              </a:lnSpc>
-            </a:pPr>
-            <a:r>
-              <a:rPr b="0" lang="ca-ES" sz="2000" spc="-1" strike="noStrike">
-                <a:solidFill>
-                  <a:srgbClr val="0059a2"/>
-                </a:solidFill>
-                <a:latin typeface="Arial"/>
-                <a:ea typeface="ＭＳ Ｐゴシック"/>
-              </a:rPr>
-              <a:t>- Rural areas </a:t>
-            </a:r>
-            <a:r>
-              <a:rPr b="0" lang="ca-ES" sz="2000" spc="-1" strike="noStrike">
-                <a:solidFill>
-                  <a:srgbClr val="0059a2"/>
-                </a:solidFill>
-                <a:latin typeface="Arial"/>
-                <a:ea typeface="ＭＳ Ｐゴシック"/>
-              </a:rPr>
-              <a:t>with less influx</a:t>
-            </a:r>
-            <a:endParaRPr b="0" lang="es-ES" sz="2000" spc="-1" strike="noStrike">
-              <a:latin typeface="Arial"/>
-            </a:endParaRPr>
-          </a:p>
-          <a:p>
-            <a:pPr>
-              <a:lnSpc>
-                <a:spcPct val="100000"/>
-              </a:lnSpc>
-            </a:pPr>
-            <a:endParaRPr b="0" lang="es-ES" sz="2000" spc="-1" strike="noStrike">
-              <a:latin typeface="Arial"/>
-            </a:endParaRPr>
-          </a:p>
-        </p:txBody>
-      </p:sp>
       <p:pic>
         <p:nvPicPr>
           <p:cNvPr id="111" name="" descr=""/>
@@ -13326,7 +12724,7 @@
         </p:blipFill>
         <p:spPr>
           <a:xfrm>
-            <a:off x="4608000" y="3935160"/>
+            <a:off x="576000" y="2711160"/>
             <a:ext cx="4033440" cy="2688840"/>
           </a:xfrm>
           <a:prstGeom prst="rect">
@@ -13349,8 +12747,8 @@
         </p:blipFill>
         <p:spPr>
           <a:xfrm>
-            <a:off x="4680000" y="1271880"/>
-            <a:ext cx="3816000" cy="2544120"/>
+            <a:off x="4644720" y="2736000"/>
+            <a:ext cx="3995280" cy="2664000"/>
           </a:xfrm>
           <a:prstGeom prst="rect">
             <a:avLst/>
@@ -13526,20 +12924,27 @@
                 <a:latin typeface="Arial"/>
                 <a:ea typeface="ＭＳ Ｐゴシック"/>
               </a:rPr>
-              <a:t>– Final Presentation - </a:t>
+              <a:t>– Final Presentation – </a:t>
             </a:r>
             <a:r>
               <a:rPr b="0" lang="es-ES" sz="800" spc="-1" strike="noStrike">
                 <a:solidFill>
                   <a:srgbClr val="000000"/>
                 </a:solidFill>
-                <a:highlight>
-                  <a:srgbClr val="ffff00"/>
-                </a:highlight>
-                <a:latin typeface="Arial"/>
-                <a:ea typeface="ＭＳ Ｐゴシック"/>
-              </a:rPr>
-              <a:t>Title</a:t>
+                <a:latin typeface="Arial"/>
+                <a:ea typeface="ＭＳ Ｐゴシック"/>
+              </a:rPr>
+              <a:t>Migratory influx of young </a:t>
+            </a:r>
+            <a:r>
+              <a:rPr b="0" lang="es-ES" sz="800" spc="-1" strike="noStrike">
+                <a:solidFill>
+                  <a:srgbClr val="000000"/>
+                </a:solidFill>
+                <a:latin typeface="Arial"/>
+                <a:ea typeface="ＭＳ Ｐゴシック"/>
+              </a:rPr>
+              <a:t>people into Calaunya</a:t>
             </a:r>
             <a:endParaRPr b="0" lang="es-ES" sz="800" spc="-1" strike="noStrike">
               <a:latin typeface="Arial"/>
@@ -14052,13 +13457,30 @@
                 <a:solidFill>
                   <a:srgbClr val="000000"/>
                 </a:solidFill>
-                <a:highlight>
-                  <a:srgbClr val="ffff00"/>
-                </a:highlight>
-                <a:latin typeface="Arial"/>
-                <a:ea typeface="ＭＳ Ｐゴシック"/>
-              </a:rPr>
-              <a:t>Title</a:t>
+                <a:latin typeface="Arial"/>
+                <a:ea typeface="ＭＳ Ｐゴシック"/>
+              </a:rPr>
+              <a:t>Migration </a:t>
+            </a:r>
+            <a:r>
+              <a:rPr b="0" lang="es-ES" sz="800" spc="-1" strike="noStrike">
+                <a:solidFill>
+                  <a:srgbClr val="000000"/>
+                </a:solidFill>
+                <a:latin typeface="Arial"/>
+                <a:ea typeface="ＭＳ Ｐゴシック"/>
+              </a:rPr>
+              <a:t>influx of young people into </a:t>
+            </a:r>
+            <a:r>
+              <a:rPr b="0" lang="es-ES" sz="800" spc="-1" strike="noStrike">
+                <a:solidFill>
+                  <a:srgbClr val="000000"/>
+                </a:solidFill>
+                <a:latin typeface="Arial"/>
+                <a:ea typeface="ＭＳ Ｐゴシック"/>
+              </a:rPr>
+              <a:t>Catalunya</a:t>
             </a:r>
             <a:endParaRPr b="0" lang="es-ES" sz="800" spc="-1" strike="noStrike">
               <a:latin typeface="Arial"/>
